--- a/resources/Presentation_Fork-Join.pptx
+++ b/resources/Presentation_Fork-Join.pptx
@@ -6,12 +6,18 @@
   </p:sldMasterIdLst>
   <p:sldIdLst>
     <p:sldId id="257" r:id="rId2"/>
-    <p:sldId id="261" r:id="rId3"/>
-    <p:sldId id="263" r:id="rId4"/>
-    <p:sldId id="262" r:id="rId5"/>
-    <p:sldId id="256" r:id="rId6"/>
-    <p:sldId id="258" r:id="rId7"/>
-    <p:sldId id="260" r:id="rId8"/>
+    <p:sldId id="270" r:id="rId3"/>
+    <p:sldId id="260" r:id="rId4"/>
+    <p:sldId id="272" r:id="rId5"/>
+    <p:sldId id="268" r:id="rId6"/>
+    <p:sldId id="275" r:id="rId7"/>
+    <p:sldId id="276" r:id="rId8"/>
+    <p:sldId id="277" r:id="rId9"/>
+    <p:sldId id="273" r:id="rId10"/>
+    <p:sldId id="278" r:id="rId11"/>
+    <p:sldId id="274" r:id="rId12"/>
+    <p:sldId id="271" r:id="rId13"/>
+    <p:sldId id="269" r:id="rId14"/>
   </p:sldIdLst>
   <p:sldSz cx="12192000" cy="6858000"/>
   <p:notesSz cx="6858000" cy="9144000"/>
@@ -113,17 +119,17 @@
   <p:extLst>
     <p:ext uri="{EFAFB233-063F-42B5-8137-9DF3F51BA10A}">
       <p15:sldGuideLst xmlns:p15="http://schemas.microsoft.com/office/powerpoint/2012/main">
-        <p15:guide id="2" pos="438" userDrawn="1">
+        <p15:guide id="2" pos="211" userDrawn="1">
           <p15:clr>
             <a:srgbClr val="A4A3A4"/>
           </p15:clr>
         </p15:guide>
-        <p15:guide id="3" pos="7242" userDrawn="1">
+        <p15:guide id="3" pos="7469" userDrawn="1">
           <p15:clr>
             <a:srgbClr val="A4A3A4"/>
           </p15:clr>
         </p15:guide>
-        <p15:guide id="5" orient="horz" pos="459" userDrawn="1">
+        <p15:guide id="5" orient="horz" pos="368" userDrawn="1">
           <p15:clr>
             <a:srgbClr val="A4A3A4"/>
           </p15:clr>
@@ -297,7 +303,7 @@
           <a:p>
             <a:fld id="{AA5F6801-5DBC-41EF-AD36-D87816C5EB24}" type="datetimeFigureOut">
               <a:rPr lang="ru-RU" smtClean="0"/>
-              <a:t>15.11.2020</a:t>
+              <a:t>18.11.2020</a:t>
             </a:fld>
             <a:endParaRPr lang="ru-RU"/>
           </a:p>
@@ -467,7 +473,7 @@
           <a:p>
             <a:fld id="{AA5F6801-5DBC-41EF-AD36-D87816C5EB24}" type="datetimeFigureOut">
               <a:rPr lang="ru-RU" smtClean="0"/>
-              <a:t>15.11.2020</a:t>
+              <a:t>18.11.2020</a:t>
             </a:fld>
             <a:endParaRPr lang="ru-RU"/>
           </a:p>
@@ -647,7 +653,7 @@
           <a:p>
             <a:fld id="{AA5F6801-5DBC-41EF-AD36-D87816C5EB24}" type="datetimeFigureOut">
               <a:rPr lang="ru-RU" smtClean="0"/>
-              <a:t>15.11.2020</a:t>
+              <a:t>18.11.2020</a:t>
             </a:fld>
             <a:endParaRPr lang="ru-RU"/>
           </a:p>
@@ -817,7 +823,7 @@
           <a:p>
             <a:fld id="{AA5F6801-5DBC-41EF-AD36-D87816C5EB24}" type="datetimeFigureOut">
               <a:rPr lang="ru-RU" smtClean="0"/>
-              <a:t>15.11.2020</a:t>
+              <a:t>18.11.2020</a:t>
             </a:fld>
             <a:endParaRPr lang="ru-RU"/>
           </a:p>
@@ -1085,7 +1091,7 @@
           <a:p>
             <a:fld id="{AA5F6801-5DBC-41EF-AD36-D87816C5EB24}" type="datetimeFigureOut">
               <a:rPr lang="ru-RU" smtClean="0"/>
-              <a:t>15.11.2020</a:t>
+              <a:t>18.11.2020</a:t>
             </a:fld>
             <a:endParaRPr lang="ru-RU"/>
           </a:p>
@@ -1317,7 +1323,7 @@
           <a:p>
             <a:fld id="{AA5F6801-5DBC-41EF-AD36-D87816C5EB24}" type="datetimeFigureOut">
               <a:rPr lang="ru-RU" smtClean="0"/>
-              <a:t>15.11.2020</a:t>
+              <a:t>18.11.2020</a:t>
             </a:fld>
             <a:endParaRPr lang="ru-RU"/>
           </a:p>
@@ -1676,7 +1682,7 @@
           <a:p>
             <a:fld id="{AA5F6801-5DBC-41EF-AD36-D87816C5EB24}" type="datetimeFigureOut">
               <a:rPr lang="ru-RU" smtClean="0"/>
-              <a:t>15.11.2020</a:t>
+              <a:t>18.11.2020</a:t>
             </a:fld>
             <a:endParaRPr lang="ru-RU"/>
           </a:p>
@@ -1817,7 +1823,7 @@
           <a:p>
             <a:fld id="{AA5F6801-5DBC-41EF-AD36-D87816C5EB24}" type="datetimeFigureOut">
               <a:rPr lang="ru-RU" smtClean="0"/>
-              <a:t>15.11.2020</a:t>
+              <a:t>18.11.2020</a:t>
             </a:fld>
             <a:endParaRPr lang="ru-RU"/>
           </a:p>
@@ -1912,7 +1918,7 @@
           <a:p>
             <a:fld id="{AA5F6801-5DBC-41EF-AD36-D87816C5EB24}" type="datetimeFigureOut">
               <a:rPr lang="ru-RU" smtClean="0"/>
-              <a:t>15.11.2020</a:t>
+              <a:t>18.11.2020</a:t>
             </a:fld>
             <a:endParaRPr lang="ru-RU"/>
           </a:p>
@@ -2269,7 +2275,7 @@
           <a:p>
             <a:fld id="{AA5F6801-5DBC-41EF-AD36-D87816C5EB24}" type="datetimeFigureOut">
               <a:rPr lang="ru-RU" smtClean="0"/>
-              <a:t>15.11.2020</a:t>
+              <a:t>18.11.2020</a:t>
             </a:fld>
             <a:endParaRPr lang="ru-RU"/>
           </a:p>
@@ -2626,7 +2632,7 @@
           <a:p>
             <a:fld id="{AA5F6801-5DBC-41EF-AD36-D87816C5EB24}" type="datetimeFigureOut">
               <a:rPr lang="ru-RU" smtClean="0"/>
-              <a:t>15.11.2020</a:t>
+              <a:t>18.11.2020</a:t>
             </a:fld>
             <a:endParaRPr lang="ru-RU"/>
           </a:p>
@@ -2867,7 +2873,7 @@
           <a:p>
             <a:fld id="{AA5F6801-5DBC-41EF-AD36-D87816C5EB24}" type="datetimeFigureOut">
               <a:rPr lang="ru-RU" smtClean="0"/>
-              <a:t>15.11.2020</a:t>
+              <a:t>18.11.2020</a:t>
             </a:fld>
             <a:endParaRPr lang="ru-RU"/>
           </a:p>
@@ -3308,7 +3314,7 @@
     <p:bg>
       <p:bgPr>
         <a:solidFill>
-          <a:srgbClr val="92D050"/>
+          <a:schemeClr val="tx1"/>
         </a:solidFill>
         <a:effectLst/>
       </p:bgPr>
@@ -3329,43 +3335,136 @@
       </p:grpSpPr>
       <p:sp>
         <p:nvSpPr>
-          <p:cNvPr id="2" name="Заголовок 1"/>
-          <p:cNvSpPr>
-            <a:spLocks noGrp="1"/>
-          </p:cNvSpPr>
-          <p:nvPr>
-            <p:ph type="ctrTitle"/>
-          </p:nvPr>
+          <p:cNvPr id="4" name="TextBox 3"/>
+          <p:cNvSpPr txBox="1"/>
+          <p:nvPr/>
         </p:nvSpPr>
         <p:spPr>
-          <a:solidFill>
-            <a:srgbClr val="FFFF00"/>
-          </a:solidFill>
+          <a:xfrm>
+            <a:off x="0" y="2543175"/>
+            <a:ext cx="12191999" cy="1015663"/>
+          </a:xfrm>
+          <a:prstGeom prst="rect">
+            <a:avLst/>
+          </a:prstGeom>
+          <a:noFill/>
         </p:spPr>
         <p:txBody>
-          <a:bodyPr/>
+          <a:bodyPr wrap="square" rtlCol="0">
+            <a:spAutoFit/>
+          </a:bodyPr>
           <a:lstStyle/>
           <a:p>
-            <a:endParaRPr lang="ru-RU" dirty="0"/>
-          </a:p>
-        </p:txBody>
-      </p:sp>
-      <p:sp>
-        <p:nvSpPr>
-          <p:cNvPr id="3" name="Подзаголовок 2"/>
-          <p:cNvSpPr>
-            <a:spLocks noGrp="1"/>
-          </p:cNvSpPr>
-          <p:nvPr>
-            <p:ph type="subTitle" idx="1"/>
-          </p:nvPr>
-        </p:nvSpPr>
-        <p:spPr/>
-        <p:txBody>
-          <a:bodyPr/>
+            <a:pPr algn="ctr"/>
+            <a:r>
+              <a:rPr lang="en-US" sz="6000" b="1" dirty="0" smtClean="0">
+                <a:solidFill>
+                  <a:schemeClr val="bg1"/>
+                </a:solidFill>
+                <a:latin typeface="Times New Roman" panose="02020603050405020304" pitchFamily="18" charset="0"/>
+                <a:cs typeface="Times New Roman" panose="02020603050405020304" pitchFamily="18" charset="0"/>
+              </a:rPr>
+              <a:t>Java Fork/Join Framework</a:t>
+            </a:r>
+            <a:endParaRPr lang="ru-RU" sz="6000" b="1" dirty="0">
+              <a:solidFill>
+                <a:schemeClr val="bg1"/>
+              </a:solidFill>
+              <a:latin typeface="Times New Roman" panose="02020603050405020304" pitchFamily="18" charset="0"/>
+              <a:cs typeface="Times New Roman" panose="02020603050405020304" pitchFamily="18" charset="0"/>
+            </a:endParaRPr>
+          </a:p>
+        </p:txBody>
+      </p:sp>
+      <p:sp>
+        <p:nvSpPr>
+          <p:cNvPr id="9" name="TextBox 8"/>
+          <p:cNvSpPr txBox="1"/>
+          <p:nvPr/>
+        </p:nvSpPr>
+        <p:spPr>
+          <a:xfrm>
+            <a:off x="1" y="0"/>
+            <a:ext cx="12191999" cy="584775"/>
+          </a:xfrm>
+          <a:prstGeom prst="rect">
+            <a:avLst/>
+          </a:prstGeom>
+        </p:spPr>
+        <p:style>
+          <a:lnRef idx="1">
+            <a:schemeClr val="accent2"/>
+          </a:lnRef>
+          <a:fillRef idx="2">
+            <a:schemeClr val="accent2"/>
+          </a:fillRef>
+          <a:effectRef idx="1">
+            <a:schemeClr val="accent2"/>
+          </a:effectRef>
+          <a:fontRef idx="minor">
+            <a:schemeClr val="dk1"/>
+          </a:fontRef>
+        </p:style>
+        <p:txBody>
+          <a:bodyPr wrap="square" rtlCol="0">
+            <a:spAutoFit/>
+          </a:bodyPr>
           <a:lstStyle/>
           <a:p>
-            <a:endParaRPr lang="ru-RU" dirty="0"/>
+            <a:pPr algn="ctr"/>
+            <a:endParaRPr lang="ru-RU" sz="3200" dirty="0">
+              <a:solidFill>
+                <a:schemeClr val="bg1"/>
+              </a:solidFill>
+              <a:latin typeface="Times New Roman" panose="02020603050405020304" pitchFamily="18" charset="0"/>
+              <a:cs typeface="Times New Roman" panose="02020603050405020304" pitchFamily="18" charset="0"/>
+            </a:endParaRPr>
+          </a:p>
+        </p:txBody>
+      </p:sp>
+      <p:sp>
+        <p:nvSpPr>
+          <p:cNvPr id="10" name="TextBox 9"/>
+          <p:cNvSpPr txBox="1"/>
+          <p:nvPr/>
+        </p:nvSpPr>
+        <p:spPr>
+          <a:xfrm>
+            <a:off x="1" y="6273225"/>
+            <a:ext cx="12191999" cy="584775"/>
+          </a:xfrm>
+          <a:prstGeom prst="rect">
+            <a:avLst/>
+          </a:prstGeom>
+        </p:spPr>
+        <p:style>
+          <a:lnRef idx="1">
+            <a:schemeClr val="accent2"/>
+          </a:lnRef>
+          <a:fillRef idx="2">
+            <a:schemeClr val="accent2"/>
+          </a:fillRef>
+          <a:effectRef idx="1">
+            <a:schemeClr val="accent2"/>
+          </a:effectRef>
+          <a:fontRef idx="minor">
+            <a:schemeClr val="dk1"/>
+          </a:fontRef>
+        </p:style>
+        <p:txBody>
+          <a:bodyPr wrap="square" rtlCol="0">
+            <a:spAutoFit/>
+          </a:bodyPr>
+          <a:lstStyle/>
+          <a:p>
+            <a:pPr algn="ctr"/>
+            <a:endParaRPr lang="ru-RU" sz="3200" dirty="0">
+              <a:solidFill>
+                <a:schemeClr val="bg1"/>
+              </a:solidFill>
+              <a:latin typeface="Times New Roman" panose="02020603050405020304" pitchFamily="18" charset="0"/>
+              <a:cs typeface="Times New Roman" panose="02020603050405020304" pitchFamily="18" charset="0"/>
+            </a:endParaRPr>
           </a:p>
         </p:txBody>
       </p:sp>
@@ -3373,6 +3472,1828 @@
     <p:extLst>
       <p:ext uri="{BB962C8B-B14F-4D97-AF65-F5344CB8AC3E}">
         <p14:creationId xmlns:p14="http://schemas.microsoft.com/office/powerpoint/2010/main" val="4199049703"/>
+      </p:ext>
+    </p:extLst>
+  </p:cSld>
+  <p:clrMapOvr>
+    <a:masterClrMapping/>
+  </p:clrMapOvr>
+  <p:timing>
+    <p:tnLst>
+      <p:par>
+        <p:cTn id="1" dur="indefinite" restart="never" nodeType="tmRoot"/>
+      </p:par>
+    </p:tnLst>
+  </p:timing>
+</p:sld>
+</file>
+
+<file path=ppt/slides/slide10.xml><?xml version="1.0" encoding="utf-8"?>
+<p:sld xmlns:a="http://schemas.openxmlformats.org/drawingml/2006/main" xmlns:r="http://schemas.openxmlformats.org/officeDocument/2006/relationships" xmlns:p="http://schemas.openxmlformats.org/presentationml/2006/main">
+  <p:cSld>
+    <p:spTree>
+      <p:nvGrpSpPr>
+        <p:cNvPr id="1" name=""/>
+        <p:cNvGrpSpPr/>
+        <p:nvPr/>
+      </p:nvGrpSpPr>
+      <p:grpSpPr>
+        <a:xfrm>
+          <a:off x="0" y="0"/>
+          <a:ext cx="0" cy="0"/>
+          <a:chOff x="0" y="0"/>
+          <a:chExt cx="0" cy="0"/>
+        </a:xfrm>
+      </p:grpSpPr>
+      <p:sp>
+        <p:nvSpPr>
+          <p:cNvPr id="5" name="TextBox 4"/>
+          <p:cNvSpPr txBox="1"/>
+          <p:nvPr/>
+        </p:nvSpPr>
+        <p:spPr>
+          <a:xfrm>
+            <a:off x="1" y="6273225"/>
+            <a:ext cx="12191999" cy="584775"/>
+          </a:xfrm>
+          <a:prstGeom prst="rect">
+            <a:avLst/>
+          </a:prstGeom>
+        </p:spPr>
+        <p:style>
+          <a:lnRef idx="1">
+            <a:schemeClr val="accent2"/>
+          </a:lnRef>
+          <a:fillRef idx="2">
+            <a:schemeClr val="accent2"/>
+          </a:fillRef>
+          <a:effectRef idx="1">
+            <a:schemeClr val="accent2"/>
+          </a:effectRef>
+          <a:fontRef idx="minor">
+            <a:schemeClr val="dk1"/>
+          </a:fontRef>
+        </p:style>
+        <p:txBody>
+          <a:bodyPr wrap="square" rtlCol="0">
+            <a:spAutoFit/>
+          </a:bodyPr>
+          <a:lstStyle/>
+          <a:p>
+            <a:pPr algn="ctr"/>
+            <a:endParaRPr lang="ru-RU" sz="3200" dirty="0">
+              <a:solidFill>
+                <a:schemeClr val="bg1"/>
+              </a:solidFill>
+              <a:latin typeface="Times New Roman" panose="02020603050405020304" pitchFamily="18" charset="0"/>
+              <a:cs typeface="Times New Roman" panose="02020603050405020304" pitchFamily="18" charset="0"/>
+            </a:endParaRPr>
+          </a:p>
+        </p:txBody>
+      </p:sp>
+      <p:sp>
+        <p:nvSpPr>
+          <p:cNvPr id="8" name="TextBox 7"/>
+          <p:cNvSpPr txBox="1"/>
+          <p:nvPr/>
+        </p:nvSpPr>
+        <p:spPr>
+          <a:xfrm>
+            <a:off x="0" y="-575"/>
+            <a:ext cx="12191999" cy="584775"/>
+          </a:xfrm>
+          <a:prstGeom prst="rect">
+            <a:avLst/>
+          </a:prstGeom>
+        </p:spPr>
+        <p:style>
+          <a:lnRef idx="1">
+            <a:schemeClr val="accent2"/>
+          </a:lnRef>
+          <a:fillRef idx="2">
+            <a:schemeClr val="accent2"/>
+          </a:fillRef>
+          <a:effectRef idx="1">
+            <a:schemeClr val="accent2"/>
+          </a:effectRef>
+          <a:fontRef idx="minor">
+            <a:schemeClr val="dk1"/>
+          </a:fontRef>
+        </p:style>
+        <p:txBody>
+          <a:bodyPr wrap="square" rtlCol="0">
+            <a:spAutoFit/>
+          </a:bodyPr>
+          <a:lstStyle/>
+          <a:p>
+            <a:pPr algn="ctr"/>
+            <a:r>
+              <a:rPr lang="ru-RU" sz="3200" b="1" dirty="0" smtClean="0">
+                <a:solidFill>
+                  <a:srgbClr val="002060"/>
+                </a:solidFill>
+                <a:latin typeface="Times New Roman" panose="02020603050405020304" pitchFamily="18" charset="0"/>
+                <a:cs typeface="Times New Roman" panose="02020603050405020304" pitchFamily="18" charset="0"/>
+              </a:rPr>
+              <a:t>Методы </a:t>
+            </a:r>
+            <a:r>
+              <a:rPr lang="en-US" sz="3200" b="1" dirty="0" smtClean="0">
+                <a:solidFill>
+                  <a:srgbClr val="002060"/>
+                </a:solidFill>
+                <a:latin typeface="Times New Roman" panose="02020603050405020304" pitchFamily="18" charset="0"/>
+                <a:cs typeface="Times New Roman" panose="02020603050405020304" pitchFamily="18" charset="0"/>
+              </a:rPr>
+              <a:t>fork() </a:t>
+            </a:r>
+            <a:r>
+              <a:rPr lang="ru-RU" sz="3200" b="1" dirty="0" smtClean="0">
+                <a:solidFill>
+                  <a:srgbClr val="002060"/>
+                </a:solidFill>
+                <a:latin typeface="Times New Roman" panose="02020603050405020304" pitchFamily="18" charset="0"/>
+                <a:cs typeface="Times New Roman" panose="02020603050405020304" pitchFamily="18" charset="0"/>
+              </a:rPr>
+              <a:t>и </a:t>
+            </a:r>
+            <a:r>
+              <a:rPr lang="en-US" sz="3200" b="1" dirty="0" smtClean="0">
+                <a:solidFill>
+                  <a:srgbClr val="002060"/>
+                </a:solidFill>
+                <a:latin typeface="Times New Roman" panose="02020603050405020304" pitchFamily="18" charset="0"/>
+                <a:cs typeface="Times New Roman" panose="02020603050405020304" pitchFamily="18" charset="0"/>
+              </a:rPr>
+              <a:t>join()</a:t>
+            </a:r>
+            <a:endParaRPr lang="ru-RU" sz="3200" b="1" dirty="0">
+              <a:solidFill>
+                <a:srgbClr val="002060"/>
+              </a:solidFill>
+              <a:latin typeface="Times New Roman" panose="02020603050405020304" pitchFamily="18" charset="0"/>
+              <a:cs typeface="Times New Roman" panose="02020603050405020304" pitchFamily="18" charset="0"/>
+            </a:endParaRPr>
+          </a:p>
+        </p:txBody>
+      </p:sp>
+      <p:sp>
+        <p:nvSpPr>
+          <p:cNvPr id="7" name="TextBox 6"/>
+          <p:cNvSpPr txBox="1"/>
+          <p:nvPr/>
+        </p:nvSpPr>
+        <p:spPr>
+          <a:xfrm>
+            <a:off x="334963" y="724931"/>
+            <a:ext cx="11522075" cy="5262979"/>
+          </a:xfrm>
+          <a:prstGeom prst="rect">
+            <a:avLst/>
+          </a:prstGeom>
+          <a:noFill/>
+        </p:spPr>
+        <p:txBody>
+          <a:bodyPr wrap="square" rtlCol="0">
+            <a:spAutoFit/>
+          </a:bodyPr>
+          <a:lstStyle/>
+          <a:p>
+            <a:pPr marL="342900" indent="-342900">
+              <a:buFontTx/>
+              <a:buChar char="-"/>
+            </a:pPr>
+            <a:r>
+              <a:rPr lang="en-US" sz="2800" b="1" dirty="0" smtClean="0">
+                <a:latin typeface="Times New Roman" panose="02020603050405020304" pitchFamily="18" charset="0"/>
+                <a:cs typeface="Times New Roman" panose="02020603050405020304" pitchFamily="18" charset="0"/>
+              </a:rPr>
+              <a:t>fork</a:t>
+            </a:r>
+            <a:r>
+              <a:rPr lang="en-US" sz="2800" b="1" dirty="0">
+                <a:latin typeface="Times New Roman" panose="02020603050405020304" pitchFamily="18" charset="0"/>
+                <a:cs typeface="Times New Roman" panose="02020603050405020304" pitchFamily="18" charset="0"/>
+              </a:rPr>
+              <a:t>()</a:t>
+            </a:r>
+            <a:r>
+              <a:rPr lang="ru-RU" sz="2800" dirty="0">
+                <a:latin typeface="Times New Roman" panose="02020603050405020304" pitchFamily="18" charset="0"/>
+                <a:cs typeface="Times New Roman" panose="02020603050405020304" pitchFamily="18" charset="0"/>
+              </a:rPr>
+              <a:t> – отправляет задачу в пул, но не запускает её выполнение</a:t>
+            </a:r>
+            <a:r>
+              <a:rPr lang="en-US" sz="2800" dirty="0" smtClean="0">
+                <a:latin typeface="Times New Roman" panose="02020603050405020304" pitchFamily="18" charset="0"/>
+                <a:cs typeface="Times New Roman" panose="02020603050405020304" pitchFamily="18" charset="0"/>
+              </a:rPr>
+              <a:t>;</a:t>
+            </a:r>
+            <a:endParaRPr lang="ru-RU" sz="2800" dirty="0" smtClean="0">
+              <a:latin typeface="Times New Roman" panose="02020603050405020304" pitchFamily="18" charset="0"/>
+              <a:cs typeface="Times New Roman" panose="02020603050405020304" pitchFamily="18" charset="0"/>
+            </a:endParaRPr>
+          </a:p>
+          <a:p>
+            <a:pPr marL="342900" indent="-342900">
+              <a:buFontTx/>
+              <a:buChar char="-"/>
+            </a:pPr>
+            <a:r>
+              <a:rPr lang="en-US" sz="2800" b="1" dirty="0">
+                <a:latin typeface="Times New Roman" panose="02020603050405020304" pitchFamily="18" charset="0"/>
+                <a:cs typeface="Times New Roman" panose="02020603050405020304" pitchFamily="18" charset="0"/>
+              </a:rPr>
+              <a:t>join()</a:t>
+            </a:r>
+            <a:r>
+              <a:rPr lang="en-US" sz="2800" dirty="0">
+                <a:latin typeface="Times New Roman" panose="02020603050405020304" pitchFamily="18" charset="0"/>
+                <a:cs typeface="Times New Roman" panose="02020603050405020304" pitchFamily="18" charset="0"/>
+              </a:rPr>
+              <a:t> – </a:t>
+            </a:r>
+            <a:r>
+              <a:rPr lang="ru-RU" sz="2800" dirty="0">
+                <a:latin typeface="Times New Roman" panose="02020603050405020304" pitchFamily="18" charset="0"/>
+                <a:cs typeface="Times New Roman" panose="02020603050405020304" pitchFamily="18" charset="0"/>
+              </a:rPr>
+              <a:t>запускает выполнение задачи, в случае </a:t>
+            </a:r>
+            <a:r>
+              <a:rPr lang="en-US" sz="2800" dirty="0" err="1">
+                <a:latin typeface="Times New Roman" panose="02020603050405020304" pitchFamily="18" charset="0"/>
+                <a:cs typeface="Times New Roman" panose="02020603050405020304" pitchFamily="18" charset="0"/>
+              </a:rPr>
+              <a:t>RecursiveAction</a:t>
+            </a:r>
+            <a:r>
+              <a:rPr lang="en-US" sz="2800" dirty="0">
+                <a:latin typeface="Times New Roman" panose="02020603050405020304" pitchFamily="18" charset="0"/>
+                <a:cs typeface="Times New Roman" panose="02020603050405020304" pitchFamily="18" charset="0"/>
+              </a:rPr>
+              <a:t> </a:t>
+            </a:r>
+            <a:r>
+              <a:rPr lang="ru-RU" sz="2800" dirty="0">
+                <a:latin typeface="Times New Roman" panose="02020603050405020304" pitchFamily="18" charset="0"/>
+                <a:cs typeface="Times New Roman" panose="02020603050405020304" pitchFamily="18" charset="0"/>
+              </a:rPr>
+              <a:t>данный метод ничего не возвращает, а для </a:t>
+            </a:r>
+            <a:r>
+              <a:rPr lang="en-US" sz="2800" dirty="0" err="1">
+                <a:latin typeface="Times New Roman" panose="02020603050405020304" pitchFamily="18" charset="0"/>
+                <a:cs typeface="Times New Roman" panose="02020603050405020304" pitchFamily="18" charset="0"/>
+              </a:rPr>
+              <a:t>RecursiveTask</a:t>
+            </a:r>
+            <a:r>
+              <a:rPr lang="en-US" sz="2800" dirty="0">
+                <a:latin typeface="Times New Roman" panose="02020603050405020304" pitchFamily="18" charset="0"/>
+                <a:cs typeface="Times New Roman" panose="02020603050405020304" pitchFamily="18" charset="0"/>
+              </a:rPr>
+              <a:t>&lt;V&gt;</a:t>
+            </a:r>
+            <a:r>
+              <a:rPr lang="ru-RU" sz="2800" dirty="0">
+                <a:latin typeface="Times New Roman" panose="02020603050405020304" pitchFamily="18" charset="0"/>
+                <a:cs typeface="Times New Roman" panose="02020603050405020304" pitchFamily="18" charset="0"/>
+              </a:rPr>
+              <a:t> он возвращает результат выполнения задачи</a:t>
+            </a:r>
+            <a:r>
+              <a:rPr lang="ru-RU" sz="2800" dirty="0" smtClean="0">
+                <a:latin typeface="Times New Roman" panose="02020603050405020304" pitchFamily="18" charset="0"/>
+                <a:cs typeface="Times New Roman" panose="02020603050405020304" pitchFamily="18" charset="0"/>
+              </a:rPr>
+              <a:t>;</a:t>
+            </a:r>
+          </a:p>
+          <a:p>
+            <a:pPr marL="342900" indent="-342900">
+              <a:buFontTx/>
+              <a:buChar char="-"/>
+            </a:pPr>
+            <a:r>
+              <a:rPr lang="en-US" sz="2800" b="1" dirty="0">
+                <a:latin typeface="Times New Roman" panose="02020603050405020304" pitchFamily="18" charset="0"/>
+                <a:cs typeface="Times New Roman" panose="02020603050405020304" pitchFamily="18" charset="0"/>
+              </a:rPr>
+              <a:t>invoke()</a:t>
+            </a:r>
+            <a:r>
+              <a:rPr lang="en-US" sz="2800" dirty="0">
+                <a:latin typeface="Times New Roman" panose="02020603050405020304" pitchFamily="18" charset="0"/>
+                <a:cs typeface="Times New Roman" panose="02020603050405020304" pitchFamily="18" charset="0"/>
+              </a:rPr>
+              <a:t> – </a:t>
+            </a:r>
+            <a:r>
+              <a:rPr lang="ru-RU" sz="2800" dirty="0">
+                <a:latin typeface="Times New Roman" panose="02020603050405020304" pitchFamily="18" charset="0"/>
+                <a:cs typeface="Times New Roman" panose="02020603050405020304" pitchFamily="18" charset="0"/>
+              </a:rPr>
+              <a:t>разветвляет задачу и ожидает результата (не требует ручного соединения</a:t>
+            </a:r>
+            <a:r>
+              <a:rPr lang="ru-RU" sz="2800" dirty="0" smtClean="0">
+                <a:latin typeface="Times New Roman" panose="02020603050405020304" pitchFamily="18" charset="0"/>
+                <a:cs typeface="Times New Roman" panose="02020603050405020304" pitchFamily="18" charset="0"/>
+              </a:rPr>
+              <a:t>);</a:t>
+            </a:r>
+          </a:p>
+          <a:p>
+            <a:pPr marL="342900" indent="-342900">
+              <a:buFontTx/>
+              <a:buChar char="-"/>
+            </a:pPr>
+            <a:r>
+              <a:rPr lang="en-US" sz="2800" b="1" dirty="0" err="1">
+                <a:latin typeface="Times New Roman" panose="02020603050405020304" pitchFamily="18" charset="0"/>
+                <a:cs typeface="Times New Roman" panose="02020603050405020304" pitchFamily="18" charset="0"/>
+              </a:rPr>
+              <a:t>invokeAll</a:t>
+            </a:r>
+            <a:r>
+              <a:rPr lang="en-US" sz="2800" b="1" dirty="0">
+                <a:latin typeface="Times New Roman" panose="02020603050405020304" pitchFamily="18" charset="0"/>
+                <a:cs typeface="Times New Roman" panose="02020603050405020304" pitchFamily="18" charset="0"/>
+              </a:rPr>
+              <a:t>()</a:t>
+            </a:r>
+            <a:r>
+              <a:rPr lang="en-US" sz="2800" dirty="0">
+                <a:latin typeface="Times New Roman" panose="02020603050405020304" pitchFamily="18" charset="0"/>
+                <a:cs typeface="Times New Roman" panose="02020603050405020304" pitchFamily="18" charset="0"/>
+              </a:rPr>
+              <a:t> – </a:t>
+            </a:r>
+            <a:r>
+              <a:rPr lang="ru-RU" sz="2800" dirty="0">
+                <a:latin typeface="Times New Roman" panose="02020603050405020304" pitchFamily="18" charset="0"/>
+                <a:cs typeface="Times New Roman" panose="02020603050405020304" pitchFamily="18" charset="0"/>
+              </a:rPr>
+              <a:t>принимает задачи в качестве параметров (две задачи, переменные или коллекцию), разветвляет их и передаёт далее в пул</a:t>
+            </a:r>
+            <a:r>
+              <a:rPr lang="ru-RU" sz="2800" dirty="0" smtClean="0">
+                <a:latin typeface="Times New Roman" panose="02020603050405020304" pitchFamily="18" charset="0"/>
+                <a:cs typeface="Times New Roman" panose="02020603050405020304" pitchFamily="18" charset="0"/>
+              </a:rPr>
+              <a:t>.</a:t>
+            </a:r>
+            <a:endParaRPr lang="en-US" sz="2800" dirty="0" smtClean="0">
+              <a:latin typeface="Times New Roman" panose="02020603050405020304" pitchFamily="18" charset="0"/>
+              <a:cs typeface="Times New Roman" panose="02020603050405020304" pitchFamily="18" charset="0"/>
+            </a:endParaRPr>
+          </a:p>
+          <a:p>
+            <a:endParaRPr lang="en-US" sz="2800" dirty="0" smtClean="0">
+              <a:latin typeface="Times New Roman" panose="02020603050405020304" pitchFamily="18" charset="0"/>
+              <a:cs typeface="Times New Roman" panose="02020603050405020304" pitchFamily="18" charset="0"/>
+            </a:endParaRPr>
+          </a:p>
+          <a:p>
+            <a:r>
+              <a:rPr lang="ru-RU" sz="2800" dirty="0" smtClean="0">
+                <a:latin typeface="Times New Roman" panose="02020603050405020304" pitchFamily="18" charset="0"/>
+                <a:cs typeface="Times New Roman" panose="02020603050405020304" pitchFamily="18" charset="0"/>
+              </a:rPr>
+              <a:t>Использование </a:t>
+            </a:r>
+            <a:r>
+              <a:rPr lang="en-US" sz="2800" dirty="0" smtClean="0">
+                <a:latin typeface="Times New Roman" panose="02020603050405020304" pitchFamily="18" charset="0"/>
+                <a:cs typeface="Times New Roman" panose="02020603050405020304" pitchFamily="18" charset="0"/>
+              </a:rPr>
+              <a:t>fork</a:t>
+            </a:r>
+            <a:r>
+              <a:rPr lang="ru-RU" sz="2800" dirty="0" smtClean="0">
+                <a:latin typeface="Times New Roman" panose="02020603050405020304" pitchFamily="18" charset="0"/>
+                <a:cs typeface="Times New Roman" panose="02020603050405020304" pitchFamily="18" charset="0"/>
+              </a:rPr>
+              <a:t>() и </a:t>
+            </a:r>
+            <a:r>
+              <a:rPr lang="en-US" sz="2800" dirty="0" smtClean="0">
+                <a:latin typeface="Times New Roman" panose="02020603050405020304" pitchFamily="18" charset="0"/>
+                <a:cs typeface="Times New Roman" panose="02020603050405020304" pitchFamily="18" charset="0"/>
+              </a:rPr>
+              <a:t>join</a:t>
+            </a:r>
+            <a:r>
+              <a:rPr lang="ru-RU" sz="2800" dirty="0" smtClean="0">
+                <a:latin typeface="Times New Roman" panose="02020603050405020304" pitchFamily="18" charset="0"/>
+                <a:cs typeface="Times New Roman" panose="02020603050405020304" pitchFamily="18" charset="0"/>
+              </a:rPr>
+              <a:t>() имеет последствия для упорядочения результатов. Чтобы избежать путаницы, рекомендуется использовать метод </a:t>
+            </a:r>
+            <a:r>
+              <a:rPr lang="en-US" sz="2800" dirty="0" err="1" smtClean="0">
+                <a:latin typeface="Times New Roman" panose="02020603050405020304" pitchFamily="18" charset="0"/>
+                <a:cs typeface="Times New Roman" panose="02020603050405020304" pitchFamily="18" charset="0"/>
+              </a:rPr>
+              <a:t>invokeAll</a:t>
+            </a:r>
+            <a:r>
+              <a:rPr lang="ru-RU" sz="2800" dirty="0" smtClean="0">
+                <a:latin typeface="Times New Roman" panose="02020603050405020304" pitchFamily="18" charset="0"/>
+                <a:cs typeface="Times New Roman" panose="02020603050405020304" pitchFamily="18" charset="0"/>
+              </a:rPr>
+              <a:t>() для отправки более одной задачи в </a:t>
+            </a:r>
+            <a:r>
+              <a:rPr lang="en-US" sz="2800" dirty="0" err="1" smtClean="0">
+                <a:latin typeface="Times New Roman" panose="02020603050405020304" pitchFamily="18" charset="0"/>
+                <a:cs typeface="Times New Roman" panose="02020603050405020304" pitchFamily="18" charset="0"/>
+              </a:rPr>
+              <a:t>ForkJoinPool</a:t>
+            </a:r>
+            <a:r>
+              <a:rPr lang="ru-RU" sz="2800" dirty="0">
+                <a:latin typeface="Times New Roman" panose="02020603050405020304" pitchFamily="18" charset="0"/>
+                <a:cs typeface="Times New Roman" panose="02020603050405020304" pitchFamily="18" charset="0"/>
+              </a:rPr>
+              <a:t>.</a:t>
+            </a:r>
+            <a:endParaRPr lang="ru-RU" sz="2800" dirty="0" smtClean="0">
+              <a:latin typeface="Times New Roman" panose="02020603050405020304" pitchFamily="18" charset="0"/>
+              <a:cs typeface="Times New Roman" panose="02020603050405020304" pitchFamily="18" charset="0"/>
+            </a:endParaRPr>
+          </a:p>
+        </p:txBody>
+      </p:sp>
+    </p:spTree>
+    <p:extLst>
+      <p:ext uri="{BB962C8B-B14F-4D97-AF65-F5344CB8AC3E}">
+        <p14:creationId xmlns:p14="http://schemas.microsoft.com/office/powerpoint/2010/main" val="3028097894"/>
+      </p:ext>
+    </p:extLst>
+  </p:cSld>
+  <p:clrMapOvr>
+    <a:masterClrMapping/>
+  </p:clrMapOvr>
+  <p:timing>
+    <p:tnLst>
+      <p:par>
+        <p:cTn id="1" dur="indefinite" restart="never" nodeType="tmRoot"/>
+      </p:par>
+    </p:tnLst>
+  </p:timing>
+</p:sld>
+</file>
+
+<file path=ppt/slides/slide11.xml><?xml version="1.0" encoding="utf-8"?>
+<p:sld xmlns:a="http://schemas.openxmlformats.org/drawingml/2006/main" xmlns:r="http://schemas.openxmlformats.org/officeDocument/2006/relationships" xmlns:p="http://schemas.openxmlformats.org/presentationml/2006/main">
+  <p:cSld>
+    <p:spTree>
+      <p:nvGrpSpPr>
+        <p:cNvPr id="1" name=""/>
+        <p:cNvGrpSpPr/>
+        <p:nvPr/>
+      </p:nvGrpSpPr>
+      <p:grpSpPr>
+        <a:xfrm>
+          <a:off x="0" y="0"/>
+          <a:ext cx="0" cy="0"/>
+          <a:chOff x="0" y="0"/>
+          <a:chExt cx="0" cy="0"/>
+        </a:xfrm>
+      </p:grpSpPr>
+      <p:sp>
+        <p:nvSpPr>
+          <p:cNvPr id="5" name="TextBox 4"/>
+          <p:cNvSpPr txBox="1"/>
+          <p:nvPr/>
+        </p:nvSpPr>
+        <p:spPr>
+          <a:xfrm>
+            <a:off x="1" y="6273225"/>
+            <a:ext cx="12191999" cy="584775"/>
+          </a:xfrm>
+          <a:prstGeom prst="rect">
+            <a:avLst/>
+          </a:prstGeom>
+        </p:spPr>
+        <p:style>
+          <a:lnRef idx="1">
+            <a:schemeClr val="accent2"/>
+          </a:lnRef>
+          <a:fillRef idx="2">
+            <a:schemeClr val="accent2"/>
+          </a:fillRef>
+          <a:effectRef idx="1">
+            <a:schemeClr val="accent2"/>
+          </a:effectRef>
+          <a:fontRef idx="minor">
+            <a:schemeClr val="dk1"/>
+          </a:fontRef>
+        </p:style>
+        <p:txBody>
+          <a:bodyPr wrap="square" rtlCol="0">
+            <a:spAutoFit/>
+          </a:bodyPr>
+          <a:lstStyle/>
+          <a:p>
+            <a:pPr algn="ctr"/>
+            <a:endParaRPr lang="ru-RU" sz="3200" dirty="0">
+              <a:solidFill>
+                <a:schemeClr val="bg1"/>
+              </a:solidFill>
+              <a:latin typeface="Times New Roman" panose="02020603050405020304" pitchFamily="18" charset="0"/>
+              <a:cs typeface="Times New Roman" panose="02020603050405020304" pitchFamily="18" charset="0"/>
+            </a:endParaRPr>
+          </a:p>
+        </p:txBody>
+      </p:sp>
+      <p:sp>
+        <p:nvSpPr>
+          <p:cNvPr id="8" name="TextBox 7"/>
+          <p:cNvSpPr txBox="1"/>
+          <p:nvPr/>
+        </p:nvSpPr>
+        <p:spPr>
+          <a:xfrm>
+            <a:off x="0" y="-575"/>
+            <a:ext cx="12191999" cy="584775"/>
+          </a:xfrm>
+          <a:prstGeom prst="rect">
+            <a:avLst/>
+          </a:prstGeom>
+        </p:spPr>
+        <p:style>
+          <a:lnRef idx="1">
+            <a:schemeClr val="accent2"/>
+          </a:lnRef>
+          <a:fillRef idx="2">
+            <a:schemeClr val="accent2"/>
+          </a:fillRef>
+          <a:effectRef idx="1">
+            <a:schemeClr val="accent2"/>
+          </a:effectRef>
+          <a:fontRef idx="minor">
+            <a:schemeClr val="dk1"/>
+          </a:fontRef>
+        </p:style>
+        <p:txBody>
+          <a:bodyPr wrap="square" rtlCol="0">
+            <a:spAutoFit/>
+          </a:bodyPr>
+          <a:lstStyle/>
+          <a:p>
+            <a:pPr algn="ctr"/>
+            <a:r>
+              <a:rPr lang="ru-RU" sz="3200" b="1" dirty="0" smtClean="0">
+                <a:solidFill>
+                  <a:srgbClr val="002060"/>
+                </a:solidFill>
+                <a:latin typeface="Times New Roman" panose="02020603050405020304" pitchFamily="18" charset="0"/>
+                <a:cs typeface="Times New Roman" panose="02020603050405020304" pitchFamily="18" charset="0"/>
+              </a:rPr>
+              <a:t>Заключение</a:t>
+            </a:r>
+            <a:endParaRPr lang="ru-RU" sz="3200" b="1" dirty="0">
+              <a:solidFill>
+                <a:srgbClr val="002060"/>
+              </a:solidFill>
+              <a:latin typeface="Times New Roman" panose="02020603050405020304" pitchFamily="18" charset="0"/>
+              <a:cs typeface="Times New Roman" panose="02020603050405020304" pitchFamily="18" charset="0"/>
+            </a:endParaRPr>
+          </a:p>
+        </p:txBody>
+      </p:sp>
+      <p:sp>
+        <p:nvSpPr>
+          <p:cNvPr id="7" name="TextBox 6"/>
+          <p:cNvSpPr txBox="1"/>
+          <p:nvPr/>
+        </p:nvSpPr>
+        <p:spPr>
+          <a:xfrm>
+            <a:off x="334962" y="584200"/>
+            <a:ext cx="11522075" cy="5016758"/>
+          </a:xfrm>
+          <a:prstGeom prst="rect">
+            <a:avLst/>
+          </a:prstGeom>
+          <a:noFill/>
+        </p:spPr>
+        <p:txBody>
+          <a:bodyPr wrap="square" rtlCol="0">
+            <a:spAutoFit/>
+          </a:bodyPr>
+          <a:lstStyle/>
+          <a:p>
+            <a:r>
+              <a:rPr lang="ru-RU" sz="3200" dirty="0" smtClean="0">
+                <a:latin typeface="Times New Roman" panose="02020603050405020304" pitchFamily="18" charset="0"/>
+                <a:cs typeface="Times New Roman" panose="02020603050405020304" pitchFamily="18" charset="0"/>
+              </a:rPr>
+              <a:t>Использование структуры </a:t>
+            </a:r>
+            <a:r>
+              <a:rPr lang="en-US" sz="3200" dirty="0" smtClean="0">
+                <a:latin typeface="Times New Roman" panose="02020603050405020304" pitchFamily="18" charset="0"/>
+                <a:cs typeface="Times New Roman" panose="02020603050405020304" pitchFamily="18" charset="0"/>
+              </a:rPr>
+              <a:t>fork/join </a:t>
+            </a:r>
+            <a:r>
+              <a:rPr lang="ru-RU" sz="3200" dirty="0" smtClean="0">
+                <a:latin typeface="Times New Roman" panose="02020603050405020304" pitchFamily="18" charset="0"/>
+                <a:cs typeface="Times New Roman" panose="02020603050405020304" pitchFamily="18" charset="0"/>
+              </a:rPr>
+              <a:t>может ускорить обработку больших задач, но для достижения этого результата необходимо следовать некоторым рекомендациям:</a:t>
+            </a:r>
+          </a:p>
+          <a:p>
+            <a:pPr marL="342900" indent="-342900">
+              <a:buFontTx/>
+              <a:buChar char="-"/>
+            </a:pPr>
+            <a:r>
+              <a:rPr lang="ru-RU" sz="3200" dirty="0">
+                <a:latin typeface="Times New Roman" panose="02020603050405020304" pitchFamily="18" charset="0"/>
+                <a:cs typeface="Times New Roman" panose="02020603050405020304" pitchFamily="18" charset="0"/>
+              </a:rPr>
+              <a:t>и</a:t>
+            </a:r>
+            <a:r>
+              <a:rPr lang="ru-RU" sz="3200" dirty="0" smtClean="0">
+                <a:latin typeface="Times New Roman" panose="02020603050405020304" pitchFamily="18" charset="0"/>
+                <a:cs typeface="Times New Roman" panose="02020603050405020304" pitchFamily="18" charset="0"/>
+              </a:rPr>
+              <a:t>спользовать как можно меньше пулов потоков (лучше один пул потоков на приложение или систему)</a:t>
+            </a:r>
+          </a:p>
+          <a:p>
+            <a:pPr marL="342900" indent="-342900">
+              <a:buFontTx/>
+              <a:buChar char="-"/>
+            </a:pPr>
+            <a:r>
+              <a:rPr lang="ru-RU" sz="3200" dirty="0">
+                <a:latin typeface="Times New Roman" panose="02020603050405020304" pitchFamily="18" charset="0"/>
+                <a:cs typeface="Times New Roman" panose="02020603050405020304" pitchFamily="18" charset="0"/>
+              </a:rPr>
+              <a:t>и</a:t>
+            </a:r>
+            <a:r>
+              <a:rPr lang="ru-RU" sz="3200" dirty="0" smtClean="0">
+                <a:latin typeface="Times New Roman" panose="02020603050405020304" pitchFamily="18" charset="0"/>
+                <a:cs typeface="Times New Roman" panose="02020603050405020304" pitchFamily="18" charset="0"/>
+              </a:rPr>
+              <a:t>спользовать общий пул потоков, если не требуется особая настройка</a:t>
+            </a:r>
+          </a:p>
+          <a:p>
+            <a:pPr marL="342900" indent="-342900">
+              <a:buFontTx/>
+              <a:buChar char="-"/>
+            </a:pPr>
+            <a:r>
+              <a:rPr lang="ru-RU" sz="3200" dirty="0" smtClean="0">
+                <a:latin typeface="Times New Roman" panose="02020603050405020304" pitchFamily="18" charset="0"/>
+                <a:cs typeface="Times New Roman" panose="02020603050405020304" pitchFamily="18" charset="0"/>
+              </a:rPr>
+              <a:t>использовать разумный порог для разделения </a:t>
+            </a:r>
+            <a:r>
+              <a:rPr lang="en-US" sz="3200" dirty="0" err="1" smtClean="0">
+                <a:latin typeface="Times New Roman" panose="02020603050405020304" pitchFamily="18" charset="0"/>
+                <a:cs typeface="Times New Roman" panose="02020603050405020304" pitchFamily="18" charset="0"/>
+              </a:rPr>
+              <a:t>ForkJoinTask</a:t>
+            </a:r>
+            <a:r>
+              <a:rPr lang="en-US" sz="3200" dirty="0" smtClean="0">
+                <a:latin typeface="Times New Roman" panose="02020603050405020304" pitchFamily="18" charset="0"/>
+                <a:cs typeface="Times New Roman" panose="02020603050405020304" pitchFamily="18" charset="0"/>
+              </a:rPr>
+              <a:t> </a:t>
+            </a:r>
+            <a:r>
+              <a:rPr lang="ru-RU" sz="3200" dirty="0" smtClean="0">
+                <a:latin typeface="Times New Roman" panose="02020603050405020304" pitchFamily="18" charset="0"/>
+                <a:cs typeface="Times New Roman" panose="02020603050405020304" pitchFamily="18" charset="0"/>
+              </a:rPr>
+              <a:t>на подзадачи</a:t>
+            </a:r>
+          </a:p>
+          <a:p>
+            <a:pPr marL="342900" indent="-342900">
+              <a:buFontTx/>
+              <a:buChar char="-"/>
+            </a:pPr>
+            <a:r>
+              <a:rPr lang="ru-RU" sz="3200" dirty="0">
+                <a:latin typeface="Times New Roman" panose="02020603050405020304" pitchFamily="18" charset="0"/>
+                <a:cs typeface="Times New Roman" panose="02020603050405020304" pitchFamily="18" charset="0"/>
+              </a:rPr>
+              <a:t>и</a:t>
+            </a:r>
+            <a:r>
+              <a:rPr lang="ru-RU" sz="3200" dirty="0" smtClean="0">
+                <a:latin typeface="Times New Roman" panose="02020603050405020304" pitchFamily="18" charset="0"/>
+                <a:cs typeface="Times New Roman" panose="02020603050405020304" pitchFamily="18" charset="0"/>
+              </a:rPr>
+              <a:t>збегать любых блокировок в ваших </a:t>
+            </a:r>
+            <a:r>
+              <a:rPr lang="en-US" sz="3200" dirty="0" err="1" smtClean="0">
+                <a:latin typeface="Times New Roman" panose="02020603050405020304" pitchFamily="18" charset="0"/>
+                <a:cs typeface="Times New Roman" panose="02020603050405020304" pitchFamily="18" charset="0"/>
+              </a:rPr>
+              <a:t>ForkJoinTask</a:t>
+            </a:r>
+            <a:r>
+              <a:rPr lang="ru-RU" sz="3200" dirty="0" smtClean="0">
+                <a:latin typeface="Times New Roman" panose="02020603050405020304" pitchFamily="18" charset="0"/>
+                <a:cs typeface="Times New Roman" panose="02020603050405020304" pitchFamily="18" charset="0"/>
+              </a:rPr>
+              <a:t>-ах</a:t>
+            </a:r>
+          </a:p>
+        </p:txBody>
+      </p:sp>
+    </p:spTree>
+    <p:extLst>
+      <p:ext uri="{BB962C8B-B14F-4D97-AF65-F5344CB8AC3E}">
+        <p14:creationId xmlns:p14="http://schemas.microsoft.com/office/powerpoint/2010/main" val="709801214"/>
+      </p:ext>
+    </p:extLst>
+  </p:cSld>
+  <p:clrMapOvr>
+    <a:masterClrMapping/>
+  </p:clrMapOvr>
+  <p:timing>
+    <p:tnLst>
+      <p:par>
+        <p:cTn id="1" dur="indefinite" restart="never" nodeType="tmRoot"/>
+      </p:par>
+    </p:tnLst>
+  </p:timing>
+</p:sld>
+</file>
+
+<file path=ppt/slides/slide12.xml><?xml version="1.0" encoding="utf-8"?>
+<p:sld xmlns:a="http://schemas.openxmlformats.org/drawingml/2006/main" xmlns:r="http://schemas.openxmlformats.org/officeDocument/2006/relationships" xmlns:p="http://schemas.openxmlformats.org/presentationml/2006/main">
+  <p:cSld>
+    <p:spTree>
+      <p:nvGrpSpPr>
+        <p:cNvPr id="1" name=""/>
+        <p:cNvGrpSpPr/>
+        <p:nvPr/>
+      </p:nvGrpSpPr>
+      <p:grpSpPr>
+        <a:xfrm>
+          <a:off x="0" y="0"/>
+          <a:ext cx="0" cy="0"/>
+          <a:chOff x="0" y="0"/>
+          <a:chExt cx="0" cy="0"/>
+        </a:xfrm>
+      </p:grpSpPr>
+      <p:sp>
+        <p:nvSpPr>
+          <p:cNvPr id="5" name="TextBox 4"/>
+          <p:cNvSpPr txBox="1"/>
+          <p:nvPr/>
+        </p:nvSpPr>
+        <p:spPr>
+          <a:xfrm>
+            <a:off x="1" y="6273225"/>
+            <a:ext cx="12191999" cy="584775"/>
+          </a:xfrm>
+          <a:prstGeom prst="rect">
+            <a:avLst/>
+          </a:prstGeom>
+        </p:spPr>
+        <p:style>
+          <a:lnRef idx="1">
+            <a:schemeClr val="accent2"/>
+          </a:lnRef>
+          <a:fillRef idx="2">
+            <a:schemeClr val="accent2"/>
+          </a:fillRef>
+          <a:effectRef idx="1">
+            <a:schemeClr val="accent2"/>
+          </a:effectRef>
+          <a:fontRef idx="minor">
+            <a:schemeClr val="dk1"/>
+          </a:fontRef>
+        </p:style>
+        <p:txBody>
+          <a:bodyPr wrap="square" rtlCol="0">
+            <a:spAutoFit/>
+          </a:bodyPr>
+          <a:lstStyle/>
+          <a:p>
+            <a:pPr algn="ctr"/>
+            <a:endParaRPr lang="ru-RU" sz="3200" dirty="0">
+              <a:solidFill>
+                <a:schemeClr val="bg1"/>
+              </a:solidFill>
+              <a:latin typeface="Times New Roman" panose="02020603050405020304" pitchFamily="18" charset="0"/>
+              <a:cs typeface="Times New Roman" panose="02020603050405020304" pitchFamily="18" charset="0"/>
+            </a:endParaRPr>
+          </a:p>
+        </p:txBody>
+      </p:sp>
+      <p:sp>
+        <p:nvSpPr>
+          <p:cNvPr id="8" name="TextBox 7"/>
+          <p:cNvSpPr txBox="1"/>
+          <p:nvPr/>
+        </p:nvSpPr>
+        <p:spPr>
+          <a:xfrm>
+            <a:off x="0" y="-575"/>
+            <a:ext cx="12191999" cy="584775"/>
+          </a:xfrm>
+          <a:prstGeom prst="rect">
+            <a:avLst/>
+          </a:prstGeom>
+        </p:spPr>
+        <p:style>
+          <a:lnRef idx="1">
+            <a:schemeClr val="accent2"/>
+          </a:lnRef>
+          <a:fillRef idx="2">
+            <a:schemeClr val="accent2"/>
+          </a:fillRef>
+          <a:effectRef idx="1">
+            <a:schemeClr val="accent2"/>
+          </a:effectRef>
+          <a:fontRef idx="minor">
+            <a:schemeClr val="dk1"/>
+          </a:fontRef>
+        </p:style>
+        <p:txBody>
+          <a:bodyPr wrap="square" rtlCol="0">
+            <a:spAutoFit/>
+          </a:bodyPr>
+          <a:lstStyle/>
+          <a:p>
+            <a:pPr algn="ctr"/>
+            <a:r>
+              <a:rPr lang="ru-RU" sz="3200" b="1" dirty="0" smtClean="0">
+                <a:solidFill>
+                  <a:srgbClr val="002060"/>
+                </a:solidFill>
+                <a:latin typeface="Times New Roman" panose="02020603050405020304" pitchFamily="18" charset="0"/>
+                <a:cs typeface="Times New Roman" panose="02020603050405020304" pitchFamily="18" charset="0"/>
+              </a:rPr>
+              <a:t>Ссылки на используемый материал</a:t>
+            </a:r>
+            <a:endParaRPr lang="ru-RU" sz="3200" b="1" dirty="0">
+              <a:solidFill>
+                <a:srgbClr val="002060"/>
+              </a:solidFill>
+              <a:latin typeface="Times New Roman" panose="02020603050405020304" pitchFamily="18" charset="0"/>
+              <a:cs typeface="Times New Roman" panose="02020603050405020304" pitchFamily="18" charset="0"/>
+            </a:endParaRPr>
+          </a:p>
+        </p:txBody>
+      </p:sp>
+      <p:sp>
+        <p:nvSpPr>
+          <p:cNvPr id="7" name="TextBox 6"/>
+          <p:cNvSpPr txBox="1"/>
+          <p:nvPr/>
+        </p:nvSpPr>
+        <p:spPr>
+          <a:xfrm>
+            <a:off x="334963" y="854631"/>
+            <a:ext cx="11522075" cy="5078313"/>
+          </a:xfrm>
+          <a:prstGeom prst="rect">
+            <a:avLst/>
+          </a:prstGeom>
+          <a:noFill/>
+        </p:spPr>
+        <p:txBody>
+          <a:bodyPr wrap="square" rtlCol="0">
+            <a:spAutoFit/>
+          </a:bodyPr>
+          <a:lstStyle/>
+          <a:p>
+            <a:pPr marL="457200" indent="-457200">
+              <a:buAutoNum type="arabicPeriod"/>
+            </a:pPr>
+            <a:r>
+              <a:rPr lang="ru-RU" dirty="0" smtClean="0">
+                <a:latin typeface="Times New Roman" panose="02020603050405020304" pitchFamily="18" charset="0"/>
+                <a:cs typeface="Times New Roman" panose="02020603050405020304" pitchFamily="18" charset="0"/>
+                <a:hlinkClick r:id="rId2"/>
+              </a:rPr>
+              <a:t>Алексей </a:t>
+            </a:r>
+            <a:r>
+              <a:rPr lang="ru-RU" dirty="0" err="1" smtClean="0">
+                <a:latin typeface="Times New Roman" panose="02020603050405020304" pitchFamily="18" charset="0"/>
+                <a:cs typeface="Times New Roman" panose="02020603050405020304" pitchFamily="18" charset="0"/>
+                <a:hlinkClick r:id="rId2"/>
+              </a:rPr>
+              <a:t>Шипилёв</a:t>
+            </a:r>
+            <a:r>
+              <a:rPr lang="ru-RU" dirty="0" smtClean="0">
+                <a:latin typeface="Times New Roman" panose="02020603050405020304" pitchFamily="18" charset="0"/>
+                <a:cs typeface="Times New Roman" panose="02020603050405020304" pitchFamily="18" charset="0"/>
+                <a:hlinkClick r:id="rId2"/>
+              </a:rPr>
+              <a:t> — </a:t>
+            </a:r>
+            <a:r>
+              <a:rPr lang="en-US" dirty="0" err="1" smtClean="0">
+                <a:latin typeface="Times New Roman" panose="02020603050405020304" pitchFamily="18" charset="0"/>
+                <a:cs typeface="Times New Roman" panose="02020603050405020304" pitchFamily="18" charset="0"/>
+                <a:hlinkClick r:id="rId2"/>
+              </a:rPr>
+              <a:t>ForkJoinPool</a:t>
+            </a:r>
+            <a:r>
+              <a:rPr lang="en-US" dirty="0" smtClean="0">
+                <a:latin typeface="Times New Roman" panose="02020603050405020304" pitchFamily="18" charset="0"/>
+                <a:cs typeface="Times New Roman" panose="02020603050405020304" pitchFamily="18" charset="0"/>
+                <a:hlinkClick r:id="rId2"/>
+              </a:rPr>
+              <a:t> </a:t>
+            </a:r>
+            <a:r>
+              <a:rPr lang="ru-RU" dirty="0" smtClean="0">
+                <a:latin typeface="Times New Roman" panose="02020603050405020304" pitchFamily="18" charset="0"/>
+                <a:cs typeface="Times New Roman" panose="02020603050405020304" pitchFamily="18" charset="0"/>
+                <a:hlinkClick r:id="rId2"/>
+              </a:rPr>
+              <a:t>в </a:t>
+            </a:r>
+            <a:r>
+              <a:rPr lang="en-US" dirty="0" smtClean="0">
+                <a:latin typeface="Times New Roman" panose="02020603050405020304" pitchFamily="18" charset="0"/>
+                <a:cs typeface="Times New Roman" panose="02020603050405020304" pitchFamily="18" charset="0"/>
+                <a:hlinkClick r:id="rId2"/>
+              </a:rPr>
+              <a:t>Java 8</a:t>
+            </a:r>
+            <a:r>
+              <a:rPr lang="ru-RU" dirty="0" smtClean="0">
+                <a:latin typeface="Times New Roman" panose="02020603050405020304" pitchFamily="18" charset="0"/>
+                <a:cs typeface="Times New Roman" panose="02020603050405020304" pitchFamily="18" charset="0"/>
+              </a:rPr>
+              <a:t> (</a:t>
+            </a:r>
+            <a:r>
+              <a:rPr lang="en-US" dirty="0" smtClean="0">
+                <a:latin typeface="Times New Roman" panose="02020603050405020304" pitchFamily="18" charset="0"/>
+                <a:cs typeface="Times New Roman" panose="02020603050405020304" pitchFamily="18" charset="0"/>
+                <a:hlinkClick r:id="rId2"/>
+              </a:rPr>
+              <a:t>https</a:t>
+            </a:r>
+            <a:r>
+              <a:rPr lang="en-US" dirty="0">
+                <a:latin typeface="Times New Roman" panose="02020603050405020304" pitchFamily="18" charset="0"/>
+                <a:cs typeface="Times New Roman" panose="02020603050405020304" pitchFamily="18" charset="0"/>
+                <a:hlinkClick r:id="rId2"/>
+              </a:rPr>
+              <a:t>://</a:t>
+            </a:r>
+            <a:r>
+              <a:rPr lang="en-US" dirty="0" smtClean="0">
+                <a:latin typeface="Times New Roman" panose="02020603050405020304" pitchFamily="18" charset="0"/>
+                <a:cs typeface="Times New Roman" panose="02020603050405020304" pitchFamily="18" charset="0"/>
+                <a:hlinkClick r:id="rId2"/>
+              </a:rPr>
+              <a:t>www.youtube.com/watch?v=t0dGLFtRR9c&amp;t=1202s</a:t>
+            </a:r>
+            <a:r>
+              <a:rPr lang="ru-RU" dirty="0" smtClean="0">
+                <a:latin typeface="Times New Roman" panose="02020603050405020304" pitchFamily="18" charset="0"/>
+                <a:cs typeface="Times New Roman" panose="02020603050405020304" pitchFamily="18" charset="0"/>
+              </a:rPr>
+              <a:t>)</a:t>
+            </a:r>
+            <a:endParaRPr lang="ru-RU" dirty="0">
+              <a:latin typeface="Times New Roman" panose="02020603050405020304" pitchFamily="18" charset="0"/>
+              <a:cs typeface="Times New Roman" panose="02020603050405020304" pitchFamily="18" charset="0"/>
+            </a:endParaRPr>
+          </a:p>
+          <a:p>
+            <a:pPr marL="457200" indent="-457200">
+              <a:buAutoNum type="arabicPeriod"/>
+            </a:pPr>
+            <a:r>
+              <a:rPr lang="ru-RU" dirty="0" smtClean="0">
+                <a:latin typeface="Times New Roman" panose="02020603050405020304" pitchFamily="18" charset="0"/>
+                <a:cs typeface="Times New Roman" panose="02020603050405020304" pitchFamily="18" charset="0"/>
+                <a:hlinkClick r:id="rId3"/>
+              </a:rPr>
+              <a:t>Примеры </a:t>
+            </a:r>
+            <a:r>
+              <a:rPr lang="en-US" dirty="0" smtClean="0">
+                <a:latin typeface="Times New Roman" panose="02020603050405020304" pitchFamily="18" charset="0"/>
+                <a:cs typeface="Times New Roman" panose="02020603050405020304" pitchFamily="18" charset="0"/>
+                <a:hlinkClick r:id="rId3"/>
+              </a:rPr>
+              <a:t>Java Fork/Join Framework</a:t>
+            </a:r>
+            <a:r>
+              <a:rPr lang="ru-RU" dirty="0" smtClean="0">
+                <a:latin typeface="Times New Roman" panose="02020603050405020304" pitchFamily="18" charset="0"/>
+                <a:cs typeface="Times New Roman" panose="02020603050405020304" pitchFamily="18" charset="0"/>
+              </a:rPr>
+              <a:t> (</a:t>
+            </a:r>
+            <a:r>
+              <a:rPr lang="en-US" dirty="0">
+                <a:latin typeface="Times New Roman" panose="02020603050405020304" pitchFamily="18" charset="0"/>
+                <a:cs typeface="Times New Roman" panose="02020603050405020304" pitchFamily="18" charset="0"/>
+                <a:hlinkClick r:id="rId3"/>
+              </a:rPr>
+              <a:t>https://www.codeflow.site/ru/article/java__java-fork-join-framework-examples</a:t>
+            </a:r>
+            <a:r>
+              <a:rPr lang="ru-RU" dirty="0" smtClean="0">
+                <a:latin typeface="Times New Roman" panose="02020603050405020304" pitchFamily="18" charset="0"/>
+                <a:cs typeface="Times New Roman" panose="02020603050405020304" pitchFamily="18" charset="0"/>
+              </a:rPr>
+              <a:t>)</a:t>
+            </a:r>
+          </a:p>
+          <a:p>
+            <a:pPr marL="457200" indent="-457200">
+              <a:buAutoNum type="arabicPeriod"/>
+            </a:pPr>
+            <a:r>
+              <a:rPr lang="ru-RU" dirty="0" smtClean="0">
+                <a:latin typeface="Times New Roman" panose="02020603050405020304" pitchFamily="18" charset="0"/>
+                <a:cs typeface="Times New Roman" panose="02020603050405020304" pitchFamily="18" charset="0"/>
+                <a:hlinkClick r:id="rId4"/>
+              </a:rPr>
+              <a:t>Что такое </a:t>
+            </a:r>
+            <a:r>
+              <a:rPr lang="en-US" dirty="0" err="1" smtClean="0">
+                <a:latin typeface="Times New Roman" panose="02020603050405020304" pitchFamily="18" charset="0"/>
+                <a:cs typeface="Times New Roman" panose="02020603050405020304" pitchFamily="18" charset="0"/>
+                <a:hlinkClick r:id="rId4"/>
+              </a:rPr>
+              <a:t>ForkJoinPool</a:t>
+            </a:r>
+            <a:r>
+              <a:rPr lang="en-US" dirty="0" smtClean="0">
+                <a:latin typeface="Times New Roman" panose="02020603050405020304" pitchFamily="18" charset="0"/>
+                <a:cs typeface="Times New Roman" panose="02020603050405020304" pitchFamily="18" charset="0"/>
+                <a:hlinkClick r:id="rId4"/>
+              </a:rPr>
+              <a:t>?</a:t>
+            </a:r>
+            <a:r>
+              <a:rPr lang="ru-RU" dirty="0" smtClean="0">
+                <a:latin typeface="Times New Roman" panose="02020603050405020304" pitchFamily="18" charset="0"/>
+                <a:cs typeface="Times New Roman" panose="02020603050405020304" pitchFamily="18" charset="0"/>
+              </a:rPr>
+              <a:t> (</a:t>
+            </a:r>
+            <a:r>
+              <a:rPr lang="en-US" dirty="0">
+                <a:latin typeface="Times New Roman" panose="02020603050405020304" pitchFamily="18" charset="0"/>
+                <a:cs typeface="Times New Roman" panose="02020603050405020304" pitchFamily="18" charset="0"/>
+                <a:hlinkClick r:id="rId4"/>
+              </a:rPr>
+              <a:t>https://itsobes.ru/JavaSobes/chto-takoe-forkjoinpool/</a:t>
+            </a:r>
+            <a:r>
+              <a:rPr lang="ru-RU" dirty="0" smtClean="0">
+                <a:latin typeface="Times New Roman" panose="02020603050405020304" pitchFamily="18" charset="0"/>
+                <a:cs typeface="Times New Roman" panose="02020603050405020304" pitchFamily="18" charset="0"/>
+              </a:rPr>
+              <a:t>)</a:t>
+            </a:r>
+          </a:p>
+          <a:p>
+            <a:pPr marL="457200" indent="-457200">
+              <a:buAutoNum type="arabicPeriod"/>
+            </a:pPr>
+            <a:r>
+              <a:rPr lang="ru-RU" dirty="0" smtClean="0">
+                <a:latin typeface="Times New Roman" panose="02020603050405020304" pitchFamily="18" charset="0"/>
+                <a:cs typeface="Times New Roman" panose="02020603050405020304" pitchFamily="18" charset="0"/>
+                <a:hlinkClick r:id="rId5"/>
+              </a:rPr>
+              <a:t>Руководство по </a:t>
+            </a:r>
+            <a:r>
+              <a:rPr lang="ru-RU" dirty="0" err="1" smtClean="0">
+                <a:latin typeface="Times New Roman" panose="02020603050405020304" pitchFamily="18" charset="0"/>
+                <a:cs typeface="Times New Roman" panose="02020603050405020304" pitchFamily="18" charset="0"/>
+                <a:hlinkClick r:id="rId5"/>
+              </a:rPr>
+              <a:t>Fork</a:t>
+            </a:r>
+            <a:r>
+              <a:rPr lang="ru-RU" dirty="0" smtClean="0">
+                <a:latin typeface="Times New Roman" panose="02020603050405020304" pitchFamily="18" charset="0"/>
+                <a:cs typeface="Times New Roman" panose="02020603050405020304" pitchFamily="18" charset="0"/>
+                <a:hlinkClick r:id="rId5"/>
+              </a:rPr>
+              <a:t>/</a:t>
+            </a:r>
+            <a:r>
+              <a:rPr lang="ru-RU" dirty="0" err="1" smtClean="0">
+                <a:latin typeface="Times New Roman" panose="02020603050405020304" pitchFamily="18" charset="0"/>
+                <a:cs typeface="Times New Roman" panose="02020603050405020304" pitchFamily="18" charset="0"/>
+                <a:hlinkClick r:id="rId5"/>
+              </a:rPr>
+              <a:t>Join</a:t>
+            </a:r>
+            <a:r>
+              <a:rPr lang="ru-RU" dirty="0" smtClean="0">
+                <a:latin typeface="Times New Roman" panose="02020603050405020304" pitchFamily="18" charset="0"/>
+                <a:cs typeface="Times New Roman" panose="02020603050405020304" pitchFamily="18" charset="0"/>
+                <a:hlinkClick r:id="rId5"/>
+              </a:rPr>
+              <a:t> </a:t>
+            </a:r>
+            <a:r>
+              <a:rPr lang="ru-RU" dirty="0" err="1" smtClean="0">
+                <a:latin typeface="Times New Roman" panose="02020603050405020304" pitchFamily="18" charset="0"/>
+                <a:cs typeface="Times New Roman" panose="02020603050405020304" pitchFamily="18" charset="0"/>
+                <a:hlinkClick r:id="rId5"/>
+              </a:rPr>
+              <a:t>Framework</a:t>
+            </a:r>
+            <a:r>
+              <a:rPr lang="ru-RU" dirty="0" smtClean="0">
+                <a:latin typeface="Times New Roman" panose="02020603050405020304" pitchFamily="18" charset="0"/>
+                <a:cs typeface="Times New Roman" panose="02020603050405020304" pitchFamily="18" charset="0"/>
+                <a:hlinkClick r:id="rId5"/>
+              </a:rPr>
+              <a:t> в </a:t>
+            </a:r>
+            <a:r>
+              <a:rPr lang="ru-RU" dirty="0" err="1" smtClean="0">
+                <a:latin typeface="Times New Roman" panose="02020603050405020304" pitchFamily="18" charset="0"/>
+                <a:cs typeface="Times New Roman" panose="02020603050405020304" pitchFamily="18" charset="0"/>
+                <a:hlinkClick r:id="rId5"/>
+              </a:rPr>
+              <a:t>Java</a:t>
+            </a:r>
+            <a:r>
+              <a:rPr lang="ru-RU" dirty="0" smtClean="0">
+                <a:latin typeface="Times New Roman" panose="02020603050405020304" pitchFamily="18" charset="0"/>
+                <a:cs typeface="Times New Roman" panose="02020603050405020304" pitchFamily="18" charset="0"/>
+              </a:rPr>
+              <a:t> (</a:t>
+            </a:r>
+            <a:r>
+              <a:rPr lang="en-US" dirty="0">
+                <a:latin typeface="Times New Roman" panose="02020603050405020304" pitchFamily="18" charset="0"/>
+                <a:cs typeface="Times New Roman" panose="02020603050405020304" pitchFamily="18" charset="0"/>
+                <a:hlinkClick r:id="rId5"/>
+              </a:rPr>
+              <a:t>https://www.codeflow.site/ru/article/java-fork-join</a:t>
+            </a:r>
+            <a:r>
+              <a:rPr lang="ru-RU" dirty="0" smtClean="0">
+                <a:latin typeface="Times New Roman" panose="02020603050405020304" pitchFamily="18" charset="0"/>
+                <a:cs typeface="Times New Roman" panose="02020603050405020304" pitchFamily="18" charset="0"/>
+              </a:rPr>
+              <a:t>)</a:t>
+            </a:r>
+          </a:p>
+          <a:p>
+            <a:pPr marL="457200" indent="-457200">
+              <a:buAutoNum type="arabicPeriod"/>
+            </a:pPr>
+            <a:r>
+              <a:rPr lang="en-US" dirty="0" smtClean="0">
+                <a:latin typeface="Times New Roman" panose="02020603050405020304" pitchFamily="18" charset="0"/>
+                <a:cs typeface="Times New Roman" panose="02020603050405020304" pitchFamily="18" charset="0"/>
+                <a:hlinkClick r:id="rId6"/>
+              </a:rPr>
+              <a:t>Thread'</a:t>
+            </a:r>
+            <a:r>
+              <a:rPr lang="ru-RU" dirty="0" smtClean="0">
+                <a:latin typeface="Times New Roman" panose="02020603050405020304" pitchFamily="18" charset="0"/>
+                <a:cs typeface="Times New Roman" panose="02020603050405020304" pitchFamily="18" charset="0"/>
+                <a:hlinkClick r:id="rId6"/>
+              </a:rPr>
+              <a:t>ом </a:t>
+            </a:r>
+            <a:r>
+              <a:rPr lang="en-US" dirty="0" smtClean="0">
+                <a:latin typeface="Times New Roman" panose="02020603050405020304" pitchFamily="18" charset="0"/>
+                <a:cs typeface="Times New Roman" panose="02020603050405020304" pitchFamily="18" charset="0"/>
+                <a:hlinkClick r:id="rId6"/>
+              </a:rPr>
+              <a:t>Java </a:t>
+            </a:r>
+            <a:r>
+              <a:rPr lang="ru-RU" dirty="0" smtClean="0">
+                <a:latin typeface="Times New Roman" panose="02020603050405020304" pitchFamily="18" charset="0"/>
+                <a:cs typeface="Times New Roman" panose="02020603050405020304" pitchFamily="18" charset="0"/>
+                <a:hlinkClick r:id="rId6"/>
+              </a:rPr>
+              <a:t>не испортишь: Часть </a:t>
+            </a:r>
+            <a:r>
+              <a:rPr lang="en-US" dirty="0" smtClean="0">
+                <a:latin typeface="Times New Roman" panose="02020603050405020304" pitchFamily="18" charset="0"/>
+                <a:cs typeface="Times New Roman" panose="02020603050405020304" pitchFamily="18" charset="0"/>
+                <a:hlinkClick r:id="rId6"/>
+              </a:rPr>
+              <a:t>V — Executor, </a:t>
+            </a:r>
+            <a:r>
+              <a:rPr lang="en-US" dirty="0" err="1" smtClean="0">
+                <a:latin typeface="Times New Roman" panose="02020603050405020304" pitchFamily="18" charset="0"/>
+                <a:cs typeface="Times New Roman" panose="02020603050405020304" pitchFamily="18" charset="0"/>
+                <a:hlinkClick r:id="rId6"/>
+              </a:rPr>
+              <a:t>ThreadPool</a:t>
+            </a:r>
+            <a:r>
+              <a:rPr lang="en-US" dirty="0" smtClean="0">
+                <a:latin typeface="Times New Roman" panose="02020603050405020304" pitchFamily="18" charset="0"/>
+                <a:cs typeface="Times New Roman" panose="02020603050405020304" pitchFamily="18" charset="0"/>
+                <a:hlinkClick r:id="rId6"/>
+              </a:rPr>
+              <a:t>, Fork Join</a:t>
+            </a:r>
+            <a:r>
+              <a:rPr lang="ru-RU" dirty="0" smtClean="0">
+                <a:latin typeface="Times New Roman" panose="02020603050405020304" pitchFamily="18" charset="0"/>
+                <a:cs typeface="Times New Roman" panose="02020603050405020304" pitchFamily="18" charset="0"/>
+              </a:rPr>
+              <a:t> (</a:t>
+            </a:r>
+            <a:r>
+              <a:rPr lang="en-US" dirty="0">
+                <a:latin typeface="Times New Roman" panose="02020603050405020304" pitchFamily="18" charset="0"/>
+                <a:cs typeface="Times New Roman" panose="02020603050405020304" pitchFamily="18" charset="0"/>
+                <a:hlinkClick r:id="rId6"/>
+              </a:rPr>
+              <a:t>https://javarush.ru/groups/posts/2078-threadom-java-ne-isportishjh--chastjh-v---executor-threadpool-fork-join-pool</a:t>
+            </a:r>
+            <a:r>
+              <a:rPr lang="ru-RU" dirty="0" smtClean="0">
+                <a:latin typeface="Times New Roman" panose="02020603050405020304" pitchFamily="18" charset="0"/>
+                <a:cs typeface="Times New Roman" panose="02020603050405020304" pitchFamily="18" charset="0"/>
+              </a:rPr>
+              <a:t>)</a:t>
+            </a:r>
+          </a:p>
+          <a:p>
+            <a:pPr marL="457200" indent="-457200">
+              <a:buAutoNum type="arabicPeriod"/>
+            </a:pPr>
+            <a:r>
+              <a:rPr lang="ru-RU" dirty="0" smtClean="0">
+                <a:latin typeface="Times New Roman" panose="02020603050405020304" pitchFamily="18" charset="0"/>
+                <a:cs typeface="Times New Roman" panose="02020603050405020304" pitchFamily="18" charset="0"/>
+                <a:hlinkClick r:id="rId7"/>
+              </a:rPr>
+              <a:t>Введение в пулы потоков в </a:t>
+            </a:r>
+            <a:r>
+              <a:rPr lang="ru-RU" dirty="0" err="1" smtClean="0">
+                <a:latin typeface="Times New Roman" panose="02020603050405020304" pitchFamily="18" charset="0"/>
+                <a:cs typeface="Times New Roman" panose="02020603050405020304" pitchFamily="18" charset="0"/>
+                <a:hlinkClick r:id="rId7"/>
+              </a:rPr>
+              <a:t>Java</a:t>
+            </a:r>
+            <a:r>
+              <a:rPr lang="ru-RU" dirty="0" smtClean="0">
+                <a:latin typeface="Times New Roman" panose="02020603050405020304" pitchFamily="18" charset="0"/>
+                <a:cs typeface="Times New Roman" panose="02020603050405020304" pitchFamily="18" charset="0"/>
+              </a:rPr>
+              <a:t> (</a:t>
+            </a:r>
+            <a:r>
+              <a:rPr lang="en-US" dirty="0">
+                <a:latin typeface="Times New Roman" panose="02020603050405020304" pitchFamily="18" charset="0"/>
+                <a:cs typeface="Times New Roman" panose="02020603050405020304" pitchFamily="18" charset="0"/>
+                <a:hlinkClick r:id="rId7"/>
+              </a:rPr>
+              <a:t>https://www.codeflow.site/ru/article/thread-pool-java-and-guava</a:t>
+            </a:r>
+            <a:r>
+              <a:rPr lang="ru-RU" dirty="0" smtClean="0">
+                <a:latin typeface="Times New Roman" panose="02020603050405020304" pitchFamily="18" charset="0"/>
+                <a:cs typeface="Times New Roman" panose="02020603050405020304" pitchFamily="18" charset="0"/>
+              </a:rPr>
+              <a:t>)</a:t>
+            </a:r>
+          </a:p>
+          <a:p>
+            <a:pPr marL="457200" indent="-457200">
+              <a:buAutoNum type="arabicPeriod"/>
+            </a:pPr>
+            <a:r>
+              <a:rPr lang="en-US" dirty="0" smtClean="0">
+                <a:latin typeface="Times New Roman" panose="02020603050405020304" pitchFamily="18" charset="0"/>
+                <a:cs typeface="Times New Roman" panose="02020603050405020304" pitchFamily="18" charset="0"/>
+                <a:hlinkClick r:id="rId8"/>
+              </a:rPr>
+              <a:t>Fork/Join Framework в Java 7</a:t>
+            </a:r>
+            <a:r>
+              <a:rPr lang="ru-RU" dirty="0" smtClean="0">
+                <a:latin typeface="Times New Roman" panose="02020603050405020304" pitchFamily="18" charset="0"/>
+                <a:cs typeface="Times New Roman" panose="02020603050405020304" pitchFamily="18" charset="0"/>
+              </a:rPr>
+              <a:t> (</a:t>
+            </a:r>
+            <a:r>
+              <a:rPr lang="en-US" dirty="0">
+                <a:latin typeface="Times New Roman" panose="02020603050405020304" pitchFamily="18" charset="0"/>
+                <a:cs typeface="Times New Roman" panose="02020603050405020304" pitchFamily="18" charset="0"/>
+                <a:hlinkClick r:id="rId8"/>
+              </a:rPr>
+              <a:t>https://habr.com/ru/post/128985/</a:t>
+            </a:r>
+            <a:r>
+              <a:rPr lang="ru-RU" dirty="0" smtClean="0">
+                <a:latin typeface="Times New Roman" panose="02020603050405020304" pitchFamily="18" charset="0"/>
+                <a:cs typeface="Times New Roman" panose="02020603050405020304" pitchFamily="18" charset="0"/>
+              </a:rPr>
+              <a:t>)</a:t>
+            </a:r>
+          </a:p>
+          <a:p>
+            <a:pPr marL="457200" indent="-457200">
+              <a:buAutoNum type="arabicPeriod"/>
+            </a:pPr>
+            <a:r>
+              <a:rPr lang="ru-RU" dirty="0" smtClean="0">
+                <a:latin typeface="Times New Roman" panose="02020603050405020304" pitchFamily="18" charset="0"/>
+                <a:cs typeface="Times New Roman" panose="02020603050405020304" pitchFamily="18" charset="0"/>
+                <a:hlinkClick r:id="rId9"/>
+              </a:rPr>
+              <a:t>Урок по </a:t>
+            </a:r>
+            <a:r>
+              <a:rPr lang="ru-RU" dirty="0" err="1" smtClean="0">
+                <a:latin typeface="Times New Roman" panose="02020603050405020304" pitchFamily="18" charset="0"/>
+                <a:cs typeface="Times New Roman" panose="02020603050405020304" pitchFamily="18" charset="0"/>
+                <a:hlinkClick r:id="rId9"/>
+              </a:rPr>
+              <a:t>Java</a:t>
+            </a:r>
+            <a:r>
+              <a:rPr lang="ru-RU" dirty="0" smtClean="0">
+                <a:latin typeface="Times New Roman" panose="02020603050405020304" pitchFamily="18" charset="0"/>
+                <a:cs typeface="Times New Roman" panose="02020603050405020304" pitchFamily="18" charset="0"/>
+                <a:hlinkClick r:id="rId9"/>
+              </a:rPr>
+              <a:t> 89: </a:t>
+            </a:r>
+            <a:r>
+              <a:rPr lang="ru-RU" dirty="0" err="1" smtClean="0">
+                <a:latin typeface="Times New Roman" panose="02020603050405020304" pitchFamily="18" charset="0"/>
+                <a:cs typeface="Times New Roman" panose="02020603050405020304" pitchFamily="18" charset="0"/>
+                <a:hlinkClick r:id="rId9"/>
+              </a:rPr>
+              <a:t>Многопоточность</a:t>
+            </a:r>
+            <a:r>
+              <a:rPr lang="ru-RU" dirty="0" smtClean="0">
+                <a:latin typeface="Times New Roman" panose="02020603050405020304" pitchFamily="18" charset="0"/>
+                <a:cs typeface="Times New Roman" panose="02020603050405020304" pitchFamily="18" charset="0"/>
+                <a:hlinkClick r:id="rId9"/>
+              </a:rPr>
+              <a:t> 24: </a:t>
+            </a:r>
+            <a:r>
+              <a:rPr lang="ru-RU" dirty="0" err="1" smtClean="0">
+                <a:latin typeface="Times New Roman" panose="02020603050405020304" pitchFamily="18" charset="0"/>
+                <a:cs typeface="Times New Roman" panose="02020603050405020304" pitchFamily="18" charset="0"/>
+                <a:hlinkClick r:id="rId9"/>
+              </a:rPr>
+              <a:t>ForkJoinFramework</a:t>
+            </a:r>
+            <a:r>
+              <a:rPr lang="ru-RU" dirty="0" smtClean="0">
+                <a:latin typeface="Times New Roman" panose="02020603050405020304" pitchFamily="18" charset="0"/>
+                <a:cs typeface="Times New Roman" panose="02020603050405020304" pitchFamily="18" charset="0"/>
+              </a:rPr>
+              <a:t> (</a:t>
+            </a:r>
+            <a:r>
+              <a:rPr lang="en-US" dirty="0">
+                <a:latin typeface="Times New Roman" panose="02020603050405020304" pitchFamily="18" charset="0"/>
+                <a:cs typeface="Times New Roman" panose="02020603050405020304" pitchFamily="18" charset="0"/>
+                <a:hlinkClick r:id="rId9"/>
+              </a:rPr>
+              <a:t>https://www.youtube.com/watch?v=Ft8D_Toqa0k</a:t>
+            </a:r>
+            <a:r>
+              <a:rPr lang="ru-RU" dirty="0" smtClean="0">
+                <a:latin typeface="Times New Roman" panose="02020603050405020304" pitchFamily="18" charset="0"/>
+                <a:cs typeface="Times New Roman" panose="02020603050405020304" pitchFamily="18" charset="0"/>
+              </a:rPr>
+              <a:t>)</a:t>
+            </a:r>
+          </a:p>
+          <a:p>
+            <a:pPr marL="457200" indent="-457200">
+              <a:buAutoNum type="arabicPeriod"/>
+            </a:pPr>
+            <a:r>
+              <a:rPr lang="en-US" dirty="0" smtClean="0">
+                <a:latin typeface="Times New Roman" panose="02020603050405020304" pitchFamily="18" charset="0"/>
+                <a:cs typeface="Times New Roman" panose="02020603050405020304" pitchFamily="18" charset="0"/>
+                <a:hlinkClick r:id="rId10"/>
+              </a:rPr>
+              <a:t>Understanding how </a:t>
+            </a:r>
+            <a:r>
+              <a:rPr lang="en-US" dirty="0" err="1" smtClean="0">
+                <a:latin typeface="Times New Roman" panose="02020603050405020304" pitchFamily="18" charset="0"/>
+                <a:cs typeface="Times New Roman" panose="02020603050405020304" pitchFamily="18" charset="0"/>
+                <a:hlinkClick r:id="rId10"/>
+              </a:rPr>
+              <a:t>ForkJoinPool</a:t>
+            </a:r>
+            <a:r>
+              <a:rPr lang="en-US" dirty="0" smtClean="0">
+                <a:latin typeface="Times New Roman" panose="02020603050405020304" pitchFamily="18" charset="0"/>
+                <a:cs typeface="Times New Roman" panose="02020603050405020304" pitchFamily="18" charset="0"/>
+                <a:hlinkClick r:id="rId10"/>
+              </a:rPr>
+              <a:t> works</a:t>
+            </a:r>
+            <a:r>
+              <a:rPr lang="ru-RU" dirty="0" smtClean="0">
+                <a:latin typeface="Times New Roman" panose="02020603050405020304" pitchFamily="18" charset="0"/>
+                <a:cs typeface="Times New Roman" panose="02020603050405020304" pitchFamily="18" charset="0"/>
+              </a:rPr>
+              <a:t> (</a:t>
+            </a:r>
+            <a:r>
+              <a:rPr lang="en-US" dirty="0">
+                <a:latin typeface="Times New Roman" panose="02020603050405020304" pitchFamily="18" charset="0"/>
+                <a:cs typeface="Times New Roman" panose="02020603050405020304" pitchFamily="18" charset="0"/>
+                <a:hlinkClick r:id="rId10"/>
+              </a:rPr>
+              <a:t>https://www.youtube.com/watch?v=5wgZYyvIVJk</a:t>
+            </a:r>
+            <a:r>
+              <a:rPr lang="ru-RU" dirty="0" smtClean="0">
+                <a:latin typeface="Times New Roman" panose="02020603050405020304" pitchFamily="18" charset="0"/>
+                <a:cs typeface="Times New Roman" panose="02020603050405020304" pitchFamily="18" charset="0"/>
+              </a:rPr>
+              <a:t>)</a:t>
+            </a:r>
+          </a:p>
+          <a:p>
+            <a:pPr marL="457200" indent="-457200">
+              <a:buAutoNum type="arabicPeriod"/>
+            </a:pPr>
+            <a:r>
+              <a:rPr lang="en-US" dirty="0" smtClean="0">
+                <a:latin typeface="Times New Roman" panose="02020603050405020304" pitchFamily="18" charset="0"/>
+                <a:cs typeface="Times New Roman" panose="02020603050405020304" pitchFamily="18" charset="0"/>
+                <a:hlinkClick r:id="rId11"/>
+              </a:rPr>
+              <a:t>Java Fork/Join Framework examples</a:t>
+            </a:r>
+            <a:r>
+              <a:rPr lang="ru-RU" dirty="0" smtClean="0">
+                <a:latin typeface="Times New Roman" panose="02020603050405020304" pitchFamily="18" charset="0"/>
+                <a:cs typeface="Times New Roman" panose="02020603050405020304" pitchFamily="18" charset="0"/>
+              </a:rPr>
+              <a:t> (</a:t>
+            </a:r>
+            <a:r>
+              <a:rPr lang="en-US" dirty="0">
+                <a:latin typeface="Times New Roman" panose="02020603050405020304" pitchFamily="18" charset="0"/>
+                <a:cs typeface="Times New Roman" panose="02020603050405020304" pitchFamily="18" charset="0"/>
+                <a:hlinkClick r:id="rId11"/>
+              </a:rPr>
+              <a:t>https://mkyong.com/java/java-fork-join-framework-examples/</a:t>
+            </a:r>
+            <a:r>
+              <a:rPr lang="ru-RU" dirty="0" smtClean="0">
+                <a:latin typeface="Times New Roman" panose="02020603050405020304" pitchFamily="18" charset="0"/>
+                <a:cs typeface="Times New Roman" panose="02020603050405020304" pitchFamily="18" charset="0"/>
+              </a:rPr>
+              <a:t>)</a:t>
+            </a:r>
+          </a:p>
+          <a:p>
+            <a:pPr marL="457200" indent="-457200">
+              <a:buAutoNum type="arabicPeriod"/>
+            </a:pPr>
+            <a:r>
+              <a:rPr lang="en-US" dirty="0" smtClean="0">
+                <a:latin typeface="Times New Roman" panose="02020603050405020304" pitchFamily="18" charset="0"/>
+                <a:cs typeface="Times New Roman" panose="02020603050405020304" pitchFamily="18" charset="0"/>
+                <a:hlinkClick r:id="rId12"/>
+              </a:rPr>
+              <a:t>The Java Fork-Join Pool Framework (Part 1)</a:t>
+            </a:r>
+            <a:r>
+              <a:rPr lang="ru-RU" dirty="0" smtClean="0">
+                <a:latin typeface="Times New Roman" panose="02020603050405020304" pitchFamily="18" charset="0"/>
+                <a:cs typeface="Times New Roman" panose="02020603050405020304" pitchFamily="18" charset="0"/>
+              </a:rPr>
+              <a:t> (</a:t>
+            </a:r>
+            <a:r>
+              <a:rPr lang="en-US" dirty="0">
+                <a:latin typeface="Times New Roman" panose="02020603050405020304" pitchFamily="18" charset="0"/>
+                <a:cs typeface="Times New Roman" panose="02020603050405020304" pitchFamily="18" charset="0"/>
+                <a:hlinkClick r:id="rId12"/>
+              </a:rPr>
+              <a:t>https://www.youtube.com/watch?v=sJ97pduSygk&amp;list=PLzUU0F4LPfLEBzdbyNVd6lMJNcx6aKdDz&amp;index=1</a:t>
+            </a:r>
+            <a:r>
+              <a:rPr lang="ru-RU" dirty="0" smtClean="0">
+                <a:latin typeface="Times New Roman" panose="02020603050405020304" pitchFamily="18" charset="0"/>
+                <a:cs typeface="Times New Roman" panose="02020603050405020304" pitchFamily="18" charset="0"/>
+              </a:rPr>
+              <a:t>)</a:t>
+            </a:r>
+          </a:p>
+          <a:p>
+            <a:pPr marL="457200" indent="-457200">
+              <a:buAutoNum type="arabicPeriod"/>
+            </a:pPr>
+            <a:r>
+              <a:rPr lang="en-US" dirty="0" smtClean="0">
+                <a:latin typeface="Times New Roman" panose="02020603050405020304" pitchFamily="18" charset="0"/>
+                <a:cs typeface="Times New Roman" panose="02020603050405020304" pitchFamily="18" charset="0"/>
+                <a:hlinkClick r:id="rId13"/>
+              </a:rPr>
+              <a:t>The Java Fork-Join Pool Framework (Part 2)</a:t>
+            </a:r>
+            <a:r>
+              <a:rPr lang="ru-RU" dirty="0" smtClean="0">
+                <a:latin typeface="Times New Roman" panose="02020603050405020304" pitchFamily="18" charset="0"/>
+                <a:cs typeface="Times New Roman" panose="02020603050405020304" pitchFamily="18" charset="0"/>
+              </a:rPr>
+              <a:t> (</a:t>
+            </a:r>
+            <a:r>
+              <a:rPr lang="en-US" dirty="0">
+                <a:latin typeface="Times New Roman" panose="02020603050405020304" pitchFamily="18" charset="0"/>
+                <a:cs typeface="Times New Roman" panose="02020603050405020304" pitchFamily="18" charset="0"/>
+                <a:hlinkClick r:id="rId13"/>
+              </a:rPr>
+              <a:t>https://www.youtube.com/watch?v=DfeGz2HRk3c&amp;list=PLzUU0F4LPfLEBzdbyNVd6lMJNcx6aKdDz&amp;index=2</a:t>
+            </a:r>
+            <a:r>
+              <a:rPr lang="ru-RU" dirty="0" smtClean="0">
+                <a:latin typeface="Times New Roman" panose="02020603050405020304" pitchFamily="18" charset="0"/>
+                <a:cs typeface="Times New Roman" panose="02020603050405020304" pitchFamily="18" charset="0"/>
+              </a:rPr>
+              <a:t>)</a:t>
+            </a:r>
+          </a:p>
+          <a:p>
+            <a:pPr marL="457200" indent="-457200">
+              <a:buAutoNum type="arabicPeriod"/>
+            </a:pPr>
+            <a:r>
+              <a:rPr lang="en-US" dirty="0" smtClean="0">
+                <a:latin typeface="Times New Roman" panose="02020603050405020304" pitchFamily="18" charset="0"/>
+                <a:cs typeface="Times New Roman" panose="02020603050405020304" pitchFamily="18" charset="0"/>
+                <a:hlinkClick r:id="rId14"/>
+              </a:rPr>
+              <a:t>Java Concurrency - Fork-Join framework</a:t>
+            </a:r>
+            <a:r>
+              <a:rPr lang="ru-RU" dirty="0" smtClean="0">
+                <a:latin typeface="Times New Roman" panose="02020603050405020304" pitchFamily="18" charset="0"/>
+                <a:cs typeface="Times New Roman" panose="02020603050405020304" pitchFamily="18" charset="0"/>
+              </a:rPr>
+              <a:t> (</a:t>
+            </a:r>
+            <a:r>
+              <a:rPr lang="en-US" dirty="0">
+                <a:latin typeface="Times New Roman" panose="02020603050405020304" pitchFamily="18" charset="0"/>
+                <a:cs typeface="Times New Roman" panose="02020603050405020304" pitchFamily="18" charset="0"/>
+                <a:hlinkClick r:id="rId14"/>
+              </a:rPr>
+              <a:t>https://www.tutorialspoint.com/java_concurrency/concurrency_fork_join.htm</a:t>
+            </a:r>
+            <a:r>
+              <a:rPr lang="ru-RU" dirty="0" smtClean="0">
+                <a:latin typeface="Times New Roman" panose="02020603050405020304" pitchFamily="18" charset="0"/>
+                <a:cs typeface="Times New Roman" panose="02020603050405020304" pitchFamily="18" charset="0"/>
+              </a:rPr>
+              <a:t>)</a:t>
+            </a:r>
+          </a:p>
+          <a:p>
+            <a:pPr marL="457200" indent="-457200">
+              <a:buAutoNum type="arabicPeriod"/>
+            </a:pPr>
+            <a:endParaRPr lang="ru-RU" dirty="0" smtClean="0">
+              <a:latin typeface="Times New Roman" panose="02020603050405020304" pitchFamily="18" charset="0"/>
+              <a:cs typeface="Times New Roman" panose="02020603050405020304" pitchFamily="18" charset="0"/>
+            </a:endParaRPr>
+          </a:p>
+        </p:txBody>
+      </p:sp>
+    </p:spTree>
+    <p:extLst>
+      <p:ext uri="{BB962C8B-B14F-4D97-AF65-F5344CB8AC3E}">
+        <p14:creationId xmlns:p14="http://schemas.microsoft.com/office/powerpoint/2010/main" val="3388329181"/>
+      </p:ext>
+    </p:extLst>
+  </p:cSld>
+  <p:clrMapOvr>
+    <a:masterClrMapping/>
+  </p:clrMapOvr>
+  <p:timing>
+    <p:tnLst>
+      <p:par>
+        <p:cTn id="1" dur="indefinite" restart="never" nodeType="tmRoot"/>
+      </p:par>
+    </p:tnLst>
+  </p:timing>
+</p:sld>
+</file>
+
+<file path=ppt/slides/slide13.xml><?xml version="1.0" encoding="utf-8"?>
+<p:sld xmlns:a="http://schemas.openxmlformats.org/drawingml/2006/main" xmlns:r="http://schemas.openxmlformats.org/officeDocument/2006/relationships" xmlns:p="http://schemas.openxmlformats.org/presentationml/2006/main">
+  <p:cSld>
+    <p:bg>
+      <p:bgPr>
+        <a:solidFill>
+          <a:schemeClr val="tx1"/>
+        </a:solidFill>
+        <a:effectLst/>
+      </p:bgPr>
+    </p:bg>
+    <p:spTree>
+      <p:nvGrpSpPr>
+        <p:cNvPr id="1" name=""/>
+        <p:cNvGrpSpPr/>
+        <p:nvPr/>
+      </p:nvGrpSpPr>
+      <p:grpSpPr>
+        <a:xfrm>
+          <a:off x="0" y="0"/>
+          <a:ext cx="0" cy="0"/>
+          <a:chOff x="0" y="0"/>
+          <a:chExt cx="0" cy="0"/>
+        </a:xfrm>
+      </p:grpSpPr>
+      <p:sp>
+        <p:nvSpPr>
+          <p:cNvPr id="4" name="TextBox 3"/>
+          <p:cNvSpPr txBox="1"/>
+          <p:nvPr/>
+        </p:nvSpPr>
+        <p:spPr>
+          <a:xfrm>
+            <a:off x="0" y="2543175"/>
+            <a:ext cx="12191999" cy="1015663"/>
+          </a:xfrm>
+          <a:prstGeom prst="rect">
+            <a:avLst/>
+          </a:prstGeom>
+          <a:noFill/>
+        </p:spPr>
+        <p:txBody>
+          <a:bodyPr wrap="square" rtlCol="0">
+            <a:spAutoFit/>
+          </a:bodyPr>
+          <a:lstStyle/>
+          <a:p>
+            <a:pPr algn="ctr"/>
+            <a:r>
+              <a:rPr lang="ru-RU" sz="6000" b="1" dirty="0" smtClean="0">
+                <a:solidFill>
+                  <a:schemeClr val="bg1"/>
+                </a:solidFill>
+                <a:latin typeface="Times New Roman" panose="02020603050405020304" pitchFamily="18" charset="0"/>
+                <a:cs typeface="Times New Roman" panose="02020603050405020304" pitchFamily="18" charset="0"/>
+              </a:rPr>
+              <a:t>Спасибо </a:t>
+            </a:r>
+            <a:r>
+              <a:rPr lang="ru-RU" sz="6000" b="1" dirty="0">
+                <a:solidFill>
+                  <a:schemeClr val="bg1"/>
+                </a:solidFill>
+                <a:latin typeface="Times New Roman" panose="02020603050405020304" pitchFamily="18" charset="0"/>
+                <a:cs typeface="Times New Roman" panose="02020603050405020304" pitchFamily="18" charset="0"/>
+              </a:rPr>
+              <a:t>за внимание</a:t>
+            </a:r>
+          </a:p>
+        </p:txBody>
+      </p:sp>
+      <p:sp>
+        <p:nvSpPr>
+          <p:cNvPr id="9" name="TextBox 8"/>
+          <p:cNvSpPr txBox="1"/>
+          <p:nvPr/>
+        </p:nvSpPr>
+        <p:spPr>
+          <a:xfrm>
+            <a:off x="1" y="0"/>
+            <a:ext cx="12191999" cy="584775"/>
+          </a:xfrm>
+          <a:prstGeom prst="rect">
+            <a:avLst/>
+          </a:prstGeom>
+        </p:spPr>
+        <p:style>
+          <a:lnRef idx="1">
+            <a:schemeClr val="accent2"/>
+          </a:lnRef>
+          <a:fillRef idx="2">
+            <a:schemeClr val="accent2"/>
+          </a:fillRef>
+          <a:effectRef idx="1">
+            <a:schemeClr val="accent2"/>
+          </a:effectRef>
+          <a:fontRef idx="minor">
+            <a:schemeClr val="dk1"/>
+          </a:fontRef>
+        </p:style>
+        <p:txBody>
+          <a:bodyPr wrap="square" rtlCol="0">
+            <a:spAutoFit/>
+          </a:bodyPr>
+          <a:lstStyle/>
+          <a:p>
+            <a:pPr algn="ctr"/>
+            <a:endParaRPr lang="ru-RU" sz="3200" dirty="0">
+              <a:solidFill>
+                <a:schemeClr val="bg1"/>
+              </a:solidFill>
+              <a:latin typeface="Times New Roman" panose="02020603050405020304" pitchFamily="18" charset="0"/>
+              <a:cs typeface="Times New Roman" panose="02020603050405020304" pitchFamily="18" charset="0"/>
+            </a:endParaRPr>
+          </a:p>
+        </p:txBody>
+      </p:sp>
+      <p:sp>
+        <p:nvSpPr>
+          <p:cNvPr id="10" name="TextBox 9"/>
+          <p:cNvSpPr txBox="1"/>
+          <p:nvPr/>
+        </p:nvSpPr>
+        <p:spPr>
+          <a:xfrm>
+            <a:off x="1" y="6273225"/>
+            <a:ext cx="12191999" cy="584775"/>
+          </a:xfrm>
+          <a:prstGeom prst="rect">
+            <a:avLst/>
+          </a:prstGeom>
+        </p:spPr>
+        <p:style>
+          <a:lnRef idx="1">
+            <a:schemeClr val="accent2"/>
+          </a:lnRef>
+          <a:fillRef idx="2">
+            <a:schemeClr val="accent2"/>
+          </a:fillRef>
+          <a:effectRef idx="1">
+            <a:schemeClr val="accent2"/>
+          </a:effectRef>
+          <a:fontRef idx="minor">
+            <a:schemeClr val="dk1"/>
+          </a:fontRef>
+        </p:style>
+        <p:txBody>
+          <a:bodyPr wrap="square" rtlCol="0">
+            <a:spAutoFit/>
+          </a:bodyPr>
+          <a:lstStyle/>
+          <a:p>
+            <a:pPr algn="ctr"/>
+            <a:endParaRPr lang="ru-RU" sz="3200" dirty="0">
+              <a:solidFill>
+                <a:schemeClr val="bg1"/>
+              </a:solidFill>
+              <a:latin typeface="Times New Roman" panose="02020603050405020304" pitchFamily="18" charset="0"/>
+              <a:cs typeface="Times New Roman" panose="02020603050405020304" pitchFamily="18" charset="0"/>
+            </a:endParaRPr>
+          </a:p>
+        </p:txBody>
+      </p:sp>
+    </p:spTree>
+    <p:extLst>
+      <p:ext uri="{BB962C8B-B14F-4D97-AF65-F5344CB8AC3E}">
+        <p14:creationId xmlns:p14="http://schemas.microsoft.com/office/powerpoint/2010/main" val="3568313646"/>
       </p:ext>
     </p:extLst>
   </p:cSld>
@@ -3408,14 +5329,116 @@
       </p:grpSpPr>
       <p:sp>
         <p:nvSpPr>
-          <p:cNvPr id="4" name="TextBox 3"/>
+          <p:cNvPr id="5" name="TextBox 4"/>
           <p:cNvSpPr txBox="1"/>
           <p:nvPr/>
         </p:nvSpPr>
         <p:spPr>
           <a:xfrm>
-            <a:off x="695324" y="728663"/>
-            <a:ext cx="10801351" cy="1384995"/>
+            <a:off x="1" y="6273225"/>
+            <a:ext cx="12191999" cy="584775"/>
+          </a:xfrm>
+          <a:prstGeom prst="rect">
+            <a:avLst/>
+          </a:prstGeom>
+        </p:spPr>
+        <p:style>
+          <a:lnRef idx="1">
+            <a:schemeClr val="accent2"/>
+          </a:lnRef>
+          <a:fillRef idx="2">
+            <a:schemeClr val="accent2"/>
+          </a:fillRef>
+          <a:effectRef idx="1">
+            <a:schemeClr val="accent2"/>
+          </a:effectRef>
+          <a:fontRef idx="minor">
+            <a:schemeClr val="dk1"/>
+          </a:fontRef>
+        </p:style>
+        <p:txBody>
+          <a:bodyPr wrap="square" rtlCol="0">
+            <a:spAutoFit/>
+          </a:bodyPr>
+          <a:lstStyle/>
+          <a:p>
+            <a:pPr algn="ctr"/>
+            <a:endParaRPr lang="ru-RU" sz="3200" dirty="0">
+              <a:solidFill>
+                <a:schemeClr val="bg1"/>
+              </a:solidFill>
+              <a:latin typeface="Times New Roman" panose="02020603050405020304" pitchFamily="18" charset="0"/>
+              <a:cs typeface="Times New Roman" panose="02020603050405020304" pitchFamily="18" charset="0"/>
+            </a:endParaRPr>
+          </a:p>
+        </p:txBody>
+      </p:sp>
+      <p:sp>
+        <p:nvSpPr>
+          <p:cNvPr id="8" name="TextBox 7"/>
+          <p:cNvSpPr txBox="1"/>
+          <p:nvPr/>
+        </p:nvSpPr>
+        <p:spPr>
+          <a:xfrm>
+            <a:off x="0" y="-575"/>
+            <a:ext cx="12191999" cy="584775"/>
+          </a:xfrm>
+          <a:prstGeom prst="rect">
+            <a:avLst/>
+          </a:prstGeom>
+        </p:spPr>
+        <p:style>
+          <a:lnRef idx="1">
+            <a:schemeClr val="accent2"/>
+          </a:lnRef>
+          <a:fillRef idx="2">
+            <a:schemeClr val="accent2"/>
+          </a:fillRef>
+          <a:effectRef idx="1">
+            <a:schemeClr val="accent2"/>
+          </a:effectRef>
+          <a:fontRef idx="minor">
+            <a:schemeClr val="dk1"/>
+          </a:fontRef>
+        </p:style>
+        <p:txBody>
+          <a:bodyPr wrap="square" rtlCol="0">
+            <a:spAutoFit/>
+          </a:bodyPr>
+          <a:lstStyle/>
+          <a:p>
+            <a:pPr algn="ctr"/>
+            <a:r>
+              <a:rPr lang="ru-RU" sz="3200" b="1" dirty="0" smtClean="0">
+                <a:solidFill>
+                  <a:srgbClr val="002060"/>
+                </a:solidFill>
+                <a:latin typeface="Times New Roman" panose="02020603050405020304" pitchFamily="18" charset="0"/>
+                <a:cs typeface="Times New Roman" panose="02020603050405020304" pitchFamily="18" charset="0"/>
+              </a:rPr>
+              <a:t>Рассматриваемые вопросы</a:t>
+            </a:r>
+            <a:endParaRPr lang="ru-RU" sz="3200" b="1" dirty="0">
+              <a:solidFill>
+                <a:srgbClr val="002060"/>
+              </a:solidFill>
+              <a:latin typeface="Times New Roman" panose="02020603050405020304" pitchFamily="18" charset="0"/>
+              <a:cs typeface="Times New Roman" panose="02020603050405020304" pitchFamily="18" charset="0"/>
+            </a:endParaRPr>
+          </a:p>
+        </p:txBody>
+      </p:sp>
+      <p:sp>
+        <p:nvSpPr>
+          <p:cNvPr id="7" name="TextBox 6"/>
+          <p:cNvSpPr txBox="1"/>
+          <p:nvPr/>
+        </p:nvSpPr>
+        <p:spPr>
+          <a:xfrm>
+            <a:off x="334962" y="584200"/>
+            <a:ext cx="11522075" cy="4524315"/>
           </a:xfrm>
           <a:prstGeom prst="rect">
             <a:avLst/>
@@ -3428,223 +5451,199 @@
           </a:bodyPr>
           <a:lstStyle/>
           <a:p>
-            <a:r>
-              <a:rPr lang="en-US" sz="2800" dirty="0" err="1" smtClean="0"/>
+            <a:pPr marL="457200" indent="-457200">
+              <a:buFontTx/>
+              <a:buChar char="-"/>
+            </a:pPr>
+            <a:r>
+              <a:rPr lang="ru-RU" sz="3200" dirty="0" smtClean="0">
+                <a:latin typeface="Times New Roman" panose="02020603050405020304" pitchFamily="18" charset="0"/>
+                <a:cs typeface="Times New Roman" panose="02020603050405020304" pitchFamily="18" charset="0"/>
+              </a:rPr>
+              <a:t>Введение в </a:t>
+            </a:r>
+            <a:r>
+              <a:rPr lang="en-US" sz="3200" dirty="0" smtClean="0">
+                <a:latin typeface="Times New Roman" panose="02020603050405020304" pitchFamily="18" charset="0"/>
+                <a:cs typeface="Times New Roman" panose="02020603050405020304" pitchFamily="18" charset="0"/>
+              </a:rPr>
+              <a:t>fork/join</a:t>
+            </a:r>
+            <a:endParaRPr lang="ru-RU" sz="3200" dirty="0" smtClean="0">
+              <a:latin typeface="Times New Roman" panose="02020603050405020304" pitchFamily="18" charset="0"/>
+              <a:cs typeface="Times New Roman" panose="02020603050405020304" pitchFamily="18" charset="0"/>
+            </a:endParaRPr>
+          </a:p>
+          <a:p>
+            <a:pPr marL="457200" indent="-457200">
+              <a:buFontTx/>
+              <a:buChar char="-"/>
+            </a:pPr>
+            <a:r>
+              <a:rPr lang="ru-RU" sz="3200" dirty="0" smtClean="0">
+                <a:latin typeface="Times New Roman" panose="02020603050405020304" pitchFamily="18" charset="0"/>
+                <a:cs typeface="Times New Roman" panose="02020603050405020304" pitchFamily="18" charset="0"/>
+              </a:rPr>
+              <a:t>Диаграмма классов</a:t>
+            </a:r>
+            <a:endParaRPr lang="en-US" sz="3200" dirty="0" smtClean="0">
+              <a:latin typeface="Times New Roman" panose="02020603050405020304" pitchFamily="18" charset="0"/>
+              <a:cs typeface="Times New Roman" panose="02020603050405020304" pitchFamily="18" charset="0"/>
+            </a:endParaRPr>
+          </a:p>
+          <a:p>
+            <a:pPr marL="457200" indent="-457200">
+              <a:buFontTx/>
+              <a:buChar char="-"/>
+            </a:pPr>
+            <a:r>
+              <a:rPr lang="en-US" sz="3200" dirty="0" err="1" smtClean="0">
+                <a:latin typeface="Times New Roman" panose="02020603050405020304" pitchFamily="18" charset="0"/>
+                <a:cs typeface="Times New Roman" panose="02020603050405020304" pitchFamily="18" charset="0"/>
+              </a:rPr>
               <a:t>ForkJoinPool</a:t>
             </a:r>
-            <a:r>
-              <a:rPr lang="en-US" sz="2800" dirty="0" smtClean="0"/>
-              <a:t> – </a:t>
-            </a:r>
-            <a:r>
-              <a:rPr lang="ru-RU" sz="2800" dirty="0" smtClean="0"/>
-              <a:t>это </a:t>
-            </a:r>
-            <a:r>
-              <a:rPr lang="ru-RU" sz="2800" dirty="0" err="1" smtClean="0"/>
-              <a:t>пулл</a:t>
-            </a:r>
-            <a:r>
-              <a:rPr lang="ru-RU" sz="2800" dirty="0" smtClean="0"/>
-              <a:t> потоков, который позволяет разделять операции на несколько частей. Предназначен для выполнения рекурсивных задач</a:t>
-            </a:r>
-            <a:endParaRPr lang="ru-RU" sz="2800" dirty="0"/>
-          </a:p>
-        </p:txBody>
-      </p:sp>
-      <p:sp>
-        <p:nvSpPr>
-          <p:cNvPr id="25" name="TextBox 24"/>
-          <p:cNvSpPr txBox="1"/>
-          <p:nvPr/>
-        </p:nvSpPr>
-        <p:spPr>
-          <a:xfrm>
-            <a:off x="695325" y="2298323"/>
-            <a:ext cx="10801351" cy="1384995"/>
-          </a:xfrm>
-          <a:prstGeom prst="rect">
-            <a:avLst/>
-          </a:prstGeom>
-          <a:noFill/>
-        </p:spPr>
-        <p:txBody>
-          <a:bodyPr wrap="square" rtlCol="0">
-            <a:spAutoFit/>
-          </a:bodyPr>
-          <a:lstStyle/>
-          <a:p>
-            <a:r>
-              <a:rPr lang="en-US" sz="2800" dirty="0" smtClean="0">
-                <a:latin typeface="Corbel" panose="020B0503020204020204" pitchFamily="34" charset="0"/>
-              </a:rPr>
-              <a:t>The </a:t>
-            </a:r>
-            <a:r>
-              <a:rPr lang="en-US" sz="2800" dirty="0">
-                <a:latin typeface="Corbel" panose="020B0503020204020204" pitchFamily="34" charset="0"/>
-              </a:rPr>
-              <a:t>fork/join framework is available since Java 7, to make it easier to write parallel programs. We can implement the fork/join framework by extending </a:t>
-            </a:r>
-            <a:r>
-              <a:rPr lang="en-US" sz="2800" dirty="0" smtClean="0">
-                <a:latin typeface="Corbel" panose="020B0503020204020204" pitchFamily="34" charset="0"/>
-              </a:rPr>
-              <a:t>either </a:t>
-            </a:r>
-            <a:r>
-              <a:rPr lang="en-US" sz="2800" dirty="0" err="1" smtClean="0">
-                <a:latin typeface="Corbel" panose="020B0503020204020204" pitchFamily="34" charset="0"/>
-              </a:rPr>
-              <a:t>RecursiveTask</a:t>
-            </a:r>
-            <a:r>
-              <a:rPr lang="en-US" sz="2800" dirty="0" smtClean="0">
-                <a:latin typeface="Corbel" panose="020B0503020204020204" pitchFamily="34" charset="0"/>
-              </a:rPr>
-              <a:t> or </a:t>
-            </a:r>
-            <a:r>
-              <a:rPr lang="en-US" sz="2800" dirty="0" err="1" smtClean="0">
-                <a:latin typeface="Corbel" panose="020B0503020204020204" pitchFamily="34" charset="0"/>
-              </a:rPr>
-              <a:t>RecursiveAction</a:t>
-            </a:r>
-            <a:endParaRPr lang="ru-RU" sz="2800" dirty="0">
-              <a:latin typeface="Corbel" panose="020B0503020204020204" pitchFamily="34" charset="0"/>
+            <a:endParaRPr lang="en-US" sz="3200" dirty="0" smtClean="0">
+              <a:latin typeface="Times New Roman" panose="02020603050405020304" pitchFamily="18" charset="0"/>
+              <a:cs typeface="Times New Roman" panose="02020603050405020304" pitchFamily="18" charset="0"/>
             </a:endParaRPr>
           </a:p>
-        </p:txBody>
-      </p:sp>
-      <p:sp>
-        <p:nvSpPr>
-          <p:cNvPr id="34" name="TextBox 33"/>
-          <p:cNvSpPr txBox="1"/>
-          <p:nvPr/>
-        </p:nvSpPr>
-        <p:spPr>
-          <a:xfrm>
-            <a:off x="695325" y="3867983"/>
-            <a:ext cx="10801351" cy="2677656"/>
-          </a:xfrm>
-          <a:prstGeom prst="rect">
-            <a:avLst/>
-          </a:prstGeom>
-          <a:noFill/>
-        </p:spPr>
-        <p:txBody>
-          <a:bodyPr wrap="square" rtlCol="0">
-            <a:spAutoFit/>
-          </a:bodyPr>
-          <a:lstStyle/>
-          <a:p>
-            <a:r>
-              <a:rPr lang="en-US" sz="2800" dirty="0">
-                <a:latin typeface="Corbel" panose="020B0503020204020204" pitchFamily="34" charset="0"/>
-              </a:rPr>
-              <a:t>p</a:t>
-            </a:r>
-            <a:r>
-              <a:rPr lang="en-US" sz="2800" dirty="0" smtClean="0">
-                <a:latin typeface="Corbel" panose="020B0503020204020204" pitchFamily="34" charset="0"/>
-              </a:rPr>
-              <a:t>ublic &lt;T&gt; T invoke(</a:t>
-            </a:r>
-            <a:r>
-              <a:rPr lang="en-US" sz="2800" dirty="0" err="1" smtClean="0">
-                <a:latin typeface="Corbel" panose="020B0503020204020204" pitchFamily="34" charset="0"/>
+          <a:p>
+            <a:pPr marL="457200" indent="-457200">
+              <a:buFontTx/>
+              <a:buChar char="-"/>
+            </a:pPr>
+            <a:r>
+              <a:rPr lang="en-US" sz="3200" dirty="0" err="1" smtClean="0">
+                <a:latin typeface="Times New Roman" panose="02020603050405020304" pitchFamily="18" charset="0"/>
+                <a:cs typeface="Times New Roman" panose="02020603050405020304" pitchFamily="18" charset="0"/>
               </a:rPr>
               <a:t>ForkJoinTask</a:t>
             </a:r>
             <a:r>
-              <a:rPr lang="en-US" sz="2800" dirty="0" smtClean="0">
-                <a:latin typeface="Corbel" panose="020B0503020204020204" pitchFamily="34" charset="0"/>
-              </a:rPr>
-              <a:t>&lt;T&gt; task) {…..} – </a:t>
-            </a:r>
-            <a:endParaRPr lang="ru-RU" sz="2800" dirty="0">
-              <a:latin typeface="Corbel" panose="020B0503020204020204" pitchFamily="34" charset="0"/>
+              <a:rPr lang="en-US" sz="3200" dirty="0" smtClean="0">
+                <a:latin typeface="Times New Roman" panose="02020603050405020304" pitchFamily="18" charset="0"/>
+                <a:cs typeface="Times New Roman" panose="02020603050405020304" pitchFamily="18" charset="0"/>
+              </a:rPr>
+              <a:t>&lt;V&gt;</a:t>
+            </a:r>
+          </a:p>
+          <a:p>
+            <a:pPr marL="457200" indent="-457200">
+              <a:buFontTx/>
+              <a:buChar char="-"/>
+            </a:pPr>
+            <a:r>
+              <a:rPr lang="ru-RU" sz="3200" dirty="0" smtClean="0">
+                <a:latin typeface="Times New Roman" panose="02020603050405020304" pitchFamily="18" charset="0"/>
+                <a:cs typeface="Times New Roman" panose="02020603050405020304" pitchFamily="18" charset="0"/>
+              </a:rPr>
+              <a:t>Подход </a:t>
+            </a:r>
+            <a:r>
+              <a:rPr lang="en-US" sz="3200" dirty="0">
+                <a:latin typeface="Times New Roman" panose="02020603050405020304" pitchFamily="18" charset="0"/>
+                <a:cs typeface="Times New Roman" panose="02020603050405020304" pitchFamily="18" charset="0"/>
+              </a:rPr>
+              <a:t>w</a:t>
+            </a:r>
+            <a:r>
+              <a:rPr lang="en-US" sz="3200" dirty="0" smtClean="0">
+                <a:latin typeface="Times New Roman" panose="02020603050405020304" pitchFamily="18" charset="0"/>
+                <a:cs typeface="Times New Roman" panose="02020603050405020304" pitchFamily="18" charset="0"/>
+              </a:rPr>
+              <a:t>ork stealing</a:t>
+            </a:r>
+          </a:p>
+          <a:p>
+            <a:pPr marL="457200" indent="-457200">
+              <a:buFontTx/>
+              <a:buChar char="-"/>
+            </a:pPr>
+            <a:r>
+              <a:rPr lang="ru-RU" sz="3200" dirty="0" smtClean="0">
+                <a:latin typeface="Times New Roman" panose="02020603050405020304" pitchFamily="18" charset="0"/>
+                <a:cs typeface="Times New Roman" panose="02020603050405020304" pitchFamily="18" charset="0"/>
+              </a:rPr>
+              <a:t>Методы</a:t>
+            </a:r>
+            <a:r>
+              <a:rPr lang="en-US" sz="3200" dirty="0" smtClean="0">
+                <a:latin typeface="Times New Roman" panose="02020603050405020304" pitchFamily="18" charset="0"/>
+                <a:cs typeface="Times New Roman" panose="02020603050405020304" pitchFamily="18" charset="0"/>
+              </a:rPr>
+              <a:t> fork(), join(), invoke()</a:t>
+            </a:r>
+          </a:p>
+          <a:p>
+            <a:pPr marL="457200" indent="-457200">
+              <a:buFontTx/>
+              <a:buChar char="-"/>
+            </a:pPr>
+            <a:r>
+              <a:rPr lang="ru-RU" sz="3200" dirty="0" smtClean="0">
+                <a:latin typeface="Times New Roman" panose="02020603050405020304" pitchFamily="18" charset="0"/>
+                <a:cs typeface="Times New Roman" panose="02020603050405020304" pitchFamily="18" charset="0"/>
+              </a:rPr>
+              <a:t>Выбор </a:t>
+            </a:r>
+            <a:r>
+              <a:rPr lang="en-US" sz="3200" dirty="0" smtClean="0">
+                <a:latin typeface="Times New Roman" panose="02020603050405020304" pitchFamily="18" charset="0"/>
+                <a:cs typeface="Times New Roman" panose="02020603050405020304" pitchFamily="18" charset="0"/>
+              </a:rPr>
+              <a:t>threshold-a</a:t>
+            </a:r>
+            <a:endParaRPr lang="ru-RU" sz="3200" dirty="0" smtClean="0">
+              <a:latin typeface="Times New Roman" panose="02020603050405020304" pitchFamily="18" charset="0"/>
+              <a:cs typeface="Times New Roman" panose="02020603050405020304" pitchFamily="18" charset="0"/>
             </a:endParaRPr>
           </a:p>
           <a:p>
-            <a:r>
-              <a:rPr lang="en-US" sz="2800" dirty="0" smtClean="0">
-                <a:latin typeface="Corbel" panose="020B0503020204020204" pitchFamily="34" charset="0"/>
-              </a:rPr>
-              <a:t>protected </a:t>
-            </a:r>
-            <a:r>
-              <a:rPr lang="en-US" sz="2800" dirty="0">
-                <a:latin typeface="Corbel" panose="020B0503020204020204" pitchFamily="34" charset="0"/>
-              </a:rPr>
-              <a:t>abstract V compute() {…..} – </a:t>
-            </a:r>
-          </a:p>
-          <a:p>
-            <a:r>
-              <a:rPr lang="en-US" sz="2800" dirty="0">
-                <a:latin typeface="Corbel" panose="020B0503020204020204" pitchFamily="34" charset="0"/>
-              </a:rPr>
-              <a:t>public final </a:t>
-            </a:r>
-            <a:r>
-              <a:rPr lang="en-US" sz="2800" dirty="0" err="1">
-                <a:latin typeface="Corbel" panose="020B0503020204020204" pitchFamily="34" charset="0"/>
-              </a:rPr>
-              <a:t>ForkJoinTask</a:t>
-            </a:r>
-            <a:r>
-              <a:rPr lang="en-US" sz="2800" dirty="0">
-                <a:latin typeface="Corbel" panose="020B0503020204020204" pitchFamily="34" charset="0"/>
-              </a:rPr>
-              <a:t>&lt;V&gt; fork() {…..} – </a:t>
-            </a:r>
-          </a:p>
-          <a:p>
-            <a:r>
-              <a:rPr lang="en-US" sz="2800" dirty="0">
-                <a:latin typeface="Corbel" panose="020B0503020204020204" pitchFamily="34" charset="0"/>
-              </a:rPr>
-              <a:t>public final V join() {…} – </a:t>
-            </a:r>
-            <a:endParaRPr lang="en-US" sz="2800" dirty="0" smtClean="0">
-              <a:latin typeface="Corbel" panose="020B0503020204020204" pitchFamily="34" charset="0"/>
-            </a:endParaRPr>
-          </a:p>
-          <a:p>
-            <a:endParaRPr lang="en-US" sz="2800" dirty="0">
-              <a:latin typeface="Corbel" panose="020B0503020204020204" pitchFamily="34" charset="0"/>
-            </a:endParaRPr>
-          </a:p>
-          <a:p>
-            <a:r>
-              <a:rPr lang="en-US" sz="2800" dirty="0" err="1" smtClean="0">
-                <a:latin typeface="Corbel" panose="020B0503020204020204" pitchFamily="34" charset="0"/>
-              </a:rPr>
-              <a:t>invokeAll</a:t>
-            </a:r>
-            <a:r>
-              <a:rPr lang="en-US" sz="2800" dirty="0" smtClean="0">
-                <a:latin typeface="Corbel" panose="020B0503020204020204" pitchFamily="34" charset="0"/>
-              </a:rPr>
-              <a:t>() {…} – </a:t>
-            </a:r>
-            <a:endParaRPr lang="ru-RU" sz="2800" dirty="0">
-              <a:latin typeface="Corbel" panose="020B0503020204020204" pitchFamily="34" charset="0"/>
-            </a:endParaRPr>
+            <a:pPr marL="457200" indent="-457200">
+              <a:buFontTx/>
+              <a:buChar char="-"/>
+            </a:pPr>
+            <a:r>
+              <a:rPr lang="ru-RU" sz="3200" dirty="0" smtClean="0">
+                <a:latin typeface="Times New Roman" panose="02020603050405020304" pitchFamily="18" charset="0"/>
+                <a:cs typeface="Times New Roman" panose="02020603050405020304" pitchFamily="18" charset="0"/>
+              </a:rPr>
+              <a:t>Примеры кода</a:t>
+            </a:r>
+          </a:p>
+          <a:p>
+            <a:pPr marL="457200" indent="-457200">
+              <a:buFontTx/>
+              <a:buChar char="-"/>
+            </a:pPr>
+            <a:r>
+              <a:rPr lang="ru-RU" sz="3200" dirty="0" smtClean="0">
+                <a:latin typeface="Times New Roman" panose="02020603050405020304" pitchFamily="18" charset="0"/>
+                <a:cs typeface="Times New Roman" panose="02020603050405020304" pitchFamily="18" charset="0"/>
+              </a:rPr>
+              <a:t>Заключение</a:t>
+            </a:r>
           </a:p>
         </p:txBody>
       </p:sp>
     </p:spTree>
     <p:extLst>
       <p:ext uri="{BB962C8B-B14F-4D97-AF65-F5344CB8AC3E}">
-        <p14:creationId xmlns:p14="http://schemas.microsoft.com/office/powerpoint/2010/main" val="4099869855"/>
+        <p14:creationId xmlns:p14="http://schemas.microsoft.com/office/powerpoint/2010/main" val="2940157452"/>
       </p:ext>
     </p:extLst>
   </p:cSld>
   <p:clrMapOvr>
     <a:masterClrMapping/>
   </p:clrMapOvr>
+  <p:timing>
+    <p:tnLst>
+      <p:par>
+        <p:cTn id="1" dur="indefinite" restart="never" nodeType="tmRoot"/>
+      </p:par>
+    </p:tnLst>
+  </p:timing>
 </p:sld>
 </file>
 
@@ -3667,2275 +5666,6 @@
       </p:grpSpPr>
       <p:sp>
         <p:nvSpPr>
-          <p:cNvPr id="4" name="TextBox 3"/>
-          <p:cNvSpPr txBox="1"/>
-          <p:nvPr/>
-        </p:nvSpPr>
-        <p:spPr>
-          <a:xfrm>
-            <a:off x="695324" y="799600"/>
-            <a:ext cx="10801351" cy="1569660"/>
-          </a:xfrm>
-          <a:prstGeom prst="rect">
-            <a:avLst/>
-          </a:prstGeom>
-          <a:noFill/>
-        </p:spPr>
-        <p:txBody>
-          <a:bodyPr wrap="square" rtlCol="0">
-            <a:spAutoFit/>
-          </a:bodyPr>
-          <a:lstStyle/>
-          <a:p>
-            <a:r>
-              <a:rPr lang="en-US" sz="3200" dirty="0" err="1" smtClean="0"/>
-              <a:t>ForkJoinPool</a:t>
-            </a:r>
-            <a:r>
-              <a:rPr lang="en-US" sz="3200" dirty="0" smtClean="0"/>
-              <a:t> – </a:t>
-            </a:r>
-            <a:r>
-              <a:rPr lang="ru-RU" sz="3200" dirty="0" smtClean="0"/>
-              <a:t>это </a:t>
-            </a:r>
-            <a:r>
-              <a:rPr lang="ru-RU" sz="3200" dirty="0" err="1" smtClean="0"/>
-              <a:t>пулл</a:t>
-            </a:r>
-            <a:r>
-              <a:rPr lang="ru-RU" sz="3200" dirty="0" smtClean="0"/>
-              <a:t> потоков, который позволяет разделять операции на несколько частей. Предназначен для выполнения рекурсивных задач</a:t>
-            </a:r>
-            <a:endParaRPr lang="ru-RU" sz="3200" dirty="0"/>
-          </a:p>
-        </p:txBody>
-      </p:sp>
-      <p:sp>
-        <p:nvSpPr>
-          <p:cNvPr id="5" name="Скругленный прямоугольник 4"/>
-          <p:cNvSpPr/>
-          <p:nvPr/>
-        </p:nvSpPr>
-        <p:spPr>
-          <a:xfrm>
-            <a:off x="1529515" y="2630906"/>
-            <a:ext cx="2518783" cy="644310"/>
-          </a:xfrm>
-          <a:prstGeom prst="roundRect">
-            <a:avLst/>
-          </a:prstGeom>
-          <a:solidFill>
-            <a:srgbClr val="00B050"/>
-          </a:solidFill>
-          <a:ln>
-            <a:noFill/>
-          </a:ln>
-          <a:effectLst>
-            <a:outerShdw blurRad="44450" dist="27940" dir="5400000" algn="ctr">
-              <a:srgbClr val="000000">
-                <a:alpha val="32000"/>
-              </a:srgbClr>
-            </a:outerShdw>
-          </a:effectLst>
-          <a:scene3d>
-            <a:camera prst="orthographicFront">
-              <a:rot lat="0" lon="0" rev="0"/>
-            </a:camera>
-            <a:lightRig rig="balanced" dir="t">
-              <a:rot lat="0" lon="0" rev="8700000"/>
-            </a:lightRig>
-          </a:scene3d>
-          <a:sp3d>
-            <a:bevelT w="190500" h="38100"/>
-          </a:sp3d>
-        </p:spPr>
-        <p:style>
-          <a:lnRef idx="2">
-            <a:schemeClr val="accent1">
-              <a:shade val="50000"/>
-            </a:schemeClr>
-          </a:lnRef>
-          <a:fillRef idx="1">
-            <a:schemeClr val="accent1"/>
-          </a:fillRef>
-          <a:effectRef idx="0">
-            <a:schemeClr val="accent1"/>
-          </a:effectRef>
-          <a:fontRef idx="minor">
-            <a:schemeClr val="lt1"/>
-          </a:fontRef>
-        </p:style>
-        <p:txBody>
-          <a:bodyPr rtlCol="0" anchor="ctr"/>
-          <a:lstStyle/>
-          <a:p>
-            <a:pPr algn="ctr"/>
-            <a:r>
-              <a:rPr lang="en-US" sz="2000" dirty="0" err="1" smtClean="0"/>
-              <a:t>ForkJoinTask</a:t>
-            </a:r>
-            <a:endParaRPr lang="en-US" sz="2000" dirty="0" smtClean="0"/>
-          </a:p>
-        </p:txBody>
-      </p:sp>
-      <p:sp>
-        <p:nvSpPr>
-          <p:cNvPr id="6" name="Скругленный прямоугольник 5"/>
-          <p:cNvSpPr/>
-          <p:nvPr/>
-        </p:nvSpPr>
-        <p:spPr>
-          <a:xfrm>
-            <a:off x="5103988" y="2630906"/>
-            <a:ext cx="2518783" cy="644310"/>
-          </a:xfrm>
-          <a:prstGeom prst="roundRect">
-            <a:avLst/>
-          </a:prstGeom>
-          <a:solidFill>
-            <a:srgbClr val="00B050"/>
-          </a:solidFill>
-          <a:ln>
-            <a:noFill/>
-          </a:ln>
-          <a:effectLst>
-            <a:outerShdw blurRad="44450" dist="27940" dir="5400000" algn="ctr">
-              <a:srgbClr val="000000">
-                <a:alpha val="32000"/>
-              </a:srgbClr>
-            </a:outerShdw>
-          </a:effectLst>
-          <a:scene3d>
-            <a:camera prst="orthographicFront">
-              <a:rot lat="0" lon="0" rev="0"/>
-            </a:camera>
-            <a:lightRig rig="balanced" dir="t">
-              <a:rot lat="0" lon="0" rev="8700000"/>
-            </a:lightRig>
-          </a:scene3d>
-          <a:sp3d>
-            <a:bevelT w="190500" h="38100"/>
-          </a:sp3d>
-        </p:spPr>
-        <p:style>
-          <a:lnRef idx="2">
-            <a:schemeClr val="accent1">
-              <a:shade val="50000"/>
-            </a:schemeClr>
-          </a:lnRef>
-          <a:fillRef idx="1">
-            <a:schemeClr val="accent1"/>
-          </a:fillRef>
-          <a:effectRef idx="0">
-            <a:schemeClr val="accent1"/>
-          </a:effectRef>
-          <a:fontRef idx="minor">
-            <a:schemeClr val="lt1"/>
-          </a:fontRef>
-        </p:style>
-        <p:txBody>
-          <a:bodyPr rtlCol="0" anchor="ctr"/>
-          <a:lstStyle/>
-          <a:p>
-            <a:pPr algn="ctr"/>
-            <a:r>
-              <a:rPr lang="en-US" sz="2000" dirty="0" err="1" smtClean="0"/>
-              <a:t>ForkJoinPool</a:t>
-            </a:r>
-            <a:endParaRPr lang="en-US" sz="2000" dirty="0" smtClean="0"/>
-          </a:p>
-        </p:txBody>
-      </p:sp>
-      <p:sp>
-        <p:nvSpPr>
-          <p:cNvPr id="7" name="Скругленный прямоугольник 6"/>
-          <p:cNvSpPr/>
-          <p:nvPr/>
-        </p:nvSpPr>
-        <p:spPr>
-          <a:xfrm>
-            <a:off x="3474693" y="4046111"/>
-            <a:ext cx="2518783" cy="644310"/>
-          </a:xfrm>
-          <a:prstGeom prst="roundRect">
-            <a:avLst/>
-          </a:prstGeom>
-          <a:solidFill>
-            <a:srgbClr val="00B050"/>
-          </a:solidFill>
-          <a:ln>
-            <a:noFill/>
-          </a:ln>
-          <a:effectLst>
-            <a:outerShdw blurRad="44450" dist="27940" dir="5400000" algn="ctr">
-              <a:srgbClr val="000000">
-                <a:alpha val="32000"/>
-              </a:srgbClr>
-            </a:outerShdw>
-          </a:effectLst>
-          <a:scene3d>
-            <a:camera prst="orthographicFront">
-              <a:rot lat="0" lon="0" rev="0"/>
-            </a:camera>
-            <a:lightRig rig="balanced" dir="t">
-              <a:rot lat="0" lon="0" rev="8700000"/>
-            </a:lightRig>
-          </a:scene3d>
-          <a:sp3d>
-            <a:bevelT w="190500" h="38100"/>
-          </a:sp3d>
-        </p:spPr>
-        <p:style>
-          <a:lnRef idx="2">
-            <a:schemeClr val="accent1">
-              <a:shade val="50000"/>
-            </a:schemeClr>
-          </a:lnRef>
-          <a:fillRef idx="1">
-            <a:schemeClr val="accent1"/>
-          </a:fillRef>
-          <a:effectRef idx="0">
-            <a:schemeClr val="accent1"/>
-          </a:effectRef>
-          <a:fontRef idx="minor">
-            <a:schemeClr val="lt1"/>
-          </a:fontRef>
-        </p:style>
-        <p:txBody>
-          <a:bodyPr rtlCol="0" anchor="ctr"/>
-          <a:lstStyle/>
-          <a:p>
-            <a:pPr algn="ctr"/>
-            <a:r>
-              <a:rPr lang="en-US" sz="2000" dirty="0" err="1" smtClean="0"/>
-              <a:t>RecursiveTask</a:t>
-            </a:r>
-            <a:r>
-              <a:rPr lang="en-US" sz="2000" dirty="0" smtClean="0"/>
-              <a:t>&lt;V&gt;</a:t>
-            </a:r>
-          </a:p>
-        </p:txBody>
-      </p:sp>
-      <p:sp>
-        <p:nvSpPr>
-          <p:cNvPr id="8" name="Скругленный прямоугольник 7"/>
-          <p:cNvSpPr/>
-          <p:nvPr/>
-        </p:nvSpPr>
-        <p:spPr>
-          <a:xfrm>
-            <a:off x="695325" y="5234830"/>
-            <a:ext cx="2518783" cy="644310"/>
-          </a:xfrm>
-          <a:prstGeom prst="roundRect">
-            <a:avLst/>
-          </a:prstGeom>
-          <a:solidFill>
-            <a:srgbClr val="00B050"/>
-          </a:solidFill>
-          <a:ln>
-            <a:noFill/>
-          </a:ln>
-          <a:effectLst>
-            <a:outerShdw blurRad="44450" dist="27940" dir="5400000" algn="ctr">
-              <a:srgbClr val="000000">
-                <a:alpha val="32000"/>
-              </a:srgbClr>
-            </a:outerShdw>
-          </a:effectLst>
-          <a:scene3d>
-            <a:camera prst="orthographicFront">
-              <a:rot lat="0" lon="0" rev="0"/>
-            </a:camera>
-            <a:lightRig rig="balanced" dir="t">
-              <a:rot lat="0" lon="0" rev="8700000"/>
-            </a:lightRig>
-          </a:scene3d>
-          <a:sp3d>
-            <a:bevelT w="190500" h="38100"/>
-          </a:sp3d>
-        </p:spPr>
-        <p:style>
-          <a:lnRef idx="2">
-            <a:schemeClr val="accent1">
-              <a:shade val="50000"/>
-            </a:schemeClr>
-          </a:lnRef>
-          <a:fillRef idx="1">
-            <a:schemeClr val="accent1"/>
-          </a:fillRef>
-          <a:effectRef idx="0">
-            <a:schemeClr val="accent1"/>
-          </a:effectRef>
-          <a:fontRef idx="minor">
-            <a:schemeClr val="lt1"/>
-          </a:fontRef>
-        </p:style>
-        <p:txBody>
-          <a:bodyPr rtlCol="0" anchor="ctr"/>
-          <a:lstStyle/>
-          <a:p>
-            <a:pPr algn="ctr"/>
-            <a:r>
-              <a:rPr lang="en-US" sz="2000" dirty="0" err="1" smtClean="0"/>
-              <a:t>RecursiveAction</a:t>
-            </a:r>
-            <a:endParaRPr lang="en-US" sz="2000" dirty="0" smtClean="0"/>
-          </a:p>
-        </p:txBody>
-      </p:sp>
-      <p:cxnSp>
-        <p:nvCxnSpPr>
-          <p:cNvPr id="10" name="Прямая со стрелкой 9"/>
-          <p:cNvCxnSpPr>
-            <a:stCxn id="8" idx="0"/>
-            <a:endCxn id="5" idx="2"/>
-          </p:cNvCxnSpPr>
-          <p:nvPr/>
-        </p:nvCxnSpPr>
-        <p:spPr>
-          <a:xfrm flipV="1">
-            <a:off x="1954717" y="3275216"/>
-            <a:ext cx="834190" cy="1959614"/>
-          </a:xfrm>
-          <a:prstGeom prst="straightConnector1">
-            <a:avLst/>
-          </a:prstGeom>
-          <a:ln>
-            <a:solidFill>
-              <a:srgbClr val="00B050"/>
-            </a:solidFill>
-            <a:tailEnd type="triangle"/>
-          </a:ln>
-        </p:spPr>
-        <p:style>
-          <a:lnRef idx="3">
-            <a:schemeClr val="dk1"/>
-          </a:lnRef>
-          <a:fillRef idx="0">
-            <a:schemeClr val="dk1"/>
-          </a:fillRef>
-          <a:effectRef idx="2">
-            <a:schemeClr val="dk1"/>
-          </a:effectRef>
-          <a:fontRef idx="minor">
-            <a:schemeClr val="tx1"/>
-          </a:fontRef>
-        </p:style>
-      </p:cxnSp>
-      <p:cxnSp>
-        <p:nvCxnSpPr>
-          <p:cNvPr id="12" name="Прямая со стрелкой 11"/>
-          <p:cNvCxnSpPr>
-            <a:stCxn id="7" idx="0"/>
-            <a:endCxn id="5" idx="2"/>
-          </p:cNvCxnSpPr>
-          <p:nvPr/>
-        </p:nvCxnSpPr>
-        <p:spPr>
-          <a:xfrm flipH="1" flipV="1">
-            <a:off x="2788907" y="3275216"/>
-            <a:ext cx="1945178" cy="770895"/>
-          </a:xfrm>
-          <a:prstGeom prst="straightConnector1">
-            <a:avLst/>
-          </a:prstGeom>
-          <a:ln>
-            <a:solidFill>
-              <a:srgbClr val="00B050"/>
-            </a:solidFill>
-            <a:tailEnd type="triangle"/>
-          </a:ln>
-        </p:spPr>
-        <p:style>
-          <a:lnRef idx="3">
-            <a:schemeClr val="dk1"/>
-          </a:lnRef>
-          <a:fillRef idx="0">
-            <a:schemeClr val="dk1"/>
-          </a:fillRef>
-          <a:effectRef idx="2">
-            <a:schemeClr val="dk1"/>
-          </a:effectRef>
-          <a:fontRef idx="minor">
-            <a:schemeClr val="tx1"/>
-          </a:fontRef>
-        </p:style>
-      </p:cxnSp>
-      <p:sp>
-        <p:nvSpPr>
-          <p:cNvPr id="13" name="Скругленный прямоугольник 12"/>
-          <p:cNvSpPr/>
-          <p:nvPr/>
-        </p:nvSpPr>
-        <p:spPr>
-          <a:xfrm>
-            <a:off x="8084113" y="2630906"/>
-            <a:ext cx="2518783" cy="644310"/>
-          </a:xfrm>
-          <a:prstGeom prst="roundRect">
-            <a:avLst/>
-          </a:prstGeom>
-          <a:noFill/>
-          <a:ln w="12700">
-            <a:solidFill>
-              <a:schemeClr val="accent2"/>
-            </a:solidFill>
-            <a:prstDash val="dash"/>
-          </a:ln>
-          <a:effectLst>
-            <a:outerShdw blurRad="44450" dist="27940" dir="5400000" algn="ctr">
-              <a:srgbClr val="000000">
-                <a:alpha val="32000"/>
-              </a:srgbClr>
-            </a:outerShdw>
-          </a:effectLst>
-        </p:spPr>
-        <p:style>
-          <a:lnRef idx="1">
-            <a:schemeClr val="accent2"/>
-          </a:lnRef>
-          <a:fillRef idx="3">
-            <a:schemeClr val="accent2"/>
-          </a:fillRef>
-          <a:effectRef idx="2">
-            <a:schemeClr val="accent2"/>
-          </a:effectRef>
-          <a:fontRef idx="minor">
-            <a:schemeClr val="lt1"/>
-          </a:fontRef>
-        </p:style>
-        <p:txBody>
-          <a:bodyPr rtlCol="0" anchor="ctr"/>
-          <a:lstStyle/>
-          <a:p>
-            <a:pPr algn="ctr"/>
-            <a:r>
-              <a:rPr lang="en-US" sz="2000" dirty="0" err="1" smtClean="0">
-                <a:solidFill>
-                  <a:schemeClr val="accent2"/>
-                </a:solidFill>
-              </a:rPr>
-              <a:t>ExecutorService</a:t>
-            </a:r>
-            <a:endParaRPr lang="en-US" sz="2000" dirty="0" smtClean="0">
-              <a:solidFill>
-                <a:schemeClr val="accent2"/>
-              </a:solidFill>
-            </a:endParaRPr>
-          </a:p>
-        </p:txBody>
-      </p:sp>
-      <p:sp>
-        <p:nvSpPr>
-          <p:cNvPr id="18" name="Скругленный прямоугольник 17"/>
-          <p:cNvSpPr/>
-          <p:nvPr/>
-        </p:nvSpPr>
-        <p:spPr>
-          <a:xfrm>
-            <a:off x="6471696" y="4046111"/>
-            <a:ext cx="2518783" cy="644310"/>
-          </a:xfrm>
-          <a:prstGeom prst="roundRect">
-            <a:avLst/>
-          </a:prstGeom>
-          <a:noFill/>
-          <a:ln w="12700">
-            <a:solidFill>
-              <a:schemeClr val="accent2"/>
-            </a:solidFill>
-            <a:prstDash val="dash"/>
-          </a:ln>
-          <a:effectLst>
-            <a:outerShdw blurRad="44450" dist="27940" dir="5400000" algn="ctr">
-              <a:srgbClr val="000000">
-                <a:alpha val="32000"/>
-              </a:srgbClr>
-            </a:outerShdw>
-          </a:effectLst>
-        </p:spPr>
-        <p:style>
-          <a:lnRef idx="1">
-            <a:schemeClr val="accent2"/>
-          </a:lnRef>
-          <a:fillRef idx="3">
-            <a:schemeClr val="accent2"/>
-          </a:fillRef>
-          <a:effectRef idx="2">
-            <a:schemeClr val="accent2"/>
-          </a:effectRef>
-          <a:fontRef idx="minor">
-            <a:schemeClr val="lt1"/>
-          </a:fontRef>
-        </p:style>
-        <p:txBody>
-          <a:bodyPr rtlCol="0" anchor="ctr"/>
-          <a:lstStyle/>
-          <a:p>
-            <a:pPr algn="ctr"/>
-            <a:r>
-              <a:rPr lang="en-US" sz="2000" dirty="0" smtClean="0">
-                <a:solidFill>
-                  <a:schemeClr val="accent2"/>
-                </a:solidFill>
-              </a:rPr>
-              <a:t>Callable&lt;V&gt;</a:t>
-            </a:r>
-          </a:p>
-        </p:txBody>
-      </p:sp>
-      <p:sp>
-        <p:nvSpPr>
-          <p:cNvPr id="20" name="Скругленный прямоугольник 19"/>
-          <p:cNvSpPr/>
-          <p:nvPr/>
-        </p:nvSpPr>
-        <p:spPr>
-          <a:xfrm>
-            <a:off x="3647240" y="5234829"/>
-            <a:ext cx="2518783" cy="644310"/>
-          </a:xfrm>
-          <a:prstGeom prst="roundRect">
-            <a:avLst/>
-          </a:prstGeom>
-          <a:noFill/>
-          <a:ln w="12700">
-            <a:solidFill>
-              <a:schemeClr val="accent2"/>
-            </a:solidFill>
-            <a:prstDash val="dash"/>
-          </a:ln>
-          <a:effectLst>
-            <a:outerShdw blurRad="44450" dist="27940" dir="5400000" algn="ctr">
-              <a:srgbClr val="000000">
-                <a:alpha val="32000"/>
-              </a:srgbClr>
-            </a:outerShdw>
-          </a:effectLst>
-        </p:spPr>
-        <p:style>
-          <a:lnRef idx="1">
-            <a:schemeClr val="accent2"/>
-          </a:lnRef>
-          <a:fillRef idx="3">
-            <a:schemeClr val="accent2"/>
-          </a:fillRef>
-          <a:effectRef idx="2">
-            <a:schemeClr val="accent2"/>
-          </a:effectRef>
-          <a:fontRef idx="minor">
-            <a:schemeClr val="lt1"/>
-          </a:fontRef>
-        </p:style>
-        <p:txBody>
-          <a:bodyPr rtlCol="0" anchor="ctr"/>
-          <a:lstStyle/>
-          <a:p>
-            <a:pPr algn="ctr"/>
-            <a:r>
-              <a:rPr lang="en-US" sz="2000" dirty="0" smtClean="0">
-                <a:solidFill>
-                  <a:schemeClr val="accent2"/>
-                </a:solidFill>
-              </a:rPr>
-              <a:t>Runnable</a:t>
-            </a:r>
-          </a:p>
-        </p:txBody>
-      </p:sp>
-      <p:sp>
-        <p:nvSpPr>
-          <p:cNvPr id="21" name="TextBox 20"/>
-          <p:cNvSpPr txBox="1"/>
-          <p:nvPr/>
-        </p:nvSpPr>
-        <p:spPr>
-          <a:xfrm>
-            <a:off x="7622771" y="2660673"/>
-            <a:ext cx="433132" cy="584775"/>
-          </a:xfrm>
-          <a:prstGeom prst="rect">
-            <a:avLst/>
-          </a:prstGeom>
-          <a:noFill/>
-        </p:spPr>
-        <p:txBody>
-          <a:bodyPr wrap="none" rtlCol="0">
-            <a:spAutoFit/>
-          </a:bodyPr>
-          <a:lstStyle/>
-          <a:p>
-            <a:r>
-              <a:rPr lang="en-US" sz="3200" dirty="0" smtClean="0"/>
-              <a:t>~</a:t>
-            </a:r>
-            <a:endParaRPr lang="ru-RU" sz="3200" dirty="0"/>
-          </a:p>
-        </p:txBody>
-      </p:sp>
-      <p:sp>
-        <p:nvSpPr>
-          <p:cNvPr id="23" name="TextBox 22"/>
-          <p:cNvSpPr txBox="1"/>
-          <p:nvPr/>
-        </p:nvSpPr>
-        <p:spPr>
-          <a:xfrm>
-            <a:off x="5997693" y="4105646"/>
-            <a:ext cx="433132" cy="584775"/>
-          </a:xfrm>
-          <a:prstGeom prst="rect">
-            <a:avLst/>
-          </a:prstGeom>
-          <a:noFill/>
-        </p:spPr>
-        <p:txBody>
-          <a:bodyPr wrap="none" rtlCol="0">
-            <a:spAutoFit/>
-          </a:bodyPr>
-          <a:lstStyle/>
-          <a:p>
-            <a:r>
-              <a:rPr lang="en-US" sz="3200" dirty="0" smtClean="0"/>
-              <a:t>~</a:t>
-            </a:r>
-            <a:endParaRPr lang="ru-RU" sz="3200" dirty="0"/>
-          </a:p>
-        </p:txBody>
-      </p:sp>
-      <p:sp>
-        <p:nvSpPr>
-          <p:cNvPr id="24" name="TextBox 23"/>
-          <p:cNvSpPr txBox="1"/>
-          <p:nvPr/>
-        </p:nvSpPr>
-        <p:spPr>
-          <a:xfrm>
-            <a:off x="3214108" y="5264597"/>
-            <a:ext cx="433132" cy="584775"/>
-          </a:xfrm>
-          <a:prstGeom prst="rect">
-            <a:avLst/>
-          </a:prstGeom>
-          <a:noFill/>
-        </p:spPr>
-        <p:txBody>
-          <a:bodyPr wrap="none" rtlCol="0">
-            <a:spAutoFit/>
-          </a:bodyPr>
-          <a:lstStyle/>
-          <a:p>
-            <a:r>
-              <a:rPr lang="en-US" sz="3200" dirty="0" smtClean="0"/>
-              <a:t>~</a:t>
-            </a:r>
-            <a:endParaRPr lang="ru-RU" sz="3200" dirty="0"/>
-          </a:p>
-        </p:txBody>
-      </p:sp>
-    </p:spTree>
-    <p:extLst>
-      <p:ext uri="{BB962C8B-B14F-4D97-AF65-F5344CB8AC3E}">
-        <p14:creationId xmlns:p14="http://schemas.microsoft.com/office/powerpoint/2010/main" val="2738630241"/>
-      </p:ext>
-    </p:extLst>
-  </p:cSld>
-  <p:clrMapOvr>
-    <a:masterClrMapping/>
-  </p:clrMapOvr>
-</p:sld>
-</file>
-
-<file path=ppt/slides/slide4.xml><?xml version="1.0" encoding="utf-8"?>
-<p:sld xmlns:a="http://schemas.openxmlformats.org/drawingml/2006/main" xmlns:r="http://schemas.openxmlformats.org/officeDocument/2006/relationships" xmlns:p="http://schemas.openxmlformats.org/presentationml/2006/main">
-  <p:cSld>
-    <p:spTree>
-      <p:nvGrpSpPr>
-        <p:cNvPr id="1" name=""/>
-        <p:cNvGrpSpPr/>
-        <p:nvPr/>
-      </p:nvGrpSpPr>
-      <p:grpSpPr>
-        <a:xfrm>
-          <a:off x="0" y="0"/>
-          <a:ext cx="0" cy="0"/>
-          <a:chOff x="0" y="0"/>
-          <a:chExt cx="0" cy="0"/>
-        </a:xfrm>
-      </p:grpSpPr>
-      <p:sp>
-        <p:nvSpPr>
-          <p:cNvPr id="5" name="Скругленный прямоугольник 4"/>
-          <p:cNvSpPr/>
-          <p:nvPr/>
-        </p:nvSpPr>
-        <p:spPr>
-          <a:xfrm>
-            <a:off x="809625" y="1021181"/>
-            <a:ext cx="3457573" cy="644310"/>
-          </a:xfrm>
-          <a:prstGeom prst="roundRect">
-            <a:avLst/>
-          </a:prstGeom>
-          <a:solidFill>
-            <a:srgbClr val="00B050"/>
-          </a:solidFill>
-          <a:ln>
-            <a:noFill/>
-          </a:ln>
-          <a:effectLst>
-            <a:outerShdw blurRad="44450" dist="27940" dir="5400000" algn="ctr">
-              <a:srgbClr val="000000">
-                <a:alpha val="32000"/>
-              </a:srgbClr>
-            </a:outerShdw>
-          </a:effectLst>
-          <a:scene3d>
-            <a:camera prst="orthographicFront">
-              <a:rot lat="0" lon="0" rev="0"/>
-            </a:camera>
-            <a:lightRig rig="balanced" dir="t">
-              <a:rot lat="0" lon="0" rev="8700000"/>
-            </a:lightRig>
-          </a:scene3d>
-          <a:sp3d>
-            <a:bevelT w="190500" h="38100"/>
-          </a:sp3d>
-        </p:spPr>
-        <p:style>
-          <a:lnRef idx="2">
-            <a:schemeClr val="accent1">
-              <a:shade val="50000"/>
-            </a:schemeClr>
-          </a:lnRef>
-          <a:fillRef idx="1">
-            <a:schemeClr val="accent1"/>
-          </a:fillRef>
-          <a:effectRef idx="0">
-            <a:schemeClr val="accent1"/>
-          </a:effectRef>
-          <a:fontRef idx="minor">
-            <a:schemeClr val="lt1"/>
-          </a:fontRef>
-        </p:style>
-        <p:txBody>
-          <a:bodyPr rtlCol="0" anchor="ctr"/>
-          <a:lstStyle/>
-          <a:p>
-            <a:pPr algn="ctr"/>
-            <a:r>
-              <a:rPr lang="en-US" sz="2000" dirty="0" smtClean="0"/>
-              <a:t>Executor</a:t>
-            </a:r>
-          </a:p>
-        </p:txBody>
-      </p:sp>
-      <p:sp>
-        <p:nvSpPr>
-          <p:cNvPr id="6" name="Скругленный прямоугольник 5"/>
-          <p:cNvSpPr/>
-          <p:nvPr/>
-        </p:nvSpPr>
-        <p:spPr>
-          <a:xfrm>
-            <a:off x="809626" y="3125015"/>
-            <a:ext cx="3457574" cy="644310"/>
-          </a:xfrm>
-          <a:prstGeom prst="roundRect">
-            <a:avLst/>
-          </a:prstGeom>
-          <a:solidFill>
-            <a:srgbClr val="00B050"/>
-          </a:solidFill>
-          <a:ln>
-            <a:noFill/>
-          </a:ln>
-          <a:effectLst>
-            <a:outerShdw blurRad="44450" dist="27940" dir="5400000" algn="ctr">
-              <a:srgbClr val="000000">
-                <a:alpha val="32000"/>
-              </a:srgbClr>
-            </a:outerShdw>
-          </a:effectLst>
-          <a:scene3d>
-            <a:camera prst="orthographicFront">
-              <a:rot lat="0" lon="0" rev="0"/>
-            </a:camera>
-            <a:lightRig rig="balanced" dir="t">
-              <a:rot lat="0" lon="0" rev="8700000"/>
-            </a:lightRig>
-          </a:scene3d>
-          <a:sp3d>
-            <a:bevelT w="190500" h="38100"/>
-          </a:sp3d>
-        </p:spPr>
-        <p:style>
-          <a:lnRef idx="2">
-            <a:schemeClr val="accent1">
-              <a:shade val="50000"/>
-            </a:schemeClr>
-          </a:lnRef>
-          <a:fillRef idx="1">
-            <a:schemeClr val="accent1"/>
-          </a:fillRef>
-          <a:effectRef idx="0">
-            <a:schemeClr val="accent1"/>
-          </a:effectRef>
-          <a:fontRef idx="minor">
-            <a:schemeClr val="lt1"/>
-          </a:fontRef>
-        </p:style>
-        <p:txBody>
-          <a:bodyPr rtlCol="0" anchor="ctr"/>
-          <a:lstStyle/>
-          <a:p>
-            <a:pPr algn="ctr"/>
-            <a:r>
-              <a:rPr lang="en-US" sz="2000" dirty="0" err="1" smtClean="0"/>
-              <a:t>AbstractExecutorService</a:t>
-            </a:r>
-            <a:endParaRPr lang="en-US" sz="2000" dirty="0" smtClean="0"/>
-          </a:p>
-        </p:txBody>
-      </p:sp>
-      <p:sp>
-        <p:nvSpPr>
-          <p:cNvPr id="7" name="Скругленный прямоугольник 6"/>
-          <p:cNvSpPr/>
-          <p:nvPr/>
-        </p:nvSpPr>
-        <p:spPr>
-          <a:xfrm>
-            <a:off x="809626" y="4284236"/>
-            <a:ext cx="3457572" cy="644310"/>
-          </a:xfrm>
-          <a:prstGeom prst="roundRect">
-            <a:avLst/>
-          </a:prstGeom>
-          <a:solidFill>
-            <a:srgbClr val="00B050"/>
-          </a:solidFill>
-          <a:ln>
-            <a:noFill/>
-          </a:ln>
-          <a:effectLst>
-            <a:outerShdw blurRad="44450" dist="27940" dir="5400000" algn="ctr">
-              <a:srgbClr val="000000">
-                <a:alpha val="32000"/>
-              </a:srgbClr>
-            </a:outerShdw>
-          </a:effectLst>
-          <a:scene3d>
-            <a:camera prst="orthographicFront">
-              <a:rot lat="0" lon="0" rev="0"/>
-            </a:camera>
-            <a:lightRig rig="balanced" dir="t">
-              <a:rot lat="0" lon="0" rev="8700000"/>
-            </a:lightRig>
-          </a:scene3d>
-          <a:sp3d>
-            <a:bevelT w="190500" h="38100"/>
-          </a:sp3d>
-        </p:spPr>
-        <p:style>
-          <a:lnRef idx="2">
-            <a:schemeClr val="accent1">
-              <a:shade val="50000"/>
-            </a:schemeClr>
-          </a:lnRef>
-          <a:fillRef idx="1">
-            <a:schemeClr val="accent1"/>
-          </a:fillRef>
-          <a:effectRef idx="0">
-            <a:schemeClr val="accent1"/>
-          </a:effectRef>
-          <a:fontRef idx="minor">
-            <a:schemeClr val="lt1"/>
-          </a:fontRef>
-        </p:style>
-        <p:txBody>
-          <a:bodyPr rtlCol="0" anchor="ctr"/>
-          <a:lstStyle/>
-          <a:p>
-            <a:pPr algn="ctr"/>
-            <a:r>
-              <a:rPr lang="en-US" sz="2000" dirty="0" err="1" smtClean="0"/>
-              <a:t>ForkJoinPool</a:t>
-            </a:r>
-            <a:endParaRPr lang="en-US" sz="2000" dirty="0" smtClean="0"/>
-          </a:p>
-        </p:txBody>
-      </p:sp>
-      <p:sp>
-        <p:nvSpPr>
-          <p:cNvPr id="8" name="Скругленный прямоугольник 7"/>
-          <p:cNvSpPr/>
-          <p:nvPr/>
-        </p:nvSpPr>
-        <p:spPr>
-          <a:xfrm>
-            <a:off x="809626" y="2049487"/>
-            <a:ext cx="3457572" cy="644310"/>
-          </a:xfrm>
-          <a:prstGeom prst="roundRect">
-            <a:avLst/>
-          </a:prstGeom>
-          <a:solidFill>
-            <a:srgbClr val="00B050"/>
-          </a:solidFill>
-          <a:ln>
-            <a:noFill/>
-          </a:ln>
-          <a:effectLst>
-            <a:outerShdw blurRad="44450" dist="27940" dir="5400000" algn="ctr">
-              <a:srgbClr val="000000">
-                <a:alpha val="32000"/>
-              </a:srgbClr>
-            </a:outerShdw>
-          </a:effectLst>
-          <a:scene3d>
-            <a:camera prst="orthographicFront">
-              <a:rot lat="0" lon="0" rev="0"/>
-            </a:camera>
-            <a:lightRig rig="balanced" dir="t">
-              <a:rot lat="0" lon="0" rev="8700000"/>
-            </a:lightRig>
-          </a:scene3d>
-          <a:sp3d>
-            <a:bevelT w="190500" h="38100"/>
-          </a:sp3d>
-        </p:spPr>
-        <p:style>
-          <a:lnRef idx="2">
-            <a:schemeClr val="accent1">
-              <a:shade val="50000"/>
-            </a:schemeClr>
-          </a:lnRef>
-          <a:fillRef idx="1">
-            <a:schemeClr val="accent1"/>
-          </a:fillRef>
-          <a:effectRef idx="0">
-            <a:schemeClr val="accent1"/>
-          </a:effectRef>
-          <a:fontRef idx="minor">
-            <a:schemeClr val="lt1"/>
-          </a:fontRef>
-        </p:style>
-        <p:txBody>
-          <a:bodyPr rtlCol="0" anchor="ctr"/>
-          <a:lstStyle/>
-          <a:p>
-            <a:pPr algn="ctr"/>
-            <a:r>
-              <a:rPr lang="en-US" sz="2000" dirty="0" err="1" smtClean="0"/>
-              <a:t>ExecutorService</a:t>
-            </a:r>
-            <a:endParaRPr lang="en-US" sz="2000" dirty="0" smtClean="0"/>
-          </a:p>
-        </p:txBody>
-      </p:sp>
-      <p:sp>
-        <p:nvSpPr>
-          <p:cNvPr id="21" name="TextBox 20"/>
-          <p:cNvSpPr txBox="1"/>
-          <p:nvPr/>
-        </p:nvSpPr>
-        <p:spPr>
-          <a:xfrm>
-            <a:off x="4267198" y="1063672"/>
-            <a:ext cx="1874231" cy="584775"/>
-          </a:xfrm>
-          <a:prstGeom prst="rect">
-            <a:avLst/>
-          </a:prstGeom>
-          <a:noFill/>
-        </p:spPr>
-        <p:txBody>
-          <a:bodyPr wrap="none" rtlCol="0">
-            <a:spAutoFit/>
-          </a:bodyPr>
-          <a:lstStyle/>
-          <a:p>
-            <a:r>
-              <a:rPr lang="en-US" sz="3200" dirty="0" err="1"/>
-              <a:t>Inteface</a:t>
-            </a:r>
-            <a:endParaRPr lang="ru-RU" sz="3200" dirty="0"/>
-          </a:p>
-        </p:txBody>
-      </p:sp>
-      <p:sp>
-        <p:nvSpPr>
-          <p:cNvPr id="23" name="TextBox 22"/>
-          <p:cNvSpPr txBox="1"/>
-          <p:nvPr/>
-        </p:nvSpPr>
-        <p:spPr>
-          <a:xfrm>
-            <a:off x="4267200" y="3125015"/>
-            <a:ext cx="1874231" cy="584775"/>
-          </a:xfrm>
-          <a:prstGeom prst="rect">
-            <a:avLst/>
-          </a:prstGeom>
-          <a:noFill/>
-        </p:spPr>
-        <p:txBody>
-          <a:bodyPr wrap="square" rtlCol="0">
-            <a:spAutoFit/>
-          </a:bodyPr>
-          <a:lstStyle/>
-          <a:p>
-            <a:r>
-              <a:rPr lang="en-US" sz="3200" dirty="0" err="1" smtClean="0"/>
-              <a:t>AClass</a:t>
-            </a:r>
-            <a:endParaRPr lang="ru-RU" sz="3200" dirty="0"/>
-          </a:p>
-        </p:txBody>
-      </p:sp>
-      <p:sp>
-        <p:nvSpPr>
-          <p:cNvPr id="24" name="TextBox 23"/>
-          <p:cNvSpPr txBox="1"/>
-          <p:nvPr/>
-        </p:nvSpPr>
-        <p:spPr>
-          <a:xfrm>
-            <a:off x="4267199" y="2073800"/>
-            <a:ext cx="1874231" cy="584775"/>
-          </a:xfrm>
-          <a:prstGeom prst="rect">
-            <a:avLst/>
-          </a:prstGeom>
-          <a:noFill/>
-        </p:spPr>
-        <p:txBody>
-          <a:bodyPr wrap="none" rtlCol="0">
-            <a:spAutoFit/>
-          </a:bodyPr>
-          <a:lstStyle/>
-          <a:p>
-            <a:r>
-              <a:rPr lang="en-US" sz="3200" dirty="0" err="1" smtClean="0"/>
-              <a:t>Inteface</a:t>
-            </a:r>
-            <a:endParaRPr lang="ru-RU" sz="3200" dirty="0"/>
-          </a:p>
-        </p:txBody>
-      </p:sp>
-      <p:sp>
-        <p:nvSpPr>
-          <p:cNvPr id="19" name="TextBox 18"/>
-          <p:cNvSpPr txBox="1"/>
-          <p:nvPr/>
-        </p:nvSpPr>
-        <p:spPr>
-          <a:xfrm>
-            <a:off x="4267198" y="4314003"/>
-            <a:ext cx="1874231" cy="584775"/>
-          </a:xfrm>
-          <a:prstGeom prst="rect">
-            <a:avLst/>
-          </a:prstGeom>
-          <a:noFill/>
-        </p:spPr>
-        <p:txBody>
-          <a:bodyPr wrap="square" rtlCol="0">
-            <a:spAutoFit/>
-          </a:bodyPr>
-          <a:lstStyle/>
-          <a:p>
-            <a:r>
-              <a:rPr lang="en-US" sz="3200" dirty="0" smtClean="0"/>
-              <a:t>Class</a:t>
-            </a:r>
-            <a:endParaRPr lang="ru-RU" sz="3200" dirty="0"/>
-          </a:p>
-        </p:txBody>
-      </p:sp>
-      <p:sp>
-        <p:nvSpPr>
-          <p:cNvPr id="22" name="Скругленный прямоугольник 21"/>
-          <p:cNvSpPr/>
-          <p:nvPr/>
-        </p:nvSpPr>
-        <p:spPr>
-          <a:xfrm>
-            <a:off x="6141428" y="991413"/>
-            <a:ext cx="3457573" cy="644310"/>
-          </a:xfrm>
-          <a:prstGeom prst="roundRect">
-            <a:avLst/>
-          </a:prstGeom>
-          <a:solidFill>
-            <a:srgbClr val="00B050"/>
-          </a:solidFill>
-          <a:ln>
-            <a:noFill/>
-          </a:ln>
-          <a:effectLst>
-            <a:outerShdw blurRad="44450" dist="27940" dir="5400000" algn="ctr">
-              <a:srgbClr val="000000">
-                <a:alpha val="32000"/>
-              </a:srgbClr>
-            </a:outerShdw>
-          </a:effectLst>
-          <a:scene3d>
-            <a:camera prst="orthographicFront">
-              <a:rot lat="0" lon="0" rev="0"/>
-            </a:camera>
-            <a:lightRig rig="balanced" dir="t">
-              <a:rot lat="0" lon="0" rev="8700000"/>
-            </a:lightRig>
-          </a:scene3d>
-          <a:sp3d>
-            <a:bevelT w="190500" h="38100"/>
-          </a:sp3d>
-        </p:spPr>
-        <p:style>
-          <a:lnRef idx="2">
-            <a:schemeClr val="accent1">
-              <a:shade val="50000"/>
-            </a:schemeClr>
-          </a:lnRef>
-          <a:fillRef idx="1">
-            <a:schemeClr val="accent1"/>
-          </a:fillRef>
-          <a:effectRef idx="0">
-            <a:schemeClr val="accent1"/>
-          </a:effectRef>
-          <a:fontRef idx="minor">
-            <a:schemeClr val="lt1"/>
-          </a:fontRef>
-        </p:style>
-        <p:txBody>
-          <a:bodyPr rtlCol="0" anchor="ctr"/>
-          <a:lstStyle/>
-          <a:p>
-            <a:pPr algn="ctr"/>
-            <a:r>
-              <a:rPr lang="en-US" sz="2000" dirty="0" smtClean="0"/>
-              <a:t>Future&lt;V&gt;</a:t>
-            </a:r>
-          </a:p>
-        </p:txBody>
-      </p:sp>
-      <p:sp>
-        <p:nvSpPr>
-          <p:cNvPr id="25" name="Скругленный прямоугольник 24"/>
-          <p:cNvSpPr/>
-          <p:nvPr/>
-        </p:nvSpPr>
-        <p:spPr>
-          <a:xfrm>
-            <a:off x="6141428" y="3486546"/>
-            <a:ext cx="3457574" cy="644310"/>
-          </a:xfrm>
-          <a:prstGeom prst="roundRect">
-            <a:avLst/>
-          </a:prstGeom>
-          <a:solidFill>
-            <a:srgbClr val="00B050"/>
-          </a:solidFill>
-          <a:ln>
-            <a:noFill/>
-          </a:ln>
-          <a:effectLst>
-            <a:outerShdw blurRad="44450" dist="27940" dir="5400000" algn="ctr">
-              <a:srgbClr val="000000">
-                <a:alpha val="32000"/>
-              </a:srgbClr>
-            </a:outerShdw>
-          </a:effectLst>
-          <a:scene3d>
-            <a:camera prst="orthographicFront">
-              <a:rot lat="0" lon="0" rev="0"/>
-            </a:camera>
-            <a:lightRig rig="balanced" dir="t">
-              <a:rot lat="0" lon="0" rev="8700000"/>
-            </a:lightRig>
-          </a:scene3d>
-          <a:sp3d>
-            <a:bevelT w="190500" h="38100"/>
-          </a:sp3d>
-        </p:spPr>
-        <p:style>
-          <a:lnRef idx="2">
-            <a:schemeClr val="accent1">
-              <a:shade val="50000"/>
-            </a:schemeClr>
-          </a:lnRef>
-          <a:fillRef idx="1">
-            <a:schemeClr val="accent1"/>
-          </a:fillRef>
-          <a:effectRef idx="0">
-            <a:schemeClr val="accent1"/>
-          </a:effectRef>
-          <a:fontRef idx="minor">
-            <a:schemeClr val="lt1"/>
-          </a:fontRef>
-        </p:style>
-        <p:txBody>
-          <a:bodyPr rtlCol="0" anchor="ctr"/>
-          <a:lstStyle/>
-          <a:p>
-            <a:pPr algn="ctr"/>
-            <a:r>
-              <a:rPr lang="en-US" sz="2000" dirty="0" err="1" smtClean="0"/>
-              <a:t>RecursiveTask</a:t>
-            </a:r>
-            <a:r>
-              <a:rPr lang="en-US" sz="2000" dirty="0" smtClean="0"/>
-              <a:t>&lt;V&gt;</a:t>
-            </a:r>
-          </a:p>
-        </p:txBody>
-      </p:sp>
-      <p:sp>
-        <p:nvSpPr>
-          <p:cNvPr id="26" name="Скругленный прямоугольник 25"/>
-          <p:cNvSpPr/>
-          <p:nvPr/>
-        </p:nvSpPr>
-        <p:spPr>
-          <a:xfrm>
-            <a:off x="6141429" y="4254468"/>
-            <a:ext cx="3457572" cy="644310"/>
-          </a:xfrm>
-          <a:prstGeom prst="roundRect">
-            <a:avLst/>
-          </a:prstGeom>
-          <a:solidFill>
-            <a:srgbClr val="00B050"/>
-          </a:solidFill>
-          <a:ln>
-            <a:noFill/>
-          </a:ln>
-          <a:effectLst>
-            <a:outerShdw blurRad="44450" dist="27940" dir="5400000" algn="ctr">
-              <a:srgbClr val="000000">
-                <a:alpha val="32000"/>
-              </a:srgbClr>
-            </a:outerShdw>
-          </a:effectLst>
-          <a:scene3d>
-            <a:camera prst="orthographicFront">
-              <a:rot lat="0" lon="0" rev="0"/>
-            </a:camera>
-            <a:lightRig rig="balanced" dir="t">
-              <a:rot lat="0" lon="0" rev="8700000"/>
-            </a:lightRig>
-          </a:scene3d>
-          <a:sp3d>
-            <a:bevelT w="190500" h="38100"/>
-          </a:sp3d>
-        </p:spPr>
-        <p:style>
-          <a:lnRef idx="2">
-            <a:schemeClr val="accent1">
-              <a:shade val="50000"/>
-            </a:schemeClr>
-          </a:lnRef>
-          <a:fillRef idx="1">
-            <a:schemeClr val="accent1"/>
-          </a:fillRef>
-          <a:effectRef idx="0">
-            <a:schemeClr val="accent1"/>
-          </a:effectRef>
-          <a:fontRef idx="minor">
-            <a:schemeClr val="lt1"/>
-          </a:fontRef>
-        </p:style>
-        <p:txBody>
-          <a:bodyPr rtlCol="0" anchor="ctr"/>
-          <a:lstStyle/>
-          <a:p>
-            <a:pPr algn="ctr"/>
-            <a:r>
-              <a:rPr lang="en-US" sz="2000" dirty="0" err="1" smtClean="0"/>
-              <a:t>RecursiveAction</a:t>
-            </a:r>
-            <a:endParaRPr lang="en-US" sz="2000" dirty="0" smtClean="0"/>
-          </a:p>
-        </p:txBody>
-      </p:sp>
-      <p:sp>
-        <p:nvSpPr>
-          <p:cNvPr id="27" name="Скругленный прямоугольник 26"/>
-          <p:cNvSpPr/>
-          <p:nvPr/>
-        </p:nvSpPr>
-        <p:spPr>
-          <a:xfrm>
-            <a:off x="6141429" y="2019719"/>
-            <a:ext cx="3457572" cy="644310"/>
-          </a:xfrm>
-          <a:prstGeom prst="roundRect">
-            <a:avLst/>
-          </a:prstGeom>
-          <a:solidFill>
-            <a:srgbClr val="00B050"/>
-          </a:solidFill>
-          <a:ln>
-            <a:noFill/>
-          </a:ln>
-          <a:effectLst>
-            <a:outerShdw blurRad="44450" dist="27940" dir="5400000" algn="ctr">
-              <a:srgbClr val="000000">
-                <a:alpha val="32000"/>
-              </a:srgbClr>
-            </a:outerShdw>
-          </a:effectLst>
-          <a:scene3d>
-            <a:camera prst="orthographicFront">
-              <a:rot lat="0" lon="0" rev="0"/>
-            </a:camera>
-            <a:lightRig rig="balanced" dir="t">
-              <a:rot lat="0" lon="0" rev="8700000"/>
-            </a:lightRig>
-          </a:scene3d>
-          <a:sp3d>
-            <a:bevelT w="190500" h="38100"/>
-          </a:sp3d>
-        </p:spPr>
-        <p:style>
-          <a:lnRef idx="2">
-            <a:schemeClr val="accent1">
-              <a:shade val="50000"/>
-            </a:schemeClr>
-          </a:lnRef>
-          <a:fillRef idx="1">
-            <a:schemeClr val="accent1"/>
-          </a:fillRef>
-          <a:effectRef idx="0">
-            <a:schemeClr val="accent1"/>
-          </a:effectRef>
-          <a:fontRef idx="minor">
-            <a:schemeClr val="lt1"/>
-          </a:fontRef>
-        </p:style>
-        <p:txBody>
-          <a:bodyPr rtlCol="0" anchor="ctr"/>
-          <a:lstStyle/>
-          <a:p>
-            <a:pPr algn="ctr"/>
-            <a:r>
-              <a:rPr lang="en-US" sz="2000" dirty="0" err="1" smtClean="0"/>
-              <a:t>ForkJoinTask</a:t>
-            </a:r>
-            <a:r>
-              <a:rPr lang="en-US" sz="2000" dirty="0" smtClean="0"/>
-              <a:t>&lt;V&gt;</a:t>
-            </a:r>
-          </a:p>
-        </p:txBody>
-      </p:sp>
-      <p:sp>
-        <p:nvSpPr>
-          <p:cNvPr id="28" name="TextBox 27"/>
-          <p:cNvSpPr txBox="1"/>
-          <p:nvPr/>
-        </p:nvSpPr>
-        <p:spPr>
-          <a:xfrm>
-            <a:off x="9599001" y="1033904"/>
-            <a:ext cx="1874231" cy="584775"/>
-          </a:xfrm>
-          <a:prstGeom prst="rect">
-            <a:avLst/>
-          </a:prstGeom>
-          <a:noFill/>
-        </p:spPr>
-        <p:txBody>
-          <a:bodyPr wrap="none" rtlCol="0">
-            <a:spAutoFit/>
-          </a:bodyPr>
-          <a:lstStyle/>
-          <a:p>
-            <a:r>
-              <a:rPr lang="en-US" sz="3200" dirty="0" err="1"/>
-              <a:t>Inteface</a:t>
-            </a:r>
-            <a:endParaRPr lang="ru-RU" sz="3200" dirty="0"/>
-          </a:p>
-        </p:txBody>
-      </p:sp>
-      <p:sp>
-        <p:nvSpPr>
-          <p:cNvPr id="29" name="TextBox 28"/>
-          <p:cNvSpPr txBox="1"/>
-          <p:nvPr/>
-        </p:nvSpPr>
-        <p:spPr>
-          <a:xfrm>
-            <a:off x="9599002" y="3486546"/>
-            <a:ext cx="1874231" cy="584775"/>
-          </a:xfrm>
-          <a:prstGeom prst="rect">
-            <a:avLst/>
-          </a:prstGeom>
-          <a:noFill/>
-        </p:spPr>
-        <p:txBody>
-          <a:bodyPr wrap="square" rtlCol="0">
-            <a:spAutoFit/>
-          </a:bodyPr>
-          <a:lstStyle/>
-          <a:p>
-            <a:r>
-              <a:rPr lang="en-US" sz="3200" dirty="0" err="1" smtClean="0"/>
-              <a:t>AClass</a:t>
-            </a:r>
-            <a:endParaRPr lang="ru-RU" sz="3200" dirty="0"/>
-          </a:p>
-        </p:txBody>
-      </p:sp>
-      <p:sp>
-        <p:nvSpPr>
-          <p:cNvPr id="30" name="TextBox 29"/>
-          <p:cNvSpPr txBox="1"/>
-          <p:nvPr/>
-        </p:nvSpPr>
-        <p:spPr>
-          <a:xfrm>
-            <a:off x="9599002" y="2044032"/>
-            <a:ext cx="1500732" cy="584775"/>
-          </a:xfrm>
-          <a:prstGeom prst="rect">
-            <a:avLst/>
-          </a:prstGeom>
-          <a:noFill/>
-        </p:spPr>
-        <p:txBody>
-          <a:bodyPr wrap="none" rtlCol="0">
-            <a:spAutoFit/>
-          </a:bodyPr>
-          <a:lstStyle/>
-          <a:p>
-            <a:r>
-              <a:rPr lang="en-US" sz="3200" dirty="0" err="1" smtClean="0"/>
-              <a:t>AClass</a:t>
-            </a:r>
-            <a:endParaRPr lang="ru-RU" sz="3200" dirty="0"/>
-          </a:p>
-        </p:txBody>
-      </p:sp>
-      <p:sp>
-        <p:nvSpPr>
-          <p:cNvPr id="31" name="TextBox 30"/>
-          <p:cNvSpPr txBox="1"/>
-          <p:nvPr/>
-        </p:nvSpPr>
-        <p:spPr>
-          <a:xfrm>
-            <a:off x="9599001" y="4284235"/>
-            <a:ext cx="1874231" cy="584775"/>
-          </a:xfrm>
-          <a:prstGeom prst="rect">
-            <a:avLst/>
-          </a:prstGeom>
-          <a:noFill/>
-        </p:spPr>
-        <p:txBody>
-          <a:bodyPr wrap="square" rtlCol="0">
-            <a:spAutoFit/>
-          </a:bodyPr>
-          <a:lstStyle/>
-          <a:p>
-            <a:r>
-              <a:rPr lang="en-US" sz="3200" dirty="0" err="1" smtClean="0"/>
-              <a:t>AClass</a:t>
-            </a:r>
-            <a:endParaRPr lang="ru-RU" sz="3200" dirty="0"/>
-          </a:p>
-        </p:txBody>
-      </p:sp>
-    </p:spTree>
-    <p:extLst>
-      <p:ext uri="{BB962C8B-B14F-4D97-AF65-F5344CB8AC3E}">
-        <p14:creationId xmlns:p14="http://schemas.microsoft.com/office/powerpoint/2010/main" val="2960353648"/>
-      </p:ext>
-    </p:extLst>
-  </p:cSld>
-  <p:clrMapOvr>
-    <a:masterClrMapping/>
-  </p:clrMapOvr>
-</p:sld>
-</file>
-
-<file path=ppt/slides/slide5.xml><?xml version="1.0" encoding="utf-8"?>
-<p:sld xmlns:a="http://schemas.openxmlformats.org/drawingml/2006/main" xmlns:r="http://schemas.openxmlformats.org/officeDocument/2006/relationships" xmlns:p="http://schemas.openxmlformats.org/presentationml/2006/main">
-  <p:cSld>
-    <p:spTree>
-      <p:nvGrpSpPr>
-        <p:cNvPr id="1" name=""/>
-        <p:cNvGrpSpPr/>
-        <p:nvPr/>
-      </p:nvGrpSpPr>
-      <p:grpSpPr>
-        <a:xfrm>
-          <a:off x="0" y="0"/>
-          <a:ext cx="0" cy="0"/>
-          <a:chOff x="0" y="0"/>
-          <a:chExt cx="0" cy="0"/>
-        </a:xfrm>
-      </p:grpSpPr>
-      <p:sp>
-        <p:nvSpPr>
-          <p:cNvPr id="2" name="Заголовок 1"/>
-          <p:cNvSpPr>
-            <a:spLocks noGrp="1"/>
-          </p:cNvSpPr>
-          <p:nvPr>
-            <p:ph type="ctrTitle"/>
-          </p:nvPr>
-        </p:nvSpPr>
-        <p:spPr>
-          <a:xfrm>
-            <a:off x="391565" y="2733709"/>
-            <a:ext cx="8144134" cy="1373070"/>
-          </a:xfrm>
-        </p:spPr>
-        <p:txBody>
-          <a:bodyPr/>
-          <a:lstStyle/>
-          <a:p>
-            <a:endParaRPr lang="ru-RU" dirty="0"/>
-          </a:p>
-        </p:txBody>
-      </p:sp>
-      <p:sp>
-        <p:nvSpPr>
-          <p:cNvPr id="3" name="Подзаголовок 2"/>
-          <p:cNvSpPr>
-            <a:spLocks noGrp="1"/>
-          </p:cNvSpPr>
-          <p:nvPr>
-            <p:ph type="subTitle" idx="1"/>
-          </p:nvPr>
-        </p:nvSpPr>
-        <p:spPr/>
-        <p:txBody>
-          <a:bodyPr/>
-          <a:lstStyle/>
-          <a:p>
-            <a:endParaRPr lang="ru-RU" dirty="0"/>
-          </a:p>
-        </p:txBody>
-      </p:sp>
-      <p:sp>
-        <p:nvSpPr>
-          <p:cNvPr id="8" name="Скругленный прямоугольник 7"/>
-          <p:cNvSpPr/>
-          <p:nvPr/>
-        </p:nvSpPr>
-        <p:spPr>
-          <a:xfrm>
-            <a:off x="2710561" y="839586"/>
-            <a:ext cx="1929874" cy="598516"/>
-          </a:xfrm>
-          <a:prstGeom prst="roundRect">
-            <a:avLst/>
-          </a:prstGeom>
-        </p:spPr>
-        <p:style>
-          <a:lnRef idx="2">
-            <a:schemeClr val="accent1">
-              <a:shade val="50000"/>
-            </a:schemeClr>
-          </a:lnRef>
-          <a:fillRef idx="1">
-            <a:schemeClr val="accent1"/>
-          </a:fillRef>
-          <a:effectRef idx="0">
-            <a:schemeClr val="accent1"/>
-          </a:effectRef>
-          <a:fontRef idx="minor">
-            <a:schemeClr val="lt1"/>
-          </a:fontRef>
-        </p:style>
-        <p:txBody>
-          <a:bodyPr rtlCol="0" anchor="ctr"/>
-          <a:lstStyle/>
-          <a:p>
-            <a:pPr algn="ctr"/>
-            <a:endParaRPr lang="ru-RU"/>
-          </a:p>
-        </p:txBody>
-      </p:sp>
-      <p:sp>
-        <p:nvSpPr>
-          <p:cNvPr id="9" name="Скругленный прямоугольник 8"/>
-          <p:cNvSpPr/>
-          <p:nvPr/>
-        </p:nvSpPr>
-        <p:spPr>
-          <a:xfrm>
-            <a:off x="5131497" y="839586"/>
-            <a:ext cx="1929874" cy="598516"/>
-          </a:xfrm>
-          <a:prstGeom prst="roundRect">
-            <a:avLst/>
-          </a:prstGeom>
-        </p:spPr>
-        <p:style>
-          <a:lnRef idx="2">
-            <a:schemeClr val="accent1">
-              <a:shade val="50000"/>
-            </a:schemeClr>
-          </a:lnRef>
-          <a:fillRef idx="1">
-            <a:schemeClr val="accent1"/>
-          </a:fillRef>
-          <a:effectRef idx="0">
-            <a:schemeClr val="accent1"/>
-          </a:effectRef>
-          <a:fontRef idx="minor">
-            <a:schemeClr val="lt1"/>
-          </a:fontRef>
-        </p:style>
-        <p:txBody>
-          <a:bodyPr rtlCol="0" anchor="ctr"/>
-          <a:lstStyle/>
-          <a:p>
-            <a:pPr algn="ctr"/>
-            <a:endParaRPr lang="ru-RU"/>
-          </a:p>
-        </p:txBody>
-      </p:sp>
-      <p:sp>
-        <p:nvSpPr>
-          <p:cNvPr id="10" name="Скругленный прямоугольник 9"/>
-          <p:cNvSpPr/>
-          <p:nvPr/>
-        </p:nvSpPr>
-        <p:spPr>
-          <a:xfrm>
-            <a:off x="7552433" y="839586"/>
-            <a:ext cx="1929874" cy="598516"/>
-          </a:xfrm>
-          <a:prstGeom prst="roundRect">
-            <a:avLst/>
-          </a:prstGeom>
-        </p:spPr>
-        <p:style>
-          <a:lnRef idx="2">
-            <a:schemeClr val="accent1">
-              <a:shade val="50000"/>
-            </a:schemeClr>
-          </a:lnRef>
-          <a:fillRef idx="1">
-            <a:schemeClr val="accent1"/>
-          </a:fillRef>
-          <a:effectRef idx="0">
-            <a:schemeClr val="accent1"/>
-          </a:effectRef>
-          <a:fontRef idx="minor">
-            <a:schemeClr val="lt1"/>
-          </a:fontRef>
-        </p:style>
-        <p:txBody>
-          <a:bodyPr rtlCol="0" anchor="ctr"/>
-          <a:lstStyle/>
-          <a:p>
-            <a:pPr algn="ctr"/>
-            <a:endParaRPr lang="ru-RU"/>
-          </a:p>
-        </p:txBody>
-      </p:sp>
-      <p:sp>
-        <p:nvSpPr>
-          <p:cNvPr id="11" name="Скругленный прямоугольник 10"/>
-          <p:cNvSpPr/>
-          <p:nvPr/>
-        </p:nvSpPr>
-        <p:spPr>
-          <a:xfrm>
-            <a:off x="9973369" y="839586"/>
-            <a:ext cx="1929874" cy="598516"/>
-          </a:xfrm>
-          <a:prstGeom prst="roundRect">
-            <a:avLst/>
-          </a:prstGeom>
-        </p:spPr>
-        <p:style>
-          <a:lnRef idx="2">
-            <a:schemeClr val="accent1">
-              <a:shade val="50000"/>
-            </a:schemeClr>
-          </a:lnRef>
-          <a:fillRef idx="1">
-            <a:schemeClr val="accent1"/>
-          </a:fillRef>
-          <a:effectRef idx="0">
-            <a:schemeClr val="accent1"/>
-          </a:effectRef>
-          <a:fontRef idx="minor">
-            <a:schemeClr val="lt1"/>
-          </a:fontRef>
-        </p:style>
-        <p:txBody>
-          <a:bodyPr rtlCol="0" anchor="ctr"/>
-          <a:lstStyle/>
-          <a:p>
-            <a:pPr algn="ctr"/>
-            <a:endParaRPr lang="ru-RU"/>
-          </a:p>
-        </p:txBody>
-      </p:sp>
-      <p:sp>
-        <p:nvSpPr>
-          <p:cNvPr id="13" name="Скругленный прямоугольник 12"/>
-          <p:cNvSpPr/>
-          <p:nvPr/>
-        </p:nvSpPr>
-        <p:spPr>
-          <a:xfrm>
-            <a:off x="2710561" y="1692305"/>
-            <a:ext cx="1929874" cy="598516"/>
-          </a:xfrm>
-          <a:prstGeom prst="roundRect">
-            <a:avLst/>
-          </a:prstGeom>
-        </p:spPr>
-        <p:style>
-          <a:lnRef idx="2">
-            <a:schemeClr val="accent1">
-              <a:shade val="50000"/>
-            </a:schemeClr>
-          </a:lnRef>
-          <a:fillRef idx="1">
-            <a:schemeClr val="accent1"/>
-          </a:fillRef>
-          <a:effectRef idx="0">
-            <a:schemeClr val="accent1"/>
-          </a:effectRef>
-          <a:fontRef idx="minor">
-            <a:schemeClr val="lt1"/>
-          </a:fontRef>
-        </p:style>
-        <p:txBody>
-          <a:bodyPr rtlCol="0" anchor="ctr"/>
-          <a:lstStyle/>
-          <a:p>
-            <a:pPr algn="ctr"/>
-            <a:endParaRPr lang="ru-RU"/>
-          </a:p>
-        </p:txBody>
-      </p:sp>
-      <p:sp>
-        <p:nvSpPr>
-          <p:cNvPr id="14" name="Скругленный прямоугольник 13"/>
-          <p:cNvSpPr/>
-          <p:nvPr/>
-        </p:nvSpPr>
-        <p:spPr>
-          <a:xfrm>
-            <a:off x="5131497" y="1692305"/>
-            <a:ext cx="1929874" cy="598516"/>
-          </a:xfrm>
-          <a:prstGeom prst="roundRect">
-            <a:avLst/>
-          </a:prstGeom>
-        </p:spPr>
-        <p:style>
-          <a:lnRef idx="2">
-            <a:schemeClr val="accent1">
-              <a:shade val="50000"/>
-            </a:schemeClr>
-          </a:lnRef>
-          <a:fillRef idx="1">
-            <a:schemeClr val="accent1"/>
-          </a:fillRef>
-          <a:effectRef idx="0">
-            <a:schemeClr val="accent1"/>
-          </a:effectRef>
-          <a:fontRef idx="minor">
-            <a:schemeClr val="lt1"/>
-          </a:fontRef>
-        </p:style>
-        <p:txBody>
-          <a:bodyPr rtlCol="0" anchor="ctr"/>
-          <a:lstStyle/>
-          <a:p>
-            <a:pPr algn="ctr"/>
-            <a:endParaRPr lang="ru-RU"/>
-          </a:p>
-        </p:txBody>
-      </p:sp>
-      <p:sp>
-        <p:nvSpPr>
-          <p:cNvPr id="15" name="Скругленный прямоугольник 14"/>
-          <p:cNvSpPr/>
-          <p:nvPr/>
-        </p:nvSpPr>
-        <p:spPr>
-          <a:xfrm>
-            <a:off x="7552433" y="1692305"/>
-            <a:ext cx="1929874" cy="598516"/>
-          </a:xfrm>
-          <a:prstGeom prst="roundRect">
-            <a:avLst/>
-          </a:prstGeom>
-        </p:spPr>
-        <p:style>
-          <a:lnRef idx="2">
-            <a:schemeClr val="accent1">
-              <a:shade val="50000"/>
-            </a:schemeClr>
-          </a:lnRef>
-          <a:fillRef idx="1">
-            <a:schemeClr val="accent1"/>
-          </a:fillRef>
-          <a:effectRef idx="0">
-            <a:schemeClr val="accent1"/>
-          </a:effectRef>
-          <a:fontRef idx="minor">
-            <a:schemeClr val="lt1"/>
-          </a:fontRef>
-        </p:style>
-        <p:txBody>
-          <a:bodyPr rtlCol="0" anchor="ctr"/>
-          <a:lstStyle/>
-          <a:p>
-            <a:pPr algn="ctr"/>
-            <a:endParaRPr lang="ru-RU"/>
-          </a:p>
-        </p:txBody>
-      </p:sp>
-      <p:sp>
-        <p:nvSpPr>
-          <p:cNvPr id="16" name="Скругленный прямоугольник 15"/>
-          <p:cNvSpPr/>
-          <p:nvPr/>
-        </p:nvSpPr>
-        <p:spPr>
-          <a:xfrm>
-            <a:off x="9973369" y="1692305"/>
-            <a:ext cx="1929874" cy="598516"/>
-          </a:xfrm>
-          <a:prstGeom prst="roundRect">
-            <a:avLst/>
-          </a:prstGeom>
-        </p:spPr>
-        <p:style>
-          <a:lnRef idx="2">
-            <a:schemeClr val="accent1">
-              <a:shade val="50000"/>
-            </a:schemeClr>
-          </a:lnRef>
-          <a:fillRef idx="1">
-            <a:schemeClr val="accent1"/>
-          </a:fillRef>
-          <a:effectRef idx="0">
-            <a:schemeClr val="accent1"/>
-          </a:effectRef>
-          <a:fontRef idx="minor">
-            <a:schemeClr val="lt1"/>
-          </a:fontRef>
-        </p:style>
-        <p:txBody>
-          <a:bodyPr rtlCol="0" anchor="ctr"/>
-          <a:lstStyle/>
-          <a:p>
-            <a:pPr algn="ctr"/>
-            <a:endParaRPr lang="ru-RU"/>
-          </a:p>
-        </p:txBody>
-      </p:sp>
-      <p:sp>
-        <p:nvSpPr>
-          <p:cNvPr id="4" name="Скругленный прямоугольник 3"/>
-          <p:cNvSpPr/>
-          <p:nvPr/>
-        </p:nvSpPr>
-        <p:spPr>
-          <a:xfrm>
-            <a:off x="289625" y="839586"/>
-            <a:ext cx="1929874" cy="598516"/>
-          </a:xfrm>
-          <a:prstGeom prst="roundRect">
-            <a:avLst/>
-          </a:prstGeom>
-        </p:spPr>
-        <p:style>
-          <a:lnRef idx="2">
-            <a:schemeClr val="accent1">
-              <a:shade val="50000"/>
-            </a:schemeClr>
-          </a:lnRef>
-          <a:fillRef idx="1">
-            <a:schemeClr val="accent1"/>
-          </a:fillRef>
-          <a:effectRef idx="0">
-            <a:schemeClr val="accent1"/>
-          </a:effectRef>
-          <a:fontRef idx="minor">
-            <a:schemeClr val="lt1"/>
-          </a:fontRef>
-        </p:style>
-        <p:txBody>
-          <a:bodyPr rtlCol="0" anchor="ctr"/>
-          <a:lstStyle/>
-          <a:p>
-            <a:pPr algn="ctr"/>
-            <a:endParaRPr lang="ru-RU"/>
-          </a:p>
-        </p:txBody>
-      </p:sp>
-      <p:sp>
-        <p:nvSpPr>
-          <p:cNvPr id="12" name="Скругленный прямоугольник 11"/>
-          <p:cNvSpPr/>
-          <p:nvPr/>
-        </p:nvSpPr>
-        <p:spPr>
-          <a:xfrm>
-            <a:off x="289625" y="1692305"/>
-            <a:ext cx="1929874" cy="598516"/>
-          </a:xfrm>
-          <a:prstGeom prst="roundRect">
-            <a:avLst/>
-          </a:prstGeom>
-        </p:spPr>
-        <p:style>
-          <a:lnRef idx="2">
-            <a:schemeClr val="accent1">
-              <a:shade val="50000"/>
-            </a:schemeClr>
-          </a:lnRef>
-          <a:fillRef idx="1">
-            <a:schemeClr val="accent1"/>
-          </a:fillRef>
-          <a:effectRef idx="0">
-            <a:schemeClr val="accent1"/>
-          </a:effectRef>
-          <a:fontRef idx="minor">
-            <a:schemeClr val="lt1"/>
-          </a:fontRef>
-        </p:style>
-        <p:txBody>
-          <a:bodyPr rtlCol="0" anchor="ctr"/>
-          <a:lstStyle/>
-          <a:p>
-            <a:pPr algn="ctr"/>
-            <a:endParaRPr lang="ru-RU"/>
-          </a:p>
-        </p:txBody>
-      </p:sp>
-      <p:sp>
-        <p:nvSpPr>
-          <p:cNvPr id="17" name="Скругленный прямоугольник 16"/>
-          <p:cNvSpPr/>
-          <p:nvPr/>
-        </p:nvSpPr>
-        <p:spPr>
-          <a:xfrm>
-            <a:off x="289625" y="4823724"/>
-            <a:ext cx="2661594" cy="1776834"/>
-          </a:xfrm>
-          <a:prstGeom prst="roundRect">
-            <a:avLst/>
-          </a:prstGeom>
-        </p:spPr>
-        <p:style>
-          <a:lnRef idx="2">
-            <a:schemeClr val="accent1">
-              <a:shade val="50000"/>
-            </a:schemeClr>
-          </a:lnRef>
-          <a:fillRef idx="1">
-            <a:schemeClr val="accent1"/>
-          </a:fillRef>
-          <a:effectRef idx="0">
-            <a:schemeClr val="accent1"/>
-          </a:effectRef>
-          <a:fontRef idx="minor">
-            <a:schemeClr val="lt1"/>
-          </a:fontRef>
-        </p:style>
-        <p:txBody>
-          <a:bodyPr rtlCol="0" anchor="ctr"/>
-          <a:lstStyle/>
-          <a:p>
-            <a:pPr algn="ctr"/>
-            <a:r>
-              <a:rPr lang="ru-RU" dirty="0" smtClean="0"/>
-              <a:t>Подборки слайдов, советы для новичков и бесплатные конкурсы по презентациям здесь</a:t>
-            </a:r>
-            <a:endParaRPr lang="ru-RU" dirty="0"/>
-          </a:p>
-        </p:txBody>
-      </p:sp>
-      <p:sp>
-        <p:nvSpPr>
-          <p:cNvPr id="19" name="Скругленный прямоугольник 18"/>
-          <p:cNvSpPr/>
-          <p:nvPr/>
-        </p:nvSpPr>
-        <p:spPr>
-          <a:xfrm>
-            <a:off x="5131497" y="6209997"/>
-            <a:ext cx="1060756" cy="299258"/>
-          </a:xfrm>
-          <a:prstGeom prst="roundRect">
-            <a:avLst/>
-          </a:prstGeom>
-        </p:spPr>
-        <p:style>
-          <a:lnRef idx="2">
-            <a:schemeClr val="accent1">
-              <a:shade val="50000"/>
-            </a:schemeClr>
-          </a:lnRef>
-          <a:fillRef idx="1">
-            <a:schemeClr val="accent1"/>
-          </a:fillRef>
-          <a:effectRef idx="0">
-            <a:schemeClr val="accent1"/>
-          </a:effectRef>
-          <a:fontRef idx="minor">
-            <a:schemeClr val="lt1"/>
-          </a:fontRef>
-        </p:style>
-        <p:txBody>
-          <a:bodyPr rtlCol="0" anchor="ctr"/>
-          <a:lstStyle/>
-          <a:p>
-            <a:pPr algn="ctr"/>
-            <a:endParaRPr lang="ru-RU"/>
-          </a:p>
-        </p:txBody>
-      </p:sp>
-      <p:sp>
-        <p:nvSpPr>
-          <p:cNvPr id="20" name="Скругленный прямоугольник 19"/>
-          <p:cNvSpPr/>
-          <p:nvPr/>
-        </p:nvSpPr>
-        <p:spPr>
-          <a:xfrm>
-            <a:off x="6544007" y="4763762"/>
-            <a:ext cx="1991692" cy="1885666"/>
-          </a:xfrm>
-          <a:prstGeom prst="roundRect">
-            <a:avLst/>
-          </a:prstGeom>
-        </p:spPr>
-        <p:style>
-          <a:lnRef idx="2">
-            <a:schemeClr val="accent1">
-              <a:shade val="50000"/>
-            </a:schemeClr>
-          </a:lnRef>
-          <a:fillRef idx="1">
-            <a:schemeClr val="accent1"/>
-          </a:fillRef>
-          <a:effectRef idx="0">
-            <a:schemeClr val="accent1"/>
-          </a:effectRef>
-          <a:fontRef idx="minor">
-            <a:schemeClr val="lt1"/>
-          </a:fontRef>
-        </p:style>
-        <p:txBody>
-          <a:bodyPr rtlCol="0" anchor="ctr"/>
-          <a:lstStyle/>
-          <a:p>
-            <a:pPr algn="ctr"/>
-            <a:endParaRPr lang="ru-RU"/>
-          </a:p>
-        </p:txBody>
-      </p:sp>
-      <p:sp>
-        <p:nvSpPr>
-          <p:cNvPr id="21" name="Скругленный прямоугольник 20"/>
-          <p:cNvSpPr/>
-          <p:nvPr/>
-        </p:nvSpPr>
-        <p:spPr>
-          <a:xfrm>
-            <a:off x="11389895" y="5678905"/>
-            <a:ext cx="513348" cy="830350"/>
-          </a:xfrm>
-          <a:prstGeom prst="roundRect">
-            <a:avLst/>
-          </a:prstGeom>
-        </p:spPr>
-        <p:style>
-          <a:lnRef idx="2">
-            <a:schemeClr val="accent1">
-              <a:shade val="50000"/>
-            </a:schemeClr>
-          </a:lnRef>
-          <a:fillRef idx="1">
-            <a:schemeClr val="accent1"/>
-          </a:fillRef>
-          <a:effectRef idx="0">
-            <a:schemeClr val="accent1"/>
-          </a:effectRef>
-          <a:fontRef idx="minor">
-            <a:schemeClr val="lt1"/>
-          </a:fontRef>
-        </p:style>
-        <p:txBody>
-          <a:bodyPr rtlCol="0" anchor="ctr"/>
-          <a:lstStyle/>
-          <a:p>
-            <a:pPr algn="ctr"/>
-            <a:endParaRPr lang="ru-RU"/>
-          </a:p>
-        </p:txBody>
-      </p:sp>
-    </p:spTree>
-    <p:extLst>
-      <p:ext uri="{BB962C8B-B14F-4D97-AF65-F5344CB8AC3E}">
-        <p14:creationId xmlns:p14="http://schemas.microsoft.com/office/powerpoint/2010/main" val="1601948000"/>
-      </p:ext>
-    </p:extLst>
-  </p:cSld>
-  <p:clrMapOvr>
-    <a:masterClrMapping/>
-  </p:clrMapOvr>
-  <mc:AlternateContent xmlns:mc="http://schemas.openxmlformats.org/markup-compatibility/2006" xmlns:p14="http://schemas.microsoft.com/office/powerpoint/2010/main">
-    <mc:Choice Requires="p14">
-      <p:transition p14:dur="0"/>
-    </mc:Choice>
-    <mc:Fallback xmlns="">
-      <p:transition/>
-    </mc:Fallback>
-  </mc:AlternateContent>
-  <p:timing>
-    <p:tnLst>
-      <p:par>
-        <p:cTn id="1" dur="indefinite" restart="never" nodeType="tmRoot"/>
-      </p:par>
-    </p:tnLst>
-  </p:timing>
-</p:sld>
-</file>
-
-<file path=ppt/slides/slide6.xml><?xml version="1.0" encoding="utf-8"?>
-<p:sld xmlns:a="http://schemas.openxmlformats.org/drawingml/2006/main" xmlns:r="http://schemas.openxmlformats.org/officeDocument/2006/relationships" xmlns:p="http://schemas.openxmlformats.org/presentationml/2006/main">
-  <p:cSld>
-    <p:spTree>
-      <p:nvGrpSpPr>
-        <p:cNvPr id="1" name=""/>
-        <p:cNvGrpSpPr/>
-        <p:nvPr/>
-      </p:nvGrpSpPr>
-      <p:grpSpPr>
-        <a:xfrm>
-          <a:off x="0" y="0"/>
-          <a:ext cx="0" cy="0"/>
-          <a:chOff x="0" y="0"/>
-          <a:chExt cx="0" cy="0"/>
-        </a:xfrm>
-      </p:grpSpPr>
-      <p:sp>
-        <p:nvSpPr>
-          <p:cNvPr id="2" name="Заголовок 1"/>
-          <p:cNvSpPr>
-            <a:spLocks noGrp="1"/>
-          </p:cNvSpPr>
-          <p:nvPr>
-            <p:ph type="title"/>
-          </p:nvPr>
-        </p:nvSpPr>
-        <p:spPr/>
-        <p:txBody>
-          <a:bodyPr/>
-          <a:lstStyle/>
-          <a:p>
-            <a:endParaRPr lang="ru-RU"/>
-          </a:p>
-        </p:txBody>
-      </p:sp>
-      <p:sp>
-        <p:nvSpPr>
-          <p:cNvPr id="3" name="Объект 2"/>
-          <p:cNvSpPr>
-            <a:spLocks noGrp="1"/>
-          </p:cNvSpPr>
-          <p:nvPr>
-            <p:ph idx="1"/>
-          </p:nvPr>
-        </p:nvSpPr>
-        <p:spPr/>
-        <p:txBody>
-          <a:bodyPr/>
-          <a:lstStyle/>
-          <a:p>
-            <a:endParaRPr lang="ru-RU"/>
-          </a:p>
-        </p:txBody>
-      </p:sp>
-    </p:spTree>
-    <p:extLst>
-      <p:ext uri="{BB962C8B-B14F-4D97-AF65-F5344CB8AC3E}">
-        <p14:creationId xmlns:p14="http://schemas.microsoft.com/office/powerpoint/2010/main" val="2102629830"/>
-      </p:ext>
-    </p:extLst>
-  </p:cSld>
-  <p:clrMapOvr>
-    <a:masterClrMapping/>
-  </p:clrMapOvr>
-  <p:timing>
-    <p:tnLst>
-      <p:par>
-        <p:cTn id="1" dur="indefinite" restart="never" nodeType="tmRoot"/>
-      </p:par>
-    </p:tnLst>
-  </p:timing>
-</p:sld>
-</file>
-
-<file path=ppt/slides/slide7.xml><?xml version="1.0" encoding="utf-8"?>
-<p:sld xmlns:a="http://schemas.openxmlformats.org/drawingml/2006/main" xmlns:r="http://schemas.openxmlformats.org/officeDocument/2006/relationships" xmlns:p="http://schemas.openxmlformats.org/presentationml/2006/main">
-  <p:cSld>
-    <p:spTree>
-      <p:nvGrpSpPr>
-        <p:cNvPr id="1" name=""/>
-        <p:cNvGrpSpPr/>
-        <p:nvPr/>
-      </p:nvGrpSpPr>
-      <p:grpSpPr>
-        <a:xfrm>
-          <a:off x="0" y="0"/>
-          <a:ext cx="0" cy="0"/>
-          <a:chOff x="0" y="0"/>
-          <a:chExt cx="0" cy="0"/>
-        </a:xfrm>
-      </p:grpSpPr>
-      <p:sp>
-        <p:nvSpPr>
-          <p:cNvPr id="16386" name="Rectangle 2"/>
-          <p:cNvSpPr>
-            <a:spLocks noGrp="1" noChangeArrowheads="1"/>
-          </p:cNvSpPr>
-          <p:nvPr>
-            <p:ph type="title"/>
-          </p:nvPr>
-        </p:nvSpPr>
-        <p:spPr/>
-        <p:txBody>
-          <a:bodyPr/>
-          <a:lstStyle/>
-          <a:p>
-            <a:pPr eaLnBrk="1" hangingPunct="1"/>
-            <a:r>
-              <a:rPr lang="ru-RU" altLang="ru-RU" dirty="0" smtClean="0"/>
-              <a:t>Модель программирования</a:t>
-            </a:r>
-          </a:p>
-        </p:txBody>
-      </p:sp>
-      <p:sp>
-        <p:nvSpPr>
           <p:cNvPr id="16387" name="Rectangle 3"/>
           <p:cNvSpPr>
             <a:spLocks noGrp="1" noChangeArrowheads="1"/>
@@ -5946,8 +5676,8 @@
         </p:nvSpPr>
         <p:spPr>
           <a:xfrm>
-            <a:off x="1981200" y="1719264"/>
-            <a:ext cx="8229600" cy="4949825"/>
+            <a:off x="1981200" y="584200"/>
+            <a:ext cx="8229600" cy="6273800"/>
           </a:xfrm>
         </p:spPr>
         <p:txBody>
@@ -5979,6 +5709,22 @@
           <a:p>
             <a:pPr eaLnBrk="1" hangingPunct="1"/>
             <a:endParaRPr lang="en-US" altLang="ru-RU" dirty="0" smtClean="0"/>
+          </a:p>
+          <a:p>
+            <a:pPr eaLnBrk="1" hangingPunct="1"/>
+            <a:endParaRPr lang="ru-RU" altLang="ru-RU" dirty="0" smtClean="0"/>
+          </a:p>
+          <a:p>
+            <a:pPr eaLnBrk="1" hangingPunct="1"/>
+            <a:endParaRPr lang="ru-RU" altLang="ru-RU" dirty="0"/>
+          </a:p>
+          <a:p>
+            <a:pPr eaLnBrk="1" hangingPunct="1"/>
+            <a:endParaRPr lang="ru-RU" altLang="ru-RU" dirty="0" smtClean="0"/>
+          </a:p>
+          <a:p>
+            <a:pPr eaLnBrk="1" hangingPunct="1"/>
+            <a:endParaRPr lang="ru-RU" altLang="ru-RU" dirty="0"/>
           </a:p>
           <a:p>
             <a:pPr eaLnBrk="1" hangingPunct="1"/>
@@ -6030,7 +5776,7 @@
         </p:blipFill>
         <p:spPr bwMode="auto">
           <a:xfrm>
-            <a:off x="1992313" y="2276476"/>
+            <a:off x="2149225" y="1380038"/>
             <a:ext cx="8189912" cy="2771775"/>
           </a:xfrm>
           <a:prstGeom prst="rect">
@@ -6065,6 +5811,2255 @@
     <p:extLst>
       <p:ext uri="{BB962C8B-B14F-4D97-AF65-F5344CB8AC3E}">
         <p14:creationId xmlns:p14="http://schemas.microsoft.com/office/powerpoint/2010/main" val="1128584120"/>
+      </p:ext>
+    </p:extLst>
+  </p:cSld>
+  <p:clrMapOvr>
+    <a:masterClrMapping/>
+  </p:clrMapOvr>
+  <p:timing>
+    <p:tnLst>
+      <p:par>
+        <p:cTn id="1" dur="indefinite" restart="never" nodeType="tmRoot"/>
+      </p:par>
+    </p:tnLst>
+  </p:timing>
+</p:sld>
+</file>
+
+<file path=ppt/slides/slide4.xml><?xml version="1.0" encoding="utf-8"?>
+<p:sld xmlns:a="http://schemas.openxmlformats.org/drawingml/2006/main" xmlns:r="http://schemas.openxmlformats.org/officeDocument/2006/relationships" xmlns:p="http://schemas.openxmlformats.org/presentationml/2006/main">
+  <p:cSld>
+    <p:spTree>
+      <p:nvGrpSpPr>
+        <p:cNvPr id="1" name=""/>
+        <p:cNvGrpSpPr/>
+        <p:nvPr/>
+      </p:nvGrpSpPr>
+      <p:grpSpPr>
+        <a:xfrm>
+          <a:off x="0" y="0"/>
+          <a:ext cx="0" cy="0"/>
+          <a:chOff x="0" y="0"/>
+          <a:chExt cx="0" cy="0"/>
+        </a:xfrm>
+      </p:grpSpPr>
+      <p:sp>
+        <p:nvSpPr>
+          <p:cNvPr id="5" name="TextBox 4"/>
+          <p:cNvSpPr txBox="1"/>
+          <p:nvPr/>
+        </p:nvSpPr>
+        <p:spPr>
+          <a:xfrm>
+            <a:off x="1" y="6273225"/>
+            <a:ext cx="12191999" cy="584775"/>
+          </a:xfrm>
+          <a:prstGeom prst="rect">
+            <a:avLst/>
+          </a:prstGeom>
+        </p:spPr>
+        <p:style>
+          <a:lnRef idx="1">
+            <a:schemeClr val="accent2"/>
+          </a:lnRef>
+          <a:fillRef idx="2">
+            <a:schemeClr val="accent2"/>
+          </a:fillRef>
+          <a:effectRef idx="1">
+            <a:schemeClr val="accent2"/>
+          </a:effectRef>
+          <a:fontRef idx="minor">
+            <a:schemeClr val="dk1"/>
+          </a:fontRef>
+        </p:style>
+        <p:txBody>
+          <a:bodyPr wrap="square" rtlCol="0">
+            <a:spAutoFit/>
+          </a:bodyPr>
+          <a:lstStyle/>
+          <a:p>
+            <a:pPr algn="ctr"/>
+            <a:endParaRPr lang="ru-RU" sz="3200" dirty="0">
+              <a:solidFill>
+                <a:schemeClr val="bg1"/>
+              </a:solidFill>
+              <a:latin typeface="Times New Roman" panose="02020603050405020304" pitchFamily="18" charset="0"/>
+              <a:cs typeface="Times New Roman" panose="02020603050405020304" pitchFamily="18" charset="0"/>
+            </a:endParaRPr>
+          </a:p>
+        </p:txBody>
+      </p:sp>
+      <p:sp>
+        <p:nvSpPr>
+          <p:cNvPr id="8" name="TextBox 7"/>
+          <p:cNvSpPr txBox="1"/>
+          <p:nvPr/>
+        </p:nvSpPr>
+        <p:spPr>
+          <a:xfrm>
+            <a:off x="0" y="-575"/>
+            <a:ext cx="12191999" cy="584775"/>
+          </a:xfrm>
+          <a:prstGeom prst="rect">
+            <a:avLst/>
+          </a:prstGeom>
+        </p:spPr>
+        <p:style>
+          <a:lnRef idx="1">
+            <a:schemeClr val="accent2"/>
+          </a:lnRef>
+          <a:fillRef idx="2">
+            <a:schemeClr val="accent2"/>
+          </a:fillRef>
+          <a:effectRef idx="1">
+            <a:schemeClr val="accent2"/>
+          </a:effectRef>
+          <a:fontRef idx="minor">
+            <a:schemeClr val="dk1"/>
+          </a:fontRef>
+        </p:style>
+        <p:txBody>
+          <a:bodyPr wrap="square" rtlCol="0">
+            <a:spAutoFit/>
+          </a:bodyPr>
+          <a:lstStyle/>
+          <a:p>
+            <a:pPr algn="ctr"/>
+            <a:r>
+              <a:rPr lang="ru-RU" sz="3200" b="1" dirty="0" smtClean="0">
+                <a:solidFill>
+                  <a:srgbClr val="002060"/>
+                </a:solidFill>
+                <a:latin typeface="Times New Roman" panose="02020603050405020304" pitchFamily="18" charset="0"/>
+                <a:cs typeface="Times New Roman" panose="02020603050405020304" pitchFamily="18" charset="0"/>
+              </a:rPr>
+              <a:t>Введение в </a:t>
+            </a:r>
+            <a:r>
+              <a:rPr lang="en-US" sz="3200" b="1" dirty="0" smtClean="0">
+                <a:solidFill>
+                  <a:srgbClr val="002060"/>
+                </a:solidFill>
+                <a:latin typeface="Times New Roman" panose="02020603050405020304" pitchFamily="18" charset="0"/>
+                <a:cs typeface="Times New Roman" panose="02020603050405020304" pitchFamily="18" charset="0"/>
+              </a:rPr>
+              <a:t>fork/join</a:t>
+            </a:r>
+            <a:endParaRPr lang="ru-RU" sz="3200" b="1" dirty="0">
+              <a:solidFill>
+                <a:srgbClr val="002060"/>
+              </a:solidFill>
+              <a:latin typeface="Times New Roman" panose="02020603050405020304" pitchFamily="18" charset="0"/>
+              <a:cs typeface="Times New Roman" panose="02020603050405020304" pitchFamily="18" charset="0"/>
+            </a:endParaRPr>
+          </a:p>
+        </p:txBody>
+      </p:sp>
+      <p:sp>
+        <p:nvSpPr>
+          <p:cNvPr id="7" name="TextBox 6"/>
+          <p:cNvSpPr txBox="1"/>
+          <p:nvPr/>
+        </p:nvSpPr>
+        <p:spPr>
+          <a:xfrm>
+            <a:off x="334962" y="584200"/>
+            <a:ext cx="11522075" cy="3477875"/>
+          </a:xfrm>
+          <a:prstGeom prst="rect">
+            <a:avLst/>
+          </a:prstGeom>
+          <a:noFill/>
+        </p:spPr>
+        <p:txBody>
+          <a:bodyPr wrap="square" rtlCol="0">
+            <a:spAutoFit/>
+          </a:bodyPr>
+          <a:lstStyle/>
+          <a:p>
+            <a:r>
+              <a:rPr lang="en-US" sz="2000" dirty="0" smtClean="0">
+                <a:latin typeface="Times New Roman" panose="02020603050405020304" pitchFamily="18" charset="0"/>
+                <a:cs typeface="Times New Roman" panose="02020603050405020304" pitchFamily="18" charset="0"/>
+              </a:rPr>
+              <a:t>Fork</a:t>
+            </a:r>
+            <a:r>
+              <a:rPr lang="ru-RU" sz="2000" dirty="0" smtClean="0">
+                <a:latin typeface="Times New Roman" panose="02020603050405020304" pitchFamily="18" charset="0"/>
+                <a:cs typeface="Times New Roman" panose="02020603050405020304" pitchFamily="18" charset="0"/>
+              </a:rPr>
+              <a:t> </a:t>
+            </a:r>
+            <a:r>
+              <a:rPr lang="en-US" sz="2000" dirty="0" smtClean="0">
+                <a:latin typeface="Times New Roman" panose="02020603050405020304" pitchFamily="18" charset="0"/>
+                <a:cs typeface="Times New Roman" panose="02020603050405020304" pitchFamily="18" charset="0"/>
+              </a:rPr>
+              <a:t>Join</a:t>
+            </a:r>
+            <a:r>
+              <a:rPr lang="ru-RU" sz="2000" dirty="0" smtClean="0">
+                <a:latin typeface="Times New Roman" panose="02020603050405020304" pitchFamily="18" charset="0"/>
+                <a:cs typeface="Times New Roman" panose="02020603050405020304" pitchFamily="18" charset="0"/>
+              </a:rPr>
+              <a:t> </a:t>
+            </a:r>
+            <a:r>
+              <a:rPr lang="en-US" sz="2000" dirty="0" smtClean="0">
+                <a:latin typeface="Times New Roman" panose="02020603050405020304" pitchFamily="18" charset="0"/>
+                <a:cs typeface="Times New Roman" panose="02020603050405020304" pitchFamily="18" charset="0"/>
+              </a:rPr>
+              <a:t>Framework </a:t>
+            </a:r>
+            <a:r>
+              <a:rPr lang="ru-RU" sz="2000" dirty="0" smtClean="0">
+                <a:latin typeface="Times New Roman" panose="02020603050405020304" pitchFamily="18" charset="0"/>
+                <a:cs typeface="Times New Roman" panose="02020603050405020304" pitchFamily="18" charset="0"/>
+              </a:rPr>
+              <a:t>появился в </a:t>
+            </a:r>
+            <a:r>
+              <a:rPr lang="en-US" sz="2000" dirty="0" smtClean="0">
+                <a:latin typeface="Times New Roman" panose="02020603050405020304" pitchFamily="18" charset="0"/>
+                <a:cs typeface="Times New Roman" panose="02020603050405020304" pitchFamily="18" charset="0"/>
+              </a:rPr>
+              <a:t>Java 1</a:t>
+            </a:r>
+            <a:r>
+              <a:rPr lang="ru-RU" sz="2000" dirty="0" smtClean="0">
+                <a:latin typeface="Times New Roman" panose="02020603050405020304" pitchFamily="18" charset="0"/>
+                <a:cs typeface="Times New Roman" panose="02020603050405020304" pitchFamily="18" charset="0"/>
+              </a:rPr>
+              <a:t>.7.</a:t>
+            </a:r>
+          </a:p>
+          <a:p>
+            <a:r>
+              <a:rPr lang="ru-RU" sz="2000" dirty="0">
+                <a:latin typeface="Times New Roman" panose="02020603050405020304" pitchFamily="18" charset="0"/>
+                <a:cs typeface="Times New Roman" panose="02020603050405020304" pitchFamily="18" charset="0"/>
+              </a:rPr>
+              <a:t>Используя простой </a:t>
+            </a:r>
+            <a:r>
+              <a:rPr lang="en-US" sz="2000" dirty="0" err="1">
+                <a:latin typeface="Times New Roman" panose="02020603050405020304" pitchFamily="18" charset="0"/>
+                <a:cs typeface="Times New Roman" panose="02020603050405020304" pitchFamily="18" charset="0"/>
+              </a:rPr>
+              <a:t>ThreadPoolExecutor</a:t>
+            </a:r>
+            <a:r>
+              <a:rPr lang="ru-RU" sz="2000" dirty="0">
+                <a:latin typeface="Times New Roman" panose="02020603050405020304" pitchFamily="18" charset="0"/>
+                <a:cs typeface="Times New Roman" panose="02020603050405020304" pitchFamily="18" charset="0"/>
+              </a:rPr>
+              <a:t>, можно быстро исчерпать потоки, поскольку для выполнения каждой задачи или подзадачи требуется собственный </a:t>
+            </a:r>
+            <a:r>
+              <a:rPr lang="ru-RU" sz="2000" dirty="0" smtClean="0">
+                <a:latin typeface="Times New Roman" panose="02020603050405020304" pitchFamily="18" charset="0"/>
+                <a:cs typeface="Times New Roman" panose="02020603050405020304" pitchFamily="18" charset="0"/>
+              </a:rPr>
+              <a:t>поток. </a:t>
+            </a:r>
+          </a:p>
+          <a:p>
+            <a:r>
+              <a:rPr lang="ru-RU" sz="2000" dirty="0" smtClean="0">
+                <a:latin typeface="Times New Roman" panose="02020603050405020304" pitchFamily="18" charset="0"/>
+                <a:cs typeface="Times New Roman" panose="02020603050405020304" pitchFamily="18" charset="0"/>
+              </a:rPr>
+              <a:t>В рамках </a:t>
+            </a:r>
+            <a:r>
+              <a:rPr lang="en-US" sz="2000" dirty="0" smtClean="0">
+                <a:latin typeface="Times New Roman" panose="02020603050405020304" pitchFamily="18" charset="0"/>
+                <a:cs typeface="Times New Roman" panose="02020603050405020304" pitchFamily="18" charset="0"/>
+              </a:rPr>
+              <a:t>fork/join </a:t>
+            </a:r>
+            <a:r>
+              <a:rPr lang="ru-RU" sz="2000" dirty="0" smtClean="0">
+                <a:latin typeface="Times New Roman" panose="02020603050405020304" pitchFamily="18" charset="0"/>
+                <a:cs typeface="Times New Roman" panose="02020603050405020304" pitchFamily="18" charset="0"/>
+              </a:rPr>
+              <a:t>любая задача может порождать </a:t>
+            </a:r>
+            <a:r>
+              <a:rPr lang="en-US" sz="2000" dirty="0" smtClean="0">
+                <a:latin typeface="Times New Roman" panose="02020603050405020304" pitchFamily="18" charset="0"/>
+                <a:cs typeface="Times New Roman" panose="02020603050405020304" pitchFamily="18" charset="0"/>
+              </a:rPr>
+              <a:t>(fork) </a:t>
+            </a:r>
+            <a:r>
+              <a:rPr lang="ru-RU" sz="2000" dirty="0" smtClean="0">
+                <a:latin typeface="Times New Roman" panose="02020603050405020304" pitchFamily="18" charset="0"/>
+                <a:cs typeface="Times New Roman" panose="02020603050405020304" pitchFamily="18" charset="0"/>
+              </a:rPr>
+              <a:t>несколько подзадач, рекурсивно разбивая задачу на более мелкие независимые подзадачи, пока они не станут достаточно простыми для асинхронного выполнения, и ожидать их завершения, используя метод </a:t>
+            </a:r>
+            <a:r>
+              <a:rPr lang="en-US" sz="2000" dirty="0" smtClean="0">
+                <a:latin typeface="Times New Roman" panose="02020603050405020304" pitchFamily="18" charset="0"/>
+                <a:cs typeface="Times New Roman" panose="02020603050405020304" pitchFamily="18" charset="0"/>
+              </a:rPr>
+              <a:t>join</a:t>
+            </a:r>
+            <a:r>
+              <a:rPr lang="ru-RU" sz="2000" dirty="0" smtClean="0">
+                <a:latin typeface="Times New Roman" panose="02020603050405020304" pitchFamily="18" charset="0"/>
+                <a:cs typeface="Times New Roman" panose="02020603050405020304" pitchFamily="18" charset="0"/>
+              </a:rPr>
+              <a:t>.</a:t>
+            </a:r>
+          </a:p>
+          <a:p>
+            <a:r>
+              <a:rPr lang="ru-RU" sz="2000" dirty="0" smtClean="0">
+                <a:latin typeface="Times New Roman" panose="02020603050405020304" pitchFamily="18" charset="0"/>
+                <a:cs typeface="Times New Roman" panose="02020603050405020304" pitchFamily="18" charset="0"/>
+              </a:rPr>
+              <a:t>Для обеспечения эффективного параллельного выполнения, данная инфраструктура использует пул потоков, называемый </a:t>
+            </a:r>
+            <a:r>
+              <a:rPr lang="en-US" sz="2000" dirty="0" err="1" smtClean="0">
+                <a:latin typeface="Times New Roman" panose="02020603050405020304" pitchFamily="18" charset="0"/>
+                <a:cs typeface="Times New Roman" panose="02020603050405020304" pitchFamily="18" charset="0"/>
+              </a:rPr>
+              <a:t>ForkJoinPool</a:t>
+            </a:r>
+            <a:r>
+              <a:rPr lang="ru-RU" sz="2000" dirty="0" smtClean="0">
+                <a:latin typeface="Times New Roman" panose="02020603050405020304" pitchFamily="18" charset="0"/>
+                <a:cs typeface="Times New Roman" panose="02020603050405020304" pitchFamily="18" charset="0"/>
+              </a:rPr>
+              <a:t>, который управляет потоками типа </a:t>
+            </a:r>
+            <a:r>
+              <a:rPr lang="en-US" sz="2000" dirty="0" err="1" smtClean="0">
+                <a:latin typeface="Times New Roman" panose="02020603050405020304" pitchFamily="18" charset="0"/>
+                <a:cs typeface="Times New Roman" panose="02020603050405020304" pitchFamily="18" charset="0"/>
+              </a:rPr>
+              <a:t>ForkJoinWorkerThread</a:t>
+            </a:r>
+            <a:r>
+              <a:rPr lang="ru-RU" sz="2000" dirty="0">
+                <a:latin typeface="Times New Roman" panose="02020603050405020304" pitchFamily="18" charset="0"/>
+                <a:cs typeface="Times New Roman" panose="02020603050405020304" pitchFamily="18" charset="0"/>
+              </a:rPr>
+              <a:t>.</a:t>
+            </a:r>
+            <a:r>
+              <a:rPr lang="ru-RU" sz="2000" dirty="0" smtClean="0">
+                <a:latin typeface="Times New Roman" panose="02020603050405020304" pitchFamily="18" charset="0"/>
+                <a:cs typeface="Times New Roman" panose="02020603050405020304" pitchFamily="18" charset="0"/>
+              </a:rPr>
+              <a:t> </a:t>
+            </a:r>
+          </a:p>
+          <a:p>
+            <a:r>
+              <a:rPr lang="ru-RU" sz="2000" dirty="0" smtClean="0">
+                <a:latin typeface="Times New Roman" panose="02020603050405020304" pitchFamily="18" charset="0"/>
+                <a:cs typeface="Times New Roman" panose="02020603050405020304" pitchFamily="18" charset="0"/>
+              </a:rPr>
+              <a:t>Преимущество </a:t>
+            </a:r>
+            <a:r>
+              <a:rPr lang="en-US" sz="2000" dirty="0" smtClean="0">
+                <a:latin typeface="Times New Roman" panose="02020603050405020304" pitchFamily="18" charset="0"/>
+                <a:cs typeface="Times New Roman" panose="02020603050405020304" pitchFamily="18" charset="0"/>
+              </a:rPr>
+              <a:t>fork/join </a:t>
+            </a:r>
+            <a:r>
+              <a:rPr lang="ru-RU" sz="2000" dirty="0" smtClean="0">
+                <a:latin typeface="Times New Roman" panose="02020603050405020304" pitchFamily="18" charset="0"/>
+                <a:cs typeface="Times New Roman" panose="02020603050405020304" pitchFamily="18" charset="0"/>
+              </a:rPr>
+              <a:t>состоит в том, что он не создаёт новый поток для каждой задачи или подзадачи, вместо этого реализуя алгоритм </a:t>
+            </a:r>
+            <a:r>
+              <a:rPr lang="en-US" sz="2000" dirty="0" smtClean="0">
+                <a:latin typeface="Times New Roman" panose="02020603050405020304" pitchFamily="18" charset="0"/>
+                <a:cs typeface="Times New Roman" panose="02020603050405020304" pitchFamily="18" charset="0"/>
+              </a:rPr>
+              <a:t>work stealing</a:t>
+            </a:r>
+            <a:r>
+              <a:rPr lang="ru-RU" sz="2000" dirty="0" smtClean="0">
+                <a:latin typeface="Times New Roman" panose="02020603050405020304" pitchFamily="18" charset="0"/>
+                <a:cs typeface="Times New Roman" panose="02020603050405020304" pitchFamily="18" charset="0"/>
+              </a:rPr>
+              <a:t>.</a:t>
+            </a:r>
+          </a:p>
+          <a:p>
+            <a:endParaRPr lang="ru-RU" sz="2000" dirty="0" smtClean="0">
+              <a:latin typeface="Times New Roman" panose="02020603050405020304" pitchFamily="18" charset="0"/>
+              <a:cs typeface="Times New Roman" panose="02020603050405020304" pitchFamily="18" charset="0"/>
+            </a:endParaRPr>
+          </a:p>
+        </p:txBody>
+      </p:sp>
+    </p:spTree>
+    <p:extLst>
+      <p:ext uri="{BB962C8B-B14F-4D97-AF65-F5344CB8AC3E}">
+        <p14:creationId xmlns:p14="http://schemas.microsoft.com/office/powerpoint/2010/main" val="2482080637"/>
+      </p:ext>
+    </p:extLst>
+  </p:cSld>
+  <p:clrMapOvr>
+    <a:masterClrMapping/>
+  </p:clrMapOvr>
+  <p:timing>
+    <p:tnLst>
+      <p:par>
+        <p:cTn id="1" dur="indefinite" restart="never" nodeType="tmRoot"/>
+      </p:par>
+    </p:tnLst>
+  </p:timing>
+</p:sld>
+</file>
+
+<file path=ppt/slides/slide5.xml><?xml version="1.0" encoding="utf-8"?>
+<p:sld xmlns:a="http://schemas.openxmlformats.org/drawingml/2006/main" xmlns:r="http://schemas.openxmlformats.org/officeDocument/2006/relationships" xmlns:p="http://schemas.openxmlformats.org/presentationml/2006/main">
+  <p:cSld>
+    <p:bg>
+      <p:bgPr>
+        <a:solidFill>
+          <a:schemeClr val="bg1"/>
+        </a:solidFill>
+        <a:effectLst/>
+      </p:bgPr>
+    </p:bg>
+    <p:spTree>
+      <p:nvGrpSpPr>
+        <p:cNvPr id="1" name=""/>
+        <p:cNvGrpSpPr/>
+        <p:nvPr/>
+      </p:nvGrpSpPr>
+      <p:grpSpPr>
+        <a:xfrm>
+          <a:off x="0" y="0"/>
+          <a:ext cx="0" cy="0"/>
+          <a:chOff x="0" y="0"/>
+          <a:chExt cx="0" cy="0"/>
+        </a:xfrm>
+      </p:grpSpPr>
+      <p:pic>
+        <p:nvPicPr>
+          <p:cNvPr id="6" name="Рисунок 5"/>
+          <p:cNvPicPr>
+            <a:picLocks noChangeAspect="1"/>
+          </p:cNvPicPr>
+          <p:nvPr/>
+        </p:nvPicPr>
+        <p:blipFill>
+          <a:blip r:embed="rId2">
+            <a:extLst>
+              <a:ext uri="{28A0092B-C50C-407E-A947-70E740481C1C}">
+                <a14:useLocalDpi xmlns:a14="http://schemas.microsoft.com/office/drawing/2010/main" val="0"/>
+              </a:ext>
+            </a:extLst>
+          </a:blip>
+          <a:stretch>
+            <a:fillRect/>
+          </a:stretch>
+        </p:blipFill>
+        <p:spPr>
+          <a:xfrm>
+            <a:off x="937380" y="642938"/>
+            <a:ext cx="10317240" cy="5572124"/>
+          </a:xfrm>
+          <a:prstGeom prst="rect">
+            <a:avLst/>
+          </a:prstGeom>
+        </p:spPr>
+      </p:pic>
+      <p:sp>
+        <p:nvSpPr>
+          <p:cNvPr id="5" name="TextBox 4"/>
+          <p:cNvSpPr txBox="1"/>
+          <p:nvPr/>
+        </p:nvSpPr>
+        <p:spPr>
+          <a:xfrm>
+            <a:off x="1" y="6273225"/>
+            <a:ext cx="12191999" cy="584775"/>
+          </a:xfrm>
+          <a:prstGeom prst="rect">
+            <a:avLst/>
+          </a:prstGeom>
+        </p:spPr>
+        <p:style>
+          <a:lnRef idx="1">
+            <a:schemeClr val="accent2"/>
+          </a:lnRef>
+          <a:fillRef idx="2">
+            <a:schemeClr val="accent2"/>
+          </a:fillRef>
+          <a:effectRef idx="1">
+            <a:schemeClr val="accent2"/>
+          </a:effectRef>
+          <a:fontRef idx="minor">
+            <a:schemeClr val="dk1"/>
+          </a:fontRef>
+        </p:style>
+        <p:txBody>
+          <a:bodyPr wrap="square" rtlCol="0">
+            <a:spAutoFit/>
+          </a:bodyPr>
+          <a:lstStyle/>
+          <a:p>
+            <a:pPr algn="ctr"/>
+            <a:endParaRPr lang="ru-RU" sz="3200" dirty="0">
+              <a:solidFill>
+                <a:schemeClr val="bg1"/>
+              </a:solidFill>
+              <a:latin typeface="Times New Roman" panose="02020603050405020304" pitchFamily="18" charset="0"/>
+              <a:cs typeface="Times New Roman" panose="02020603050405020304" pitchFamily="18" charset="0"/>
+            </a:endParaRPr>
+          </a:p>
+        </p:txBody>
+      </p:sp>
+      <p:sp>
+        <p:nvSpPr>
+          <p:cNvPr id="8" name="TextBox 7"/>
+          <p:cNvSpPr txBox="1"/>
+          <p:nvPr/>
+        </p:nvSpPr>
+        <p:spPr>
+          <a:xfrm>
+            <a:off x="0" y="-575"/>
+            <a:ext cx="12191999" cy="584775"/>
+          </a:xfrm>
+          <a:prstGeom prst="rect">
+            <a:avLst/>
+          </a:prstGeom>
+        </p:spPr>
+        <p:style>
+          <a:lnRef idx="1">
+            <a:schemeClr val="accent2"/>
+          </a:lnRef>
+          <a:fillRef idx="2">
+            <a:schemeClr val="accent2"/>
+          </a:fillRef>
+          <a:effectRef idx="1">
+            <a:schemeClr val="accent2"/>
+          </a:effectRef>
+          <a:fontRef idx="minor">
+            <a:schemeClr val="dk1"/>
+          </a:fontRef>
+        </p:style>
+        <p:txBody>
+          <a:bodyPr wrap="square" rtlCol="0">
+            <a:spAutoFit/>
+          </a:bodyPr>
+          <a:lstStyle/>
+          <a:p>
+            <a:pPr algn="ctr"/>
+            <a:r>
+              <a:rPr lang="ru-RU" sz="3200" b="1" dirty="0" smtClean="0">
+                <a:solidFill>
+                  <a:srgbClr val="002060"/>
+                </a:solidFill>
+                <a:latin typeface="Times New Roman" panose="02020603050405020304" pitchFamily="18" charset="0"/>
+                <a:cs typeface="Times New Roman" panose="02020603050405020304" pitchFamily="18" charset="0"/>
+              </a:rPr>
+              <a:t>Структура </a:t>
+            </a:r>
+            <a:r>
+              <a:rPr lang="en-US" sz="3200" b="1" dirty="0" smtClean="0">
+                <a:solidFill>
+                  <a:srgbClr val="002060"/>
+                </a:solidFill>
+                <a:latin typeface="Times New Roman" panose="02020603050405020304" pitchFamily="18" charset="0"/>
+                <a:cs typeface="Times New Roman" panose="02020603050405020304" pitchFamily="18" charset="0"/>
+              </a:rPr>
+              <a:t>Fork</a:t>
+            </a:r>
+            <a:r>
+              <a:rPr lang="en-US" sz="3200" b="1" dirty="0">
+                <a:solidFill>
+                  <a:srgbClr val="002060"/>
+                </a:solidFill>
+                <a:latin typeface="Times New Roman" panose="02020603050405020304" pitchFamily="18" charset="0"/>
+                <a:cs typeface="Times New Roman" panose="02020603050405020304" pitchFamily="18" charset="0"/>
+              </a:rPr>
+              <a:t>/</a:t>
+            </a:r>
+            <a:r>
+              <a:rPr lang="en-US" sz="3200" b="1" dirty="0" smtClean="0">
+                <a:solidFill>
+                  <a:srgbClr val="002060"/>
+                </a:solidFill>
+                <a:latin typeface="Times New Roman" panose="02020603050405020304" pitchFamily="18" charset="0"/>
+                <a:cs typeface="Times New Roman" panose="02020603050405020304" pitchFamily="18" charset="0"/>
+              </a:rPr>
+              <a:t>Join Framework</a:t>
+            </a:r>
+            <a:endParaRPr lang="ru-RU" sz="3200" b="1" dirty="0">
+              <a:solidFill>
+                <a:srgbClr val="002060"/>
+              </a:solidFill>
+              <a:latin typeface="Times New Roman" panose="02020603050405020304" pitchFamily="18" charset="0"/>
+              <a:cs typeface="Times New Roman" panose="02020603050405020304" pitchFamily="18" charset="0"/>
+            </a:endParaRPr>
+          </a:p>
+        </p:txBody>
+      </p:sp>
+    </p:spTree>
+    <p:extLst>
+      <p:ext uri="{BB962C8B-B14F-4D97-AF65-F5344CB8AC3E}">
+        <p14:creationId xmlns:p14="http://schemas.microsoft.com/office/powerpoint/2010/main" val="2972133029"/>
+      </p:ext>
+    </p:extLst>
+  </p:cSld>
+  <p:clrMapOvr>
+    <a:masterClrMapping/>
+  </p:clrMapOvr>
+  <p:timing>
+    <p:tnLst>
+      <p:par>
+        <p:cTn id="1" dur="indefinite" restart="never" nodeType="tmRoot"/>
+      </p:par>
+    </p:tnLst>
+  </p:timing>
+</p:sld>
+</file>
+
+<file path=ppt/slides/slide6.xml><?xml version="1.0" encoding="utf-8"?>
+<p:sld xmlns:a="http://schemas.openxmlformats.org/drawingml/2006/main" xmlns:r="http://schemas.openxmlformats.org/officeDocument/2006/relationships" xmlns:p="http://schemas.openxmlformats.org/presentationml/2006/main">
+  <p:cSld>
+    <p:spTree>
+      <p:nvGrpSpPr>
+        <p:cNvPr id="1" name=""/>
+        <p:cNvGrpSpPr/>
+        <p:nvPr/>
+      </p:nvGrpSpPr>
+      <p:grpSpPr>
+        <a:xfrm>
+          <a:off x="0" y="0"/>
+          <a:ext cx="0" cy="0"/>
+          <a:chOff x="0" y="0"/>
+          <a:chExt cx="0" cy="0"/>
+        </a:xfrm>
+      </p:grpSpPr>
+      <p:sp>
+        <p:nvSpPr>
+          <p:cNvPr id="5" name="TextBox 4"/>
+          <p:cNvSpPr txBox="1"/>
+          <p:nvPr/>
+        </p:nvSpPr>
+        <p:spPr>
+          <a:xfrm>
+            <a:off x="1" y="6273225"/>
+            <a:ext cx="12191999" cy="584775"/>
+          </a:xfrm>
+          <a:prstGeom prst="rect">
+            <a:avLst/>
+          </a:prstGeom>
+        </p:spPr>
+        <p:style>
+          <a:lnRef idx="1">
+            <a:schemeClr val="accent2"/>
+          </a:lnRef>
+          <a:fillRef idx="2">
+            <a:schemeClr val="accent2"/>
+          </a:fillRef>
+          <a:effectRef idx="1">
+            <a:schemeClr val="accent2"/>
+          </a:effectRef>
+          <a:fontRef idx="minor">
+            <a:schemeClr val="dk1"/>
+          </a:fontRef>
+        </p:style>
+        <p:txBody>
+          <a:bodyPr wrap="square" rtlCol="0">
+            <a:spAutoFit/>
+          </a:bodyPr>
+          <a:lstStyle/>
+          <a:p>
+            <a:pPr algn="ctr"/>
+            <a:endParaRPr lang="ru-RU" sz="3200" dirty="0">
+              <a:solidFill>
+                <a:schemeClr val="bg1"/>
+              </a:solidFill>
+              <a:latin typeface="Times New Roman" panose="02020603050405020304" pitchFamily="18" charset="0"/>
+              <a:cs typeface="Times New Roman" panose="02020603050405020304" pitchFamily="18" charset="0"/>
+            </a:endParaRPr>
+          </a:p>
+        </p:txBody>
+      </p:sp>
+      <p:sp>
+        <p:nvSpPr>
+          <p:cNvPr id="8" name="TextBox 7"/>
+          <p:cNvSpPr txBox="1"/>
+          <p:nvPr/>
+        </p:nvSpPr>
+        <p:spPr>
+          <a:xfrm>
+            <a:off x="0" y="-575"/>
+            <a:ext cx="12191999" cy="584775"/>
+          </a:xfrm>
+          <a:prstGeom prst="rect">
+            <a:avLst/>
+          </a:prstGeom>
+        </p:spPr>
+        <p:style>
+          <a:lnRef idx="1">
+            <a:schemeClr val="accent2"/>
+          </a:lnRef>
+          <a:fillRef idx="2">
+            <a:schemeClr val="accent2"/>
+          </a:fillRef>
+          <a:effectRef idx="1">
+            <a:schemeClr val="accent2"/>
+          </a:effectRef>
+          <a:fontRef idx="minor">
+            <a:schemeClr val="dk1"/>
+          </a:fontRef>
+        </p:style>
+        <p:txBody>
+          <a:bodyPr wrap="square" rtlCol="0">
+            <a:spAutoFit/>
+          </a:bodyPr>
+          <a:lstStyle/>
+          <a:p>
+            <a:pPr algn="ctr"/>
+            <a:r>
+              <a:rPr lang="en-US" sz="3200" b="1" dirty="0" err="1" smtClean="0">
+                <a:solidFill>
+                  <a:srgbClr val="002060"/>
+                </a:solidFill>
+                <a:latin typeface="Times New Roman" panose="02020603050405020304" pitchFamily="18" charset="0"/>
+                <a:cs typeface="Times New Roman" panose="02020603050405020304" pitchFamily="18" charset="0"/>
+              </a:rPr>
+              <a:t>ForkJoinPool</a:t>
+            </a:r>
+            <a:endParaRPr lang="ru-RU" sz="3200" b="1" dirty="0">
+              <a:solidFill>
+                <a:srgbClr val="002060"/>
+              </a:solidFill>
+              <a:latin typeface="Times New Roman" panose="02020603050405020304" pitchFamily="18" charset="0"/>
+              <a:cs typeface="Times New Roman" panose="02020603050405020304" pitchFamily="18" charset="0"/>
+            </a:endParaRPr>
+          </a:p>
+        </p:txBody>
+      </p:sp>
+      <p:sp>
+        <p:nvSpPr>
+          <p:cNvPr id="7" name="TextBox 6"/>
+          <p:cNvSpPr txBox="1"/>
+          <p:nvPr/>
+        </p:nvSpPr>
+        <p:spPr>
+          <a:xfrm>
+            <a:off x="334962" y="584200"/>
+            <a:ext cx="11522075" cy="5016758"/>
+          </a:xfrm>
+          <a:prstGeom prst="rect">
+            <a:avLst/>
+          </a:prstGeom>
+          <a:noFill/>
+        </p:spPr>
+        <p:txBody>
+          <a:bodyPr wrap="square" rtlCol="0">
+            <a:spAutoFit/>
+          </a:bodyPr>
+          <a:lstStyle/>
+          <a:p>
+            <a:pPr marL="342900" indent="-342900">
+              <a:buFontTx/>
+              <a:buChar char="-"/>
+            </a:pPr>
+            <a:r>
+              <a:rPr lang="en-US" sz="3200" b="1" dirty="0" err="1" smtClean="0">
+                <a:latin typeface="Times New Roman" panose="02020603050405020304" pitchFamily="18" charset="0"/>
+                <a:cs typeface="Times New Roman" panose="02020603050405020304" pitchFamily="18" charset="0"/>
+              </a:rPr>
+              <a:t>ForkJoinPool</a:t>
+            </a:r>
+            <a:r>
+              <a:rPr lang="en-US" sz="3200" b="1" dirty="0" smtClean="0">
+                <a:latin typeface="Times New Roman" panose="02020603050405020304" pitchFamily="18" charset="0"/>
+                <a:cs typeface="Times New Roman" panose="02020603050405020304" pitchFamily="18" charset="0"/>
+              </a:rPr>
+              <a:t> </a:t>
+            </a:r>
+            <a:r>
+              <a:rPr lang="en-US" sz="3200" b="1" dirty="0">
+                <a:latin typeface="Times New Roman" panose="02020603050405020304" pitchFamily="18" charset="0"/>
+                <a:cs typeface="Times New Roman" panose="02020603050405020304" pitchFamily="18" charset="0"/>
+              </a:rPr>
+              <a:t>– </a:t>
+            </a:r>
+            <a:r>
+              <a:rPr lang="ru-RU" sz="3200" b="1" dirty="0">
+                <a:latin typeface="Times New Roman" panose="02020603050405020304" pitchFamily="18" charset="0"/>
+                <a:cs typeface="Times New Roman" panose="02020603050405020304" pitchFamily="18" charset="0"/>
+              </a:rPr>
+              <a:t>это </a:t>
+            </a:r>
+            <a:r>
+              <a:rPr lang="ru-RU" sz="3200" b="1" dirty="0" err="1">
+                <a:latin typeface="Times New Roman" panose="02020603050405020304" pitchFamily="18" charset="0"/>
+                <a:cs typeface="Times New Roman" panose="02020603050405020304" pitchFamily="18" charset="0"/>
+              </a:rPr>
+              <a:t>пулл</a:t>
+            </a:r>
+            <a:r>
+              <a:rPr lang="ru-RU" sz="3200" b="1" dirty="0">
+                <a:latin typeface="Times New Roman" panose="02020603050405020304" pitchFamily="18" charset="0"/>
+                <a:cs typeface="Times New Roman" panose="02020603050405020304" pitchFamily="18" charset="0"/>
+              </a:rPr>
+              <a:t> потоков, который </a:t>
+            </a:r>
+            <a:r>
+              <a:rPr lang="ru-RU" sz="3200" b="1" dirty="0" smtClean="0">
+                <a:latin typeface="Times New Roman" panose="02020603050405020304" pitchFamily="18" charset="0"/>
+                <a:cs typeface="Times New Roman" panose="02020603050405020304" pitchFamily="18" charset="0"/>
+              </a:rPr>
+              <a:t>разделяет </a:t>
+            </a:r>
+            <a:r>
+              <a:rPr lang="ru-RU" sz="3200" b="1" dirty="0">
+                <a:latin typeface="Times New Roman" panose="02020603050405020304" pitchFamily="18" charset="0"/>
+                <a:cs typeface="Times New Roman" panose="02020603050405020304" pitchFamily="18" charset="0"/>
+              </a:rPr>
+              <a:t>операции на несколько </a:t>
+            </a:r>
+            <a:r>
+              <a:rPr lang="ru-RU" sz="3200" b="1" dirty="0" smtClean="0">
+                <a:latin typeface="Times New Roman" panose="02020603050405020304" pitchFamily="18" charset="0"/>
+                <a:cs typeface="Times New Roman" panose="02020603050405020304" pitchFamily="18" charset="0"/>
+              </a:rPr>
+              <a:t>частей, основное сердце </a:t>
+            </a:r>
+            <a:r>
+              <a:rPr lang="en-US" sz="3200" b="1" dirty="0" smtClean="0">
+                <a:latin typeface="Times New Roman" panose="02020603050405020304" pitchFamily="18" charset="0"/>
+                <a:cs typeface="Times New Roman" panose="02020603050405020304" pitchFamily="18" charset="0"/>
+              </a:rPr>
+              <a:t>framework</a:t>
+            </a:r>
+            <a:r>
+              <a:rPr lang="ru-RU" sz="3200" dirty="0" smtClean="0">
+                <a:latin typeface="Times New Roman" panose="02020603050405020304" pitchFamily="18" charset="0"/>
+                <a:cs typeface="Times New Roman" panose="02020603050405020304" pitchFamily="18" charset="0"/>
+              </a:rPr>
+              <a:t> </a:t>
+            </a:r>
+          </a:p>
+          <a:p>
+            <a:pPr marL="342900" indent="-342900">
+              <a:buFontTx/>
+              <a:buChar char="-"/>
+            </a:pPr>
+            <a:r>
+              <a:rPr lang="ru-RU" sz="3200" b="1" dirty="0">
+                <a:latin typeface="Times New Roman" panose="02020603050405020304" pitchFamily="18" charset="0"/>
+                <a:cs typeface="Times New Roman" panose="02020603050405020304" pitchFamily="18" charset="0"/>
+              </a:rPr>
+              <a:t>В этом классе реализована хитрая логика по распределению нагрузки между реальными потоками</a:t>
+            </a:r>
+            <a:r>
+              <a:rPr lang="ru-RU" sz="3200" dirty="0">
+                <a:latin typeface="Times New Roman" panose="02020603050405020304" pitchFamily="18" charset="0"/>
+                <a:cs typeface="Times New Roman" panose="02020603050405020304" pitchFamily="18" charset="0"/>
+              </a:rPr>
+              <a:t>.</a:t>
+            </a:r>
+            <a:endParaRPr lang="ru-RU" sz="3200" dirty="0" smtClean="0">
+              <a:latin typeface="Times New Roman" panose="02020603050405020304" pitchFamily="18" charset="0"/>
+              <a:cs typeface="Times New Roman" panose="02020603050405020304" pitchFamily="18" charset="0"/>
+            </a:endParaRPr>
+          </a:p>
+          <a:p>
+            <a:pPr marL="342900" indent="-342900">
+              <a:buFontTx/>
+              <a:buChar char="-"/>
+            </a:pPr>
+            <a:r>
+              <a:rPr lang="ru-RU" sz="3200" dirty="0">
+                <a:latin typeface="Times New Roman" panose="02020603050405020304" pitchFamily="18" charset="0"/>
+                <a:cs typeface="Times New Roman" panose="02020603050405020304" pitchFamily="18" charset="0"/>
+              </a:rPr>
+              <a:t>Я</a:t>
+            </a:r>
+            <a:r>
+              <a:rPr lang="ru-RU" sz="3200" dirty="0" smtClean="0">
+                <a:latin typeface="Times New Roman" panose="02020603050405020304" pitchFamily="18" charset="0"/>
+                <a:cs typeface="Times New Roman" panose="02020603050405020304" pitchFamily="18" charset="0"/>
+              </a:rPr>
+              <a:t>вляется реализацией интерфейса </a:t>
+            </a:r>
+            <a:r>
+              <a:rPr lang="en-US" sz="3200" dirty="0" err="1" smtClean="0">
+                <a:latin typeface="Times New Roman" panose="02020603050405020304" pitchFamily="18" charset="0"/>
+                <a:cs typeface="Times New Roman" panose="02020603050405020304" pitchFamily="18" charset="0"/>
+              </a:rPr>
+              <a:t>ExecutorService</a:t>
+            </a:r>
+            <a:endParaRPr lang="ru-RU" sz="3200" dirty="0" smtClean="0">
+              <a:latin typeface="Times New Roman" panose="02020603050405020304" pitchFamily="18" charset="0"/>
+              <a:cs typeface="Times New Roman" panose="02020603050405020304" pitchFamily="18" charset="0"/>
+            </a:endParaRPr>
+          </a:p>
+          <a:p>
+            <a:pPr marL="342900" indent="-342900">
+              <a:buFontTx/>
+              <a:buChar char="-"/>
+            </a:pPr>
+            <a:r>
+              <a:rPr lang="ru-RU" sz="3200" dirty="0" smtClean="0">
+                <a:latin typeface="Times New Roman" panose="02020603050405020304" pitchFamily="18" charset="0"/>
+                <a:cs typeface="Times New Roman" panose="02020603050405020304" pitchFamily="18" charset="0"/>
+              </a:rPr>
+              <a:t>Благодаря </a:t>
+            </a:r>
+            <a:r>
+              <a:rPr lang="en-US" sz="3200" dirty="0" err="1">
+                <a:latin typeface="Times New Roman" panose="02020603050405020304" pitchFamily="18" charset="0"/>
+                <a:cs typeface="Times New Roman" panose="02020603050405020304" pitchFamily="18" charset="0"/>
+              </a:rPr>
+              <a:t>ForkJoinPool</a:t>
+            </a:r>
+            <a:r>
+              <a:rPr lang="ru-RU" sz="3200" dirty="0">
+                <a:latin typeface="Times New Roman" panose="02020603050405020304" pitchFamily="18" charset="0"/>
+                <a:cs typeface="Times New Roman" panose="02020603050405020304" pitchFamily="18" charset="0"/>
+              </a:rPr>
+              <a:t> можно в небольшом количестве потоков выполнить существенно большее число задач</a:t>
+            </a:r>
+            <a:r>
+              <a:rPr lang="ru-RU" sz="3200" dirty="0" smtClean="0">
+                <a:latin typeface="Times New Roman" panose="02020603050405020304" pitchFamily="18" charset="0"/>
+                <a:cs typeface="Times New Roman" panose="02020603050405020304" pitchFamily="18" charset="0"/>
+              </a:rPr>
+              <a:t> </a:t>
+            </a:r>
+            <a:endParaRPr lang="ru-RU" sz="3200" dirty="0">
+              <a:latin typeface="Times New Roman" panose="02020603050405020304" pitchFamily="18" charset="0"/>
+              <a:cs typeface="Times New Roman" panose="02020603050405020304" pitchFamily="18" charset="0"/>
+            </a:endParaRPr>
+          </a:p>
+          <a:p>
+            <a:pPr marL="342900" indent="-342900">
+              <a:buFontTx/>
+              <a:buChar char="-"/>
+            </a:pPr>
+            <a:r>
+              <a:rPr lang="ru-RU" sz="3200" dirty="0" smtClean="0">
+                <a:latin typeface="Times New Roman" panose="02020603050405020304" pitchFamily="18" charset="0"/>
+                <a:cs typeface="Times New Roman" panose="02020603050405020304" pitchFamily="18" charset="0"/>
+              </a:rPr>
+              <a:t>Разработан для упрощения распараллеливания рекурсивных задач, т.е. ускорения параллельной обработки, пытаясь использовать все доступные ядра процессора. </a:t>
+            </a:r>
+          </a:p>
+        </p:txBody>
+      </p:sp>
+    </p:spTree>
+    <p:extLst>
+      <p:ext uri="{BB962C8B-B14F-4D97-AF65-F5344CB8AC3E}">
+        <p14:creationId xmlns:p14="http://schemas.microsoft.com/office/powerpoint/2010/main" val="193941059"/>
+      </p:ext>
+    </p:extLst>
+  </p:cSld>
+  <p:clrMapOvr>
+    <a:masterClrMapping/>
+  </p:clrMapOvr>
+  <p:timing>
+    <p:tnLst>
+      <p:par>
+        <p:cTn id="1" dur="indefinite" restart="never" nodeType="tmRoot"/>
+      </p:par>
+    </p:tnLst>
+  </p:timing>
+</p:sld>
+</file>
+
+<file path=ppt/slides/slide7.xml><?xml version="1.0" encoding="utf-8"?>
+<p:sld xmlns:a="http://schemas.openxmlformats.org/drawingml/2006/main" xmlns:r="http://schemas.openxmlformats.org/officeDocument/2006/relationships" xmlns:p="http://schemas.openxmlformats.org/presentationml/2006/main">
+  <p:cSld>
+    <p:spTree>
+      <p:nvGrpSpPr>
+        <p:cNvPr id="1" name=""/>
+        <p:cNvGrpSpPr/>
+        <p:nvPr/>
+      </p:nvGrpSpPr>
+      <p:grpSpPr>
+        <a:xfrm>
+          <a:off x="0" y="0"/>
+          <a:ext cx="0" cy="0"/>
+          <a:chOff x="0" y="0"/>
+          <a:chExt cx="0" cy="0"/>
+        </a:xfrm>
+      </p:grpSpPr>
+      <p:sp>
+        <p:nvSpPr>
+          <p:cNvPr id="5" name="TextBox 4"/>
+          <p:cNvSpPr txBox="1"/>
+          <p:nvPr/>
+        </p:nvSpPr>
+        <p:spPr>
+          <a:xfrm>
+            <a:off x="1" y="6273225"/>
+            <a:ext cx="12191999" cy="584775"/>
+          </a:xfrm>
+          <a:prstGeom prst="rect">
+            <a:avLst/>
+          </a:prstGeom>
+        </p:spPr>
+        <p:style>
+          <a:lnRef idx="1">
+            <a:schemeClr val="accent2"/>
+          </a:lnRef>
+          <a:fillRef idx="2">
+            <a:schemeClr val="accent2"/>
+          </a:fillRef>
+          <a:effectRef idx="1">
+            <a:schemeClr val="accent2"/>
+          </a:effectRef>
+          <a:fontRef idx="minor">
+            <a:schemeClr val="dk1"/>
+          </a:fontRef>
+        </p:style>
+        <p:txBody>
+          <a:bodyPr wrap="square" rtlCol="0">
+            <a:spAutoFit/>
+          </a:bodyPr>
+          <a:lstStyle/>
+          <a:p>
+            <a:pPr algn="ctr"/>
+            <a:endParaRPr lang="ru-RU" sz="3200" dirty="0">
+              <a:solidFill>
+                <a:schemeClr val="bg1"/>
+              </a:solidFill>
+              <a:latin typeface="Times New Roman" panose="02020603050405020304" pitchFamily="18" charset="0"/>
+              <a:cs typeface="Times New Roman" panose="02020603050405020304" pitchFamily="18" charset="0"/>
+            </a:endParaRPr>
+          </a:p>
+        </p:txBody>
+      </p:sp>
+      <p:sp>
+        <p:nvSpPr>
+          <p:cNvPr id="8" name="TextBox 7"/>
+          <p:cNvSpPr txBox="1"/>
+          <p:nvPr/>
+        </p:nvSpPr>
+        <p:spPr>
+          <a:xfrm>
+            <a:off x="0" y="-575"/>
+            <a:ext cx="12191999" cy="584775"/>
+          </a:xfrm>
+          <a:prstGeom prst="rect">
+            <a:avLst/>
+          </a:prstGeom>
+        </p:spPr>
+        <p:style>
+          <a:lnRef idx="1">
+            <a:schemeClr val="accent2"/>
+          </a:lnRef>
+          <a:fillRef idx="2">
+            <a:schemeClr val="accent2"/>
+          </a:fillRef>
+          <a:effectRef idx="1">
+            <a:schemeClr val="accent2"/>
+          </a:effectRef>
+          <a:fontRef idx="minor">
+            <a:schemeClr val="dk1"/>
+          </a:fontRef>
+        </p:style>
+        <p:txBody>
+          <a:bodyPr wrap="square" rtlCol="0">
+            <a:spAutoFit/>
+          </a:bodyPr>
+          <a:lstStyle/>
+          <a:p>
+            <a:pPr algn="ctr"/>
+            <a:r>
+              <a:rPr lang="en-US" sz="3200" b="1" dirty="0" err="1" smtClean="0">
+                <a:solidFill>
+                  <a:srgbClr val="002060"/>
+                </a:solidFill>
+                <a:latin typeface="Times New Roman" panose="02020603050405020304" pitchFamily="18" charset="0"/>
+                <a:cs typeface="Times New Roman" panose="02020603050405020304" pitchFamily="18" charset="0"/>
+              </a:rPr>
+              <a:t>ForkJoinPool</a:t>
+            </a:r>
+            <a:endParaRPr lang="ru-RU" sz="3200" b="1" dirty="0">
+              <a:solidFill>
+                <a:srgbClr val="002060"/>
+              </a:solidFill>
+              <a:latin typeface="Times New Roman" panose="02020603050405020304" pitchFamily="18" charset="0"/>
+              <a:cs typeface="Times New Roman" panose="02020603050405020304" pitchFamily="18" charset="0"/>
+            </a:endParaRPr>
+          </a:p>
+        </p:txBody>
+      </p:sp>
+      <p:sp>
+        <p:nvSpPr>
+          <p:cNvPr id="7" name="TextBox 6"/>
+          <p:cNvSpPr txBox="1"/>
+          <p:nvPr/>
+        </p:nvSpPr>
+        <p:spPr>
+          <a:xfrm>
+            <a:off x="334962" y="584200"/>
+            <a:ext cx="11522075" cy="3539430"/>
+          </a:xfrm>
+          <a:prstGeom prst="rect">
+            <a:avLst/>
+          </a:prstGeom>
+          <a:noFill/>
+        </p:spPr>
+        <p:txBody>
+          <a:bodyPr wrap="square" rtlCol="0">
+            <a:spAutoFit/>
+          </a:bodyPr>
+          <a:lstStyle/>
+          <a:p>
+            <a:pPr marL="342900" indent="-342900">
+              <a:buFontTx/>
+              <a:buChar char="-"/>
+            </a:pPr>
+            <a:r>
+              <a:rPr lang="ru-RU" sz="3200" dirty="0" smtClean="0">
+                <a:latin typeface="Times New Roman" panose="02020603050405020304" pitchFamily="18" charset="0"/>
+                <a:cs typeface="Times New Roman" panose="02020603050405020304" pitchFamily="18" charset="0"/>
+              </a:rPr>
+              <a:t>Конструктор без параметров</a:t>
+            </a:r>
+            <a:r>
+              <a:rPr lang="en-US" sz="3200" dirty="0">
+                <a:latin typeface="Times New Roman" panose="02020603050405020304" pitchFamily="18" charset="0"/>
+                <a:cs typeface="Times New Roman" panose="02020603050405020304" pitchFamily="18" charset="0"/>
+              </a:rPr>
+              <a:t> </a:t>
+            </a:r>
+            <a:r>
+              <a:rPr lang="ru-RU" sz="3200" dirty="0" smtClean="0">
+                <a:latin typeface="Times New Roman" panose="02020603050405020304" pitchFamily="18" charset="0"/>
+                <a:cs typeface="Times New Roman" panose="02020603050405020304" pitchFamily="18" charset="0"/>
+              </a:rPr>
+              <a:t>создаёт пул с параллелизмом соответствующим </a:t>
+            </a:r>
+            <a:r>
+              <a:rPr lang="en-US" sz="3200" dirty="0" smtClean="0">
+                <a:latin typeface="Times New Roman" panose="02020603050405020304" pitchFamily="18" charset="0"/>
+                <a:cs typeface="Times New Roman" panose="02020603050405020304" pitchFamily="18" charset="0"/>
+              </a:rPr>
+              <a:t>Runtime</a:t>
+            </a:r>
+            <a:endParaRPr lang="ru-RU" sz="3200" dirty="0" smtClean="0">
+              <a:latin typeface="Times New Roman" panose="02020603050405020304" pitchFamily="18" charset="0"/>
+              <a:cs typeface="Times New Roman" panose="02020603050405020304" pitchFamily="18" charset="0"/>
+            </a:endParaRPr>
+          </a:p>
+          <a:p>
+            <a:r>
+              <a:rPr lang="ru-RU" sz="3200" dirty="0">
+                <a:latin typeface="Times New Roman" panose="02020603050405020304" pitchFamily="18" charset="0"/>
+                <a:cs typeface="Times New Roman" panose="02020603050405020304" pitchFamily="18" charset="0"/>
+              </a:rPr>
+              <a:t> </a:t>
+            </a:r>
+            <a:r>
+              <a:rPr lang="ru-RU" sz="3200" dirty="0" smtClean="0">
+                <a:latin typeface="Times New Roman" panose="02020603050405020304" pitchFamily="18" charset="0"/>
+                <a:cs typeface="Times New Roman" panose="02020603050405020304" pitchFamily="18" charset="0"/>
+              </a:rPr>
+              <a:t>   </a:t>
+            </a:r>
+            <a:r>
+              <a:rPr lang="en-US" sz="3200" dirty="0" smtClean="0">
+                <a:solidFill>
+                  <a:srgbClr val="C00000"/>
+                </a:solidFill>
+                <a:latin typeface="Times New Roman" panose="02020603050405020304" pitchFamily="18" charset="0"/>
+                <a:cs typeface="Times New Roman" panose="02020603050405020304" pitchFamily="18" charset="0"/>
+              </a:rPr>
+              <a:t>public</a:t>
+            </a:r>
+            <a:r>
+              <a:rPr lang="en-US" sz="3200" dirty="0" smtClean="0">
+                <a:latin typeface="Times New Roman" panose="02020603050405020304" pitchFamily="18" charset="0"/>
+                <a:cs typeface="Times New Roman" panose="02020603050405020304" pitchFamily="18" charset="0"/>
+              </a:rPr>
+              <a:t> </a:t>
+            </a:r>
+            <a:r>
+              <a:rPr lang="en-US" sz="3200" dirty="0" err="1" smtClean="0">
+                <a:latin typeface="Times New Roman" panose="02020603050405020304" pitchFamily="18" charset="0"/>
+                <a:cs typeface="Times New Roman" panose="02020603050405020304" pitchFamily="18" charset="0"/>
+              </a:rPr>
+              <a:t>ForkJoinPool</a:t>
+            </a:r>
+            <a:r>
+              <a:rPr lang="en-US" sz="3200" dirty="0" smtClean="0">
+                <a:latin typeface="Times New Roman" panose="02020603050405020304" pitchFamily="18" charset="0"/>
+                <a:cs typeface="Times New Roman" panose="02020603050405020304" pitchFamily="18" charset="0"/>
+              </a:rPr>
+              <a:t>() {…}</a:t>
+            </a:r>
+          </a:p>
+          <a:p>
+            <a:pPr marL="457200" indent="-457200">
+              <a:buFontTx/>
+              <a:buChar char="-"/>
+            </a:pPr>
+            <a:r>
+              <a:rPr lang="ru-RU" sz="3200" dirty="0" smtClean="0">
+                <a:latin typeface="Times New Roman" panose="02020603050405020304" pitchFamily="18" charset="0"/>
+                <a:cs typeface="Times New Roman" panose="02020603050405020304" pitchFamily="18" charset="0"/>
+              </a:rPr>
+              <a:t>Конструктор, который на вход принимает значение заданного уровня параллелизма</a:t>
+            </a:r>
+          </a:p>
+          <a:p>
+            <a:r>
+              <a:rPr lang="ru-RU" sz="3200" dirty="0">
+                <a:latin typeface="Times New Roman" panose="02020603050405020304" pitchFamily="18" charset="0"/>
+                <a:cs typeface="Times New Roman" panose="02020603050405020304" pitchFamily="18" charset="0"/>
+              </a:rPr>
+              <a:t> </a:t>
+            </a:r>
+            <a:r>
+              <a:rPr lang="ru-RU" sz="3200" dirty="0" smtClean="0">
+                <a:latin typeface="Times New Roman" panose="02020603050405020304" pitchFamily="18" charset="0"/>
+                <a:cs typeface="Times New Roman" panose="02020603050405020304" pitchFamily="18" charset="0"/>
+              </a:rPr>
+              <a:t>   </a:t>
+            </a:r>
+            <a:r>
+              <a:rPr lang="en-US" sz="3200" dirty="0">
+                <a:solidFill>
+                  <a:srgbClr val="C00000"/>
+                </a:solidFill>
+                <a:latin typeface="Times New Roman" panose="02020603050405020304" pitchFamily="18" charset="0"/>
+                <a:cs typeface="Times New Roman" panose="02020603050405020304" pitchFamily="18" charset="0"/>
+              </a:rPr>
+              <a:t>public</a:t>
+            </a:r>
+            <a:r>
+              <a:rPr lang="en-US" sz="3200" dirty="0">
+                <a:latin typeface="Times New Roman" panose="02020603050405020304" pitchFamily="18" charset="0"/>
+                <a:cs typeface="Times New Roman" panose="02020603050405020304" pitchFamily="18" charset="0"/>
+              </a:rPr>
+              <a:t> </a:t>
+            </a:r>
+            <a:r>
+              <a:rPr lang="en-US" sz="3200" dirty="0" err="1" smtClean="0">
+                <a:latin typeface="Times New Roman" panose="02020603050405020304" pitchFamily="18" charset="0"/>
+                <a:cs typeface="Times New Roman" panose="02020603050405020304" pitchFamily="18" charset="0"/>
+              </a:rPr>
+              <a:t>ForkJoinPool</a:t>
+            </a:r>
+            <a:r>
+              <a:rPr lang="en-US" sz="3200" dirty="0" smtClean="0">
+                <a:latin typeface="Times New Roman" panose="02020603050405020304" pitchFamily="18" charset="0"/>
+                <a:cs typeface="Times New Roman" panose="02020603050405020304" pitchFamily="18" charset="0"/>
+              </a:rPr>
+              <a:t>(</a:t>
+            </a:r>
+            <a:r>
+              <a:rPr lang="en-US" sz="3200" dirty="0" err="1" smtClean="0">
+                <a:solidFill>
+                  <a:srgbClr val="C00000"/>
+                </a:solidFill>
+                <a:latin typeface="Times New Roman" panose="02020603050405020304" pitchFamily="18" charset="0"/>
+                <a:cs typeface="Times New Roman" panose="02020603050405020304" pitchFamily="18" charset="0"/>
+              </a:rPr>
+              <a:t>int</a:t>
+            </a:r>
+            <a:r>
+              <a:rPr lang="en-US" sz="3200" dirty="0" smtClean="0">
+                <a:latin typeface="Times New Roman" panose="02020603050405020304" pitchFamily="18" charset="0"/>
+                <a:cs typeface="Times New Roman" panose="02020603050405020304" pitchFamily="18" charset="0"/>
+              </a:rPr>
+              <a:t> parallelism) {…}</a:t>
+            </a:r>
+            <a:endParaRPr lang="ru-RU" sz="3200" dirty="0" smtClean="0">
+              <a:latin typeface="Times New Roman" panose="02020603050405020304" pitchFamily="18" charset="0"/>
+              <a:cs typeface="Times New Roman" panose="02020603050405020304" pitchFamily="18" charset="0"/>
+            </a:endParaRPr>
+          </a:p>
+          <a:p>
+            <a:endParaRPr lang="ru-RU" sz="3200" dirty="0" smtClean="0">
+              <a:latin typeface="Times New Roman" panose="02020603050405020304" pitchFamily="18" charset="0"/>
+              <a:cs typeface="Times New Roman" panose="02020603050405020304" pitchFamily="18" charset="0"/>
+            </a:endParaRPr>
+          </a:p>
+        </p:txBody>
+      </p:sp>
+      <p:sp>
+        <p:nvSpPr>
+          <p:cNvPr id="6" name="TextBox 5"/>
+          <p:cNvSpPr txBox="1"/>
+          <p:nvPr/>
+        </p:nvSpPr>
+        <p:spPr>
+          <a:xfrm>
+            <a:off x="334963" y="4123630"/>
+            <a:ext cx="11522075" cy="1569660"/>
+          </a:xfrm>
+          <a:prstGeom prst="rect">
+            <a:avLst/>
+          </a:prstGeom>
+          <a:noFill/>
+        </p:spPr>
+        <p:txBody>
+          <a:bodyPr wrap="square" rtlCol="0">
+            <a:spAutoFit/>
+          </a:bodyPr>
+          <a:lstStyle/>
+          <a:p>
+            <a:pPr marL="342900" indent="-342900">
+              <a:buFontTx/>
+              <a:buChar char="-"/>
+            </a:pPr>
+            <a:r>
+              <a:rPr lang="en-US" sz="3200" dirty="0" err="1" smtClean="0">
+                <a:latin typeface="Times New Roman" panose="02020603050405020304" pitchFamily="18" charset="0"/>
+                <a:cs typeface="Times New Roman" panose="02020603050405020304" pitchFamily="18" charset="0"/>
+              </a:rPr>
+              <a:t>commonPool</a:t>
+            </a:r>
+            <a:r>
+              <a:rPr lang="en-US" sz="3200" dirty="0" smtClean="0">
+                <a:latin typeface="Times New Roman" panose="02020603050405020304" pitchFamily="18" charset="0"/>
+                <a:cs typeface="Times New Roman" panose="02020603050405020304" pitchFamily="18" charset="0"/>
+              </a:rPr>
+              <a:t>() –</a:t>
+            </a:r>
+            <a:r>
+              <a:rPr lang="ru-RU" sz="3200" dirty="0" smtClean="0">
+                <a:latin typeface="Times New Roman" panose="02020603050405020304" pitchFamily="18" charset="0"/>
+                <a:cs typeface="Times New Roman" panose="02020603050405020304" pitchFamily="18" charset="0"/>
+              </a:rPr>
+              <a:t> это статический </a:t>
+            </a:r>
+            <a:r>
+              <a:rPr lang="ru-RU" sz="3200" dirty="0">
+                <a:latin typeface="Times New Roman" panose="02020603050405020304" pitchFamily="18" charset="0"/>
+                <a:cs typeface="Times New Roman" panose="02020603050405020304" pitchFamily="18" charset="0"/>
+              </a:rPr>
+              <a:t>метод </a:t>
+            </a:r>
+            <a:r>
+              <a:rPr lang="en-US" sz="3200" dirty="0" smtClean="0">
+                <a:latin typeface="Times New Roman" panose="02020603050405020304" pitchFamily="18" charset="0"/>
+                <a:cs typeface="Times New Roman" panose="02020603050405020304" pitchFamily="18" charset="0"/>
+              </a:rPr>
+              <a:t> </a:t>
+            </a:r>
+            <a:r>
+              <a:rPr lang="ru-RU" sz="3200" dirty="0">
+                <a:latin typeface="Times New Roman" panose="02020603050405020304" pitchFamily="18" charset="0"/>
+                <a:cs typeface="Times New Roman" panose="02020603050405020304" pitchFamily="18" charset="0"/>
+              </a:rPr>
+              <a:t>класса </a:t>
+            </a:r>
+            <a:r>
+              <a:rPr lang="en-US" sz="3200" dirty="0" err="1" smtClean="0">
+                <a:latin typeface="Times New Roman" panose="02020603050405020304" pitchFamily="18" charset="0"/>
+                <a:cs typeface="Times New Roman" panose="02020603050405020304" pitchFamily="18" charset="0"/>
+              </a:rPr>
+              <a:t>ForkJoinPool</a:t>
+            </a:r>
+            <a:r>
+              <a:rPr lang="ru-RU" sz="3200" dirty="0" smtClean="0">
+                <a:latin typeface="Times New Roman" panose="02020603050405020304" pitchFamily="18" charset="0"/>
+                <a:cs typeface="Times New Roman" panose="02020603050405020304" pitchFamily="18" charset="0"/>
+              </a:rPr>
+              <a:t>, который позволяет получить ссылку на общий пул (согласно</a:t>
+            </a:r>
+            <a:r>
+              <a:rPr lang="en-US" sz="3200" dirty="0" smtClean="0">
+                <a:latin typeface="Times New Roman" panose="02020603050405020304" pitchFamily="18" charset="0"/>
+                <a:cs typeface="Times New Roman" panose="02020603050405020304" pitchFamily="18" charset="0"/>
+              </a:rPr>
+              <a:t> Oracle </a:t>
+            </a:r>
+            <a:r>
+              <a:rPr lang="ru-RU" sz="3200" dirty="0" smtClean="0">
+                <a:latin typeface="Times New Roman" panose="02020603050405020304" pitchFamily="18" charset="0"/>
+                <a:cs typeface="Times New Roman" panose="02020603050405020304" pitchFamily="18" charset="0"/>
+              </a:rPr>
+              <a:t>документации – это снижает потребление ресурсов).</a:t>
+            </a:r>
+            <a:endParaRPr lang="en-US" sz="3200" dirty="0" smtClean="0">
+              <a:latin typeface="Times New Roman" panose="02020603050405020304" pitchFamily="18" charset="0"/>
+              <a:cs typeface="Times New Roman" panose="02020603050405020304" pitchFamily="18" charset="0"/>
+            </a:endParaRPr>
+          </a:p>
+        </p:txBody>
+      </p:sp>
+    </p:spTree>
+    <p:extLst>
+      <p:ext uri="{BB962C8B-B14F-4D97-AF65-F5344CB8AC3E}">
+        <p14:creationId xmlns:p14="http://schemas.microsoft.com/office/powerpoint/2010/main" val="1772829479"/>
+      </p:ext>
+    </p:extLst>
+  </p:cSld>
+  <p:clrMapOvr>
+    <a:masterClrMapping/>
+  </p:clrMapOvr>
+  <p:timing>
+    <p:tnLst>
+      <p:par>
+        <p:cTn id="1" dur="indefinite" restart="never" nodeType="tmRoot"/>
+      </p:par>
+    </p:tnLst>
+  </p:timing>
+</p:sld>
+</file>
+
+<file path=ppt/slides/slide8.xml><?xml version="1.0" encoding="utf-8"?>
+<p:sld xmlns:a="http://schemas.openxmlformats.org/drawingml/2006/main" xmlns:r="http://schemas.openxmlformats.org/officeDocument/2006/relationships" xmlns:p="http://schemas.openxmlformats.org/presentationml/2006/main">
+  <p:cSld>
+    <p:spTree>
+      <p:nvGrpSpPr>
+        <p:cNvPr id="1" name=""/>
+        <p:cNvGrpSpPr/>
+        <p:nvPr/>
+      </p:nvGrpSpPr>
+      <p:grpSpPr>
+        <a:xfrm>
+          <a:off x="0" y="0"/>
+          <a:ext cx="0" cy="0"/>
+          <a:chOff x="0" y="0"/>
+          <a:chExt cx="0" cy="0"/>
+        </a:xfrm>
+      </p:grpSpPr>
+      <p:sp>
+        <p:nvSpPr>
+          <p:cNvPr id="5" name="TextBox 4"/>
+          <p:cNvSpPr txBox="1"/>
+          <p:nvPr/>
+        </p:nvSpPr>
+        <p:spPr>
+          <a:xfrm>
+            <a:off x="1" y="6273225"/>
+            <a:ext cx="12191999" cy="584775"/>
+          </a:xfrm>
+          <a:prstGeom prst="rect">
+            <a:avLst/>
+          </a:prstGeom>
+        </p:spPr>
+        <p:style>
+          <a:lnRef idx="1">
+            <a:schemeClr val="accent2"/>
+          </a:lnRef>
+          <a:fillRef idx="2">
+            <a:schemeClr val="accent2"/>
+          </a:fillRef>
+          <a:effectRef idx="1">
+            <a:schemeClr val="accent2"/>
+          </a:effectRef>
+          <a:fontRef idx="minor">
+            <a:schemeClr val="dk1"/>
+          </a:fontRef>
+        </p:style>
+        <p:txBody>
+          <a:bodyPr wrap="square" rtlCol="0">
+            <a:spAutoFit/>
+          </a:bodyPr>
+          <a:lstStyle/>
+          <a:p>
+            <a:pPr algn="ctr"/>
+            <a:endParaRPr lang="ru-RU" sz="3200" dirty="0">
+              <a:solidFill>
+                <a:schemeClr val="bg1"/>
+              </a:solidFill>
+              <a:latin typeface="Times New Roman" panose="02020603050405020304" pitchFamily="18" charset="0"/>
+              <a:cs typeface="Times New Roman" panose="02020603050405020304" pitchFamily="18" charset="0"/>
+            </a:endParaRPr>
+          </a:p>
+        </p:txBody>
+      </p:sp>
+      <p:sp>
+        <p:nvSpPr>
+          <p:cNvPr id="8" name="TextBox 7"/>
+          <p:cNvSpPr txBox="1"/>
+          <p:nvPr/>
+        </p:nvSpPr>
+        <p:spPr>
+          <a:xfrm>
+            <a:off x="0" y="-575"/>
+            <a:ext cx="12191999" cy="584775"/>
+          </a:xfrm>
+          <a:prstGeom prst="rect">
+            <a:avLst/>
+          </a:prstGeom>
+        </p:spPr>
+        <p:style>
+          <a:lnRef idx="1">
+            <a:schemeClr val="accent2"/>
+          </a:lnRef>
+          <a:fillRef idx="2">
+            <a:schemeClr val="accent2"/>
+          </a:fillRef>
+          <a:effectRef idx="1">
+            <a:schemeClr val="accent2"/>
+          </a:effectRef>
+          <a:fontRef idx="minor">
+            <a:schemeClr val="dk1"/>
+          </a:fontRef>
+        </p:style>
+        <p:txBody>
+          <a:bodyPr wrap="square" rtlCol="0">
+            <a:spAutoFit/>
+          </a:bodyPr>
+          <a:lstStyle/>
+          <a:p>
+            <a:pPr algn="ctr"/>
+            <a:r>
+              <a:rPr lang="en-US" sz="3200" b="1" dirty="0" err="1" smtClean="0">
+                <a:solidFill>
+                  <a:srgbClr val="002060"/>
+                </a:solidFill>
+                <a:latin typeface="Times New Roman" panose="02020603050405020304" pitchFamily="18" charset="0"/>
+                <a:cs typeface="Times New Roman" panose="02020603050405020304" pitchFamily="18" charset="0"/>
+              </a:rPr>
+              <a:t>ForkJoinTask</a:t>
+            </a:r>
+            <a:endParaRPr lang="ru-RU" sz="3200" b="1" dirty="0">
+              <a:solidFill>
+                <a:srgbClr val="002060"/>
+              </a:solidFill>
+              <a:latin typeface="Times New Roman" panose="02020603050405020304" pitchFamily="18" charset="0"/>
+              <a:cs typeface="Times New Roman" panose="02020603050405020304" pitchFamily="18" charset="0"/>
+            </a:endParaRPr>
+          </a:p>
+        </p:txBody>
+      </p:sp>
+      <p:sp>
+        <p:nvSpPr>
+          <p:cNvPr id="6" name="TextBox 5"/>
+          <p:cNvSpPr txBox="1"/>
+          <p:nvPr/>
+        </p:nvSpPr>
+        <p:spPr>
+          <a:xfrm>
+            <a:off x="334961" y="584200"/>
+            <a:ext cx="11522075" cy="5509200"/>
+          </a:xfrm>
+          <a:prstGeom prst="rect">
+            <a:avLst/>
+          </a:prstGeom>
+          <a:noFill/>
+        </p:spPr>
+        <p:txBody>
+          <a:bodyPr wrap="square" rtlCol="0">
+            <a:spAutoFit/>
+          </a:bodyPr>
+          <a:lstStyle/>
+          <a:p>
+            <a:r>
+              <a:rPr lang="en-US" sz="3200" dirty="0" err="1" smtClean="0">
+                <a:latin typeface="Times New Roman" panose="02020603050405020304" pitchFamily="18" charset="0"/>
+                <a:cs typeface="Times New Roman" panose="02020603050405020304" pitchFamily="18" charset="0"/>
+              </a:rPr>
+              <a:t>ForkJoinTask</a:t>
+            </a:r>
+            <a:r>
+              <a:rPr lang="en-US" sz="3200" dirty="0" smtClean="0">
+                <a:latin typeface="Times New Roman" panose="02020603050405020304" pitchFamily="18" charset="0"/>
+                <a:cs typeface="Times New Roman" panose="02020603050405020304" pitchFamily="18" charset="0"/>
+              </a:rPr>
+              <a:t>&lt;V&gt;</a:t>
+            </a:r>
+            <a:r>
+              <a:rPr lang="ru-RU" sz="3200" dirty="0" smtClean="0">
+                <a:latin typeface="Times New Roman" panose="02020603050405020304" pitchFamily="18" charset="0"/>
+                <a:cs typeface="Times New Roman" panose="02020603050405020304" pitchFamily="18" charset="0"/>
+              </a:rPr>
+              <a:t> </a:t>
+            </a:r>
+            <a:r>
+              <a:rPr lang="ru-RU" sz="3200" dirty="0">
+                <a:latin typeface="Times New Roman" panose="02020603050405020304" pitchFamily="18" charset="0"/>
+                <a:cs typeface="Times New Roman" panose="02020603050405020304" pitchFamily="18" charset="0"/>
+              </a:rPr>
+              <a:t>– это базовый тип для задач, выполняемых внутри </a:t>
+            </a:r>
+            <a:r>
+              <a:rPr lang="en-US" sz="3200" dirty="0" err="1" smtClean="0">
+                <a:latin typeface="Times New Roman" panose="02020603050405020304" pitchFamily="18" charset="0"/>
+                <a:cs typeface="Times New Roman" panose="02020603050405020304" pitchFamily="18" charset="0"/>
+              </a:rPr>
+              <a:t>ForkJoinPool</a:t>
+            </a:r>
+            <a:r>
+              <a:rPr lang="ru-RU" sz="3200" dirty="0" smtClean="0">
+                <a:latin typeface="Times New Roman" panose="02020603050405020304" pitchFamily="18" charset="0"/>
+                <a:cs typeface="Times New Roman" panose="02020603050405020304" pitchFamily="18" charset="0"/>
+              </a:rPr>
+              <a:t>. </a:t>
+            </a:r>
+            <a:r>
+              <a:rPr lang="en-US" sz="3200" dirty="0" err="1">
+                <a:latin typeface="Times New Roman" panose="02020603050405020304" pitchFamily="18" charset="0"/>
+                <a:cs typeface="Times New Roman" panose="02020603050405020304" pitchFamily="18" charset="0"/>
+              </a:rPr>
+              <a:t>ForkJoinTask</a:t>
+            </a:r>
+            <a:r>
+              <a:rPr lang="en-US" sz="3200" dirty="0">
+                <a:latin typeface="Times New Roman" panose="02020603050405020304" pitchFamily="18" charset="0"/>
+                <a:cs typeface="Times New Roman" panose="02020603050405020304" pitchFamily="18" charset="0"/>
+              </a:rPr>
+              <a:t>&lt;V&gt; – </a:t>
+            </a:r>
+            <a:r>
+              <a:rPr lang="ru-RU" sz="3200" dirty="0">
+                <a:latin typeface="Times New Roman" panose="02020603050405020304" pitchFamily="18" charset="0"/>
+                <a:cs typeface="Times New Roman" panose="02020603050405020304" pitchFamily="18" charset="0"/>
+              </a:rPr>
+              <a:t>абстрактный класс, который является</a:t>
+            </a:r>
+            <a:r>
+              <a:rPr lang="en-US" sz="3200" dirty="0">
+                <a:latin typeface="Times New Roman" panose="02020603050405020304" pitchFamily="18" charset="0"/>
+                <a:cs typeface="Times New Roman" panose="02020603050405020304" pitchFamily="18" charset="0"/>
+              </a:rPr>
+              <a:t> </a:t>
+            </a:r>
+            <a:r>
+              <a:rPr lang="ru-RU" sz="3200" dirty="0">
+                <a:latin typeface="Times New Roman" panose="02020603050405020304" pitchFamily="18" charset="0"/>
+                <a:cs typeface="Times New Roman" panose="02020603050405020304" pitchFamily="18" charset="0"/>
+              </a:rPr>
+              <a:t> легковесным аналогом потока. </a:t>
+            </a:r>
+            <a:r>
+              <a:rPr lang="ru-RU" sz="3200" dirty="0" smtClean="0">
+                <a:latin typeface="Times New Roman" panose="02020603050405020304" pitchFamily="18" charset="0"/>
+                <a:cs typeface="Times New Roman" panose="02020603050405020304" pitchFamily="18" charset="0"/>
+              </a:rPr>
+              <a:t>На практике используют реализации одного из следующих классов</a:t>
+            </a:r>
+            <a:r>
+              <a:rPr lang="en-US" sz="3200" dirty="0" smtClean="0">
+                <a:latin typeface="Times New Roman" panose="02020603050405020304" pitchFamily="18" charset="0"/>
+                <a:cs typeface="Times New Roman" panose="02020603050405020304" pitchFamily="18" charset="0"/>
+              </a:rPr>
+              <a:t>:</a:t>
+            </a:r>
+          </a:p>
+          <a:p>
+            <a:pPr marL="342900" indent="-342900">
+              <a:buFontTx/>
+              <a:buChar char="-"/>
+            </a:pPr>
+            <a:r>
+              <a:rPr lang="en-US" sz="3200" dirty="0" err="1" smtClean="0">
+                <a:latin typeface="Times New Roman" panose="02020603050405020304" pitchFamily="18" charset="0"/>
+                <a:cs typeface="Times New Roman" panose="02020603050405020304" pitchFamily="18" charset="0"/>
+              </a:rPr>
+              <a:t>RecursiveTask</a:t>
+            </a:r>
+            <a:r>
+              <a:rPr lang="en-US" sz="3200" dirty="0" smtClean="0">
+                <a:latin typeface="Times New Roman" panose="02020603050405020304" pitchFamily="18" charset="0"/>
+                <a:cs typeface="Times New Roman" panose="02020603050405020304" pitchFamily="18" charset="0"/>
+              </a:rPr>
+              <a:t>&lt;V&gt;</a:t>
+            </a:r>
+            <a:r>
+              <a:rPr lang="ru-RU" sz="3200" dirty="0" smtClean="0">
+                <a:latin typeface="Times New Roman" panose="02020603050405020304" pitchFamily="18" charset="0"/>
+                <a:cs typeface="Times New Roman" panose="02020603050405020304" pitchFamily="18" charset="0"/>
+              </a:rPr>
+              <a:t> </a:t>
+            </a:r>
+            <a:r>
+              <a:rPr lang="en-US" sz="3200" dirty="0" smtClean="0">
+                <a:latin typeface="Times New Roman" panose="02020603050405020304" pitchFamily="18" charset="0"/>
+                <a:cs typeface="Times New Roman" panose="02020603050405020304" pitchFamily="18" charset="0"/>
+              </a:rPr>
+              <a:t>–</a:t>
+            </a:r>
+            <a:r>
+              <a:rPr lang="ru-RU" sz="3200" dirty="0" smtClean="0">
+                <a:latin typeface="Times New Roman" panose="02020603050405020304" pitchFamily="18" charset="0"/>
+                <a:cs typeface="Times New Roman" panose="02020603050405020304" pitchFamily="18" charset="0"/>
+              </a:rPr>
+              <a:t> для задач, возвращающих значение;</a:t>
+            </a:r>
+          </a:p>
+          <a:p>
+            <a:pPr marL="342900" indent="-342900">
+              <a:buFontTx/>
+              <a:buChar char="-"/>
+            </a:pPr>
+            <a:r>
+              <a:rPr lang="en-US" sz="3200" dirty="0" err="1" smtClean="0">
+                <a:latin typeface="Times New Roman" panose="02020603050405020304" pitchFamily="18" charset="0"/>
+                <a:cs typeface="Times New Roman" panose="02020603050405020304" pitchFamily="18" charset="0"/>
+              </a:rPr>
+              <a:t>ForkJoinAction</a:t>
+            </a:r>
+            <a:r>
+              <a:rPr lang="en-US" sz="3200" dirty="0" smtClean="0">
+                <a:latin typeface="Times New Roman" panose="02020603050405020304" pitchFamily="18" charset="0"/>
+                <a:cs typeface="Times New Roman" panose="02020603050405020304" pitchFamily="18" charset="0"/>
+              </a:rPr>
+              <a:t> – </a:t>
+            </a:r>
+            <a:r>
+              <a:rPr lang="ru-RU" sz="3200" dirty="0" smtClean="0">
+                <a:latin typeface="Times New Roman" panose="02020603050405020304" pitchFamily="18" charset="0"/>
+                <a:cs typeface="Times New Roman" panose="02020603050405020304" pitchFamily="18" charset="0"/>
+              </a:rPr>
+              <a:t>для </a:t>
+            </a:r>
+            <a:r>
+              <a:rPr lang="en-US" sz="3200" dirty="0" smtClean="0">
+                <a:latin typeface="Times New Roman" panose="02020603050405020304" pitchFamily="18" charset="0"/>
+                <a:cs typeface="Times New Roman" panose="02020603050405020304" pitchFamily="18" charset="0"/>
+              </a:rPr>
+              <a:t>void </a:t>
+            </a:r>
+            <a:r>
+              <a:rPr lang="ru-RU" sz="3200" dirty="0" smtClean="0">
+                <a:latin typeface="Times New Roman" panose="02020603050405020304" pitchFamily="18" charset="0"/>
+                <a:cs typeface="Times New Roman" panose="02020603050405020304" pitchFamily="18" charset="0"/>
+              </a:rPr>
+              <a:t>задач.</a:t>
+            </a:r>
+            <a:endParaRPr lang="ru-RU" sz="3200" dirty="0">
+              <a:latin typeface="Times New Roman" panose="02020603050405020304" pitchFamily="18" charset="0"/>
+              <a:cs typeface="Times New Roman" panose="02020603050405020304" pitchFamily="18" charset="0"/>
+            </a:endParaRPr>
+          </a:p>
+          <a:p>
+            <a:r>
+              <a:rPr lang="ru-RU" sz="3200" dirty="0" err="1">
+                <a:latin typeface="Times New Roman" panose="02020603050405020304" pitchFamily="18" charset="0"/>
+                <a:cs typeface="Times New Roman" panose="02020603050405020304" pitchFamily="18" charset="0"/>
+              </a:rPr>
+              <a:t>Унаследовавшись</a:t>
+            </a:r>
+            <a:r>
+              <a:rPr lang="ru-RU" sz="3200" dirty="0">
+                <a:latin typeface="Times New Roman" panose="02020603050405020304" pitchFamily="18" charset="0"/>
+                <a:cs typeface="Times New Roman" panose="02020603050405020304" pitchFamily="18" charset="0"/>
+              </a:rPr>
+              <a:t> от </a:t>
+            </a:r>
+            <a:r>
+              <a:rPr lang="en-US" sz="3200" dirty="0" err="1">
+                <a:latin typeface="Times New Roman" panose="02020603050405020304" pitchFamily="18" charset="0"/>
+                <a:cs typeface="Times New Roman" panose="02020603050405020304" pitchFamily="18" charset="0"/>
+              </a:rPr>
+              <a:t>RecursiveTask</a:t>
+            </a:r>
+            <a:r>
+              <a:rPr lang="en-US" sz="3200" dirty="0">
+                <a:latin typeface="Times New Roman" panose="02020603050405020304" pitchFamily="18" charset="0"/>
+                <a:cs typeface="Times New Roman" panose="02020603050405020304" pitchFamily="18" charset="0"/>
+              </a:rPr>
+              <a:t>&lt;V&gt; </a:t>
+            </a:r>
+            <a:r>
+              <a:rPr lang="ru-RU" sz="3200" dirty="0">
+                <a:latin typeface="Times New Roman" panose="02020603050405020304" pitchFamily="18" charset="0"/>
+                <a:cs typeface="Times New Roman" panose="02020603050405020304" pitchFamily="18" charset="0"/>
+              </a:rPr>
+              <a:t>или от </a:t>
+            </a:r>
+            <a:r>
+              <a:rPr lang="en-US" sz="3200" dirty="0" err="1">
+                <a:latin typeface="Times New Roman" panose="02020603050405020304" pitchFamily="18" charset="0"/>
+                <a:cs typeface="Times New Roman" panose="02020603050405020304" pitchFamily="18" charset="0"/>
+              </a:rPr>
+              <a:t>RecursiveAction</a:t>
+            </a:r>
+            <a:r>
+              <a:rPr lang="en-US" sz="3200" dirty="0">
+                <a:latin typeface="Times New Roman" panose="02020603050405020304" pitchFamily="18" charset="0"/>
+                <a:cs typeface="Times New Roman" panose="02020603050405020304" pitchFamily="18" charset="0"/>
+              </a:rPr>
+              <a:t> </a:t>
+            </a:r>
+            <a:r>
+              <a:rPr lang="ru-RU" sz="3200" dirty="0">
+                <a:latin typeface="Times New Roman" panose="02020603050405020304" pitchFamily="18" charset="0"/>
+                <a:cs typeface="Times New Roman" panose="02020603050405020304" pitchFamily="18" charset="0"/>
+              </a:rPr>
+              <a:t>нам нужно </a:t>
+            </a:r>
+            <a:r>
+              <a:rPr lang="ru-RU" sz="3200" dirty="0" smtClean="0">
+                <a:latin typeface="Times New Roman" panose="02020603050405020304" pitchFamily="18" charset="0"/>
+                <a:cs typeface="Times New Roman" panose="02020603050405020304" pitchFamily="18" charset="0"/>
+              </a:rPr>
+              <a:t>переопределить абстрактный </a:t>
+            </a:r>
+            <a:r>
+              <a:rPr lang="ru-RU" sz="3200" dirty="0">
+                <a:latin typeface="Times New Roman" panose="02020603050405020304" pitchFamily="18" charset="0"/>
+                <a:cs typeface="Times New Roman" panose="02020603050405020304" pitchFamily="18" charset="0"/>
+              </a:rPr>
+              <a:t>метод </a:t>
+            </a:r>
+            <a:r>
+              <a:rPr lang="en-US" sz="3200" dirty="0">
+                <a:latin typeface="Times New Roman" panose="02020603050405020304" pitchFamily="18" charset="0"/>
+                <a:cs typeface="Times New Roman" panose="02020603050405020304" pitchFamily="18" charset="0"/>
+              </a:rPr>
+              <a:t>compute</a:t>
+            </a:r>
+            <a:r>
+              <a:rPr lang="en-US" sz="3200" dirty="0" smtClean="0">
+                <a:latin typeface="Times New Roman" panose="02020603050405020304" pitchFamily="18" charset="0"/>
+                <a:cs typeface="Times New Roman" panose="02020603050405020304" pitchFamily="18" charset="0"/>
+              </a:rPr>
+              <a:t>()</a:t>
+            </a:r>
+            <a:r>
+              <a:rPr lang="ru-RU" sz="3200" dirty="0" smtClean="0">
+                <a:latin typeface="Times New Roman" panose="02020603050405020304" pitchFamily="18" charset="0"/>
+                <a:cs typeface="Times New Roman" panose="02020603050405020304" pitchFamily="18" charset="0"/>
+              </a:rPr>
+              <a:t> </a:t>
+            </a:r>
+            <a:r>
+              <a:rPr lang="en-US" sz="3200" dirty="0" smtClean="0">
+                <a:latin typeface="Times New Roman" panose="02020603050405020304" pitchFamily="18" charset="0"/>
+                <a:cs typeface="Times New Roman" panose="02020603050405020304" pitchFamily="18" charset="0"/>
+              </a:rPr>
+              <a:t>–</a:t>
+            </a:r>
+            <a:r>
+              <a:rPr lang="ru-RU" sz="3200" dirty="0" smtClean="0">
+                <a:latin typeface="Times New Roman" panose="02020603050405020304" pitchFamily="18" charset="0"/>
+                <a:cs typeface="Times New Roman" panose="02020603050405020304" pitchFamily="18" charset="0"/>
+              </a:rPr>
+              <a:t> в котором определяется логика задачи</a:t>
+            </a:r>
+            <a:r>
+              <a:rPr lang="en-US" sz="3200" dirty="0" smtClean="0">
+                <a:latin typeface="Times New Roman" panose="02020603050405020304" pitchFamily="18" charset="0"/>
+                <a:cs typeface="Times New Roman" panose="02020603050405020304" pitchFamily="18" charset="0"/>
+              </a:rPr>
+              <a:t> </a:t>
+            </a:r>
+            <a:r>
+              <a:rPr lang="ru-RU" sz="3200" dirty="0">
+                <a:latin typeface="Times New Roman" panose="02020603050405020304" pitchFamily="18" charset="0"/>
+                <a:cs typeface="Times New Roman" panose="02020603050405020304" pitchFamily="18" charset="0"/>
+              </a:rPr>
+              <a:t>и грамотно </a:t>
+            </a:r>
+            <a:r>
+              <a:rPr lang="ru-RU" sz="3200" dirty="0" smtClean="0">
+                <a:latin typeface="Times New Roman" panose="02020603050405020304" pitchFamily="18" charset="0"/>
+                <a:cs typeface="Times New Roman" panose="02020603050405020304" pitchFamily="18" charset="0"/>
+              </a:rPr>
+              <a:t>воспользоваться </a:t>
+            </a:r>
+            <a:r>
+              <a:rPr lang="ru-RU" sz="3200" dirty="0">
+                <a:latin typeface="Times New Roman" panose="02020603050405020304" pitchFamily="18" charset="0"/>
+                <a:cs typeface="Times New Roman" panose="02020603050405020304" pitchFamily="18" charset="0"/>
+              </a:rPr>
+              <a:t>методами </a:t>
+            </a:r>
+            <a:r>
+              <a:rPr lang="en-US" sz="3200" dirty="0">
+                <a:latin typeface="Times New Roman" panose="02020603050405020304" pitchFamily="18" charset="0"/>
+                <a:cs typeface="Times New Roman" panose="02020603050405020304" pitchFamily="18" charset="0"/>
+              </a:rPr>
+              <a:t>fork() </a:t>
+            </a:r>
+            <a:r>
+              <a:rPr lang="ru-RU" sz="3200" dirty="0">
+                <a:latin typeface="Times New Roman" panose="02020603050405020304" pitchFamily="18" charset="0"/>
+                <a:cs typeface="Times New Roman" panose="02020603050405020304" pitchFamily="18" charset="0"/>
+              </a:rPr>
+              <a:t>и </a:t>
+            </a:r>
+            <a:r>
+              <a:rPr lang="en-US" sz="3200" dirty="0">
+                <a:latin typeface="Times New Roman" panose="02020603050405020304" pitchFamily="18" charset="0"/>
+                <a:cs typeface="Times New Roman" panose="02020603050405020304" pitchFamily="18" charset="0"/>
+              </a:rPr>
+              <a:t>join</a:t>
+            </a:r>
+            <a:r>
+              <a:rPr lang="en-US" sz="3200" dirty="0" smtClean="0">
+                <a:latin typeface="Times New Roman" panose="02020603050405020304" pitchFamily="18" charset="0"/>
+                <a:cs typeface="Times New Roman" panose="02020603050405020304" pitchFamily="18" charset="0"/>
+              </a:rPr>
+              <a:t>()</a:t>
+            </a:r>
+            <a:r>
+              <a:rPr lang="ru-RU" sz="3200" dirty="0" smtClean="0">
+                <a:latin typeface="Times New Roman" panose="02020603050405020304" pitchFamily="18" charset="0"/>
+                <a:cs typeface="Times New Roman" panose="02020603050405020304" pitchFamily="18" charset="0"/>
+              </a:rPr>
+              <a:t>, т.к. существует </a:t>
+            </a:r>
+            <a:r>
+              <a:rPr lang="ru-RU" sz="3200" dirty="0">
+                <a:latin typeface="Times New Roman" panose="02020603050405020304" pitchFamily="18" charset="0"/>
+                <a:cs typeface="Times New Roman" panose="02020603050405020304" pitchFamily="18" charset="0"/>
+              </a:rPr>
+              <a:t>несколько способов </a:t>
+            </a:r>
+            <a:r>
+              <a:rPr lang="ru-RU" sz="3200" dirty="0" smtClean="0">
+                <a:latin typeface="Times New Roman" panose="02020603050405020304" pitchFamily="18" charset="0"/>
+                <a:cs typeface="Times New Roman" panose="02020603050405020304" pitchFamily="18" charset="0"/>
+              </a:rPr>
+              <a:t>их использования.</a:t>
+            </a:r>
+            <a:endParaRPr lang="ru-RU" sz="3200" b="1" dirty="0" smtClean="0">
+              <a:latin typeface="Times New Roman" panose="02020603050405020304" pitchFamily="18" charset="0"/>
+              <a:cs typeface="Times New Roman" panose="02020603050405020304" pitchFamily="18" charset="0"/>
+            </a:endParaRPr>
+          </a:p>
+        </p:txBody>
+      </p:sp>
+    </p:spTree>
+    <p:extLst>
+      <p:ext uri="{BB962C8B-B14F-4D97-AF65-F5344CB8AC3E}">
+        <p14:creationId xmlns:p14="http://schemas.microsoft.com/office/powerpoint/2010/main" val="3170807545"/>
+      </p:ext>
+    </p:extLst>
+  </p:cSld>
+  <p:clrMapOvr>
+    <a:masterClrMapping/>
+  </p:clrMapOvr>
+  <p:timing>
+    <p:tnLst>
+      <p:par>
+        <p:cTn id="1" dur="indefinite" restart="never" nodeType="tmRoot"/>
+      </p:par>
+    </p:tnLst>
+  </p:timing>
+</p:sld>
+</file>
+
+<file path=ppt/slides/slide9.xml><?xml version="1.0" encoding="utf-8"?>
+<p:sld xmlns:a="http://schemas.openxmlformats.org/drawingml/2006/main" xmlns:r="http://schemas.openxmlformats.org/officeDocument/2006/relationships" xmlns:p="http://schemas.openxmlformats.org/presentationml/2006/main">
+  <p:cSld>
+    <p:bg>
+      <p:bgPr>
+        <a:solidFill>
+          <a:schemeClr val="bg1"/>
+        </a:solidFill>
+        <a:effectLst/>
+      </p:bgPr>
+    </p:bg>
+    <p:spTree>
+      <p:nvGrpSpPr>
+        <p:cNvPr id="1" name=""/>
+        <p:cNvGrpSpPr/>
+        <p:nvPr/>
+      </p:nvGrpSpPr>
+      <p:grpSpPr>
+        <a:xfrm>
+          <a:off x="0" y="0"/>
+          <a:ext cx="0" cy="0"/>
+          <a:chOff x="0" y="0"/>
+          <a:chExt cx="0" cy="0"/>
+        </a:xfrm>
+      </p:grpSpPr>
+      <p:sp>
+        <p:nvSpPr>
+          <p:cNvPr id="5" name="TextBox 4"/>
+          <p:cNvSpPr txBox="1"/>
+          <p:nvPr/>
+        </p:nvSpPr>
+        <p:spPr>
+          <a:xfrm>
+            <a:off x="1" y="6273225"/>
+            <a:ext cx="12191999" cy="584775"/>
+          </a:xfrm>
+          <a:prstGeom prst="rect">
+            <a:avLst/>
+          </a:prstGeom>
+        </p:spPr>
+        <p:style>
+          <a:lnRef idx="1">
+            <a:schemeClr val="accent2"/>
+          </a:lnRef>
+          <a:fillRef idx="2">
+            <a:schemeClr val="accent2"/>
+          </a:fillRef>
+          <a:effectRef idx="1">
+            <a:schemeClr val="accent2"/>
+          </a:effectRef>
+          <a:fontRef idx="minor">
+            <a:schemeClr val="dk1"/>
+          </a:fontRef>
+        </p:style>
+        <p:txBody>
+          <a:bodyPr wrap="square" rtlCol="0">
+            <a:spAutoFit/>
+          </a:bodyPr>
+          <a:lstStyle/>
+          <a:p>
+            <a:pPr algn="ctr"/>
+            <a:endParaRPr lang="ru-RU" sz="3200" dirty="0">
+              <a:solidFill>
+                <a:schemeClr val="bg1"/>
+              </a:solidFill>
+              <a:latin typeface="Times New Roman" panose="02020603050405020304" pitchFamily="18" charset="0"/>
+              <a:cs typeface="Times New Roman" panose="02020603050405020304" pitchFamily="18" charset="0"/>
+            </a:endParaRPr>
+          </a:p>
+        </p:txBody>
+      </p:sp>
+      <p:sp>
+        <p:nvSpPr>
+          <p:cNvPr id="8" name="TextBox 7"/>
+          <p:cNvSpPr txBox="1"/>
+          <p:nvPr/>
+        </p:nvSpPr>
+        <p:spPr>
+          <a:xfrm>
+            <a:off x="0" y="-575"/>
+            <a:ext cx="12191999" cy="584775"/>
+          </a:xfrm>
+          <a:prstGeom prst="rect">
+            <a:avLst/>
+          </a:prstGeom>
+        </p:spPr>
+        <p:style>
+          <a:lnRef idx="1">
+            <a:schemeClr val="accent2"/>
+          </a:lnRef>
+          <a:fillRef idx="2">
+            <a:schemeClr val="accent2"/>
+          </a:fillRef>
+          <a:effectRef idx="1">
+            <a:schemeClr val="accent2"/>
+          </a:effectRef>
+          <a:fontRef idx="minor">
+            <a:schemeClr val="dk1"/>
+          </a:fontRef>
+        </p:style>
+        <p:txBody>
+          <a:bodyPr wrap="square" rtlCol="0">
+            <a:spAutoFit/>
+          </a:bodyPr>
+          <a:lstStyle/>
+          <a:p>
+            <a:pPr algn="ctr"/>
+            <a:r>
+              <a:rPr lang="ru-RU" sz="3200" b="1" dirty="0" smtClean="0">
+                <a:solidFill>
+                  <a:srgbClr val="002060"/>
+                </a:solidFill>
+                <a:latin typeface="Times New Roman" panose="02020603050405020304" pitchFamily="18" charset="0"/>
+                <a:cs typeface="Times New Roman" panose="02020603050405020304" pitchFamily="18" charset="0"/>
+              </a:rPr>
+              <a:t>Подход </a:t>
+            </a:r>
+            <a:r>
+              <a:rPr lang="en-US" sz="3200" b="1" dirty="0" smtClean="0">
+                <a:solidFill>
+                  <a:srgbClr val="002060"/>
+                </a:solidFill>
+                <a:latin typeface="Times New Roman" panose="02020603050405020304" pitchFamily="18" charset="0"/>
+                <a:cs typeface="Times New Roman" panose="02020603050405020304" pitchFamily="18" charset="0"/>
+              </a:rPr>
+              <a:t>work stealing</a:t>
+            </a:r>
+            <a:endParaRPr lang="ru-RU" sz="3200" b="1" dirty="0">
+              <a:solidFill>
+                <a:srgbClr val="002060"/>
+              </a:solidFill>
+              <a:latin typeface="Times New Roman" panose="02020603050405020304" pitchFamily="18" charset="0"/>
+              <a:cs typeface="Times New Roman" panose="02020603050405020304" pitchFamily="18" charset="0"/>
+            </a:endParaRPr>
+          </a:p>
+        </p:txBody>
+      </p:sp>
+      <p:sp>
+        <p:nvSpPr>
+          <p:cNvPr id="3" name="TextBox 2"/>
+          <p:cNvSpPr txBox="1"/>
+          <p:nvPr/>
+        </p:nvSpPr>
+        <p:spPr>
+          <a:xfrm>
+            <a:off x="334964" y="584200"/>
+            <a:ext cx="4178300" cy="5632311"/>
+          </a:xfrm>
+          <a:prstGeom prst="rect">
+            <a:avLst/>
+          </a:prstGeom>
+          <a:noFill/>
+        </p:spPr>
+        <p:txBody>
+          <a:bodyPr wrap="square" rtlCol="0">
+            <a:spAutoFit/>
+          </a:bodyPr>
+          <a:lstStyle/>
+          <a:p>
+            <a:r>
+              <a:rPr lang="en-US" sz="2000" b="1" dirty="0" err="1">
+                <a:latin typeface="Times New Roman" panose="02020603050405020304" pitchFamily="18" charset="0"/>
+                <a:cs typeface="Times New Roman" panose="02020603050405020304" pitchFamily="18" charset="0"/>
+              </a:rPr>
+              <a:t>w</a:t>
+            </a:r>
+            <a:r>
+              <a:rPr lang="ru-RU" sz="2000" b="1" dirty="0" err="1" smtClean="0">
+                <a:latin typeface="Times New Roman" panose="02020603050405020304" pitchFamily="18" charset="0"/>
+                <a:cs typeface="Times New Roman" panose="02020603050405020304" pitchFamily="18" charset="0"/>
+              </a:rPr>
+              <a:t>ork</a:t>
+            </a:r>
+            <a:r>
+              <a:rPr lang="ru-RU" sz="2000" b="1" dirty="0" smtClean="0">
+                <a:latin typeface="Times New Roman" panose="02020603050405020304" pitchFamily="18" charset="0"/>
+                <a:cs typeface="Times New Roman" panose="02020603050405020304" pitchFamily="18" charset="0"/>
+              </a:rPr>
+              <a:t> </a:t>
+            </a:r>
+            <a:r>
+              <a:rPr lang="en-US" sz="2000" b="1" dirty="0" err="1">
+                <a:latin typeface="Times New Roman" panose="02020603050405020304" pitchFamily="18" charset="0"/>
+                <a:cs typeface="Times New Roman" panose="02020603050405020304" pitchFamily="18" charset="0"/>
+              </a:rPr>
+              <a:t>s</a:t>
+            </a:r>
+            <a:r>
+              <a:rPr lang="ru-RU" sz="2000" b="1" dirty="0" err="1" smtClean="0">
+                <a:latin typeface="Times New Roman" panose="02020603050405020304" pitchFamily="18" charset="0"/>
+                <a:cs typeface="Times New Roman" panose="02020603050405020304" pitchFamily="18" charset="0"/>
+              </a:rPr>
+              <a:t>tealing</a:t>
+            </a:r>
+            <a:r>
+              <a:rPr lang="ru-RU" sz="2000" dirty="0" smtClean="0">
+                <a:latin typeface="Times New Roman" panose="02020603050405020304" pitchFamily="18" charset="0"/>
+                <a:cs typeface="Times New Roman" panose="02020603050405020304" pitchFamily="18" charset="0"/>
+              </a:rPr>
+              <a:t> </a:t>
+            </a:r>
+            <a:r>
+              <a:rPr lang="ru-RU" sz="2000" dirty="0">
+                <a:latin typeface="Times New Roman" panose="02020603050405020304" pitchFamily="18" charset="0"/>
+                <a:cs typeface="Times New Roman" panose="02020603050405020304" pitchFamily="18" charset="0"/>
+              </a:rPr>
+              <a:t>— это такой алгоритм работы, при котором простаивающие потоки начинают забирать задачи других потоков или задачи из общей </a:t>
+            </a:r>
+            <a:r>
+              <a:rPr lang="ru-RU" sz="2000" dirty="0" smtClean="0">
+                <a:latin typeface="Times New Roman" panose="02020603050405020304" pitchFamily="18" charset="0"/>
+                <a:cs typeface="Times New Roman" panose="02020603050405020304" pitchFamily="18" charset="0"/>
+              </a:rPr>
+              <a:t>очереди.</a:t>
+            </a:r>
+          </a:p>
+          <a:p>
+            <a:r>
+              <a:rPr lang="ru-RU" sz="2000" dirty="0" smtClean="0">
+                <a:latin typeface="Times New Roman" panose="02020603050405020304" pitchFamily="18" charset="0"/>
+                <a:cs typeface="Times New Roman" panose="02020603050405020304" pitchFamily="18" charset="0"/>
+              </a:rPr>
+              <a:t>Рабочие потоки могут одновременно выполнять только одну задачу.</a:t>
+            </a:r>
+          </a:p>
+          <a:p>
+            <a:r>
+              <a:rPr lang="en-US" sz="2000" dirty="0" err="1" smtClean="0">
+                <a:latin typeface="Times New Roman" panose="02020603050405020304" pitchFamily="18" charset="0"/>
+                <a:cs typeface="Times New Roman" panose="02020603050405020304" pitchFamily="18" charset="0"/>
+              </a:rPr>
+              <a:t>ForkJoinPool</a:t>
+            </a:r>
+            <a:r>
+              <a:rPr lang="en-US" sz="2000" dirty="0" smtClean="0">
+                <a:latin typeface="Times New Roman" panose="02020603050405020304" pitchFamily="18" charset="0"/>
+                <a:cs typeface="Times New Roman" panose="02020603050405020304" pitchFamily="18" charset="0"/>
+              </a:rPr>
+              <a:t> </a:t>
+            </a:r>
+            <a:r>
+              <a:rPr lang="ru-RU" sz="2000" dirty="0" smtClean="0">
+                <a:latin typeface="Times New Roman" panose="02020603050405020304" pitchFamily="18" charset="0"/>
+                <a:cs typeface="Times New Roman" panose="02020603050405020304" pitchFamily="18" charset="0"/>
+              </a:rPr>
+              <a:t>не создаёт отдельный поток для каждой отдельной задачи. Вместо этого каждый поток в пуле имеет свою собственную двустороннюю очередь, в которой хранятся задачи.</a:t>
+            </a:r>
+          </a:p>
+          <a:p>
+            <a:r>
+              <a:rPr lang="ru-RU" sz="2000" dirty="0" smtClean="0">
+                <a:latin typeface="Times New Roman" panose="02020603050405020304" pitchFamily="18" charset="0"/>
+                <a:cs typeface="Times New Roman" panose="02020603050405020304" pitchFamily="18" charset="0"/>
+              </a:rPr>
+              <a:t>Эта архитектура жизненно важна для балансировки рабочей нагрузки потока с помощью алгоритма </a:t>
+            </a:r>
+            <a:r>
+              <a:rPr lang="en-US" sz="2000" dirty="0" smtClean="0">
+                <a:latin typeface="Times New Roman" panose="02020603050405020304" pitchFamily="18" charset="0"/>
+                <a:cs typeface="Times New Roman" panose="02020603050405020304" pitchFamily="18" charset="0"/>
+              </a:rPr>
+              <a:t>work stealing</a:t>
+            </a:r>
+            <a:r>
+              <a:rPr lang="ru-RU" sz="2000" dirty="0" smtClean="0">
+                <a:latin typeface="Times New Roman" panose="02020603050405020304" pitchFamily="18" charset="0"/>
+                <a:cs typeface="Times New Roman" panose="02020603050405020304" pitchFamily="18" charset="0"/>
+              </a:rPr>
+              <a:t>.</a:t>
+            </a:r>
+            <a:endParaRPr lang="ru-RU" sz="2000" dirty="0">
+              <a:latin typeface="Times New Roman" panose="02020603050405020304" pitchFamily="18" charset="0"/>
+              <a:cs typeface="Times New Roman" panose="02020603050405020304" pitchFamily="18" charset="0"/>
+            </a:endParaRPr>
+          </a:p>
+        </p:txBody>
+      </p:sp>
+      <p:pic>
+        <p:nvPicPr>
+          <p:cNvPr id="2" name="Рисунок 1"/>
+          <p:cNvPicPr>
+            <a:picLocks noChangeAspect="1"/>
+          </p:cNvPicPr>
+          <p:nvPr/>
+        </p:nvPicPr>
+        <p:blipFill>
+          <a:blip r:embed="rId2">
+            <a:extLst>
+              <a:ext uri="{28A0092B-C50C-407E-A947-70E740481C1C}">
+                <a14:useLocalDpi xmlns:a14="http://schemas.microsoft.com/office/drawing/2010/main" val="0"/>
+              </a:ext>
+            </a:extLst>
+          </a:blip>
+          <a:stretch>
+            <a:fillRect/>
+          </a:stretch>
+        </p:blipFill>
+        <p:spPr>
+          <a:xfrm>
+            <a:off x="4513264" y="584200"/>
+            <a:ext cx="7343775" cy="5343525"/>
+          </a:xfrm>
+          <a:prstGeom prst="rect">
+            <a:avLst/>
+          </a:prstGeom>
+        </p:spPr>
+      </p:pic>
+    </p:spTree>
+    <p:extLst>
+      <p:ext uri="{BB962C8B-B14F-4D97-AF65-F5344CB8AC3E}">
+        <p14:creationId xmlns:p14="http://schemas.microsoft.com/office/powerpoint/2010/main" val="3759752719"/>
       </p:ext>
     </p:extLst>
   </p:cSld>

--- a/resources/Presentation_Fork-Join.pptx
+++ b/resources/Presentation_Fork-Join.pptx
@@ -7,17 +7,19 @@
   <p:sldIdLst>
     <p:sldId id="257" r:id="rId2"/>
     <p:sldId id="270" r:id="rId3"/>
-    <p:sldId id="260" r:id="rId4"/>
-    <p:sldId id="272" r:id="rId5"/>
-    <p:sldId id="268" r:id="rId6"/>
-    <p:sldId id="275" r:id="rId7"/>
-    <p:sldId id="276" r:id="rId8"/>
-    <p:sldId id="277" r:id="rId9"/>
-    <p:sldId id="273" r:id="rId10"/>
+    <p:sldId id="272" r:id="rId4"/>
+    <p:sldId id="268" r:id="rId5"/>
+    <p:sldId id="275" r:id="rId6"/>
+    <p:sldId id="276" r:id="rId7"/>
+    <p:sldId id="277" r:id="rId8"/>
+    <p:sldId id="273" r:id="rId9"/>
+    <p:sldId id="279" r:id="rId10"/>
     <p:sldId id="278" r:id="rId11"/>
-    <p:sldId id="274" r:id="rId12"/>
-    <p:sldId id="271" r:id="rId13"/>
-    <p:sldId id="269" r:id="rId14"/>
+    <p:sldId id="280" r:id="rId12"/>
+    <p:sldId id="281" r:id="rId13"/>
+    <p:sldId id="274" r:id="rId14"/>
+    <p:sldId id="271" r:id="rId15"/>
+    <p:sldId id="269" r:id="rId16"/>
   </p:sldIdLst>
   <p:sldSz cx="12192000" cy="6858000"/>
   <p:notesSz cx="6858000" cy="9144000"/>
@@ -143,14 +145,6 @@
 <file path=ppt/slideLayouts/slideLayout1.xml><?xml version="1.0" encoding="utf-8"?>
 <p:sldLayout xmlns:a="http://schemas.openxmlformats.org/drawingml/2006/main" xmlns:r="http://schemas.openxmlformats.org/officeDocument/2006/relationships" xmlns:p="http://schemas.openxmlformats.org/presentationml/2006/main" type="title" preserve="1">
   <p:cSld name="Титульный слайд">
-    <p:bg>
-      <p:bgPr>
-        <a:solidFill>
-          <a:schemeClr val="accent2"/>
-        </a:solidFill>
-        <a:effectLst/>
-      </p:bgPr>
-    </p:bg>
     <p:spTree>
       <p:nvGrpSpPr>
         <p:cNvPr id="1" name=""/>
@@ -887,14 +881,6 @@
 <file path=ppt/slideLayouts/slideLayout3.xml><?xml version="1.0" encoding="utf-8"?>
 <p:sldLayout xmlns:a="http://schemas.openxmlformats.org/drawingml/2006/main" xmlns:r="http://schemas.openxmlformats.org/officeDocument/2006/relationships" xmlns:p="http://schemas.openxmlformats.org/presentationml/2006/main" type="secHead" preserve="1">
   <p:cSld name="Заголовок раздела">
-    <p:bg>
-      <p:bgPr>
-        <a:solidFill>
-          <a:schemeClr val="accent1"/>
-        </a:solidFill>
-        <a:effectLst/>
-      </p:bgPr>
-    </p:bg>
     <p:spTree>
       <p:nvGrpSpPr>
         <p:cNvPr id="1" name=""/>
@@ -2714,9 +2700,7 @@
     <p:bg>
       <p:bgPr>
         <a:solidFill>
-          <a:schemeClr val="bg1">
-            <a:lumMod val="95000"/>
-          </a:schemeClr>
+          <a:schemeClr val="bg1"/>
         </a:solidFill>
         <a:effectLst/>
       </p:bgPr>
@@ -3595,17 +3579,7 @@
                 <a:latin typeface="Times New Roman" panose="02020603050405020304" pitchFamily="18" charset="0"/>
                 <a:cs typeface="Times New Roman" panose="02020603050405020304" pitchFamily="18" charset="0"/>
               </a:rPr>
-              <a:t>Методы </a:t>
-            </a:r>
-            <a:r>
-              <a:rPr lang="en-US" sz="3200" b="1" dirty="0" smtClean="0">
-                <a:solidFill>
-                  <a:srgbClr val="002060"/>
-                </a:solidFill>
-                <a:latin typeface="Times New Roman" panose="02020603050405020304" pitchFamily="18" charset="0"/>
-                <a:cs typeface="Times New Roman" panose="02020603050405020304" pitchFamily="18" charset="0"/>
-              </a:rPr>
-              <a:t>fork() </a:t>
+              <a:t>Основные м</a:t>
             </a:r>
             <a:r>
               <a:rPr lang="ru-RU" sz="3200" b="1" dirty="0" smtClean="0">
@@ -3615,17 +3589,7 @@
                 <a:latin typeface="Times New Roman" panose="02020603050405020304" pitchFamily="18" charset="0"/>
                 <a:cs typeface="Times New Roman" panose="02020603050405020304" pitchFamily="18" charset="0"/>
               </a:rPr>
-              <a:t>и </a:t>
-            </a:r>
-            <a:r>
-              <a:rPr lang="en-US" sz="3200" b="1" dirty="0" smtClean="0">
-                <a:solidFill>
-                  <a:srgbClr val="002060"/>
-                </a:solidFill>
-                <a:latin typeface="Times New Roman" panose="02020603050405020304" pitchFamily="18" charset="0"/>
-                <a:cs typeface="Times New Roman" panose="02020603050405020304" pitchFamily="18" charset="0"/>
-              </a:rPr>
-              <a:t>join()</a:t>
+              <a:t>етоды </a:t>
             </a:r>
             <a:endParaRPr lang="ru-RU" sz="3200" b="1" dirty="0">
               <a:solidFill>
@@ -3682,7 +3646,14 @@
                 <a:latin typeface="Times New Roman" panose="02020603050405020304" pitchFamily="18" charset="0"/>
                 <a:cs typeface="Times New Roman" panose="02020603050405020304" pitchFamily="18" charset="0"/>
               </a:rPr>
-              <a:t> – отправляет задачу в пул, но не запускает её выполнение</a:t>
+              <a:t> – отправляет задачу в пул, но не запускает её </a:t>
+            </a:r>
+            <a:r>
+              <a:rPr lang="ru-RU" sz="2800" dirty="0" smtClean="0">
+                <a:latin typeface="Times New Roman" panose="02020603050405020304" pitchFamily="18" charset="0"/>
+                <a:cs typeface="Times New Roman" panose="02020603050405020304" pitchFamily="18" charset="0"/>
+              </a:rPr>
+              <a:t>выполнение</a:t>
             </a:r>
             <a:r>
               <a:rPr lang="en-US" sz="2800" dirty="0" smtClean="0">
@@ -4055,7 +4026,27 @@
                 <a:latin typeface="Times New Roman" panose="02020603050405020304" pitchFamily="18" charset="0"/>
                 <a:cs typeface="Times New Roman" panose="02020603050405020304" pitchFamily="18" charset="0"/>
               </a:rPr>
-              <a:t>Заключение</a:t>
+              <a:t>Выбор </a:t>
+            </a:r>
+            <a:r>
+              <a:rPr lang="en-US" sz="3200" b="1" dirty="0" smtClean="0">
+                <a:solidFill>
+                  <a:srgbClr val="002060"/>
+                </a:solidFill>
+                <a:latin typeface="Times New Roman" panose="02020603050405020304" pitchFamily="18" charset="0"/>
+                <a:cs typeface="Times New Roman" panose="02020603050405020304" pitchFamily="18" charset="0"/>
+              </a:rPr>
+              <a:t>threshold-</a:t>
+            </a:r>
+            <a:r>
+              <a:rPr lang="ru-RU" sz="3200" b="1" dirty="0" smtClean="0">
+                <a:solidFill>
+                  <a:srgbClr val="002060"/>
+                </a:solidFill>
+                <a:latin typeface="Times New Roman" panose="02020603050405020304" pitchFamily="18" charset="0"/>
+                <a:cs typeface="Times New Roman" panose="02020603050405020304" pitchFamily="18" charset="0"/>
+              </a:rPr>
+              <a:t>а</a:t>
             </a:r>
             <a:endParaRPr lang="ru-RU" sz="3200" b="1" dirty="0">
               <a:solidFill>
@@ -4076,7 +4067,7 @@
         <p:spPr>
           <a:xfrm>
             <a:off x="334962" y="584200"/>
-            <a:ext cx="11522075" cy="5016758"/>
+            <a:ext cx="11522075" cy="5509200"/>
           </a:xfrm>
           <a:prstGeom prst="rect">
             <a:avLst/>
@@ -4090,69 +4081,69 @@
           <a:lstStyle/>
           <a:p>
             <a:r>
+              <a:rPr lang="en-US" sz="3200" b="1" dirty="0" smtClean="0">
+                <a:latin typeface="Times New Roman" panose="02020603050405020304" pitchFamily="18" charset="0"/>
+                <a:cs typeface="Times New Roman" panose="02020603050405020304" pitchFamily="18" charset="0"/>
+              </a:rPr>
+              <a:t>Threshold</a:t>
+            </a:r>
+            <a:r>
+              <a:rPr lang="en-US" sz="3200" dirty="0" smtClean="0">
+                <a:latin typeface="Times New Roman" panose="02020603050405020304" pitchFamily="18" charset="0"/>
+                <a:cs typeface="Times New Roman" panose="02020603050405020304" pitchFamily="18" charset="0"/>
+              </a:rPr>
+              <a:t> – </a:t>
+            </a:r>
+            <a:r>
               <a:rPr lang="ru-RU" sz="3200" dirty="0" smtClean="0">
                 <a:latin typeface="Times New Roman" panose="02020603050405020304" pitchFamily="18" charset="0"/>
                 <a:cs typeface="Times New Roman" panose="02020603050405020304" pitchFamily="18" charset="0"/>
               </a:rPr>
-              <a:t>Использование структуры </a:t>
-            </a:r>
-            <a:r>
-              <a:rPr lang="en-US" sz="3200" dirty="0" smtClean="0">
-                <a:latin typeface="Times New Roman" panose="02020603050405020304" pitchFamily="18" charset="0"/>
-                <a:cs typeface="Times New Roman" panose="02020603050405020304" pitchFamily="18" charset="0"/>
-              </a:rPr>
-              <a:t>fork/join </a:t>
+              <a:t>это ширина</a:t>
+            </a:r>
+            <a:r>
+              <a:rPr lang="ru-RU" sz="3200" dirty="0">
+                <a:latin typeface="Times New Roman" panose="02020603050405020304" pitchFamily="18" charset="0"/>
+                <a:cs typeface="Times New Roman" panose="02020603050405020304" pitchFamily="18" charset="0"/>
+              </a:rPr>
+              <a:t> </a:t>
             </a:r>
             <a:r>
               <a:rPr lang="ru-RU" sz="3200" dirty="0" smtClean="0">
                 <a:latin typeface="Times New Roman" panose="02020603050405020304" pitchFamily="18" charset="0"/>
                 <a:cs typeface="Times New Roman" panose="02020603050405020304" pitchFamily="18" charset="0"/>
               </a:rPr>
-              <a:t>может ускорить обработку больших задач, но для достижения этого результата необходимо следовать некоторым рекомендациям:</a:t>
-            </a:r>
-          </a:p>
-          <a:p>
-            <a:pPr marL="342900" indent="-342900">
+              <a:t>(порог) дробления задачи.</a:t>
+            </a:r>
+          </a:p>
+          <a:p>
+            <a:pPr marL="457200" indent="-457200">
               <a:buFontTx/>
               <a:buChar char="-"/>
             </a:pPr>
             <a:r>
-              <a:rPr lang="ru-RU" sz="3200" dirty="0">
-                <a:latin typeface="Times New Roman" panose="02020603050405020304" pitchFamily="18" charset="0"/>
-                <a:cs typeface="Times New Roman" panose="02020603050405020304" pitchFamily="18" charset="0"/>
-              </a:rPr>
-              <a:t>и</a:t>
-            </a:r>
-            <a:r>
               <a:rPr lang="ru-RU" sz="3200" dirty="0" smtClean="0">
                 <a:latin typeface="Times New Roman" panose="02020603050405020304" pitchFamily="18" charset="0"/>
                 <a:cs typeface="Times New Roman" panose="02020603050405020304" pitchFamily="18" charset="0"/>
               </a:rPr>
-              <a:t>спользовать как можно меньше пулов потоков (лучше один пул потоков на приложение или систему)</a:t>
-            </a:r>
-          </a:p>
-          <a:p>
-            <a:pPr marL="342900" indent="-342900">
+              <a:t>Если слишком маленький, то возрастут инфраструктурные задачи.</a:t>
+            </a:r>
+          </a:p>
+          <a:p>
+            <a:pPr marL="457200" indent="-457200">
               <a:buFontTx/>
               <a:buChar char="-"/>
             </a:pPr>
             <a:r>
-              <a:rPr lang="ru-RU" sz="3200" dirty="0">
-                <a:latin typeface="Times New Roman" panose="02020603050405020304" pitchFamily="18" charset="0"/>
-                <a:cs typeface="Times New Roman" panose="02020603050405020304" pitchFamily="18" charset="0"/>
-              </a:rPr>
-              <a:t>и</a:t>
-            </a:r>
-            <a:r>
               <a:rPr lang="ru-RU" sz="3200" dirty="0" smtClean="0">
                 <a:latin typeface="Times New Roman" panose="02020603050405020304" pitchFamily="18" charset="0"/>
                 <a:cs typeface="Times New Roman" panose="02020603050405020304" pitchFamily="18" charset="0"/>
               </a:rPr>
-              <a:t>спользовать общий пул потоков, если не требуется особая настройка</a:t>
-            </a:r>
-          </a:p>
-          <a:p>
-            <a:pPr marL="342900" indent="-342900">
+              <a:t>Если слишком большой, то будет мало параллелизма.</a:t>
+            </a:r>
+          </a:p>
+          <a:p>
+            <a:pPr marL="457200" indent="-457200">
               <a:buFontTx/>
               <a:buChar char="-"/>
             </a:pPr>
@@ -4161,14 +4152,37 @@
                 <a:latin typeface="Times New Roman" panose="02020603050405020304" pitchFamily="18" charset="0"/>
                 <a:cs typeface="Times New Roman" panose="02020603050405020304" pitchFamily="18" charset="0"/>
               </a:rPr>
-              <a:t>использовать разумный порог для разделения </a:t>
+              <a:t>Банальная интуиция подсказывает следующее решение:</a:t>
+            </a:r>
+          </a:p>
+          <a:p>
+            <a:r>
+              <a:rPr lang="ru-RU" sz="3200" dirty="0">
+                <a:latin typeface="Times New Roman" panose="02020603050405020304" pitchFamily="18" charset="0"/>
+                <a:cs typeface="Times New Roman" panose="02020603050405020304" pitchFamily="18" charset="0"/>
+              </a:rPr>
+              <a:t>	</a:t>
+            </a:r>
+            <a:r>
+              <a:rPr lang="ru-RU" sz="3200" dirty="0" smtClean="0">
+                <a:latin typeface="Times New Roman" panose="02020603050405020304" pitchFamily="18" charset="0"/>
+                <a:cs typeface="Times New Roman" panose="02020603050405020304" pitchFamily="18" charset="0"/>
+              </a:rPr>
+              <a:t>			</a:t>
+            </a:r>
+            <a:r>
+              <a:rPr lang="en-US" sz="3200" dirty="0" smtClean="0">
+                <a:latin typeface="Times New Roman" panose="02020603050405020304" pitchFamily="18" charset="0"/>
+                <a:cs typeface="Times New Roman" panose="02020603050405020304" pitchFamily="18" charset="0"/>
+              </a:rPr>
+              <a:t>T = N / </a:t>
             </a:r>
             <a:r>
               <a:rPr lang="en-US" sz="3200" dirty="0" err="1" smtClean="0">
                 <a:latin typeface="Times New Roman" panose="02020603050405020304" pitchFamily="18" charset="0"/>
                 <a:cs typeface="Times New Roman" panose="02020603050405020304" pitchFamily="18" charset="0"/>
               </a:rPr>
-              <a:t>ForkJoinTask</a:t>
+              <a:t>Ncpu</a:t>
             </a:r>
             <a:r>
               <a:rPr lang="en-US" sz="3200" dirty="0" smtClean="0">
@@ -4182,49 +4196,85 @@
                 <a:latin typeface="Times New Roman" panose="02020603050405020304" pitchFamily="18" charset="0"/>
                 <a:cs typeface="Times New Roman" panose="02020603050405020304" pitchFamily="18" charset="0"/>
               </a:rPr>
-              <a:t>на подзадачи</a:t>
-            </a:r>
-          </a:p>
-          <a:p>
-            <a:pPr marL="342900" indent="-342900">
-              <a:buFontTx/>
-              <a:buChar char="-"/>
-            </a:pPr>
+              <a:t>,</a:t>
+            </a:r>
+          </a:p>
+          <a:p>
+            <a:r>
+              <a:rPr lang="ru-RU" sz="3200" dirty="0" smtClean="0">
+                <a:latin typeface="Times New Roman" panose="02020603050405020304" pitchFamily="18" charset="0"/>
+                <a:cs typeface="Times New Roman" panose="02020603050405020304" pitchFamily="18" charset="0"/>
+              </a:rPr>
+              <a:t> 	где </a:t>
+            </a:r>
+            <a:r>
+              <a:rPr lang="en-US" sz="3200" dirty="0" smtClean="0">
+                <a:latin typeface="Times New Roman" panose="02020603050405020304" pitchFamily="18" charset="0"/>
+                <a:cs typeface="Times New Roman" panose="02020603050405020304" pitchFamily="18" charset="0"/>
+              </a:rPr>
+              <a:t>N – </a:t>
+            </a:r>
+            <a:r>
+              <a:rPr lang="ru-RU" sz="3200" dirty="0" smtClean="0">
+                <a:latin typeface="Times New Roman" panose="02020603050405020304" pitchFamily="18" charset="0"/>
+                <a:cs typeface="Times New Roman" panose="02020603050405020304" pitchFamily="18" charset="0"/>
+              </a:rPr>
+              <a:t>размер задачи, </a:t>
+            </a:r>
+            <a:r>
+              <a:rPr lang="en-US" sz="3200" dirty="0" err="1" smtClean="0">
+                <a:latin typeface="Times New Roman" panose="02020603050405020304" pitchFamily="18" charset="0"/>
+                <a:cs typeface="Times New Roman" panose="02020603050405020304" pitchFamily="18" charset="0"/>
+              </a:rPr>
+              <a:t>Ncpu</a:t>
+            </a:r>
+            <a:r>
+              <a:rPr lang="en-US" sz="3200" dirty="0" smtClean="0">
+                <a:latin typeface="Times New Roman" panose="02020603050405020304" pitchFamily="18" charset="0"/>
+                <a:cs typeface="Times New Roman" panose="02020603050405020304" pitchFamily="18" charset="0"/>
+              </a:rPr>
+              <a:t> – </a:t>
+            </a:r>
+            <a:r>
+              <a:rPr lang="ru-RU" sz="3200" dirty="0" smtClean="0">
+                <a:latin typeface="Times New Roman" panose="02020603050405020304" pitchFamily="18" charset="0"/>
+                <a:cs typeface="Times New Roman" panose="02020603050405020304" pitchFamily="18" charset="0"/>
+              </a:rPr>
+              <a:t>доступный параллелизм.</a:t>
+            </a:r>
+          </a:p>
+          <a:p>
+            <a:endParaRPr lang="ru-RU" sz="3200" dirty="0" smtClean="0">
+              <a:latin typeface="Times New Roman" panose="02020603050405020304" pitchFamily="18" charset="0"/>
+              <a:cs typeface="Times New Roman" panose="02020603050405020304" pitchFamily="18" charset="0"/>
+            </a:endParaRPr>
+          </a:p>
+          <a:p>
             <a:r>
               <a:rPr lang="ru-RU" sz="3200" dirty="0">
                 <a:latin typeface="Times New Roman" panose="02020603050405020304" pitchFamily="18" charset="0"/>
                 <a:cs typeface="Times New Roman" panose="02020603050405020304" pitchFamily="18" charset="0"/>
               </a:rPr>
-              <a:t>и</a:t>
+              <a:t>	</a:t>
             </a:r>
             <a:r>
               <a:rPr lang="ru-RU" sz="3200" dirty="0" smtClean="0">
                 <a:latin typeface="Times New Roman" panose="02020603050405020304" pitchFamily="18" charset="0"/>
                 <a:cs typeface="Times New Roman" panose="02020603050405020304" pitchFamily="18" charset="0"/>
               </a:rPr>
-              <a:t>збегать любых блокировок в ваших </a:t>
-            </a:r>
-            <a:r>
-              <a:rPr lang="en-US" sz="3200" dirty="0" err="1" smtClean="0">
-                <a:latin typeface="Times New Roman" panose="02020603050405020304" pitchFamily="18" charset="0"/>
-                <a:cs typeface="Times New Roman" panose="02020603050405020304" pitchFamily="18" charset="0"/>
-              </a:rPr>
-              <a:t>ForkJoinTask</a:t>
-            </a:r>
-            <a:r>
-              <a:rPr lang="ru-RU" sz="3200" dirty="0" smtClean="0">
-                <a:latin typeface="Times New Roman" panose="02020603050405020304" pitchFamily="18" charset="0"/>
-                <a:cs typeface="Times New Roman" panose="02020603050405020304" pitchFamily="18" charset="0"/>
-              </a:rPr>
-              <a:t>-ах</a:t>
-            </a:r>
+              <a:t>В теории работает хорошо, но на практике возможны проблемы, т.к. задачи могут занимать разное время и балансировка будет страдать.</a:t>
+            </a:r>
+            <a:endParaRPr lang="ru-RU" sz="3200" dirty="0" smtClean="0">
+              <a:latin typeface="Times New Roman" panose="02020603050405020304" pitchFamily="18" charset="0"/>
+              <a:cs typeface="Times New Roman" panose="02020603050405020304" pitchFamily="18" charset="0"/>
+            </a:endParaRPr>
           </a:p>
         </p:txBody>
       </p:sp>
     </p:spTree>
     <p:extLst>
       <p:ext uri="{BB962C8B-B14F-4D97-AF65-F5344CB8AC3E}">
-        <p14:creationId xmlns:p14="http://schemas.microsoft.com/office/powerpoint/2010/main" val="709801214"/>
+        <p14:creationId xmlns:p14="http://schemas.microsoft.com/office/powerpoint/2010/main" val="3404484919"/>
       </p:ext>
     </p:extLst>
   </p:cSld>
@@ -4348,6 +4398,673 @@
                 <a:latin typeface="Times New Roman" panose="02020603050405020304" pitchFamily="18" charset="0"/>
                 <a:cs typeface="Times New Roman" panose="02020603050405020304" pitchFamily="18" charset="0"/>
               </a:rPr>
+              <a:t>Выбор </a:t>
+            </a:r>
+            <a:r>
+              <a:rPr lang="en-US" sz="3200" b="1" dirty="0" smtClean="0">
+                <a:solidFill>
+                  <a:srgbClr val="002060"/>
+                </a:solidFill>
+                <a:latin typeface="Times New Roman" panose="02020603050405020304" pitchFamily="18" charset="0"/>
+                <a:cs typeface="Times New Roman" panose="02020603050405020304" pitchFamily="18" charset="0"/>
+              </a:rPr>
+              <a:t>threshold-</a:t>
+            </a:r>
+            <a:r>
+              <a:rPr lang="ru-RU" sz="3200" b="1" dirty="0" smtClean="0">
+                <a:solidFill>
+                  <a:srgbClr val="002060"/>
+                </a:solidFill>
+                <a:latin typeface="Times New Roman" panose="02020603050405020304" pitchFamily="18" charset="0"/>
+                <a:cs typeface="Times New Roman" panose="02020603050405020304" pitchFamily="18" charset="0"/>
+              </a:rPr>
+              <a:t>а</a:t>
+            </a:r>
+            <a:endParaRPr lang="ru-RU" sz="3200" b="1" dirty="0">
+              <a:solidFill>
+                <a:srgbClr val="002060"/>
+              </a:solidFill>
+              <a:latin typeface="Times New Roman" panose="02020603050405020304" pitchFamily="18" charset="0"/>
+              <a:cs typeface="Times New Roman" panose="02020603050405020304" pitchFamily="18" charset="0"/>
+            </a:endParaRPr>
+          </a:p>
+        </p:txBody>
+      </p:sp>
+      <p:sp>
+        <p:nvSpPr>
+          <p:cNvPr id="7" name="TextBox 6"/>
+          <p:cNvSpPr txBox="1"/>
+          <p:nvPr/>
+        </p:nvSpPr>
+        <p:spPr>
+          <a:xfrm>
+            <a:off x="334962" y="584200"/>
+            <a:ext cx="11522075" cy="4524315"/>
+          </a:xfrm>
+          <a:prstGeom prst="rect">
+            <a:avLst/>
+          </a:prstGeom>
+          <a:noFill/>
+        </p:spPr>
+        <p:txBody>
+          <a:bodyPr wrap="square" rtlCol="0">
+            <a:spAutoFit/>
+          </a:bodyPr>
+          <a:lstStyle/>
+          <a:p>
+            <a:r>
+              <a:rPr lang="ru-RU" sz="3200" dirty="0" smtClean="0">
+                <a:latin typeface="Times New Roman" panose="02020603050405020304" pitchFamily="18" charset="0"/>
+                <a:cs typeface="Times New Roman" panose="02020603050405020304" pitchFamily="18" charset="0"/>
+              </a:rPr>
+              <a:t> Более продвинутый расчёт имеет следующий вид: </a:t>
+            </a:r>
+            <a:r>
+              <a:rPr lang="ru-RU" sz="3200" dirty="0">
+                <a:latin typeface="Times New Roman" panose="02020603050405020304" pitchFamily="18" charset="0"/>
+                <a:cs typeface="Times New Roman" panose="02020603050405020304" pitchFamily="18" charset="0"/>
+              </a:rPr>
+              <a:t>	</a:t>
+            </a:r>
+            <a:r>
+              <a:rPr lang="ru-RU" sz="3200" dirty="0" smtClean="0">
+                <a:latin typeface="Times New Roman" panose="02020603050405020304" pitchFamily="18" charset="0"/>
+                <a:cs typeface="Times New Roman" panose="02020603050405020304" pitchFamily="18" charset="0"/>
+              </a:rPr>
+              <a:t>			</a:t>
+            </a:r>
+            <a:r>
+              <a:rPr lang="en-US" sz="3200" dirty="0" smtClean="0">
+                <a:latin typeface="Times New Roman" panose="02020603050405020304" pitchFamily="18" charset="0"/>
+                <a:cs typeface="Times New Roman" panose="02020603050405020304" pitchFamily="18" charset="0"/>
+              </a:rPr>
+              <a:t>T = N / </a:t>
+            </a:r>
+            <a:r>
+              <a:rPr lang="ru-RU" sz="3200" dirty="0" smtClean="0">
+                <a:latin typeface="Times New Roman" panose="02020603050405020304" pitchFamily="18" charset="0"/>
+                <a:cs typeface="Times New Roman" panose="02020603050405020304" pitchFamily="18" charset="0"/>
+              </a:rPr>
+              <a:t>(</a:t>
+            </a:r>
+            <a:r>
+              <a:rPr lang="en-US" sz="3200" dirty="0" smtClean="0">
+                <a:latin typeface="Times New Roman" panose="02020603050405020304" pitchFamily="18" charset="0"/>
+                <a:cs typeface="Times New Roman" panose="02020603050405020304" pitchFamily="18" charset="0"/>
+              </a:rPr>
+              <a:t>LF * </a:t>
+            </a:r>
+            <a:r>
+              <a:rPr lang="en-US" sz="3200" dirty="0" err="1" smtClean="0">
+                <a:latin typeface="Times New Roman" panose="02020603050405020304" pitchFamily="18" charset="0"/>
+                <a:cs typeface="Times New Roman" panose="02020603050405020304" pitchFamily="18" charset="0"/>
+              </a:rPr>
+              <a:t>Ncpu</a:t>
+            </a:r>
+            <a:r>
+              <a:rPr lang="ru-RU" sz="3200" dirty="0">
+                <a:latin typeface="Times New Roman" panose="02020603050405020304" pitchFamily="18" charset="0"/>
+                <a:cs typeface="Times New Roman" panose="02020603050405020304" pitchFamily="18" charset="0"/>
+              </a:rPr>
+              <a:t>)</a:t>
+            </a:r>
+            <a:r>
+              <a:rPr lang="en-US" sz="3200" dirty="0" smtClean="0">
+                <a:latin typeface="Times New Roman" panose="02020603050405020304" pitchFamily="18" charset="0"/>
+                <a:cs typeface="Times New Roman" panose="02020603050405020304" pitchFamily="18" charset="0"/>
+              </a:rPr>
+              <a:t> </a:t>
+            </a:r>
+            <a:r>
+              <a:rPr lang="ru-RU" sz="3200" dirty="0" smtClean="0">
+                <a:latin typeface="Times New Roman" panose="02020603050405020304" pitchFamily="18" charset="0"/>
+                <a:cs typeface="Times New Roman" panose="02020603050405020304" pitchFamily="18" charset="0"/>
+              </a:rPr>
+              <a:t>,где </a:t>
+            </a:r>
+          </a:p>
+          <a:p>
+            <a:r>
+              <a:rPr lang="ru-RU" sz="3200" dirty="0">
+                <a:latin typeface="Times New Roman" panose="02020603050405020304" pitchFamily="18" charset="0"/>
+                <a:cs typeface="Times New Roman" panose="02020603050405020304" pitchFamily="18" charset="0"/>
+              </a:rPr>
+              <a:t>	</a:t>
+            </a:r>
+            <a:r>
+              <a:rPr lang="en-US" sz="3200" dirty="0" smtClean="0">
+                <a:latin typeface="Times New Roman" panose="02020603050405020304" pitchFamily="18" charset="0"/>
+                <a:cs typeface="Times New Roman" panose="02020603050405020304" pitchFamily="18" charset="0"/>
+              </a:rPr>
+              <a:t>N – </a:t>
+            </a:r>
+            <a:r>
+              <a:rPr lang="ru-RU" sz="3200" dirty="0" smtClean="0">
+                <a:latin typeface="Times New Roman" panose="02020603050405020304" pitchFamily="18" charset="0"/>
+                <a:cs typeface="Times New Roman" panose="02020603050405020304" pitchFamily="18" charset="0"/>
+              </a:rPr>
+              <a:t>размер задачи, </a:t>
+            </a:r>
+          </a:p>
+          <a:p>
+            <a:r>
+              <a:rPr lang="ru-RU" sz="3200" dirty="0">
+                <a:latin typeface="Times New Roman" panose="02020603050405020304" pitchFamily="18" charset="0"/>
+                <a:cs typeface="Times New Roman" panose="02020603050405020304" pitchFamily="18" charset="0"/>
+              </a:rPr>
+              <a:t>	</a:t>
+            </a:r>
+            <a:r>
+              <a:rPr lang="en-US" sz="3200" dirty="0" err="1" smtClean="0">
+                <a:latin typeface="Times New Roman" panose="02020603050405020304" pitchFamily="18" charset="0"/>
+                <a:cs typeface="Times New Roman" panose="02020603050405020304" pitchFamily="18" charset="0"/>
+              </a:rPr>
+              <a:t>Ncpu</a:t>
+            </a:r>
+            <a:r>
+              <a:rPr lang="en-US" sz="3200" dirty="0" smtClean="0">
+                <a:latin typeface="Times New Roman" panose="02020603050405020304" pitchFamily="18" charset="0"/>
+                <a:cs typeface="Times New Roman" panose="02020603050405020304" pitchFamily="18" charset="0"/>
+              </a:rPr>
+              <a:t> – </a:t>
+            </a:r>
+            <a:r>
+              <a:rPr lang="ru-RU" sz="3200" dirty="0" smtClean="0">
+                <a:latin typeface="Times New Roman" panose="02020603050405020304" pitchFamily="18" charset="0"/>
+                <a:cs typeface="Times New Roman" panose="02020603050405020304" pitchFamily="18" charset="0"/>
+              </a:rPr>
+              <a:t>доступный параллелизм,</a:t>
+            </a:r>
+          </a:p>
+          <a:p>
+            <a:r>
+              <a:rPr lang="ru-RU" sz="3200" dirty="0">
+                <a:latin typeface="Times New Roman" panose="02020603050405020304" pitchFamily="18" charset="0"/>
+                <a:cs typeface="Times New Roman" panose="02020603050405020304" pitchFamily="18" charset="0"/>
+              </a:rPr>
+              <a:t>	</a:t>
+            </a:r>
+            <a:r>
+              <a:rPr lang="en-US" sz="3200" dirty="0" smtClean="0">
+                <a:latin typeface="Times New Roman" panose="02020603050405020304" pitchFamily="18" charset="0"/>
+                <a:cs typeface="Times New Roman" panose="02020603050405020304" pitchFamily="18" charset="0"/>
+              </a:rPr>
+              <a:t>LF – load factor (</a:t>
+            </a:r>
+            <a:r>
+              <a:rPr lang="ru-RU" sz="3200" dirty="0" smtClean="0">
+                <a:latin typeface="Times New Roman" panose="02020603050405020304" pitchFamily="18" charset="0"/>
+                <a:cs typeface="Times New Roman" panose="02020603050405020304" pitchFamily="18" charset="0"/>
+              </a:rPr>
+              <a:t>коэффициент нагрузки, примерно </a:t>
+            </a:r>
+            <a:r>
+              <a:rPr lang="en-US" sz="3200" dirty="0" smtClean="0">
+                <a:latin typeface="Times New Roman" panose="02020603050405020304" pitchFamily="18" charset="0"/>
+                <a:cs typeface="Times New Roman" panose="02020603050405020304" pitchFamily="18" charset="0"/>
+              </a:rPr>
+              <a:t>	</a:t>
+            </a:r>
+            <a:r>
+              <a:rPr lang="ru-RU" sz="3200" dirty="0" smtClean="0">
+                <a:latin typeface="Times New Roman" panose="02020603050405020304" pitchFamily="18" charset="0"/>
+                <a:cs typeface="Times New Roman" panose="02020603050405020304" pitchFamily="18" charset="0"/>
+              </a:rPr>
+              <a:t>соответствует количеству задач на поток</a:t>
+            </a:r>
+            <a:r>
+              <a:rPr lang="en-US" sz="3200" dirty="0" smtClean="0">
+                <a:latin typeface="Times New Roman" panose="02020603050405020304" pitchFamily="18" charset="0"/>
+                <a:cs typeface="Times New Roman" panose="02020603050405020304" pitchFamily="18" charset="0"/>
+              </a:rPr>
+              <a:t>)</a:t>
+            </a:r>
+            <a:r>
+              <a:rPr lang="ru-RU" sz="3200" dirty="0" smtClean="0">
+                <a:latin typeface="Times New Roman" panose="02020603050405020304" pitchFamily="18" charset="0"/>
+                <a:cs typeface="Times New Roman" panose="02020603050405020304" pitchFamily="18" charset="0"/>
+              </a:rPr>
+              <a:t>.</a:t>
+            </a:r>
+          </a:p>
+          <a:p>
+            <a:r>
+              <a:rPr lang="en-US" sz="3200" dirty="0" smtClean="0">
+                <a:latin typeface="Times New Roman" panose="02020603050405020304" pitchFamily="18" charset="0"/>
+                <a:cs typeface="Times New Roman" panose="02020603050405020304" pitchFamily="18" charset="0"/>
+              </a:rPr>
+              <a:t>Load Factor </a:t>
+            </a:r>
+            <a:r>
+              <a:rPr lang="ru-RU" sz="3200" dirty="0" smtClean="0">
+                <a:latin typeface="Times New Roman" panose="02020603050405020304" pitchFamily="18" charset="0"/>
+                <a:cs typeface="Times New Roman" panose="02020603050405020304" pitchFamily="18" charset="0"/>
+              </a:rPr>
+              <a:t>менее влияет на скорость, он отвязан от размеров задачи и количества процессоров, труднее ошибиться с выбором, обычно принимают от 10 до 100.</a:t>
+            </a:r>
+          </a:p>
+        </p:txBody>
+      </p:sp>
+    </p:spTree>
+    <p:extLst>
+      <p:ext uri="{BB962C8B-B14F-4D97-AF65-F5344CB8AC3E}">
+        <p14:creationId xmlns:p14="http://schemas.microsoft.com/office/powerpoint/2010/main" val="1862764294"/>
+      </p:ext>
+    </p:extLst>
+  </p:cSld>
+  <p:clrMapOvr>
+    <a:masterClrMapping/>
+  </p:clrMapOvr>
+  <p:timing>
+    <p:tnLst>
+      <p:par>
+        <p:cTn id="1" dur="indefinite" restart="never" nodeType="tmRoot"/>
+      </p:par>
+    </p:tnLst>
+  </p:timing>
+</p:sld>
+</file>
+
+<file path=ppt/slides/slide13.xml><?xml version="1.0" encoding="utf-8"?>
+<p:sld xmlns:a="http://schemas.openxmlformats.org/drawingml/2006/main" xmlns:r="http://schemas.openxmlformats.org/officeDocument/2006/relationships" xmlns:p="http://schemas.openxmlformats.org/presentationml/2006/main">
+  <p:cSld>
+    <p:spTree>
+      <p:nvGrpSpPr>
+        <p:cNvPr id="1" name=""/>
+        <p:cNvGrpSpPr/>
+        <p:nvPr/>
+      </p:nvGrpSpPr>
+      <p:grpSpPr>
+        <a:xfrm>
+          <a:off x="0" y="0"/>
+          <a:ext cx="0" cy="0"/>
+          <a:chOff x="0" y="0"/>
+          <a:chExt cx="0" cy="0"/>
+        </a:xfrm>
+      </p:grpSpPr>
+      <p:sp>
+        <p:nvSpPr>
+          <p:cNvPr id="5" name="TextBox 4"/>
+          <p:cNvSpPr txBox="1"/>
+          <p:nvPr/>
+        </p:nvSpPr>
+        <p:spPr>
+          <a:xfrm>
+            <a:off x="1" y="6273225"/>
+            <a:ext cx="12191999" cy="584775"/>
+          </a:xfrm>
+          <a:prstGeom prst="rect">
+            <a:avLst/>
+          </a:prstGeom>
+        </p:spPr>
+        <p:style>
+          <a:lnRef idx="1">
+            <a:schemeClr val="accent2"/>
+          </a:lnRef>
+          <a:fillRef idx="2">
+            <a:schemeClr val="accent2"/>
+          </a:fillRef>
+          <a:effectRef idx="1">
+            <a:schemeClr val="accent2"/>
+          </a:effectRef>
+          <a:fontRef idx="minor">
+            <a:schemeClr val="dk1"/>
+          </a:fontRef>
+        </p:style>
+        <p:txBody>
+          <a:bodyPr wrap="square" rtlCol="0">
+            <a:spAutoFit/>
+          </a:bodyPr>
+          <a:lstStyle/>
+          <a:p>
+            <a:pPr algn="ctr"/>
+            <a:endParaRPr lang="ru-RU" sz="3200" dirty="0">
+              <a:solidFill>
+                <a:schemeClr val="bg1"/>
+              </a:solidFill>
+              <a:latin typeface="Times New Roman" panose="02020603050405020304" pitchFamily="18" charset="0"/>
+              <a:cs typeface="Times New Roman" panose="02020603050405020304" pitchFamily="18" charset="0"/>
+            </a:endParaRPr>
+          </a:p>
+        </p:txBody>
+      </p:sp>
+      <p:sp>
+        <p:nvSpPr>
+          <p:cNvPr id="8" name="TextBox 7"/>
+          <p:cNvSpPr txBox="1"/>
+          <p:nvPr/>
+        </p:nvSpPr>
+        <p:spPr>
+          <a:xfrm>
+            <a:off x="0" y="-575"/>
+            <a:ext cx="12191999" cy="584775"/>
+          </a:xfrm>
+          <a:prstGeom prst="rect">
+            <a:avLst/>
+          </a:prstGeom>
+        </p:spPr>
+        <p:style>
+          <a:lnRef idx="1">
+            <a:schemeClr val="accent2"/>
+          </a:lnRef>
+          <a:fillRef idx="2">
+            <a:schemeClr val="accent2"/>
+          </a:fillRef>
+          <a:effectRef idx="1">
+            <a:schemeClr val="accent2"/>
+          </a:effectRef>
+          <a:fontRef idx="minor">
+            <a:schemeClr val="dk1"/>
+          </a:fontRef>
+        </p:style>
+        <p:txBody>
+          <a:bodyPr wrap="square" rtlCol="0">
+            <a:spAutoFit/>
+          </a:bodyPr>
+          <a:lstStyle/>
+          <a:p>
+            <a:pPr algn="ctr"/>
+            <a:r>
+              <a:rPr lang="ru-RU" sz="3200" b="1" dirty="0" smtClean="0">
+                <a:solidFill>
+                  <a:srgbClr val="002060"/>
+                </a:solidFill>
+                <a:latin typeface="Times New Roman" panose="02020603050405020304" pitchFamily="18" charset="0"/>
+                <a:cs typeface="Times New Roman" panose="02020603050405020304" pitchFamily="18" charset="0"/>
+              </a:rPr>
+              <a:t>Заключение</a:t>
+            </a:r>
+            <a:endParaRPr lang="ru-RU" sz="3200" b="1" dirty="0">
+              <a:solidFill>
+                <a:srgbClr val="002060"/>
+              </a:solidFill>
+              <a:latin typeface="Times New Roman" panose="02020603050405020304" pitchFamily="18" charset="0"/>
+              <a:cs typeface="Times New Roman" panose="02020603050405020304" pitchFamily="18" charset="0"/>
+            </a:endParaRPr>
+          </a:p>
+        </p:txBody>
+      </p:sp>
+      <p:sp>
+        <p:nvSpPr>
+          <p:cNvPr id="7" name="TextBox 6"/>
+          <p:cNvSpPr txBox="1"/>
+          <p:nvPr/>
+        </p:nvSpPr>
+        <p:spPr>
+          <a:xfrm>
+            <a:off x="334962" y="584200"/>
+            <a:ext cx="11522075" cy="5016758"/>
+          </a:xfrm>
+          <a:prstGeom prst="rect">
+            <a:avLst/>
+          </a:prstGeom>
+          <a:noFill/>
+        </p:spPr>
+        <p:txBody>
+          <a:bodyPr wrap="square" rtlCol="0">
+            <a:spAutoFit/>
+          </a:bodyPr>
+          <a:lstStyle/>
+          <a:p>
+            <a:r>
+              <a:rPr lang="ru-RU" sz="3200" dirty="0" smtClean="0">
+                <a:latin typeface="Times New Roman" panose="02020603050405020304" pitchFamily="18" charset="0"/>
+                <a:cs typeface="Times New Roman" panose="02020603050405020304" pitchFamily="18" charset="0"/>
+              </a:rPr>
+              <a:t>Использование структуры </a:t>
+            </a:r>
+            <a:r>
+              <a:rPr lang="en-US" sz="3200" dirty="0" smtClean="0">
+                <a:latin typeface="Times New Roman" panose="02020603050405020304" pitchFamily="18" charset="0"/>
+                <a:cs typeface="Times New Roman" panose="02020603050405020304" pitchFamily="18" charset="0"/>
+              </a:rPr>
+              <a:t>fork/join </a:t>
+            </a:r>
+            <a:r>
+              <a:rPr lang="ru-RU" sz="3200" dirty="0" smtClean="0">
+                <a:latin typeface="Times New Roman" panose="02020603050405020304" pitchFamily="18" charset="0"/>
+                <a:cs typeface="Times New Roman" panose="02020603050405020304" pitchFamily="18" charset="0"/>
+              </a:rPr>
+              <a:t>может ускорить обработку больших задач, но для достижения этого результата необходимо следовать некоторым рекомендациям:</a:t>
+            </a:r>
+          </a:p>
+          <a:p>
+            <a:pPr marL="342900" indent="-342900">
+              <a:buFontTx/>
+              <a:buChar char="-"/>
+            </a:pPr>
+            <a:r>
+              <a:rPr lang="ru-RU" sz="3200" dirty="0">
+                <a:latin typeface="Times New Roman" panose="02020603050405020304" pitchFamily="18" charset="0"/>
+                <a:cs typeface="Times New Roman" panose="02020603050405020304" pitchFamily="18" charset="0"/>
+              </a:rPr>
+              <a:t>и</a:t>
+            </a:r>
+            <a:r>
+              <a:rPr lang="ru-RU" sz="3200" dirty="0" smtClean="0">
+                <a:latin typeface="Times New Roman" panose="02020603050405020304" pitchFamily="18" charset="0"/>
+                <a:cs typeface="Times New Roman" panose="02020603050405020304" pitchFamily="18" charset="0"/>
+              </a:rPr>
+              <a:t>спользовать как можно меньше пулов потоков (лучше один пул потоков на приложение или систему)</a:t>
+            </a:r>
+          </a:p>
+          <a:p>
+            <a:pPr marL="342900" indent="-342900">
+              <a:buFontTx/>
+              <a:buChar char="-"/>
+            </a:pPr>
+            <a:r>
+              <a:rPr lang="ru-RU" sz="3200" dirty="0">
+                <a:latin typeface="Times New Roman" panose="02020603050405020304" pitchFamily="18" charset="0"/>
+                <a:cs typeface="Times New Roman" panose="02020603050405020304" pitchFamily="18" charset="0"/>
+              </a:rPr>
+              <a:t>и</a:t>
+            </a:r>
+            <a:r>
+              <a:rPr lang="ru-RU" sz="3200" dirty="0" smtClean="0">
+                <a:latin typeface="Times New Roman" panose="02020603050405020304" pitchFamily="18" charset="0"/>
+                <a:cs typeface="Times New Roman" panose="02020603050405020304" pitchFamily="18" charset="0"/>
+              </a:rPr>
+              <a:t>спользовать общий пул потоков, если не требуется особая настройка</a:t>
+            </a:r>
+          </a:p>
+          <a:p>
+            <a:pPr marL="342900" indent="-342900">
+              <a:buFontTx/>
+              <a:buChar char="-"/>
+            </a:pPr>
+            <a:r>
+              <a:rPr lang="ru-RU" sz="3200" dirty="0" smtClean="0">
+                <a:latin typeface="Times New Roman" panose="02020603050405020304" pitchFamily="18" charset="0"/>
+                <a:cs typeface="Times New Roman" panose="02020603050405020304" pitchFamily="18" charset="0"/>
+              </a:rPr>
+              <a:t>использовать разумный порог для разделения </a:t>
+            </a:r>
+            <a:r>
+              <a:rPr lang="en-US" sz="3200" dirty="0" err="1" smtClean="0">
+                <a:latin typeface="Times New Roman" panose="02020603050405020304" pitchFamily="18" charset="0"/>
+                <a:cs typeface="Times New Roman" panose="02020603050405020304" pitchFamily="18" charset="0"/>
+              </a:rPr>
+              <a:t>ForkJoinTask</a:t>
+            </a:r>
+            <a:r>
+              <a:rPr lang="en-US" sz="3200" dirty="0" smtClean="0">
+                <a:latin typeface="Times New Roman" panose="02020603050405020304" pitchFamily="18" charset="0"/>
+                <a:cs typeface="Times New Roman" panose="02020603050405020304" pitchFamily="18" charset="0"/>
+              </a:rPr>
+              <a:t> </a:t>
+            </a:r>
+            <a:r>
+              <a:rPr lang="ru-RU" sz="3200" dirty="0" smtClean="0">
+                <a:latin typeface="Times New Roman" panose="02020603050405020304" pitchFamily="18" charset="0"/>
+                <a:cs typeface="Times New Roman" panose="02020603050405020304" pitchFamily="18" charset="0"/>
+              </a:rPr>
+              <a:t>на подзадачи</a:t>
+            </a:r>
+          </a:p>
+          <a:p>
+            <a:pPr marL="342900" indent="-342900">
+              <a:buFontTx/>
+              <a:buChar char="-"/>
+            </a:pPr>
+            <a:r>
+              <a:rPr lang="ru-RU" sz="3200" dirty="0">
+                <a:latin typeface="Times New Roman" panose="02020603050405020304" pitchFamily="18" charset="0"/>
+                <a:cs typeface="Times New Roman" panose="02020603050405020304" pitchFamily="18" charset="0"/>
+              </a:rPr>
+              <a:t>и</a:t>
+            </a:r>
+            <a:r>
+              <a:rPr lang="ru-RU" sz="3200" dirty="0" smtClean="0">
+                <a:latin typeface="Times New Roman" panose="02020603050405020304" pitchFamily="18" charset="0"/>
+                <a:cs typeface="Times New Roman" panose="02020603050405020304" pitchFamily="18" charset="0"/>
+              </a:rPr>
+              <a:t>збегать любых блокировок в ваших </a:t>
+            </a:r>
+            <a:r>
+              <a:rPr lang="en-US" sz="3200" dirty="0" err="1" smtClean="0">
+                <a:latin typeface="Times New Roman" panose="02020603050405020304" pitchFamily="18" charset="0"/>
+                <a:cs typeface="Times New Roman" panose="02020603050405020304" pitchFamily="18" charset="0"/>
+              </a:rPr>
+              <a:t>ForkJoinTask</a:t>
+            </a:r>
+            <a:r>
+              <a:rPr lang="ru-RU" sz="3200" dirty="0" smtClean="0">
+                <a:latin typeface="Times New Roman" panose="02020603050405020304" pitchFamily="18" charset="0"/>
+                <a:cs typeface="Times New Roman" panose="02020603050405020304" pitchFamily="18" charset="0"/>
+              </a:rPr>
+              <a:t>-ах</a:t>
+            </a:r>
+          </a:p>
+        </p:txBody>
+      </p:sp>
+    </p:spTree>
+    <p:extLst>
+      <p:ext uri="{BB962C8B-B14F-4D97-AF65-F5344CB8AC3E}">
+        <p14:creationId xmlns:p14="http://schemas.microsoft.com/office/powerpoint/2010/main" val="709801214"/>
+      </p:ext>
+    </p:extLst>
+  </p:cSld>
+  <p:clrMapOvr>
+    <a:masterClrMapping/>
+  </p:clrMapOvr>
+  <p:timing>
+    <p:tnLst>
+      <p:par>
+        <p:cTn id="1" dur="indefinite" restart="never" nodeType="tmRoot"/>
+      </p:par>
+    </p:tnLst>
+  </p:timing>
+</p:sld>
+</file>
+
+<file path=ppt/slides/slide14.xml><?xml version="1.0" encoding="utf-8"?>
+<p:sld xmlns:a="http://schemas.openxmlformats.org/drawingml/2006/main" xmlns:r="http://schemas.openxmlformats.org/officeDocument/2006/relationships" xmlns:p="http://schemas.openxmlformats.org/presentationml/2006/main">
+  <p:cSld>
+    <p:spTree>
+      <p:nvGrpSpPr>
+        <p:cNvPr id="1" name=""/>
+        <p:cNvGrpSpPr/>
+        <p:nvPr/>
+      </p:nvGrpSpPr>
+      <p:grpSpPr>
+        <a:xfrm>
+          <a:off x="0" y="0"/>
+          <a:ext cx="0" cy="0"/>
+          <a:chOff x="0" y="0"/>
+          <a:chExt cx="0" cy="0"/>
+        </a:xfrm>
+      </p:grpSpPr>
+      <p:sp>
+        <p:nvSpPr>
+          <p:cNvPr id="5" name="TextBox 4"/>
+          <p:cNvSpPr txBox="1"/>
+          <p:nvPr/>
+        </p:nvSpPr>
+        <p:spPr>
+          <a:xfrm>
+            <a:off x="1" y="6273225"/>
+            <a:ext cx="12191999" cy="584775"/>
+          </a:xfrm>
+          <a:prstGeom prst="rect">
+            <a:avLst/>
+          </a:prstGeom>
+        </p:spPr>
+        <p:style>
+          <a:lnRef idx="1">
+            <a:schemeClr val="accent2"/>
+          </a:lnRef>
+          <a:fillRef idx="2">
+            <a:schemeClr val="accent2"/>
+          </a:fillRef>
+          <a:effectRef idx="1">
+            <a:schemeClr val="accent2"/>
+          </a:effectRef>
+          <a:fontRef idx="minor">
+            <a:schemeClr val="dk1"/>
+          </a:fontRef>
+        </p:style>
+        <p:txBody>
+          <a:bodyPr wrap="square" rtlCol="0">
+            <a:spAutoFit/>
+          </a:bodyPr>
+          <a:lstStyle/>
+          <a:p>
+            <a:pPr algn="ctr"/>
+            <a:endParaRPr lang="ru-RU" sz="3200" dirty="0">
+              <a:solidFill>
+                <a:schemeClr val="bg1"/>
+              </a:solidFill>
+              <a:latin typeface="Times New Roman" panose="02020603050405020304" pitchFamily="18" charset="0"/>
+              <a:cs typeface="Times New Roman" panose="02020603050405020304" pitchFamily="18" charset="0"/>
+            </a:endParaRPr>
+          </a:p>
+        </p:txBody>
+      </p:sp>
+      <p:sp>
+        <p:nvSpPr>
+          <p:cNvPr id="8" name="TextBox 7"/>
+          <p:cNvSpPr txBox="1"/>
+          <p:nvPr/>
+        </p:nvSpPr>
+        <p:spPr>
+          <a:xfrm>
+            <a:off x="0" y="-575"/>
+            <a:ext cx="12191999" cy="584775"/>
+          </a:xfrm>
+          <a:prstGeom prst="rect">
+            <a:avLst/>
+          </a:prstGeom>
+        </p:spPr>
+        <p:style>
+          <a:lnRef idx="1">
+            <a:schemeClr val="accent2"/>
+          </a:lnRef>
+          <a:fillRef idx="2">
+            <a:schemeClr val="accent2"/>
+          </a:fillRef>
+          <a:effectRef idx="1">
+            <a:schemeClr val="accent2"/>
+          </a:effectRef>
+          <a:fontRef idx="minor">
+            <a:schemeClr val="dk1"/>
+          </a:fontRef>
+        </p:style>
+        <p:txBody>
+          <a:bodyPr wrap="square" rtlCol="0">
+            <a:spAutoFit/>
+          </a:bodyPr>
+          <a:lstStyle/>
+          <a:p>
+            <a:pPr algn="ctr"/>
+            <a:r>
+              <a:rPr lang="ru-RU" sz="3200" b="1" dirty="0" smtClean="0">
+                <a:solidFill>
+                  <a:srgbClr val="002060"/>
+                </a:solidFill>
+                <a:latin typeface="Times New Roman" panose="02020603050405020304" pitchFamily="18" charset="0"/>
+                <a:cs typeface="Times New Roman" panose="02020603050405020304" pitchFamily="18" charset="0"/>
+              </a:rPr>
               <a:t>Ссылки на используемый материал</a:t>
             </a:r>
             <a:endParaRPr lang="ru-RU" sz="3200" b="1" dirty="0">
@@ -5127,7 +5844,7 @@
 </p:sld>
 </file>
 
-<file path=ppt/slides/slide13.xml><?xml version="1.0" encoding="utf-8"?>
+<file path=ppt/slides/slide15.xml><?xml version="1.0" encoding="utf-8"?>
 <p:sld xmlns:a="http://schemas.openxmlformats.org/drawingml/2006/main" xmlns:r="http://schemas.openxmlformats.org/officeDocument/2006/relationships" xmlns:p="http://schemas.openxmlformats.org/presentationml/2006/main">
   <p:cSld>
     <p:bg>
@@ -5552,7 +6269,14 @@
                 <a:latin typeface="Times New Roman" panose="02020603050405020304" pitchFamily="18" charset="0"/>
                 <a:cs typeface="Times New Roman" panose="02020603050405020304" pitchFamily="18" charset="0"/>
               </a:rPr>
-              <a:t>ork stealing</a:t>
+              <a:t>ork </a:t>
+            </a:r>
+            <a:r>
+              <a:rPr lang="en-US" sz="3200" dirty="0" smtClean="0">
+                <a:latin typeface="Times New Roman" panose="02020603050405020304" pitchFamily="18" charset="0"/>
+                <a:cs typeface="Times New Roman" panose="02020603050405020304" pitchFamily="18" charset="0"/>
+              </a:rPr>
+              <a:t>stealing</a:t>
             </a:r>
           </a:p>
           <a:p>
@@ -5565,15 +6289,19 @@
                 <a:latin typeface="Times New Roman" panose="02020603050405020304" pitchFamily="18" charset="0"/>
                 <a:cs typeface="Times New Roman" panose="02020603050405020304" pitchFamily="18" charset="0"/>
               </a:rPr>
-              <a:t>Методы</a:t>
+              <a:t>Метод </a:t>
             </a:r>
             <a:r>
               <a:rPr lang="en-US" sz="3200" dirty="0" smtClean="0">
                 <a:latin typeface="Times New Roman" panose="02020603050405020304" pitchFamily="18" charset="0"/>
                 <a:cs typeface="Times New Roman" panose="02020603050405020304" pitchFamily="18" charset="0"/>
               </a:rPr>
-              <a:t> fork(), join(), invoke()</a:t>
-            </a:r>
+              <a:t>compute()</a:t>
+            </a:r>
+            <a:endParaRPr lang="en-US" sz="3200" dirty="0" smtClean="0">
+              <a:latin typeface="Times New Roman" panose="02020603050405020304" pitchFamily="18" charset="0"/>
+              <a:cs typeface="Times New Roman" panose="02020603050405020304" pitchFamily="18" charset="0"/>
+            </a:endParaRPr>
           </a:p>
           <a:p>
             <a:pPr marL="457200" indent="-457200">
@@ -5585,6 +6313,58 @@
                 <a:latin typeface="Times New Roman" panose="02020603050405020304" pitchFamily="18" charset="0"/>
                 <a:cs typeface="Times New Roman" panose="02020603050405020304" pitchFamily="18" charset="0"/>
               </a:rPr>
+              <a:t>Основные методы</a:t>
+            </a:r>
+            <a:r>
+              <a:rPr lang="en-US" sz="3200" dirty="0" smtClean="0">
+                <a:latin typeface="Times New Roman" panose="02020603050405020304" pitchFamily="18" charset="0"/>
+                <a:cs typeface="Times New Roman" panose="02020603050405020304" pitchFamily="18" charset="0"/>
+              </a:rPr>
+              <a:t> </a:t>
+            </a:r>
+            <a:r>
+              <a:rPr lang="ru-RU" sz="3200" dirty="0" smtClean="0">
+                <a:latin typeface="Times New Roman" panose="02020603050405020304" pitchFamily="18" charset="0"/>
+                <a:cs typeface="Times New Roman" panose="02020603050405020304" pitchFamily="18" charset="0"/>
+              </a:rPr>
+              <a:t>(</a:t>
+            </a:r>
+            <a:r>
+              <a:rPr lang="en-US" sz="3200" dirty="0" smtClean="0">
+                <a:latin typeface="Times New Roman" panose="02020603050405020304" pitchFamily="18" charset="0"/>
+                <a:cs typeface="Times New Roman" panose="02020603050405020304" pitchFamily="18" charset="0"/>
+              </a:rPr>
+              <a:t>fork</a:t>
+            </a:r>
+            <a:r>
+              <a:rPr lang="en-US" sz="3200" dirty="0" smtClean="0">
+                <a:latin typeface="Times New Roman" panose="02020603050405020304" pitchFamily="18" charset="0"/>
+                <a:cs typeface="Times New Roman" panose="02020603050405020304" pitchFamily="18" charset="0"/>
+              </a:rPr>
+              <a:t>(), join(), </a:t>
+            </a:r>
+            <a:r>
+              <a:rPr lang="ru-RU" sz="3200" dirty="0" smtClean="0">
+                <a:latin typeface="Times New Roman" panose="02020603050405020304" pitchFamily="18" charset="0"/>
+                <a:cs typeface="Times New Roman" panose="02020603050405020304" pitchFamily="18" charset="0"/>
+              </a:rPr>
+              <a:t>…)</a:t>
+            </a:r>
+            <a:endParaRPr lang="en-US" sz="3200" dirty="0" smtClean="0">
+              <a:latin typeface="Times New Roman" panose="02020603050405020304" pitchFamily="18" charset="0"/>
+              <a:cs typeface="Times New Roman" panose="02020603050405020304" pitchFamily="18" charset="0"/>
+            </a:endParaRPr>
+          </a:p>
+          <a:p>
+            <a:pPr marL="457200" indent="-457200">
+              <a:buFontTx/>
+              <a:buChar char="-"/>
+            </a:pPr>
+            <a:r>
+              <a:rPr lang="ru-RU" sz="3200" dirty="0" smtClean="0">
+                <a:latin typeface="Times New Roman" panose="02020603050405020304" pitchFamily="18" charset="0"/>
+                <a:cs typeface="Times New Roman" panose="02020603050405020304" pitchFamily="18" charset="0"/>
+              </a:rPr>
               <a:t>Выбор </a:t>
             </a:r>
             <a:r>
@@ -5609,21 +6389,12 @@
                 <a:latin typeface="Times New Roman" panose="02020603050405020304" pitchFamily="18" charset="0"/>
                 <a:cs typeface="Times New Roman" panose="02020603050405020304" pitchFamily="18" charset="0"/>
               </a:rPr>
-              <a:t>Примеры кода</a:t>
-            </a:r>
-          </a:p>
-          <a:p>
-            <a:pPr marL="457200" indent="-457200">
-              <a:buFontTx/>
-              <a:buChar char="-"/>
-            </a:pPr>
-            <a:r>
-              <a:rPr lang="ru-RU" sz="3200" dirty="0" smtClean="0">
-                <a:latin typeface="Times New Roman" panose="02020603050405020304" pitchFamily="18" charset="0"/>
-                <a:cs typeface="Times New Roman" panose="02020603050405020304" pitchFamily="18" charset="0"/>
-              </a:rPr>
               <a:t>Заключение</a:t>
             </a:r>
+            <a:endParaRPr lang="ru-RU" sz="3200" dirty="0" smtClean="0">
+              <a:latin typeface="Times New Roman" panose="02020603050405020304" pitchFamily="18" charset="0"/>
+              <a:cs typeface="Times New Roman" panose="02020603050405020304" pitchFamily="18" charset="0"/>
+            </a:endParaRPr>
           </a:p>
         </p:txBody>
       </p:sp>
@@ -5666,96 +6437,368 @@
       </p:grpSpPr>
       <p:sp>
         <p:nvSpPr>
-          <p:cNvPr id="16387" name="Rectangle 3"/>
-          <p:cNvSpPr>
-            <a:spLocks noGrp="1" noChangeArrowheads="1"/>
-          </p:cNvSpPr>
-          <p:nvPr>
-            <p:ph idx="1"/>
-          </p:nvPr>
+          <p:cNvPr id="5" name="TextBox 4"/>
+          <p:cNvSpPr txBox="1"/>
+          <p:nvPr/>
         </p:nvSpPr>
         <p:spPr>
           <a:xfrm>
-            <a:off x="1981200" y="584200"/>
-            <a:ext cx="8229600" cy="6273800"/>
+            <a:off x="1" y="6273225"/>
+            <a:ext cx="12191999" cy="584775"/>
           </a:xfrm>
+          <a:prstGeom prst="rect">
+            <a:avLst/>
+          </a:prstGeom>
         </p:spPr>
-        <p:txBody>
-          <a:bodyPr/>
+        <p:style>
+          <a:lnRef idx="1">
+            <a:schemeClr val="accent2"/>
+          </a:lnRef>
+          <a:fillRef idx="2">
+            <a:schemeClr val="accent2"/>
+          </a:fillRef>
+          <a:effectRef idx="1">
+            <a:schemeClr val="accent2"/>
+          </a:effectRef>
+          <a:fontRef idx="minor">
+            <a:schemeClr val="dk1"/>
+          </a:fontRef>
+        </p:style>
+        <p:txBody>
+          <a:bodyPr wrap="square" rtlCol="0">
+            <a:spAutoFit/>
+          </a:bodyPr>
           <a:lstStyle/>
           <a:p>
-            <a:pPr eaLnBrk="1" hangingPunct="1"/>
-            <a:r>
-              <a:rPr lang="en-US" altLang="ru-RU" dirty="0" smtClean="0"/>
-              <a:t>Fork-join </a:t>
-            </a:r>
-            <a:r>
-              <a:rPr lang="ru-RU" altLang="ru-RU" dirty="0" smtClean="0"/>
-              <a:t>параллелизм</a:t>
-            </a:r>
-          </a:p>
-          <a:p>
-            <a:pPr eaLnBrk="1" hangingPunct="1"/>
-            <a:endParaRPr lang="ru-RU" altLang="ru-RU" dirty="0" smtClean="0"/>
-          </a:p>
-          <a:p>
-            <a:pPr eaLnBrk="1" hangingPunct="1"/>
-            <a:endParaRPr lang="ru-RU" altLang="ru-RU" dirty="0" smtClean="0"/>
-          </a:p>
-          <a:p>
-            <a:pPr eaLnBrk="1" hangingPunct="1"/>
-            <a:endParaRPr lang="ru-RU" altLang="ru-RU" dirty="0" smtClean="0"/>
-          </a:p>
-          <a:p>
-            <a:pPr eaLnBrk="1" hangingPunct="1"/>
-            <a:endParaRPr lang="en-US" altLang="ru-RU" dirty="0" smtClean="0"/>
-          </a:p>
-          <a:p>
-            <a:pPr eaLnBrk="1" hangingPunct="1"/>
-            <a:endParaRPr lang="ru-RU" altLang="ru-RU" dirty="0" smtClean="0"/>
-          </a:p>
-          <a:p>
-            <a:pPr eaLnBrk="1" hangingPunct="1"/>
-            <a:endParaRPr lang="ru-RU" altLang="ru-RU" dirty="0"/>
-          </a:p>
-          <a:p>
-            <a:pPr eaLnBrk="1" hangingPunct="1"/>
-            <a:endParaRPr lang="ru-RU" altLang="ru-RU" dirty="0" smtClean="0"/>
-          </a:p>
-          <a:p>
-            <a:pPr eaLnBrk="1" hangingPunct="1"/>
-            <a:endParaRPr lang="ru-RU" altLang="ru-RU" dirty="0"/>
-          </a:p>
-          <a:p>
-            <a:pPr eaLnBrk="1" hangingPunct="1"/>
-            <a:endParaRPr lang="en-US" altLang="ru-RU" dirty="0" smtClean="0"/>
-          </a:p>
-          <a:p>
-            <a:pPr eaLnBrk="1" hangingPunct="1"/>
-            <a:r>
-              <a:rPr lang="ru-RU" altLang="ru-RU" sz="2600" dirty="0"/>
-              <a:t>Явное указание параллельных секций</a:t>
-            </a:r>
-          </a:p>
-          <a:p>
-            <a:pPr eaLnBrk="1" hangingPunct="1"/>
-            <a:r>
-              <a:rPr lang="ru-RU" altLang="ru-RU" sz="2600" dirty="0"/>
-              <a:t>Поддержка вложенного параллелизма</a:t>
-            </a:r>
-          </a:p>
-          <a:p>
-            <a:pPr eaLnBrk="1" hangingPunct="1"/>
-            <a:r>
-              <a:rPr lang="ru-RU" altLang="ru-RU" sz="2600" dirty="0"/>
-              <a:t>Поддержка динамических потоков</a:t>
-            </a:r>
+            <a:pPr algn="ctr"/>
+            <a:endParaRPr lang="ru-RU" sz="3200" dirty="0">
+              <a:solidFill>
+                <a:schemeClr val="bg1"/>
+              </a:solidFill>
+              <a:latin typeface="Times New Roman" panose="02020603050405020304" pitchFamily="18" charset="0"/>
+              <a:cs typeface="Times New Roman" panose="02020603050405020304" pitchFamily="18" charset="0"/>
+            </a:endParaRPr>
+          </a:p>
+        </p:txBody>
+      </p:sp>
+      <p:sp>
+        <p:nvSpPr>
+          <p:cNvPr id="8" name="TextBox 7"/>
+          <p:cNvSpPr txBox="1"/>
+          <p:nvPr/>
+        </p:nvSpPr>
+        <p:spPr>
+          <a:xfrm>
+            <a:off x="0" y="-575"/>
+            <a:ext cx="12191999" cy="584775"/>
+          </a:xfrm>
+          <a:prstGeom prst="rect">
+            <a:avLst/>
+          </a:prstGeom>
+        </p:spPr>
+        <p:style>
+          <a:lnRef idx="1">
+            <a:schemeClr val="accent2"/>
+          </a:lnRef>
+          <a:fillRef idx="2">
+            <a:schemeClr val="accent2"/>
+          </a:fillRef>
+          <a:effectRef idx="1">
+            <a:schemeClr val="accent2"/>
+          </a:effectRef>
+          <a:fontRef idx="minor">
+            <a:schemeClr val="dk1"/>
+          </a:fontRef>
+        </p:style>
+        <p:txBody>
+          <a:bodyPr wrap="square" rtlCol="0">
+            <a:spAutoFit/>
+          </a:bodyPr>
+          <a:lstStyle/>
+          <a:p>
+            <a:pPr algn="ctr"/>
+            <a:r>
+              <a:rPr lang="ru-RU" sz="3200" b="1" dirty="0" smtClean="0">
+                <a:solidFill>
+                  <a:srgbClr val="002060"/>
+                </a:solidFill>
+                <a:latin typeface="Times New Roman" panose="02020603050405020304" pitchFamily="18" charset="0"/>
+                <a:cs typeface="Times New Roman" panose="02020603050405020304" pitchFamily="18" charset="0"/>
+              </a:rPr>
+              <a:t>Введение в </a:t>
+            </a:r>
+            <a:r>
+              <a:rPr lang="en-US" sz="3200" b="1" dirty="0" smtClean="0">
+                <a:solidFill>
+                  <a:srgbClr val="002060"/>
+                </a:solidFill>
+                <a:latin typeface="Times New Roman" panose="02020603050405020304" pitchFamily="18" charset="0"/>
+                <a:cs typeface="Times New Roman" panose="02020603050405020304" pitchFamily="18" charset="0"/>
+              </a:rPr>
+              <a:t>fork/join</a:t>
+            </a:r>
+            <a:endParaRPr lang="ru-RU" sz="3200" b="1" dirty="0">
+              <a:solidFill>
+                <a:srgbClr val="002060"/>
+              </a:solidFill>
+              <a:latin typeface="Times New Roman" panose="02020603050405020304" pitchFamily="18" charset="0"/>
+              <a:cs typeface="Times New Roman" panose="02020603050405020304" pitchFamily="18" charset="0"/>
+            </a:endParaRPr>
+          </a:p>
+        </p:txBody>
+      </p:sp>
+      <p:sp>
+        <p:nvSpPr>
+          <p:cNvPr id="7" name="TextBox 6"/>
+          <p:cNvSpPr txBox="1"/>
+          <p:nvPr/>
+        </p:nvSpPr>
+        <p:spPr>
+          <a:xfrm>
+            <a:off x="334962" y="584200"/>
+            <a:ext cx="11522075" cy="3477875"/>
+          </a:xfrm>
+          <a:prstGeom prst="rect">
+            <a:avLst/>
+          </a:prstGeom>
+          <a:noFill/>
+        </p:spPr>
+        <p:txBody>
+          <a:bodyPr wrap="square" rtlCol="0">
+            <a:spAutoFit/>
+          </a:bodyPr>
+          <a:lstStyle/>
+          <a:p>
+            <a:r>
+              <a:rPr lang="en-US" sz="2000" dirty="0" smtClean="0">
+                <a:latin typeface="Times New Roman" panose="02020603050405020304" pitchFamily="18" charset="0"/>
+                <a:cs typeface="Times New Roman" panose="02020603050405020304" pitchFamily="18" charset="0"/>
+              </a:rPr>
+              <a:t>Fork</a:t>
+            </a:r>
+            <a:r>
+              <a:rPr lang="ru-RU" sz="2000" dirty="0" smtClean="0">
+                <a:latin typeface="Times New Roman" panose="02020603050405020304" pitchFamily="18" charset="0"/>
+                <a:cs typeface="Times New Roman" panose="02020603050405020304" pitchFamily="18" charset="0"/>
+              </a:rPr>
+              <a:t> </a:t>
+            </a:r>
+            <a:r>
+              <a:rPr lang="en-US" sz="2000" dirty="0" smtClean="0">
+                <a:latin typeface="Times New Roman" panose="02020603050405020304" pitchFamily="18" charset="0"/>
+                <a:cs typeface="Times New Roman" panose="02020603050405020304" pitchFamily="18" charset="0"/>
+              </a:rPr>
+              <a:t>Join</a:t>
+            </a:r>
+            <a:r>
+              <a:rPr lang="ru-RU" sz="2000" dirty="0" smtClean="0">
+                <a:latin typeface="Times New Roman" panose="02020603050405020304" pitchFamily="18" charset="0"/>
+                <a:cs typeface="Times New Roman" panose="02020603050405020304" pitchFamily="18" charset="0"/>
+              </a:rPr>
+              <a:t> </a:t>
+            </a:r>
+            <a:r>
+              <a:rPr lang="en-US" sz="2000" dirty="0" smtClean="0">
+                <a:latin typeface="Times New Roman" panose="02020603050405020304" pitchFamily="18" charset="0"/>
+                <a:cs typeface="Times New Roman" panose="02020603050405020304" pitchFamily="18" charset="0"/>
+              </a:rPr>
+              <a:t>Framework </a:t>
+            </a:r>
+            <a:r>
+              <a:rPr lang="ru-RU" sz="2000" dirty="0" smtClean="0">
+                <a:latin typeface="Times New Roman" panose="02020603050405020304" pitchFamily="18" charset="0"/>
+                <a:cs typeface="Times New Roman" panose="02020603050405020304" pitchFamily="18" charset="0"/>
+              </a:rPr>
+              <a:t>появился в </a:t>
+            </a:r>
+            <a:r>
+              <a:rPr lang="en-US" sz="2000" dirty="0" smtClean="0">
+                <a:latin typeface="Times New Roman" panose="02020603050405020304" pitchFamily="18" charset="0"/>
+                <a:cs typeface="Times New Roman" panose="02020603050405020304" pitchFamily="18" charset="0"/>
+              </a:rPr>
+              <a:t>Java 1</a:t>
+            </a:r>
+            <a:r>
+              <a:rPr lang="ru-RU" sz="2000" dirty="0" smtClean="0">
+                <a:latin typeface="Times New Roman" panose="02020603050405020304" pitchFamily="18" charset="0"/>
+                <a:cs typeface="Times New Roman" panose="02020603050405020304" pitchFamily="18" charset="0"/>
+              </a:rPr>
+              <a:t>.7.</a:t>
+            </a:r>
+          </a:p>
+          <a:p>
+            <a:r>
+              <a:rPr lang="ru-RU" sz="2000" dirty="0">
+                <a:latin typeface="Times New Roman" panose="02020603050405020304" pitchFamily="18" charset="0"/>
+                <a:cs typeface="Times New Roman" panose="02020603050405020304" pitchFamily="18" charset="0"/>
+              </a:rPr>
+              <a:t>Используя простой </a:t>
+            </a:r>
+            <a:r>
+              <a:rPr lang="en-US" sz="2000" dirty="0" err="1">
+                <a:latin typeface="Times New Roman" panose="02020603050405020304" pitchFamily="18" charset="0"/>
+                <a:cs typeface="Times New Roman" panose="02020603050405020304" pitchFamily="18" charset="0"/>
+              </a:rPr>
+              <a:t>ThreadPoolExecutor</a:t>
+            </a:r>
+            <a:r>
+              <a:rPr lang="ru-RU" sz="2000" dirty="0">
+                <a:latin typeface="Times New Roman" panose="02020603050405020304" pitchFamily="18" charset="0"/>
+                <a:cs typeface="Times New Roman" panose="02020603050405020304" pitchFamily="18" charset="0"/>
+              </a:rPr>
+              <a:t>, можно быстро исчерпать потоки, поскольку для выполнения каждой задачи или подзадачи требуется собственный </a:t>
+            </a:r>
+            <a:r>
+              <a:rPr lang="ru-RU" sz="2000" dirty="0" smtClean="0">
+                <a:latin typeface="Times New Roman" panose="02020603050405020304" pitchFamily="18" charset="0"/>
+                <a:cs typeface="Times New Roman" panose="02020603050405020304" pitchFamily="18" charset="0"/>
+              </a:rPr>
+              <a:t>поток. </a:t>
+            </a:r>
+          </a:p>
+          <a:p>
+            <a:r>
+              <a:rPr lang="ru-RU" sz="2000" dirty="0" smtClean="0">
+                <a:latin typeface="Times New Roman" panose="02020603050405020304" pitchFamily="18" charset="0"/>
+                <a:cs typeface="Times New Roman" panose="02020603050405020304" pitchFamily="18" charset="0"/>
+              </a:rPr>
+              <a:t>В рамках </a:t>
+            </a:r>
+            <a:r>
+              <a:rPr lang="en-US" sz="2000" dirty="0" smtClean="0">
+                <a:latin typeface="Times New Roman" panose="02020603050405020304" pitchFamily="18" charset="0"/>
+                <a:cs typeface="Times New Roman" panose="02020603050405020304" pitchFamily="18" charset="0"/>
+              </a:rPr>
+              <a:t>fork/join </a:t>
+            </a:r>
+            <a:r>
+              <a:rPr lang="ru-RU" sz="2000" dirty="0" smtClean="0">
+                <a:latin typeface="Times New Roman" panose="02020603050405020304" pitchFamily="18" charset="0"/>
+                <a:cs typeface="Times New Roman" panose="02020603050405020304" pitchFamily="18" charset="0"/>
+              </a:rPr>
+              <a:t>любая задача может порождать </a:t>
+            </a:r>
+            <a:r>
+              <a:rPr lang="en-US" sz="2000" dirty="0" smtClean="0">
+                <a:latin typeface="Times New Roman" panose="02020603050405020304" pitchFamily="18" charset="0"/>
+                <a:cs typeface="Times New Roman" panose="02020603050405020304" pitchFamily="18" charset="0"/>
+              </a:rPr>
+              <a:t>(fork) </a:t>
+            </a:r>
+            <a:r>
+              <a:rPr lang="ru-RU" sz="2000" dirty="0" smtClean="0">
+                <a:latin typeface="Times New Roman" panose="02020603050405020304" pitchFamily="18" charset="0"/>
+                <a:cs typeface="Times New Roman" panose="02020603050405020304" pitchFamily="18" charset="0"/>
+              </a:rPr>
+              <a:t>несколько подзадач, рекурсивно разбивая задачу на более мелкие независимые подзадачи, пока они не станут достаточно простыми для асинхронного выполнения, и ожидать их завершения, используя метод </a:t>
+            </a:r>
+            <a:r>
+              <a:rPr lang="en-US" sz="2000" dirty="0" smtClean="0">
+                <a:latin typeface="Times New Roman" panose="02020603050405020304" pitchFamily="18" charset="0"/>
+                <a:cs typeface="Times New Roman" panose="02020603050405020304" pitchFamily="18" charset="0"/>
+              </a:rPr>
+              <a:t>join</a:t>
+            </a:r>
+            <a:r>
+              <a:rPr lang="ru-RU" sz="2000" dirty="0" smtClean="0">
+                <a:latin typeface="Times New Roman" panose="02020603050405020304" pitchFamily="18" charset="0"/>
+                <a:cs typeface="Times New Roman" panose="02020603050405020304" pitchFamily="18" charset="0"/>
+              </a:rPr>
+              <a:t>.</a:t>
+            </a:r>
+          </a:p>
+          <a:p>
+            <a:r>
+              <a:rPr lang="ru-RU" sz="2000" dirty="0" smtClean="0">
+                <a:latin typeface="Times New Roman" panose="02020603050405020304" pitchFamily="18" charset="0"/>
+                <a:cs typeface="Times New Roman" panose="02020603050405020304" pitchFamily="18" charset="0"/>
+              </a:rPr>
+              <a:t>Для обеспечения эффективного параллельного выполнения, данная инфраструктура использует пул потоков, называемый </a:t>
+            </a:r>
+            <a:r>
+              <a:rPr lang="en-US" sz="2000" dirty="0" err="1" smtClean="0">
+                <a:latin typeface="Times New Roman" panose="02020603050405020304" pitchFamily="18" charset="0"/>
+                <a:cs typeface="Times New Roman" panose="02020603050405020304" pitchFamily="18" charset="0"/>
+              </a:rPr>
+              <a:t>ForkJoinPool</a:t>
+            </a:r>
+            <a:r>
+              <a:rPr lang="ru-RU" sz="2000" dirty="0" smtClean="0">
+                <a:latin typeface="Times New Roman" panose="02020603050405020304" pitchFamily="18" charset="0"/>
+                <a:cs typeface="Times New Roman" panose="02020603050405020304" pitchFamily="18" charset="0"/>
+              </a:rPr>
+              <a:t>, который управляет потоками типа </a:t>
+            </a:r>
+            <a:r>
+              <a:rPr lang="en-US" sz="2000" dirty="0" err="1" smtClean="0">
+                <a:latin typeface="Times New Roman" panose="02020603050405020304" pitchFamily="18" charset="0"/>
+                <a:cs typeface="Times New Roman" panose="02020603050405020304" pitchFamily="18" charset="0"/>
+              </a:rPr>
+              <a:t>ForkJoinWorkerThread</a:t>
+            </a:r>
+            <a:r>
+              <a:rPr lang="ru-RU" sz="2000" dirty="0">
+                <a:latin typeface="Times New Roman" panose="02020603050405020304" pitchFamily="18" charset="0"/>
+                <a:cs typeface="Times New Roman" panose="02020603050405020304" pitchFamily="18" charset="0"/>
+              </a:rPr>
+              <a:t>.</a:t>
+            </a:r>
+            <a:r>
+              <a:rPr lang="ru-RU" sz="2000" dirty="0" smtClean="0">
+                <a:latin typeface="Times New Roman" panose="02020603050405020304" pitchFamily="18" charset="0"/>
+                <a:cs typeface="Times New Roman" panose="02020603050405020304" pitchFamily="18" charset="0"/>
+              </a:rPr>
+              <a:t> </a:t>
+            </a:r>
+          </a:p>
+          <a:p>
+            <a:r>
+              <a:rPr lang="ru-RU" sz="2000" dirty="0" smtClean="0">
+                <a:latin typeface="Times New Roman" panose="02020603050405020304" pitchFamily="18" charset="0"/>
+                <a:cs typeface="Times New Roman" panose="02020603050405020304" pitchFamily="18" charset="0"/>
+              </a:rPr>
+              <a:t>Преимущество </a:t>
+            </a:r>
+            <a:r>
+              <a:rPr lang="en-US" sz="2000" dirty="0" smtClean="0">
+                <a:latin typeface="Times New Roman" panose="02020603050405020304" pitchFamily="18" charset="0"/>
+                <a:cs typeface="Times New Roman" panose="02020603050405020304" pitchFamily="18" charset="0"/>
+              </a:rPr>
+              <a:t>fork/join </a:t>
+            </a:r>
+            <a:r>
+              <a:rPr lang="ru-RU" sz="2000" dirty="0" smtClean="0">
+                <a:latin typeface="Times New Roman" panose="02020603050405020304" pitchFamily="18" charset="0"/>
+                <a:cs typeface="Times New Roman" panose="02020603050405020304" pitchFamily="18" charset="0"/>
+              </a:rPr>
+              <a:t>состоит в том, что он не создаёт новый поток для каждой задачи или подзадачи, вместо этого реализуя алгоритм </a:t>
+            </a:r>
+            <a:r>
+              <a:rPr lang="en-US" sz="2000" dirty="0" smtClean="0">
+                <a:latin typeface="Times New Roman" panose="02020603050405020304" pitchFamily="18" charset="0"/>
+                <a:cs typeface="Times New Roman" panose="02020603050405020304" pitchFamily="18" charset="0"/>
+              </a:rPr>
+              <a:t>work stealing</a:t>
+            </a:r>
+            <a:r>
+              <a:rPr lang="ru-RU" sz="2000" dirty="0" smtClean="0">
+                <a:latin typeface="Times New Roman" panose="02020603050405020304" pitchFamily="18" charset="0"/>
+                <a:cs typeface="Times New Roman" panose="02020603050405020304" pitchFamily="18" charset="0"/>
+              </a:rPr>
+              <a:t>.</a:t>
+            </a:r>
+          </a:p>
+          <a:p>
+            <a:endParaRPr lang="ru-RU" sz="2000" dirty="0" smtClean="0">
+              <a:latin typeface="Times New Roman" panose="02020603050405020304" pitchFamily="18" charset="0"/>
+              <a:cs typeface="Times New Roman" panose="02020603050405020304" pitchFamily="18" charset="0"/>
+            </a:endParaRPr>
           </a:p>
         </p:txBody>
       </p:sp>
       <p:pic>
         <p:nvPicPr>
-          <p:cNvPr id="16388" name="Picture 5" descr="fork_join"/>
+          <p:cNvPr id="6" name="Picture 5" descr="fork_join"/>
           <p:cNvPicPr>
             <a:picLocks noChangeAspect="1" noChangeArrowheads="1"/>
           </p:cNvPicPr>
@@ -5776,8 +6819,8 @@
         </p:blipFill>
         <p:spPr bwMode="auto">
           <a:xfrm>
-            <a:off x="2149225" y="1380038"/>
-            <a:ext cx="8189912" cy="2771775"/>
+            <a:off x="2064543" y="3705343"/>
+            <a:ext cx="7587457" cy="2567882"/>
           </a:xfrm>
           <a:prstGeom prst="rect">
             <a:avLst/>
@@ -5810,7 +6853,7 @@
     </p:spTree>
     <p:extLst>
       <p:ext uri="{BB962C8B-B14F-4D97-AF65-F5344CB8AC3E}">
-        <p14:creationId xmlns:p14="http://schemas.microsoft.com/office/powerpoint/2010/main" val="1128584120"/>
+        <p14:creationId xmlns:p14="http://schemas.microsoft.com/office/powerpoint/2010/main" val="2482080637"/>
       </p:ext>
     </p:extLst>
   </p:cSld>
@@ -5830,412 +6873,6 @@
 <file path=ppt/slides/slide4.xml><?xml version="1.0" encoding="utf-8"?>
 <p:sld xmlns:a="http://schemas.openxmlformats.org/drawingml/2006/main" xmlns:r="http://schemas.openxmlformats.org/officeDocument/2006/relationships" xmlns:p="http://schemas.openxmlformats.org/presentationml/2006/main">
   <p:cSld>
-    <p:spTree>
-      <p:nvGrpSpPr>
-        <p:cNvPr id="1" name=""/>
-        <p:cNvGrpSpPr/>
-        <p:nvPr/>
-      </p:nvGrpSpPr>
-      <p:grpSpPr>
-        <a:xfrm>
-          <a:off x="0" y="0"/>
-          <a:ext cx="0" cy="0"/>
-          <a:chOff x="0" y="0"/>
-          <a:chExt cx="0" cy="0"/>
-        </a:xfrm>
-      </p:grpSpPr>
-      <p:sp>
-        <p:nvSpPr>
-          <p:cNvPr id="5" name="TextBox 4"/>
-          <p:cNvSpPr txBox="1"/>
-          <p:nvPr/>
-        </p:nvSpPr>
-        <p:spPr>
-          <a:xfrm>
-            <a:off x="1" y="6273225"/>
-            <a:ext cx="12191999" cy="584775"/>
-          </a:xfrm>
-          <a:prstGeom prst="rect">
-            <a:avLst/>
-          </a:prstGeom>
-        </p:spPr>
-        <p:style>
-          <a:lnRef idx="1">
-            <a:schemeClr val="accent2"/>
-          </a:lnRef>
-          <a:fillRef idx="2">
-            <a:schemeClr val="accent2"/>
-          </a:fillRef>
-          <a:effectRef idx="1">
-            <a:schemeClr val="accent2"/>
-          </a:effectRef>
-          <a:fontRef idx="minor">
-            <a:schemeClr val="dk1"/>
-          </a:fontRef>
-        </p:style>
-        <p:txBody>
-          <a:bodyPr wrap="square" rtlCol="0">
-            <a:spAutoFit/>
-          </a:bodyPr>
-          <a:lstStyle/>
-          <a:p>
-            <a:pPr algn="ctr"/>
-            <a:endParaRPr lang="ru-RU" sz="3200" dirty="0">
-              <a:solidFill>
-                <a:schemeClr val="bg1"/>
-              </a:solidFill>
-              <a:latin typeface="Times New Roman" panose="02020603050405020304" pitchFamily="18" charset="0"/>
-              <a:cs typeface="Times New Roman" panose="02020603050405020304" pitchFamily="18" charset="0"/>
-            </a:endParaRPr>
-          </a:p>
-        </p:txBody>
-      </p:sp>
-      <p:sp>
-        <p:nvSpPr>
-          <p:cNvPr id="8" name="TextBox 7"/>
-          <p:cNvSpPr txBox="1"/>
-          <p:nvPr/>
-        </p:nvSpPr>
-        <p:spPr>
-          <a:xfrm>
-            <a:off x="0" y="-575"/>
-            <a:ext cx="12191999" cy="584775"/>
-          </a:xfrm>
-          <a:prstGeom prst="rect">
-            <a:avLst/>
-          </a:prstGeom>
-        </p:spPr>
-        <p:style>
-          <a:lnRef idx="1">
-            <a:schemeClr val="accent2"/>
-          </a:lnRef>
-          <a:fillRef idx="2">
-            <a:schemeClr val="accent2"/>
-          </a:fillRef>
-          <a:effectRef idx="1">
-            <a:schemeClr val="accent2"/>
-          </a:effectRef>
-          <a:fontRef idx="minor">
-            <a:schemeClr val="dk1"/>
-          </a:fontRef>
-        </p:style>
-        <p:txBody>
-          <a:bodyPr wrap="square" rtlCol="0">
-            <a:spAutoFit/>
-          </a:bodyPr>
-          <a:lstStyle/>
-          <a:p>
-            <a:pPr algn="ctr"/>
-            <a:r>
-              <a:rPr lang="ru-RU" sz="3200" b="1" dirty="0" smtClean="0">
-                <a:solidFill>
-                  <a:srgbClr val="002060"/>
-                </a:solidFill>
-                <a:latin typeface="Times New Roman" panose="02020603050405020304" pitchFamily="18" charset="0"/>
-                <a:cs typeface="Times New Roman" panose="02020603050405020304" pitchFamily="18" charset="0"/>
-              </a:rPr>
-              <a:t>Введение в </a:t>
-            </a:r>
-            <a:r>
-              <a:rPr lang="en-US" sz="3200" b="1" dirty="0" smtClean="0">
-                <a:solidFill>
-                  <a:srgbClr val="002060"/>
-                </a:solidFill>
-                <a:latin typeface="Times New Roman" panose="02020603050405020304" pitchFamily="18" charset="0"/>
-                <a:cs typeface="Times New Roman" panose="02020603050405020304" pitchFamily="18" charset="0"/>
-              </a:rPr>
-              <a:t>fork/join</a:t>
-            </a:r>
-            <a:endParaRPr lang="ru-RU" sz="3200" b="1" dirty="0">
-              <a:solidFill>
-                <a:srgbClr val="002060"/>
-              </a:solidFill>
-              <a:latin typeface="Times New Roman" panose="02020603050405020304" pitchFamily="18" charset="0"/>
-              <a:cs typeface="Times New Roman" panose="02020603050405020304" pitchFamily="18" charset="0"/>
-            </a:endParaRPr>
-          </a:p>
-        </p:txBody>
-      </p:sp>
-      <p:sp>
-        <p:nvSpPr>
-          <p:cNvPr id="7" name="TextBox 6"/>
-          <p:cNvSpPr txBox="1"/>
-          <p:nvPr/>
-        </p:nvSpPr>
-        <p:spPr>
-          <a:xfrm>
-            <a:off x="334962" y="584200"/>
-            <a:ext cx="11522075" cy="3477875"/>
-          </a:xfrm>
-          <a:prstGeom prst="rect">
-            <a:avLst/>
-          </a:prstGeom>
-          <a:noFill/>
-        </p:spPr>
-        <p:txBody>
-          <a:bodyPr wrap="square" rtlCol="0">
-            <a:spAutoFit/>
-          </a:bodyPr>
-          <a:lstStyle/>
-          <a:p>
-            <a:r>
-              <a:rPr lang="en-US" sz="2000" dirty="0" smtClean="0">
-                <a:latin typeface="Times New Roman" panose="02020603050405020304" pitchFamily="18" charset="0"/>
-                <a:cs typeface="Times New Roman" panose="02020603050405020304" pitchFamily="18" charset="0"/>
-              </a:rPr>
-              <a:t>Fork</a:t>
-            </a:r>
-            <a:r>
-              <a:rPr lang="ru-RU" sz="2000" dirty="0" smtClean="0">
-                <a:latin typeface="Times New Roman" panose="02020603050405020304" pitchFamily="18" charset="0"/>
-                <a:cs typeface="Times New Roman" panose="02020603050405020304" pitchFamily="18" charset="0"/>
-              </a:rPr>
-              <a:t> </a:t>
-            </a:r>
-            <a:r>
-              <a:rPr lang="en-US" sz="2000" dirty="0" smtClean="0">
-                <a:latin typeface="Times New Roman" panose="02020603050405020304" pitchFamily="18" charset="0"/>
-                <a:cs typeface="Times New Roman" panose="02020603050405020304" pitchFamily="18" charset="0"/>
-              </a:rPr>
-              <a:t>Join</a:t>
-            </a:r>
-            <a:r>
-              <a:rPr lang="ru-RU" sz="2000" dirty="0" smtClean="0">
-                <a:latin typeface="Times New Roman" panose="02020603050405020304" pitchFamily="18" charset="0"/>
-                <a:cs typeface="Times New Roman" panose="02020603050405020304" pitchFamily="18" charset="0"/>
-              </a:rPr>
-              <a:t> </a:t>
-            </a:r>
-            <a:r>
-              <a:rPr lang="en-US" sz="2000" dirty="0" smtClean="0">
-                <a:latin typeface="Times New Roman" panose="02020603050405020304" pitchFamily="18" charset="0"/>
-                <a:cs typeface="Times New Roman" panose="02020603050405020304" pitchFamily="18" charset="0"/>
-              </a:rPr>
-              <a:t>Framework </a:t>
-            </a:r>
-            <a:r>
-              <a:rPr lang="ru-RU" sz="2000" dirty="0" smtClean="0">
-                <a:latin typeface="Times New Roman" panose="02020603050405020304" pitchFamily="18" charset="0"/>
-                <a:cs typeface="Times New Roman" panose="02020603050405020304" pitchFamily="18" charset="0"/>
-              </a:rPr>
-              <a:t>появился в </a:t>
-            </a:r>
-            <a:r>
-              <a:rPr lang="en-US" sz="2000" dirty="0" smtClean="0">
-                <a:latin typeface="Times New Roman" panose="02020603050405020304" pitchFamily="18" charset="0"/>
-                <a:cs typeface="Times New Roman" panose="02020603050405020304" pitchFamily="18" charset="0"/>
-              </a:rPr>
-              <a:t>Java 1</a:t>
-            </a:r>
-            <a:r>
-              <a:rPr lang="ru-RU" sz="2000" dirty="0" smtClean="0">
-                <a:latin typeface="Times New Roman" panose="02020603050405020304" pitchFamily="18" charset="0"/>
-                <a:cs typeface="Times New Roman" panose="02020603050405020304" pitchFamily="18" charset="0"/>
-              </a:rPr>
-              <a:t>.7.</a:t>
-            </a:r>
-          </a:p>
-          <a:p>
-            <a:r>
-              <a:rPr lang="ru-RU" sz="2000" dirty="0">
-                <a:latin typeface="Times New Roman" panose="02020603050405020304" pitchFamily="18" charset="0"/>
-                <a:cs typeface="Times New Roman" panose="02020603050405020304" pitchFamily="18" charset="0"/>
-              </a:rPr>
-              <a:t>Используя простой </a:t>
-            </a:r>
-            <a:r>
-              <a:rPr lang="en-US" sz="2000" dirty="0" err="1">
-                <a:latin typeface="Times New Roman" panose="02020603050405020304" pitchFamily="18" charset="0"/>
-                <a:cs typeface="Times New Roman" panose="02020603050405020304" pitchFamily="18" charset="0"/>
-              </a:rPr>
-              <a:t>ThreadPoolExecutor</a:t>
-            </a:r>
-            <a:r>
-              <a:rPr lang="ru-RU" sz="2000" dirty="0">
-                <a:latin typeface="Times New Roman" panose="02020603050405020304" pitchFamily="18" charset="0"/>
-                <a:cs typeface="Times New Roman" panose="02020603050405020304" pitchFamily="18" charset="0"/>
-              </a:rPr>
-              <a:t>, можно быстро исчерпать потоки, поскольку для выполнения каждой задачи или подзадачи требуется собственный </a:t>
-            </a:r>
-            <a:r>
-              <a:rPr lang="ru-RU" sz="2000" dirty="0" smtClean="0">
-                <a:latin typeface="Times New Roman" panose="02020603050405020304" pitchFamily="18" charset="0"/>
-                <a:cs typeface="Times New Roman" panose="02020603050405020304" pitchFamily="18" charset="0"/>
-              </a:rPr>
-              <a:t>поток. </a:t>
-            </a:r>
-          </a:p>
-          <a:p>
-            <a:r>
-              <a:rPr lang="ru-RU" sz="2000" dirty="0" smtClean="0">
-                <a:latin typeface="Times New Roman" panose="02020603050405020304" pitchFamily="18" charset="0"/>
-                <a:cs typeface="Times New Roman" panose="02020603050405020304" pitchFamily="18" charset="0"/>
-              </a:rPr>
-              <a:t>В рамках </a:t>
-            </a:r>
-            <a:r>
-              <a:rPr lang="en-US" sz="2000" dirty="0" smtClean="0">
-                <a:latin typeface="Times New Roman" panose="02020603050405020304" pitchFamily="18" charset="0"/>
-                <a:cs typeface="Times New Roman" panose="02020603050405020304" pitchFamily="18" charset="0"/>
-              </a:rPr>
-              <a:t>fork/join </a:t>
-            </a:r>
-            <a:r>
-              <a:rPr lang="ru-RU" sz="2000" dirty="0" smtClean="0">
-                <a:latin typeface="Times New Roman" panose="02020603050405020304" pitchFamily="18" charset="0"/>
-                <a:cs typeface="Times New Roman" panose="02020603050405020304" pitchFamily="18" charset="0"/>
-              </a:rPr>
-              <a:t>любая задача может порождать </a:t>
-            </a:r>
-            <a:r>
-              <a:rPr lang="en-US" sz="2000" dirty="0" smtClean="0">
-                <a:latin typeface="Times New Roman" panose="02020603050405020304" pitchFamily="18" charset="0"/>
-                <a:cs typeface="Times New Roman" panose="02020603050405020304" pitchFamily="18" charset="0"/>
-              </a:rPr>
-              <a:t>(fork) </a:t>
-            </a:r>
-            <a:r>
-              <a:rPr lang="ru-RU" sz="2000" dirty="0" smtClean="0">
-                <a:latin typeface="Times New Roman" panose="02020603050405020304" pitchFamily="18" charset="0"/>
-                <a:cs typeface="Times New Roman" panose="02020603050405020304" pitchFamily="18" charset="0"/>
-              </a:rPr>
-              <a:t>несколько подзадач, рекурсивно разбивая задачу на более мелкие независимые подзадачи, пока они не станут достаточно простыми для асинхронного выполнения, и ожидать их завершения, используя метод </a:t>
-            </a:r>
-            <a:r>
-              <a:rPr lang="en-US" sz="2000" dirty="0" smtClean="0">
-                <a:latin typeface="Times New Roman" panose="02020603050405020304" pitchFamily="18" charset="0"/>
-                <a:cs typeface="Times New Roman" panose="02020603050405020304" pitchFamily="18" charset="0"/>
-              </a:rPr>
-              <a:t>join</a:t>
-            </a:r>
-            <a:r>
-              <a:rPr lang="ru-RU" sz="2000" dirty="0" smtClean="0">
-                <a:latin typeface="Times New Roman" panose="02020603050405020304" pitchFamily="18" charset="0"/>
-                <a:cs typeface="Times New Roman" panose="02020603050405020304" pitchFamily="18" charset="0"/>
-              </a:rPr>
-              <a:t>.</a:t>
-            </a:r>
-          </a:p>
-          <a:p>
-            <a:r>
-              <a:rPr lang="ru-RU" sz="2000" dirty="0" smtClean="0">
-                <a:latin typeface="Times New Roman" panose="02020603050405020304" pitchFamily="18" charset="0"/>
-                <a:cs typeface="Times New Roman" panose="02020603050405020304" pitchFamily="18" charset="0"/>
-              </a:rPr>
-              <a:t>Для обеспечения эффективного параллельного выполнения, данная инфраструктура использует пул потоков, называемый </a:t>
-            </a:r>
-            <a:r>
-              <a:rPr lang="en-US" sz="2000" dirty="0" err="1" smtClean="0">
-                <a:latin typeface="Times New Roman" panose="02020603050405020304" pitchFamily="18" charset="0"/>
-                <a:cs typeface="Times New Roman" panose="02020603050405020304" pitchFamily="18" charset="0"/>
-              </a:rPr>
-              <a:t>ForkJoinPool</a:t>
-            </a:r>
-            <a:r>
-              <a:rPr lang="ru-RU" sz="2000" dirty="0" smtClean="0">
-                <a:latin typeface="Times New Roman" panose="02020603050405020304" pitchFamily="18" charset="0"/>
-                <a:cs typeface="Times New Roman" panose="02020603050405020304" pitchFamily="18" charset="0"/>
-              </a:rPr>
-              <a:t>, который управляет потоками типа </a:t>
-            </a:r>
-            <a:r>
-              <a:rPr lang="en-US" sz="2000" dirty="0" err="1" smtClean="0">
-                <a:latin typeface="Times New Roman" panose="02020603050405020304" pitchFamily="18" charset="0"/>
-                <a:cs typeface="Times New Roman" panose="02020603050405020304" pitchFamily="18" charset="0"/>
-              </a:rPr>
-              <a:t>ForkJoinWorkerThread</a:t>
-            </a:r>
-            <a:r>
-              <a:rPr lang="ru-RU" sz="2000" dirty="0">
-                <a:latin typeface="Times New Roman" panose="02020603050405020304" pitchFamily="18" charset="0"/>
-                <a:cs typeface="Times New Roman" panose="02020603050405020304" pitchFamily="18" charset="0"/>
-              </a:rPr>
-              <a:t>.</a:t>
-            </a:r>
-            <a:r>
-              <a:rPr lang="ru-RU" sz="2000" dirty="0" smtClean="0">
-                <a:latin typeface="Times New Roman" panose="02020603050405020304" pitchFamily="18" charset="0"/>
-                <a:cs typeface="Times New Roman" panose="02020603050405020304" pitchFamily="18" charset="0"/>
-              </a:rPr>
-              <a:t> </a:t>
-            </a:r>
-          </a:p>
-          <a:p>
-            <a:r>
-              <a:rPr lang="ru-RU" sz="2000" dirty="0" smtClean="0">
-                <a:latin typeface="Times New Roman" panose="02020603050405020304" pitchFamily="18" charset="0"/>
-                <a:cs typeface="Times New Roman" panose="02020603050405020304" pitchFamily="18" charset="0"/>
-              </a:rPr>
-              <a:t>Преимущество </a:t>
-            </a:r>
-            <a:r>
-              <a:rPr lang="en-US" sz="2000" dirty="0" smtClean="0">
-                <a:latin typeface="Times New Roman" panose="02020603050405020304" pitchFamily="18" charset="0"/>
-                <a:cs typeface="Times New Roman" panose="02020603050405020304" pitchFamily="18" charset="0"/>
-              </a:rPr>
-              <a:t>fork/join </a:t>
-            </a:r>
-            <a:r>
-              <a:rPr lang="ru-RU" sz="2000" dirty="0" smtClean="0">
-                <a:latin typeface="Times New Roman" panose="02020603050405020304" pitchFamily="18" charset="0"/>
-                <a:cs typeface="Times New Roman" panose="02020603050405020304" pitchFamily="18" charset="0"/>
-              </a:rPr>
-              <a:t>состоит в том, что он не создаёт новый поток для каждой задачи или подзадачи, вместо этого реализуя алгоритм </a:t>
-            </a:r>
-            <a:r>
-              <a:rPr lang="en-US" sz="2000" dirty="0" smtClean="0">
-                <a:latin typeface="Times New Roman" panose="02020603050405020304" pitchFamily="18" charset="0"/>
-                <a:cs typeface="Times New Roman" panose="02020603050405020304" pitchFamily="18" charset="0"/>
-              </a:rPr>
-              <a:t>work stealing</a:t>
-            </a:r>
-            <a:r>
-              <a:rPr lang="ru-RU" sz="2000" dirty="0" smtClean="0">
-                <a:latin typeface="Times New Roman" panose="02020603050405020304" pitchFamily="18" charset="0"/>
-                <a:cs typeface="Times New Roman" panose="02020603050405020304" pitchFamily="18" charset="0"/>
-              </a:rPr>
-              <a:t>.</a:t>
-            </a:r>
-          </a:p>
-          <a:p>
-            <a:endParaRPr lang="ru-RU" sz="2000" dirty="0" smtClean="0">
-              <a:latin typeface="Times New Roman" panose="02020603050405020304" pitchFamily="18" charset="0"/>
-              <a:cs typeface="Times New Roman" panose="02020603050405020304" pitchFamily="18" charset="0"/>
-            </a:endParaRPr>
-          </a:p>
-        </p:txBody>
-      </p:sp>
-    </p:spTree>
-    <p:extLst>
-      <p:ext uri="{BB962C8B-B14F-4D97-AF65-F5344CB8AC3E}">
-        <p14:creationId xmlns:p14="http://schemas.microsoft.com/office/powerpoint/2010/main" val="2482080637"/>
-      </p:ext>
-    </p:extLst>
-  </p:cSld>
-  <p:clrMapOvr>
-    <a:masterClrMapping/>
-  </p:clrMapOvr>
-  <p:timing>
-    <p:tnLst>
-      <p:par>
-        <p:cTn id="1" dur="indefinite" restart="never" nodeType="tmRoot"/>
-      </p:par>
-    </p:tnLst>
-  </p:timing>
-</p:sld>
-</file>
-
-<file path=ppt/slides/slide5.xml><?xml version="1.0" encoding="utf-8"?>
-<p:sld xmlns:a="http://schemas.openxmlformats.org/drawingml/2006/main" xmlns:r="http://schemas.openxmlformats.org/officeDocument/2006/relationships" xmlns:p="http://schemas.openxmlformats.org/presentationml/2006/main">
-  <p:cSld>
-    <p:bg>
-      <p:bgPr>
-        <a:solidFill>
-          <a:schemeClr val="bg1"/>
-        </a:solidFill>
-        <a:effectLst/>
-      </p:bgPr>
-    </p:bg>
     <p:spTree>
       <p:nvGrpSpPr>
         <p:cNvPr id="1" name=""/>
@@ -6432,7 +7069,7 @@
 </p:sld>
 </file>
 
-<file path=ppt/slides/slide6.xml><?xml version="1.0" encoding="utf-8"?>
+<file path=ppt/slides/slide5.xml><?xml version="1.0" encoding="utf-8"?>
 <p:sld xmlns:a="http://schemas.openxmlformats.org/drawingml/2006/main" xmlns:r="http://schemas.openxmlformats.org/officeDocument/2006/relationships" xmlns:p="http://schemas.openxmlformats.org/presentationml/2006/main">
   <p:cSld>
     <p:spTree>
@@ -6767,6 +7404,443 @@
     <p:extLst>
       <p:ext uri="{BB962C8B-B14F-4D97-AF65-F5344CB8AC3E}">
         <p14:creationId xmlns:p14="http://schemas.microsoft.com/office/powerpoint/2010/main" val="193941059"/>
+      </p:ext>
+    </p:extLst>
+  </p:cSld>
+  <p:clrMapOvr>
+    <a:masterClrMapping/>
+  </p:clrMapOvr>
+  <p:timing>
+    <p:tnLst>
+      <p:par>
+        <p:cTn id="1" dur="indefinite" restart="never" nodeType="tmRoot"/>
+      </p:par>
+    </p:tnLst>
+  </p:timing>
+</p:sld>
+</file>
+
+<file path=ppt/slides/slide6.xml><?xml version="1.0" encoding="utf-8"?>
+<p:sld xmlns:a="http://schemas.openxmlformats.org/drawingml/2006/main" xmlns:r="http://schemas.openxmlformats.org/officeDocument/2006/relationships" xmlns:p="http://schemas.openxmlformats.org/presentationml/2006/main">
+  <p:cSld>
+    <p:spTree>
+      <p:nvGrpSpPr>
+        <p:cNvPr id="1" name=""/>
+        <p:cNvGrpSpPr/>
+        <p:nvPr/>
+      </p:nvGrpSpPr>
+      <p:grpSpPr>
+        <a:xfrm>
+          <a:off x="0" y="0"/>
+          <a:ext cx="0" cy="0"/>
+          <a:chOff x="0" y="0"/>
+          <a:chExt cx="0" cy="0"/>
+        </a:xfrm>
+      </p:grpSpPr>
+      <p:sp>
+        <p:nvSpPr>
+          <p:cNvPr id="5" name="TextBox 4"/>
+          <p:cNvSpPr txBox="1"/>
+          <p:nvPr/>
+        </p:nvSpPr>
+        <p:spPr>
+          <a:xfrm>
+            <a:off x="1" y="6273225"/>
+            <a:ext cx="12191999" cy="584775"/>
+          </a:xfrm>
+          <a:prstGeom prst="rect">
+            <a:avLst/>
+          </a:prstGeom>
+        </p:spPr>
+        <p:style>
+          <a:lnRef idx="1">
+            <a:schemeClr val="accent2"/>
+          </a:lnRef>
+          <a:fillRef idx="2">
+            <a:schemeClr val="accent2"/>
+          </a:fillRef>
+          <a:effectRef idx="1">
+            <a:schemeClr val="accent2"/>
+          </a:effectRef>
+          <a:fontRef idx="minor">
+            <a:schemeClr val="dk1"/>
+          </a:fontRef>
+        </p:style>
+        <p:txBody>
+          <a:bodyPr wrap="square" rtlCol="0">
+            <a:spAutoFit/>
+          </a:bodyPr>
+          <a:lstStyle/>
+          <a:p>
+            <a:pPr algn="ctr"/>
+            <a:endParaRPr lang="ru-RU" sz="3200" dirty="0">
+              <a:solidFill>
+                <a:schemeClr val="bg1"/>
+              </a:solidFill>
+              <a:latin typeface="Times New Roman" panose="02020603050405020304" pitchFamily="18" charset="0"/>
+              <a:cs typeface="Times New Roman" panose="02020603050405020304" pitchFamily="18" charset="0"/>
+            </a:endParaRPr>
+          </a:p>
+        </p:txBody>
+      </p:sp>
+      <p:sp>
+        <p:nvSpPr>
+          <p:cNvPr id="8" name="TextBox 7"/>
+          <p:cNvSpPr txBox="1"/>
+          <p:nvPr/>
+        </p:nvSpPr>
+        <p:spPr>
+          <a:xfrm>
+            <a:off x="0" y="-575"/>
+            <a:ext cx="12191999" cy="584775"/>
+          </a:xfrm>
+          <a:prstGeom prst="rect">
+            <a:avLst/>
+          </a:prstGeom>
+        </p:spPr>
+        <p:style>
+          <a:lnRef idx="1">
+            <a:schemeClr val="accent2"/>
+          </a:lnRef>
+          <a:fillRef idx="2">
+            <a:schemeClr val="accent2"/>
+          </a:fillRef>
+          <a:effectRef idx="1">
+            <a:schemeClr val="accent2"/>
+          </a:effectRef>
+          <a:fontRef idx="minor">
+            <a:schemeClr val="dk1"/>
+          </a:fontRef>
+        </p:style>
+        <p:txBody>
+          <a:bodyPr wrap="square" rtlCol="0">
+            <a:spAutoFit/>
+          </a:bodyPr>
+          <a:lstStyle/>
+          <a:p>
+            <a:pPr algn="ctr"/>
+            <a:r>
+              <a:rPr lang="en-US" sz="3200" b="1" dirty="0" err="1" smtClean="0">
+                <a:solidFill>
+                  <a:srgbClr val="002060"/>
+                </a:solidFill>
+                <a:latin typeface="Times New Roman" panose="02020603050405020304" pitchFamily="18" charset="0"/>
+                <a:cs typeface="Times New Roman" panose="02020603050405020304" pitchFamily="18" charset="0"/>
+              </a:rPr>
+              <a:t>ForkJoinPool</a:t>
+            </a:r>
+            <a:endParaRPr lang="ru-RU" sz="3200" b="1" dirty="0">
+              <a:solidFill>
+                <a:srgbClr val="002060"/>
+              </a:solidFill>
+              <a:latin typeface="Times New Roman" panose="02020603050405020304" pitchFamily="18" charset="0"/>
+              <a:cs typeface="Times New Roman" panose="02020603050405020304" pitchFamily="18" charset="0"/>
+            </a:endParaRPr>
+          </a:p>
+        </p:txBody>
+      </p:sp>
+      <p:sp>
+        <p:nvSpPr>
+          <p:cNvPr id="7" name="TextBox 6"/>
+          <p:cNvSpPr txBox="1"/>
+          <p:nvPr/>
+        </p:nvSpPr>
+        <p:spPr>
+          <a:xfrm>
+            <a:off x="334962" y="584200"/>
+            <a:ext cx="11522075" cy="3539430"/>
+          </a:xfrm>
+          <a:prstGeom prst="rect">
+            <a:avLst/>
+          </a:prstGeom>
+          <a:noFill/>
+        </p:spPr>
+        <p:txBody>
+          <a:bodyPr wrap="square" rtlCol="0">
+            <a:spAutoFit/>
+          </a:bodyPr>
+          <a:lstStyle/>
+          <a:p>
+            <a:pPr marL="342900" indent="-342900">
+              <a:buFontTx/>
+              <a:buChar char="-"/>
+            </a:pPr>
+            <a:r>
+              <a:rPr lang="ru-RU" sz="3200" dirty="0" smtClean="0">
+                <a:latin typeface="Times New Roman" panose="02020603050405020304" pitchFamily="18" charset="0"/>
+                <a:cs typeface="Times New Roman" panose="02020603050405020304" pitchFamily="18" charset="0"/>
+              </a:rPr>
+              <a:t>Конструктор без параметров</a:t>
+            </a:r>
+            <a:r>
+              <a:rPr lang="en-US" sz="3200" dirty="0">
+                <a:latin typeface="Times New Roman" panose="02020603050405020304" pitchFamily="18" charset="0"/>
+                <a:cs typeface="Times New Roman" panose="02020603050405020304" pitchFamily="18" charset="0"/>
+              </a:rPr>
+              <a:t> </a:t>
+            </a:r>
+            <a:r>
+              <a:rPr lang="ru-RU" sz="3200" dirty="0" smtClean="0">
+                <a:latin typeface="Times New Roman" panose="02020603050405020304" pitchFamily="18" charset="0"/>
+                <a:cs typeface="Times New Roman" panose="02020603050405020304" pitchFamily="18" charset="0"/>
+              </a:rPr>
+              <a:t>создаёт пул с параллелизмом соответствующим </a:t>
+            </a:r>
+            <a:r>
+              <a:rPr lang="en-US" sz="3200" dirty="0" smtClean="0">
+                <a:latin typeface="Times New Roman" panose="02020603050405020304" pitchFamily="18" charset="0"/>
+                <a:cs typeface="Times New Roman" panose="02020603050405020304" pitchFamily="18" charset="0"/>
+              </a:rPr>
+              <a:t>Runtime</a:t>
+            </a:r>
+            <a:endParaRPr lang="ru-RU" sz="3200" dirty="0" smtClean="0">
+              <a:latin typeface="Times New Roman" panose="02020603050405020304" pitchFamily="18" charset="0"/>
+              <a:cs typeface="Times New Roman" panose="02020603050405020304" pitchFamily="18" charset="0"/>
+            </a:endParaRPr>
+          </a:p>
+          <a:p>
+            <a:r>
+              <a:rPr lang="ru-RU" sz="3200" dirty="0">
+                <a:latin typeface="Times New Roman" panose="02020603050405020304" pitchFamily="18" charset="0"/>
+                <a:cs typeface="Times New Roman" panose="02020603050405020304" pitchFamily="18" charset="0"/>
+              </a:rPr>
+              <a:t> </a:t>
+            </a:r>
+            <a:r>
+              <a:rPr lang="ru-RU" sz="3200" dirty="0" smtClean="0">
+                <a:latin typeface="Times New Roman" panose="02020603050405020304" pitchFamily="18" charset="0"/>
+                <a:cs typeface="Times New Roman" panose="02020603050405020304" pitchFamily="18" charset="0"/>
+              </a:rPr>
+              <a:t>   </a:t>
+            </a:r>
+            <a:r>
+              <a:rPr lang="en-US" sz="3200" dirty="0" smtClean="0">
+                <a:solidFill>
+                  <a:srgbClr val="C00000"/>
+                </a:solidFill>
+                <a:latin typeface="Times New Roman" panose="02020603050405020304" pitchFamily="18" charset="0"/>
+                <a:cs typeface="Times New Roman" panose="02020603050405020304" pitchFamily="18" charset="0"/>
+              </a:rPr>
+              <a:t>public</a:t>
+            </a:r>
+            <a:r>
+              <a:rPr lang="en-US" sz="3200" dirty="0" smtClean="0">
+                <a:latin typeface="Times New Roman" panose="02020603050405020304" pitchFamily="18" charset="0"/>
+                <a:cs typeface="Times New Roman" panose="02020603050405020304" pitchFamily="18" charset="0"/>
+              </a:rPr>
+              <a:t> </a:t>
+            </a:r>
+            <a:r>
+              <a:rPr lang="en-US" sz="3200" dirty="0" err="1" smtClean="0">
+                <a:latin typeface="Times New Roman" panose="02020603050405020304" pitchFamily="18" charset="0"/>
+                <a:cs typeface="Times New Roman" panose="02020603050405020304" pitchFamily="18" charset="0"/>
+              </a:rPr>
+              <a:t>ForkJoinPool</a:t>
+            </a:r>
+            <a:r>
+              <a:rPr lang="en-US" sz="3200" dirty="0" smtClean="0">
+                <a:latin typeface="Times New Roman" panose="02020603050405020304" pitchFamily="18" charset="0"/>
+                <a:cs typeface="Times New Roman" panose="02020603050405020304" pitchFamily="18" charset="0"/>
+              </a:rPr>
+              <a:t>() {…}</a:t>
+            </a:r>
+          </a:p>
+          <a:p>
+            <a:pPr marL="457200" indent="-457200">
+              <a:buFontTx/>
+              <a:buChar char="-"/>
+            </a:pPr>
+            <a:r>
+              <a:rPr lang="ru-RU" sz="3200" dirty="0" smtClean="0">
+                <a:latin typeface="Times New Roman" panose="02020603050405020304" pitchFamily="18" charset="0"/>
+                <a:cs typeface="Times New Roman" panose="02020603050405020304" pitchFamily="18" charset="0"/>
+              </a:rPr>
+              <a:t>Конструктор, который на вход принимает значение заданного уровня параллелизма</a:t>
+            </a:r>
+          </a:p>
+          <a:p>
+            <a:r>
+              <a:rPr lang="ru-RU" sz="3200" dirty="0">
+                <a:latin typeface="Times New Roman" panose="02020603050405020304" pitchFamily="18" charset="0"/>
+                <a:cs typeface="Times New Roman" panose="02020603050405020304" pitchFamily="18" charset="0"/>
+              </a:rPr>
+              <a:t> </a:t>
+            </a:r>
+            <a:r>
+              <a:rPr lang="ru-RU" sz="3200" dirty="0" smtClean="0">
+                <a:latin typeface="Times New Roman" panose="02020603050405020304" pitchFamily="18" charset="0"/>
+                <a:cs typeface="Times New Roman" panose="02020603050405020304" pitchFamily="18" charset="0"/>
+              </a:rPr>
+              <a:t>   </a:t>
+            </a:r>
+            <a:r>
+              <a:rPr lang="en-US" sz="3200" dirty="0">
+                <a:solidFill>
+                  <a:srgbClr val="C00000"/>
+                </a:solidFill>
+                <a:latin typeface="Times New Roman" panose="02020603050405020304" pitchFamily="18" charset="0"/>
+                <a:cs typeface="Times New Roman" panose="02020603050405020304" pitchFamily="18" charset="0"/>
+              </a:rPr>
+              <a:t>public</a:t>
+            </a:r>
+            <a:r>
+              <a:rPr lang="en-US" sz="3200" dirty="0">
+                <a:latin typeface="Times New Roman" panose="02020603050405020304" pitchFamily="18" charset="0"/>
+                <a:cs typeface="Times New Roman" panose="02020603050405020304" pitchFamily="18" charset="0"/>
+              </a:rPr>
+              <a:t> </a:t>
+            </a:r>
+            <a:r>
+              <a:rPr lang="en-US" sz="3200" dirty="0" err="1" smtClean="0">
+                <a:latin typeface="Times New Roman" panose="02020603050405020304" pitchFamily="18" charset="0"/>
+                <a:cs typeface="Times New Roman" panose="02020603050405020304" pitchFamily="18" charset="0"/>
+              </a:rPr>
+              <a:t>ForkJoinPool</a:t>
+            </a:r>
+            <a:r>
+              <a:rPr lang="en-US" sz="3200" dirty="0" smtClean="0">
+                <a:latin typeface="Times New Roman" panose="02020603050405020304" pitchFamily="18" charset="0"/>
+                <a:cs typeface="Times New Roman" panose="02020603050405020304" pitchFamily="18" charset="0"/>
+              </a:rPr>
+              <a:t>(</a:t>
+            </a:r>
+            <a:r>
+              <a:rPr lang="en-US" sz="3200" dirty="0" err="1" smtClean="0">
+                <a:solidFill>
+                  <a:srgbClr val="C00000"/>
+                </a:solidFill>
+                <a:latin typeface="Times New Roman" panose="02020603050405020304" pitchFamily="18" charset="0"/>
+                <a:cs typeface="Times New Roman" panose="02020603050405020304" pitchFamily="18" charset="0"/>
+              </a:rPr>
+              <a:t>int</a:t>
+            </a:r>
+            <a:r>
+              <a:rPr lang="en-US" sz="3200" dirty="0" smtClean="0">
+                <a:latin typeface="Times New Roman" panose="02020603050405020304" pitchFamily="18" charset="0"/>
+                <a:cs typeface="Times New Roman" panose="02020603050405020304" pitchFamily="18" charset="0"/>
+              </a:rPr>
+              <a:t> parallelism) {…}</a:t>
+            </a:r>
+            <a:endParaRPr lang="ru-RU" sz="3200" dirty="0" smtClean="0">
+              <a:latin typeface="Times New Roman" panose="02020603050405020304" pitchFamily="18" charset="0"/>
+              <a:cs typeface="Times New Roman" panose="02020603050405020304" pitchFamily="18" charset="0"/>
+            </a:endParaRPr>
+          </a:p>
+          <a:p>
+            <a:endParaRPr lang="ru-RU" sz="3200" dirty="0" smtClean="0">
+              <a:latin typeface="Times New Roman" panose="02020603050405020304" pitchFamily="18" charset="0"/>
+              <a:cs typeface="Times New Roman" panose="02020603050405020304" pitchFamily="18" charset="0"/>
+            </a:endParaRPr>
+          </a:p>
+        </p:txBody>
+      </p:sp>
+      <p:sp>
+        <p:nvSpPr>
+          <p:cNvPr id="6" name="TextBox 5"/>
+          <p:cNvSpPr txBox="1"/>
+          <p:nvPr/>
+        </p:nvSpPr>
+        <p:spPr>
+          <a:xfrm>
+            <a:off x="334963" y="4123630"/>
+            <a:ext cx="11522075" cy="1569660"/>
+          </a:xfrm>
+          <a:prstGeom prst="rect">
+            <a:avLst/>
+          </a:prstGeom>
+          <a:noFill/>
+        </p:spPr>
+        <p:txBody>
+          <a:bodyPr wrap="square" rtlCol="0">
+            <a:spAutoFit/>
+          </a:bodyPr>
+          <a:lstStyle/>
+          <a:p>
+            <a:pPr marL="342900" indent="-342900">
+              <a:buFontTx/>
+              <a:buChar char="-"/>
+            </a:pPr>
+            <a:r>
+              <a:rPr lang="en-US" sz="3200" dirty="0" err="1" smtClean="0">
+                <a:latin typeface="Times New Roman" panose="02020603050405020304" pitchFamily="18" charset="0"/>
+                <a:cs typeface="Times New Roman" panose="02020603050405020304" pitchFamily="18" charset="0"/>
+              </a:rPr>
+              <a:t>commonPool</a:t>
+            </a:r>
+            <a:r>
+              <a:rPr lang="en-US" sz="3200" dirty="0" smtClean="0">
+                <a:latin typeface="Times New Roman" panose="02020603050405020304" pitchFamily="18" charset="0"/>
+                <a:cs typeface="Times New Roman" panose="02020603050405020304" pitchFamily="18" charset="0"/>
+              </a:rPr>
+              <a:t>() –</a:t>
+            </a:r>
+            <a:r>
+              <a:rPr lang="ru-RU" sz="3200" dirty="0" smtClean="0">
+                <a:latin typeface="Times New Roman" panose="02020603050405020304" pitchFamily="18" charset="0"/>
+                <a:cs typeface="Times New Roman" panose="02020603050405020304" pitchFamily="18" charset="0"/>
+              </a:rPr>
+              <a:t> это статический </a:t>
+            </a:r>
+            <a:r>
+              <a:rPr lang="ru-RU" sz="3200" dirty="0">
+                <a:latin typeface="Times New Roman" panose="02020603050405020304" pitchFamily="18" charset="0"/>
+                <a:cs typeface="Times New Roman" panose="02020603050405020304" pitchFamily="18" charset="0"/>
+              </a:rPr>
+              <a:t>метод </a:t>
+            </a:r>
+            <a:r>
+              <a:rPr lang="en-US" sz="3200" dirty="0" smtClean="0">
+                <a:latin typeface="Times New Roman" panose="02020603050405020304" pitchFamily="18" charset="0"/>
+                <a:cs typeface="Times New Roman" panose="02020603050405020304" pitchFamily="18" charset="0"/>
+              </a:rPr>
+              <a:t> </a:t>
+            </a:r>
+            <a:r>
+              <a:rPr lang="ru-RU" sz="3200" dirty="0">
+                <a:latin typeface="Times New Roman" panose="02020603050405020304" pitchFamily="18" charset="0"/>
+                <a:cs typeface="Times New Roman" panose="02020603050405020304" pitchFamily="18" charset="0"/>
+              </a:rPr>
+              <a:t>класса </a:t>
+            </a:r>
+            <a:r>
+              <a:rPr lang="en-US" sz="3200" dirty="0" err="1" smtClean="0">
+                <a:latin typeface="Times New Roman" panose="02020603050405020304" pitchFamily="18" charset="0"/>
+                <a:cs typeface="Times New Roman" panose="02020603050405020304" pitchFamily="18" charset="0"/>
+              </a:rPr>
+              <a:t>ForkJoinPool</a:t>
+            </a:r>
+            <a:r>
+              <a:rPr lang="ru-RU" sz="3200" dirty="0" smtClean="0">
+                <a:latin typeface="Times New Roman" panose="02020603050405020304" pitchFamily="18" charset="0"/>
+                <a:cs typeface="Times New Roman" panose="02020603050405020304" pitchFamily="18" charset="0"/>
+              </a:rPr>
+              <a:t>, который позволяет получить ссылку на общий пул (согласно</a:t>
+            </a:r>
+            <a:r>
+              <a:rPr lang="en-US" sz="3200" dirty="0" smtClean="0">
+                <a:latin typeface="Times New Roman" panose="02020603050405020304" pitchFamily="18" charset="0"/>
+                <a:cs typeface="Times New Roman" panose="02020603050405020304" pitchFamily="18" charset="0"/>
+              </a:rPr>
+              <a:t> Oracle </a:t>
+            </a:r>
+            <a:r>
+              <a:rPr lang="ru-RU" sz="3200" dirty="0" smtClean="0">
+                <a:latin typeface="Times New Roman" panose="02020603050405020304" pitchFamily="18" charset="0"/>
+                <a:cs typeface="Times New Roman" panose="02020603050405020304" pitchFamily="18" charset="0"/>
+              </a:rPr>
+              <a:t>документации – это снижает потребление ресурсов).</a:t>
+            </a:r>
+            <a:endParaRPr lang="en-US" sz="3200" dirty="0" smtClean="0">
+              <a:latin typeface="Times New Roman" panose="02020603050405020304" pitchFamily="18" charset="0"/>
+              <a:cs typeface="Times New Roman" panose="02020603050405020304" pitchFamily="18" charset="0"/>
+            </a:endParaRPr>
+          </a:p>
+        </p:txBody>
+      </p:sp>
+    </p:spTree>
+    <p:extLst>
+      <p:ext uri="{BB962C8B-B14F-4D97-AF65-F5344CB8AC3E}">
+        <p14:creationId xmlns:p14="http://schemas.microsoft.com/office/powerpoint/2010/main" val="1772829479"/>
       </p:ext>
     </p:extLst>
   </p:cSld>
@@ -6890,443 +7964,6 @@
                 <a:latin typeface="Times New Roman" panose="02020603050405020304" pitchFamily="18" charset="0"/>
                 <a:cs typeface="Times New Roman" panose="02020603050405020304" pitchFamily="18" charset="0"/>
               </a:rPr>
-              <a:t>ForkJoinPool</a:t>
-            </a:r>
-            <a:endParaRPr lang="ru-RU" sz="3200" b="1" dirty="0">
-              <a:solidFill>
-                <a:srgbClr val="002060"/>
-              </a:solidFill>
-              <a:latin typeface="Times New Roman" panose="02020603050405020304" pitchFamily="18" charset="0"/>
-              <a:cs typeface="Times New Roman" panose="02020603050405020304" pitchFamily="18" charset="0"/>
-            </a:endParaRPr>
-          </a:p>
-        </p:txBody>
-      </p:sp>
-      <p:sp>
-        <p:nvSpPr>
-          <p:cNvPr id="7" name="TextBox 6"/>
-          <p:cNvSpPr txBox="1"/>
-          <p:nvPr/>
-        </p:nvSpPr>
-        <p:spPr>
-          <a:xfrm>
-            <a:off x="334962" y="584200"/>
-            <a:ext cx="11522075" cy="3539430"/>
-          </a:xfrm>
-          <a:prstGeom prst="rect">
-            <a:avLst/>
-          </a:prstGeom>
-          <a:noFill/>
-        </p:spPr>
-        <p:txBody>
-          <a:bodyPr wrap="square" rtlCol="0">
-            <a:spAutoFit/>
-          </a:bodyPr>
-          <a:lstStyle/>
-          <a:p>
-            <a:pPr marL="342900" indent="-342900">
-              <a:buFontTx/>
-              <a:buChar char="-"/>
-            </a:pPr>
-            <a:r>
-              <a:rPr lang="ru-RU" sz="3200" dirty="0" smtClean="0">
-                <a:latin typeface="Times New Roman" panose="02020603050405020304" pitchFamily="18" charset="0"/>
-                <a:cs typeface="Times New Roman" panose="02020603050405020304" pitchFamily="18" charset="0"/>
-              </a:rPr>
-              <a:t>Конструктор без параметров</a:t>
-            </a:r>
-            <a:r>
-              <a:rPr lang="en-US" sz="3200" dirty="0">
-                <a:latin typeface="Times New Roman" panose="02020603050405020304" pitchFamily="18" charset="0"/>
-                <a:cs typeface="Times New Roman" panose="02020603050405020304" pitchFamily="18" charset="0"/>
-              </a:rPr>
-              <a:t> </a:t>
-            </a:r>
-            <a:r>
-              <a:rPr lang="ru-RU" sz="3200" dirty="0" smtClean="0">
-                <a:latin typeface="Times New Roman" panose="02020603050405020304" pitchFamily="18" charset="0"/>
-                <a:cs typeface="Times New Roman" panose="02020603050405020304" pitchFamily="18" charset="0"/>
-              </a:rPr>
-              <a:t>создаёт пул с параллелизмом соответствующим </a:t>
-            </a:r>
-            <a:r>
-              <a:rPr lang="en-US" sz="3200" dirty="0" smtClean="0">
-                <a:latin typeface="Times New Roman" panose="02020603050405020304" pitchFamily="18" charset="0"/>
-                <a:cs typeface="Times New Roman" panose="02020603050405020304" pitchFamily="18" charset="0"/>
-              </a:rPr>
-              <a:t>Runtime</a:t>
-            </a:r>
-            <a:endParaRPr lang="ru-RU" sz="3200" dirty="0" smtClean="0">
-              <a:latin typeface="Times New Roman" panose="02020603050405020304" pitchFamily="18" charset="0"/>
-              <a:cs typeface="Times New Roman" panose="02020603050405020304" pitchFamily="18" charset="0"/>
-            </a:endParaRPr>
-          </a:p>
-          <a:p>
-            <a:r>
-              <a:rPr lang="ru-RU" sz="3200" dirty="0">
-                <a:latin typeface="Times New Roman" panose="02020603050405020304" pitchFamily="18" charset="0"/>
-                <a:cs typeface="Times New Roman" panose="02020603050405020304" pitchFamily="18" charset="0"/>
-              </a:rPr>
-              <a:t> </a:t>
-            </a:r>
-            <a:r>
-              <a:rPr lang="ru-RU" sz="3200" dirty="0" smtClean="0">
-                <a:latin typeface="Times New Roman" panose="02020603050405020304" pitchFamily="18" charset="0"/>
-                <a:cs typeface="Times New Roman" panose="02020603050405020304" pitchFamily="18" charset="0"/>
-              </a:rPr>
-              <a:t>   </a:t>
-            </a:r>
-            <a:r>
-              <a:rPr lang="en-US" sz="3200" dirty="0" smtClean="0">
-                <a:solidFill>
-                  <a:srgbClr val="C00000"/>
-                </a:solidFill>
-                <a:latin typeface="Times New Roman" panose="02020603050405020304" pitchFamily="18" charset="0"/>
-                <a:cs typeface="Times New Roman" panose="02020603050405020304" pitchFamily="18" charset="0"/>
-              </a:rPr>
-              <a:t>public</a:t>
-            </a:r>
-            <a:r>
-              <a:rPr lang="en-US" sz="3200" dirty="0" smtClean="0">
-                <a:latin typeface="Times New Roman" panose="02020603050405020304" pitchFamily="18" charset="0"/>
-                <a:cs typeface="Times New Roman" panose="02020603050405020304" pitchFamily="18" charset="0"/>
-              </a:rPr>
-              <a:t> </a:t>
-            </a:r>
-            <a:r>
-              <a:rPr lang="en-US" sz="3200" dirty="0" err="1" smtClean="0">
-                <a:latin typeface="Times New Roman" panose="02020603050405020304" pitchFamily="18" charset="0"/>
-                <a:cs typeface="Times New Roman" panose="02020603050405020304" pitchFamily="18" charset="0"/>
-              </a:rPr>
-              <a:t>ForkJoinPool</a:t>
-            </a:r>
-            <a:r>
-              <a:rPr lang="en-US" sz="3200" dirty="0" smtClean="0">
-                <a:latin typeface="Times New Roman" panose="02020603050405020304" pitchFamily="18" charset="0"/>
-                <a:cs typeface="Times New Roman" panose="02020603050405020304" pitchFamily="18" charset="0"/>
-              </a:rPr>
-              <a:t>() {…}</a:t>
-            </a:r>
-          </a:p>
-          <a:p>
-            <a:pPr marL="457200" indent="-457200">
-              <a:buFontTx/>
-              <a:buChar char="-"/>
-            </a:pPr>
-            <a:r>
-              <a:rPr lang="ru-RU" sz="3200" dirty="0" smtClean="0">
-                <a:latin typeface="Times New Roman" panose="02020603050405020304" pitchFamily="18" charset="0"/>
-                <a:cs typeface="Times New Roman" panose="02020603050405020304" pitchFamily="18" charset="0"/>
-              </a:rPr>
-              <a:t>Конструктор, который на вход принимает значение заданного уровня параллелизма</a:t>
-            </a:r>
-          </a:p>
-          <a:p>
-            <a:r>
-              <a:rPr lang="ru-RU" sz="3200" dirty="0">
-                <a:latin typeface="Times New Roman" panose="02020603050405020304" pitchFamily="18" charset="0"/>
-                <a:cs typeface="Times New Roman" panose="02020603050405020304" pitchFamily="18" charset="0"/>
-              </a:rPr>
-              <a:t> </a:t>
-            </a:r>
-            <a:r>
-              <a:rPr lang="ru-RU" sz="3200" dirty="0" smtClean="0">
-                <a:latin typeface="Times New Roman" panose="02020603050405020304" pitchFamily="18" charset="0"/>
-                <a:cs typeface="Times New Roman" panose="02020603050405020304" pitchFamily="18" charset="0"/>
-              </a:rPr>
-              <a:t>   </a:t>
-            </a:r>
-            <a:r>
-              <a:rPr lang="en-US" sz="3200" dirty="0">
-                <a:solidFill>
-                  <a:srgbClr val="C00000"/>
-                </a:solidFill>
-                <a:latin typeface="Times New Roman" panose="02020603050405020304" pitchFamily="18" charset="0"/>
-                <a:cs typeface="Times New Roman" panose="02020603050405020304" pitchFamily="18" charset="0"/>
-              </a:rPr>
-              <a:t>public</a:t>
-            </a:r>
-            <a:r>
-              <a:rPr lang="en-US" sz="3200" dirty="0">
-                <a:latin typeface="Times New Roman" panose="02020603050405020304" pitchFamily="18" charset="0"/>
-                <a:cs typeface="Times New Roman" panose="02020603050405020304" pitchFamily="18" charset="0"/>
-              </a:rPr>
-              <a:t> </a:t>
-            </a:r>
-            <a:r>
-              <a:rPr lang="en-US" sz="3200" dirty="0" err="1" smtClean="0">
-                <a:latin typeface="Times New Roman" panose="02020603050405020304" pitchFamily="18" charset="0"/>
-                <a:cs typeface="Times New Roman" panose="02020603050405020304" pitchFamily="18" charset="0"/>
-              </a:rPr>
-              <a:t>ForkJoinPool</a:t>
-            </a:r>
-            <a:r>
-              <a:rPr lang="en-US" sz="3200" dirty="0" smtClean="0">
-                <a:latin typeface="Times New Roman" panose="02020603050405020304" pitchFamily="18" charset="0"/>
-                <a:cs typeface="Times New Roman" panose="02020603050405020304" pitchFamily="18" charset="0"/>
-              </a:rPr>
-              <a:t>(</a:t>
-            </a:r>
-            <a:r>
-              <a:rPr lang="en-US" sz="3200" dirty="0" err="1" smtClean="0">
-                <a:solidFill>
-                  <a:srgbClr val="C00000"/>
-                </a:solidFill>
-                <a:latin typeface="Times New Roman" panose="02020603050405020304" pitchFamily="18" charset="0"/>
-                <a:cs typeface="Times New Roman" panose="02020603050405020304" pitchFamily="18" charset="0"/>
-              </a:rPr>
-              <a:t>int</a:t>
-            </a:r>
-            <a:r>
-              <a:rPr lang="en-US" sz="3200" dirty="0" smtClean="0">
-                <a:latin typeface="Times New Roman" panose="02020603050405020304" pitchFamily="18" charset="0"/>
-                <a:cs typeface="Times New Roman" panose="02020603050405020304" pitchFamily="18" charset="0"/>
-              </a:rPr>
-              <a:t> parallelism) {…}</a:t>
-            </a:r>
-            <a:endParaRPr lang="ru-RU" sz="3200" dirty="0" smtClean="0">
-              <a:latin typeface="Times New Roman" panose="02020603050405020304" pitchFamily="18" charset="0"/>
-              <a:cs typeface="Times New Roman" panose="02020603050405020304" pitchFamily="18" charset="0"/>
-            </a:endParaRPr>
-          </a:p>
-          <a:p>
-            <a:endParaRPr lang="ru-RU" sz="3200" dirty="0" smtClean="0">
-              <a:latin typeface="Times New Roman" panose="02020603050405020304" pitchFamily="18" charset="0"/>
-              <a:cs typeface="Times New Roman" panose="02020603050405020304" pitchFamily="18" charset="0"/>
-            </a:endParaRPr>
-          </a:p>
-        </p:txBody>
-      </p:sp>
-      <p:sp>
-        <p:nvSpPr>
-          <p:cNvPr id="6" name="TextBox 5"/>
-          <p:cNvSpPr txBox="1"/>
-          <p:nvPr/>
-        </p:nvSpPr>
-        <p:spPr>
-          <a:xfrm>
-            <a:off x="334963" y="4123630"/>
-            <a:ext cx="11522075" cy="1569660"/>
-          </a:xfrm>
-          <a:prstGeom prst="rect">
-            <a:avLst/>
-          </a:prstGeom>
-          <a:noFill/>
-        </p:spPr>
-        <p:txBody>
-          <a:bodyPr wrap="square" rtlCol="0">
-            <a:spAutoFit/>
-          </a:bodyPr>
-          <a:lstStyle/>
-          <a:p>
-            <a:pPr marL="342900" indent="-342900">
-              <a:buFontTx/>
-              <a:buChar char="-"/>
-            </a:pPr>
-            <a:r>
-              <a:rPr lang="en-US" sz="3200" dirty="0" err="1" smtClean="0">
-                <a:latin typeface="Times New Roman" panose="02020603050405020304" pitchFamily="18" charset="0"/>
-                <a:cs typeface="Times New Roman" panose="02020603050405020304" pitchFamily="18" charset="0"/>
-              </a:rPr>
-              <a:t>commonPool</a:t>
-            </a:r>
-            <a:r>
-              <a:rPr lang="en-US" sz="3200" dirty="0" smtClean="0">
-                <a:latin typeface="Times New Roman" panose="02020603050405020304" pitchFamily="18" charset="0"/>
-                <a:cs typeface="Times New Roman" panose="02020603050405020304" pitchFamily="18" charset="0"/>
-              </a:rPr>
-              <a:t>() –</a:t>
-            </a:r>
-            <a:r>
-              <a:rPr lang="ru-RU" sz="3200" dirty="0" smtClean="0">
-                <a:latin typeface="Times New Roman" panose="02020603050405020304" pitchFamily="18" charset="0"/>
-                <a:cs typeface="Times New Roman" panose="02020603050405020304" pitchFamily="18" charset="0"/>
-              </a:rPr>
-              <a:t> это статический </a:t>
-            </a:r>
-            <a:r>
-              <a:rPr lang="ru-RU" sz="3200" dirty="0">
-                <a:latin typeface="Times New Roman" panose="02020603050405020304" pitchFamily="18" charset="0"/>
-                <a:cs typeface="Times New Roman" panose="02020603050405020304" pitchFamily="18" charset="0"/>
-              </a:rPr>
-              <a:t>метод </a:t>
-            </a:r>
-            <a:r>
-              <a:rPr lang="en-US" sz="3200" dirty="0" smtClean="0">
-                <a:latin typeface="Times New Roman" panose="02020603050405020304" pitchFamily="18" charset="0"/>
-                <a:cs typeface="Times New Roman" panose="02020603050405020304" pitchFamily="18" charset="0"/>
-              </a:rPr>
-              <a:t> </a:t>
-            </a:r>
-            <a:r>
-              <a:rPr lang="ru-RU" sz="3200" dirty="0">
-                <a:latin typeface="Times New Roman" panose="02020603050405020304" pitchFamily="18" charset="0"/>
-                <a:cs typeface="Times New Roman" panose="02020603050405020304" pitchFamily="18" charset="0"/>
-              </a:rPr>
-              <a:t>класса </a:t>
-            </a:r>
-            <a:r>
-              <a:rPr lang="en-US" sz="3200" dirty="0" err="1" smtClean="0">
-                <a:latin typeface="Times New Roman" panose="02020603050405020304" pitchFamily="18" charset="0"/>
-                <a:cs typeface="Times New Roman" panose="02020603050405020304" pitchFamily="18" charset="0"/>
-              </a:rPr>
-              <a:t>ForkJoinPool</a:t>
-            </a:r>
-            <a:r>
-              <a:rPr lang="ru-RU" sz="3200" dirty="0" smtClean="0">
-                <a:latin typeface="Times New Roman" panose="02020603050405020304" pitchFamily="18" charset="0"/>
-                <a:cs typeface="Times New Roman" panose="02020603050405020304" pitchFamily="18" charset="0"/>
-              </a:rPr>
-              <a:t>, который позволяет получить ссылку на общий пул (согласно</a:t>
-            </a:r>
-            <a:r>
-              <a:rPr lang="en-US" sz="3200" dirty="0" smtClean="0">
-                <a:latin typeface="Times New Roman" panose="02020603050405020304" pitchFamily="18" charset="0"/>
-                <a:cs typeface="Times New Roman" panose="02020603050405020304" pitchFamily="18" charset="0"/>
-              </a:rPr>
-              <a:t> Oracle </a:t>
-            </a:r>
-            <a:r>
-              <a:rPr lang="ru-RU" sz="3200" dirty="0" smtClean="0">
-                <a:latin typeface="Times New Roman" panose="02020603050405020304" pitchFamily="18" charset="0"/>
-                <a:cs typeface="Times New Roman" panose="02020603050405020304" pitchFamily="18" charset="0"/>
-              </a:rPr>
-              <a:t>документации – это снижает потребление ресурсов).</a:t>
-            </a:r>
-            <a:endParaRPr lang="en-US" sz="3200" dirty="0" smtClean="0">
-              <a:latin typeface="Times New Roman" panose="02020603050405020304" pitchFamily="18" charset="0"/>
-              <a:cs typeface="Times New Roman" panose="02020603050405020304" pitchFamily="18" charset="0"/>
-            </a:endParaRPr>
-          </a:p>
-        </p:txBody>
-      </p:sp>
-    </p:spTree>
-    <p:extLst>
-      <p:ext uri="{BB962C8B-B14F-4D97-AF65-F5344CB8AC3E}">
-        <p14:creationId xmlns:p14="http://schemas.microsoft.com/office/powerpoint/2010/main" val="1772829479"/>
-      </p:ext>
-    </p:extLst>
-  </p:cSld>
-  <p:clrMapOvr>
-    <a:masterClrMapping/>
-  </p:clrMapOvr>
-  <p:timing>
-    <p:tnLst>
-      <p:par>
-        <p:cTn id="1" dur="indefinite" restart="never" nodeType="tmRoot"/>
-      </p:par>
-    </p:tnLst>
-  </p:timing>
-</p:sld>
-</file>
-
-<file path=ppt/slides/slide8.xml><?xml version="1.0" encoding="utf-8"?>
-<p:sld xmlns:a="http://schemas.openxmlformats.org/drawingml/2006/main" xmlns:r="http://schemas.openxmlformats.org/officeDocument/2006/relationships" xmlns:p="http://schemas.openxmlformats.org/presentationml/2006/main">
-  <p:cSld>
-    <p:spTree>
-      <p:nvGrpSpPr>
-        <p:cNvPr id="1" name=""/>
-        <p:cNvGrpSpPr/>
-        <p:nvPr/>
-      </p:nvGrpSpPr>
-      <p:grpSpPr>
-        <a:xfrm>
-          <a:off x="0" y="0"/>
-          <a:ext cx="0" cy="0"/>
-          <a:chOff x="0" y="0"/>
-          <a:chExt cx="0" cy="0"/>
-        </a:xfrm>
-      </p:grpSpPr>
-      <p:sp>
-        <p:nvSpPr>
-          <p:cNvPr id="5" name="TextBox 4"/>
-          <p:cNvSpPr txBox="1"/>
-          <p:nvPr/>
-        </p:nvSpPr>
-        <p:spPr>
-          <a:xfrm>
-            <a:off x="1" y="6273225"/>
-            <a:ext cx="12191999" cy="584775"/>
-          </a:xfrm>
-          <a:prstGeom prst="rect">
-            <a:avLst/>
-          </a:prstGeom>
-        </p:spPr>
-        <p:style>
-          <a:lnRef idx="1">
-            <a:schemeClr val="accent2"/>
-          </a:lnRef>
-          <a:fillRef idx="2">
-            <a:schemeClr val="accent2"/>
-          </a:fillRef>
-          <a:effectRef idx="1">
-            <a:schemeClr val="accent2"/>
-          </a:effectRef>
-          <a:fontRef idx="minor">
-            <a:schemeClr val="dk1"/>
-          </a:fontRef>
-        </p:style>
-        <p:txBody>
-          <a:bodyPr wrap="square" rtlCol="0">
-            <a:spAutoFit/>
-          </a:bodyPr>
-          <a:lstStyle/>
-          <a:p>
-            <a:pPr algn="ctr"/>
-            <a:endParaRPr lang="ru-RU" sz="3200" dirty="0">
-              <a:solidFill>
-                <a:schemeClr val="bg1"/>
-              </a:solidFill>
-              <a:latin typeface="Times New Roman" panose="02020603050405020304" pitchFamily="18" charset="0"/>
-              <a:cs typeface="Times New Roman" panose="02020603050405020304" pitchFamily="18" charset="0"/>
-            </a:endParaRPr>
-          </a:p>
-        </p:txBody>
-      </p:sp>
-      <p:sp>
-        <p:nvSpPr>
-          <p:cNvPr id="8" name="TextBox 7"/>
-          <p:cNvSpPr txBox="1"/>
-          <p:nvPr/>
-        </p:nvSpPr>
-        <p:spPr>
-          <a:xfrm>
-            <a:off x="0" y="-575"/>
-            <a:ext cx="12191999" cy="584775"/>
-          </a:xfrm>
-          <a:prstGeom prst="rect">
-            <a:avLst/>
-          </a:prstGeom>
-        </p:spPr>
-        <p:style>
-          <a:lnRef idx="1">
-            <a:schemeClr val="accent2"/>
-          </a:lnRef>
-          <a:fillRef idx="2">
-            <a:schemeClr val="accent2"/>
-          </a:fillRef>
-          <a:effectRef idx="1">
-            <a:schemeClr val="accent2"/>
-          </a:effectRef>
-          <a:fontRef idx="minor">
-            <a:schemeClr val="dk1"/>
-          </a:fontRef>
-        </p:style>
-        <p:txBody>
-          <a:bodyPr wrap="square" rtlCol="0">
-            <a:spAutoFit/>
-          </a:bodyPr>
-          <a:lstStyle/>
-          <a:p>
-            <a:pPr algn="ctr"/>
-            <a:r>
-              <a:rPr lang="en-US" sz="3200" b="1" dirty="0" err="1" smtClean="0">
-                <a:solidFill>
-                  <a:srgbClr val="002060"/>
-                </a:solidFill>
-                <a:latin typeface="Times New Roman" panose="02020603050405020304" pitchFamily="18" charset="0"/>
-                <a:cs typeface="Times New Roman" panose="02020603050405020304" pitchFamily="18" charset="0"/>
-              </a:rPr>
               <a:t>ForkJoinTask</a:t>
             </a:r>
             <a:endParaRPr lang="ru-RU" sz="3200" b="1" dirty="0">
@@ -7749,17 +8386,9 @@
 </p:sld>
 </file>
 
-<file path=ppt/slides/slide9.xml><?xml version="1.0" encoding="utf-8"?>
+<file path=ppt/slides/slide8.xml><?xml version="1.0" encoding="utf-8"?>
 <p:sld xmlns:a="http://schemas.openxmlformats.org/drawingml/2006/main" xmlns:r="http://schemas.openxmlformats.org/officeDocument/2006/relationships" xmlns:p="http://schemas.openxmlformats.org/presentationml/2006/main">
   <p:cSld>
-    <p:bg>
-      <p:bgPr>
-        <a:solidFill>
-          <a:schemeClr val="bg1"/>
-        </a:solidFill>
-        <a:effectLst/>
-      </p:bgPr>
-    </p:bg>
     <p:spTree>
       <p:nvGrpSpPr>
         <p:cNvPr id="1" name=""/>
@@ -8060,6 +8689,407 @@
     <p:extLst>
       <p:ext uri="{BB962C8B-B14F-4D97-AF65-F5344CB8AC3E}">
         <p14:creationId xmlns:p14="http://schemas.microsoft.com/office/powerpoint/2010/main" val="3759752719"/>
+      </p:ext>
+    </p:extLst>
+  </p:cSld>
+  <p:clrMapOvr>
+    <a:masterClrMapping/>
+  </p:clrMapOvr>
+  <p:timing>
+    <p:tnLst>
+      <p:par>
+        <p:cTn id="1" dur="indefinite" restart="never" nodeType="tmRoot"/>
+      </p:par>
+    </p:tnLst>
+  </p:timing>
+</p:sld>
+</file>
+
+<file path=ppt/slides/slide9.xml><?xml version="1.0" encoding="utf-8"?>
+<p:sld xmlns:a="http://schemas.openxmlformats.org/drawingml/2006/main" xmlns:r="http://schemas.openxmlformats.org/officeDocument/2006/relationships" xmlns:p="http://schemas.openxmlformats.org/presentationml/2006/main">
+  <p:cSld>
+    <p:spTree>
+      <p:nvGrpSpPr>
+        <p:cNvPr id="1" name=""/>
+        <p:cNvGrpSpPr/>
+        <p:nvPr/>
+      </p:nvGrpSpPr>
+      <p:grpSpPr>
+        <a:xfrm>
+          <a:off x="0" y="0"/>
+          <a:ext cx="0" cy="0"/>
+          <a:chOff x="0" y="0"/>
+          <a:chExt cx="0" cy="0"/>
+        </a:xfrm>
+      </p:grpSpPr>
+      <p:sp>
+        <p:nvSpPr>
+          <p:cNvPr id="5" name="TextBox 4"/>
+          <p:cNvSpPr txBox="1"/>
+          <p:nvPr/>
+        </p:nvSpPr>
+        <p:spPr>
+          <a:xfrm>
+            <a:off x="1" y="6273225"/>
+            <a:ext cx="12191999" cy="584775"/>
+          </a:xfrm>
+          <a:prstGeom prst="rect">
+            <a:avLst/>
+          </a:prstGeom>
+        </p:spPr>
+        <p:style>
+          <a:lnRef idx="1">
+            <a:schemeClr val="accent2"/>
+          </a:lnRef>
+          <a:fillRef idx="2">
+            <a:schemeClr val="accent2"/>
+          </a:fillRef>
+          <a:effectRef idx="1">
+            <a:schemeClr val="accent2"/>
+          </a:effectRef>
+          <a:fontRef idx="minor">
+            <a:schemeClr val="dk1"/>
+          </a:fontRef>
+        </p:style>
+        <p:txBody>
+          <a:bodyPr wrap="square" rtlCol="0">
+            <a:spAutoFit/>
+          </a:bodyPr>
+          <a:lstStyle/>
+          <a:p>
+            <a:pPr algn="ctr"/>
+            <a:endParaRPr lang="ru-RU" sz="3200" dirty="0">
+              <a:solidFill>
+                <a:schemeClr val="bg1"/>
+              </a:solidFill>
+              <a:latin typeface="Times New Roman" panose="02020603050405020304" pitchFamily="18" charset="0"/>
+              <a:cs typeface="Times New Roman" panose="02020603050405020304" pitchFamily="18" charset="0"/>
+            </a:endParaRPr>
+          </a:p>
+        </p:txBody>
+      </p:sp>
+      <p:sp>
+        <p:nvSpPr>
+          <p:cNvPr id="8" name="TextBox 7"/>
+          <p:cNvSpPr txBox="1"/>
+          <p:nvPr/>
+        </p:nvSpPr>
+        <p:spPr>
+          <a:xfrm>
+            <a:off x="0" y="-575"/>
+            <a:ext cx="12191999" cy="584775"/>
+          </a:xfrm>
+          <a:prstGeom prst="rect">
+            <a:avLst/>
+          </a:prstGeom>
+        </p:spPr>
+        <p:style>
+          <a:lnRef idx="1">
+            <a:schemeClr val="accent2"/>
+          </a:lnRef>
+          <a:fillRef idx="2">
+            <a:schemeClr val="accent2"/>
+          </a:fillRef>
+          <a:effectRef idx="1">
+            <a:schemeClr val="accent2"/>
+          </a:effectRef>
+          <a:fontRef idx="minor">
+            <a:schemeClr val="dk1"/>
+          </a:fontRef>
+        </p:style>
+        <p:txBody>
+          <a:bodyPr wrap="square" rtlCol="0">
+            <a:spAutoFit/>
+          </a:bodyPr>
+          <a:lstStyle/>
+          <a:p>
+            <a:pPr algn="ctr"/>
+            <a:r>
+              <a:rPr lang="ru-RU" sz="3200" b="1" dirty="0" smtClean="0">
+                <a:solidFill>
+                  <a:srgbClr val="002060"/>
+                </a:solidFill>
+                <a:latin typeface="Times New Roman" panose="02020603050405020304" pitchFamily="18" charset="0"/>
+                <a:cs typeface="Times New Roman" panose="02020603050405020304" pitchFamily="18" charset="0"/>
+              </a:rPr>
+              <a:t>Метод </a:t>
+            </a:r>
+            <a:r>
+              <a:rPr lang="en-US" sz="3200" b="1" dirty="0" smtClean="0">
+                <a:solidFill>
+                  <a:srgbClr val="002060"/>
+                </a:solidFill>
+                <a:latin typeface="Times New Roman" panose="02020603050405020304" pitchFamily="18" charset="0"/>
+                <a:cs typeface="Times New Roman" panose="02020603050405020304" pitchFamily="18" charset="0"/>
+              </a:rPr>
+              <a:t>compute()</a:t>
+            </a:r>
+            <a:endParaRPr lang="ru-RU" sz="3200" b="1" dirty="0">
+              <a:solidFill>
+                <a:srgbClr val="002060"/>
+              </a:solidFill>
+              <a:latin typeface="Times New Roman" panose="02020603050405020304" pitchFamily="18" charset="0"/>
+              <a:cs typeface="Times New Roman" panose="02020603050405020304" pitchFamily="18" charset="0"/>
+            </a:endParaRPr>
+          </a:p>
+        </p:txBody>
+      </p:sp>
+      <p:sp>
+        <p:nvSpPr>
+          <p:cNvPr id="6" name="TextBox 5"/>
+          <p:cNvSpPr txBox="1"/>
+          <p:nvPr/>
+        </p:nvSpPr>
+        <p:spPr>
+          <a:xfrm>
+            <a:off x="334961" y="584200"/>
+            <a:ext cx="11522075" cy="5509200"/>
+          </a:xfrm>
+          <a:prstGeom prst="rect">
+            <a:avLst/>
+          </a:prstGeom>
+          <a:noFill/>
+        </p:spPr>
+        <p:txBody>
+          <a:bodyPr wrap="square" rtlCol="0">
+            <a:spAutoFit/>
+          </a:bodyPr>
+          <a:lstStyle/>
+          <a:p>
+            <a:r>
+              <a:rPr lang="ru-RU" sz="3200" dirty="0" smtClean="0">
+                <a:latin typeface="Times New Roman" panose="02020603050405020304" pitchFamily="18" charset="0"/>
+                <a:cs typeface="Times New Roman" panose="02020603050405020304" pitchFamily="18" charset="0"/>
+              </a:rPr>
+              <a:t>В данном методе реализуется алгоритм решения задачи, а также разделение задачи на подзадачи</a:t>
+            </a:r>
+          </a:p>
+          <a:p>
+            <a:r>
+              <a:rPr lang="ru-RU" sz="3200" dirty="0">
+                <a:latin typeface="Times New Roman" panose="02020603050405020304" pitchFamily="18" charset="0"/>
+                <a:cs typeface="Times New Roman" panose="02020603050405020304" pitchFamily="18" charset="0"/>
+              </a:rPr>
+              <a:t>	</a:t>
+            </a:r>
+            <a:r>
+              <a:rPr lang="en-US" sz="3200" dirty="0" smtClean="0">
+                <a:latin typeface="Times New Roman" panose="02020603050405020304" pitchFamily="18" charset="0"/>
+                <a:cs typeface="Times New Roman" panose="02020603050405020304" pitchFamily="18" charset="0"/>
+              </a:rPr>
+              <a:t>@Override</a:t>
+            </a:r>
+          </a:p>
+          <a:p>
+            <a:r>
+              <a:rPr lang="en-US" sz="3200" dirty="0">
+                <a:latin typeface="Times New Roman" panose="02020603050405020304" pitchFamily="18" charset="0"/>
+                <a:cs typeface="Times New Roman" panose="02020603050405020304" pitchFamily="18" charset="0"/>
+              </a:rPr>
+              <a:t>	</a:t>
+            </a:r>
+            <a:r>
+              <a:rPr lang="en-US" sz="3200" dirty="0">
+                <a:solidFill>
+                  <a:srgbClr val="C00000"/>
+                </a:solidFill>
+                <a:latin typeface="Times New Roman" panose="02020603050405020304" pitchFamily="18" charset="0"/>
+                <a:cs typeface="Times New Roman" panose="02020603050405020304" pitchFamily="18" charset="0"/>
+              </a:rPr>
+              <a:t>p</a:t>
+            </a:r>
+            <a:r>
+              <a:rPr lang="en-US" sz="3200" dirty="0" smtClean="0">
+                <a:solidFill>
+                  <a:srgbClr val="C00000"/>
+                </a:solidFill>
+                <a:latin typeface="Times New Roman" panose="02020603050405020304" pitchFamily="18" charset="0"/>
+                <a:cs typeface="Times New Roman" panose="02020603050405020304" pitchFamily="18" charset="0"/>
+              </a:rPr>
+              <a:t>rotected</a:t>
+            </a:r>
+            <a:r>
+              <a:rPr lang="en-US" sz="3200" dirty="0" smtClean="0">
+                <a:latin typeface="Times New Roman" panose="02020603050405020304" pitchFamily="18" charset="0"/>
+                <a:cs typeface="Times New Roman" panose="02020603050405020304" pitchFamily="18" charset="0"/>
+              </a:rPr>
+              <a:t> V compute() {</a:t>
+            </a:r>
+          </a:p>
+          <a:p>
+            <a:r>
+              <a:rPr lang="en-US" sz="3200" dirty="0">
+                <a:latin typeface="Times New Roman" panose="02020603050405020304" pitchFamily="18" charset="0"/>
+                <a:cs typeface="Times New Roman" panose="02020603050405020304" pitchFamily="18" charset="0"/>
+              </a:rPr>
+              <a:t>	</a:t>
+            </a:r>
+            <a:r>
+              <a:rPr lang="en-US" sz="3200" dirty="0" smtClean="0">
+                <a:latin typeface="Times New Roman" panose="02020603050405020304" pitchFamily="18" charset="0"/>
+                <a:cs typeface="Times New Roman" panose="02020603050405020304" pitchFamily="18" charset="0"/>
+              </a:rPr>
+              <a:t>	</a:t>
+            </a:r>
+            <a:r>
+              <a:rPr lang="en-US" sz="3200" dirty="0" smtClean="0">
+                <a:solidFill>
+                  <a:srgbClr val="C00000"/>
+                </a:solidFill>
+                <a:latin typeface="Times New Roman" panose="02020603050405020304" pitchFamily="18" charset="0"/>
+                <a:cs typeface="Times New Roman" panose="02020603050405020304" pitchFamily="18" charset="0"/>
+              </a:rPr>
+              <a:t>if(</a:t>
+            </a:r>
+            <a:r>
+              <a:rPr lang="ru-RU" sz="3200" dirty="0" smtClean="0">
+                <a:latin typeface="Times New Roman" panose="02020603050405020304" pitchFamily="18" charset="0"/>
+                <a:cs typeface="Times New Roman" panose="02020603050405020304" pitchFamily="18" charset="0"/>
+              </a:rPr>
+              <a:t>проверка для </a:t>
+            </a:r>
+            <a:r>
+              <a:rPr lang="en-US" sz="3200" dirty="0" smtClean="0">
+                <a:latin typeface="Times New Roman" panose="02020603050405020304" pitchFamily="18" charset="0"/>
+                <a:cs typeface="Times New Roman" panose="02020603050405020304" pitchFamily="18" charset="0"/>
+              </a:rPr>
+              <a:t>threshold) {</a:t>
+            </a:r>
+          </a:p>
+          <a:p>
+            <a:r>
+              <a:rPr lang="en-US" sz="3200" dirty="0">
+                <a:latin typeface="Times New Roman" panose="02020603050405020304" pitchFamily="18" charset="0"/>
+                <a:cs typeface="Times New Roman" panose="02020603050405020304" pitchFamily="18" charset="0"/>
+              </a:rPr>
+              <a:t>	</a:t>
+            </a:r>
+            <a:r>
+              <a:rPr lang="en-US" sz="3200" dirty="0" smtClean="0">
+                <a:latin typeface="Times New Roman" panose="02020603050405020304" pitchFamily="18" charset="0"/>
+                <a:cs typeface="Times New Roman" panose="02020603050405020304" pitchFamily="18" charset="0"/>
+              </a:rPr>
+              <a:t>		/* </a:t>
+            </a:r>
+            <a:r>
+              <a:rPr lang="ru-RU" sz="3200" dirty="0" smtClean="0">
+                <a:latin typeface="Times New Roman" panose="02020603050405020304" pitchFamily="18" charset="0"/>
+                <a:cs typeface="Times New Roman" panose="02020603050405020304" pitchFamily="18" charset="0"/>
+              </a:rPr>
+              <a:t>алгоритм решения задачи (подзадачи)</a:t>
+            </a:r>
+            <a:r>
+              <a:rPr lang="en-US" sz="3200" dirty="0" smtClean="0">
+                <a:latin typeface="Times New Roman" panose="02020603050405020304" pitchFamily="18" charset="0"/>
+                <a:cs typeface="Times New Roman" panose="02020603050405020304" pitchFamily="18" charset="0"/>
+              </a:rPr>
+              <a:t> */</a:t>
+            </a:r>
+          </a:p>
+          <a:p>
+            <a:r>
+              <a:rPr lang="en-US" sz="3200" dirty="0" smtClean="0">
+                <a:latin typeface="Times New Roman" panose="02020603050405020304" pitchFamily="18" charset="0"/>
+                <a:cs typeface="Times New Roman" panose="02020603050405020304" pitchFamily="18" charset="0"/>
+              </a:rPr>
+              <a:t>		}</a:t>
+            </a:r>
+            <a:r>
+              <a:rPr lang="ru-RU" sz="3200" dirty="0" smtClean="0">
+                <a:latin typeface="Times New Roman" panose="02020603050405020304" pitchFamily="18" charset="0"/>
+                <a:cs typeface="Times New Roman" panose="02020603050405020304" pitchFamily="18" charset="0"/>
+              </a:rPr>
+              <a:t> </a:t>
+            </a:r>
+            <a:r>
+              <a:rPr lang="en-US" sz="3200" dirty="0" smtClean="0">
+                <a:solidFill>
+                  <a:srgbClr val="C00000"/>
+                </a:solidFill>
+                <a:latin typeface="Times New Roman" panose="02020603050405020304" pitchFamily="18" charset="0"/>
+                <a:cs typeface="Times New Roman" panose="02020603050405020304" pitchFamily="18" charset="0"/>
+              </a:rPr>
+              <a:t>else</a:t>
+            </a:r>
+            <a:r>
+              <a:rPr lang="en-US" sz="3200" dirty="0" smtClean="0">
+                <a:latin typeface="Times New Roman" panose="02020603050405020304" pitchFamily="18" charset="0"/>
+                <a:cs typeface="Times New Roman" panose="02020603050405020304" pitchFamily="18" charset="0"/>
+              </a:rPr>
+              <a:t> {</a:t>
+            </a:r>
+          </a:p>
+          <a:p>
+            <a:r>
+              <a:rPr lang="en-US" sz="3200" dirty="0">
+                <a:latin typeface="Times New Roman" panose="02020603050405020304" pitchFamily="18" charset="0"/>
+                <a:cs typeface="Times New Roman" panose="02020603050405020304" pitchFamily="18" charset="0"/>
+              </a:rPr>
+              <a:t>	</a:t>
+            </a:r>
+            <a:r>
+              <a:rPr lang="en-US" sz="3200" dirty="0" smtClean="0">
+                <a:latin typeface="Times New Roman" panose="02020603050405020304" pitchFamily="18" charset="0"/>
+                <a:cs typeface="Times New Roman" panose="02020603050405020304" pitchFamily="18" charset="0"/>
+              </a:rPr>
+              <a:t>		/* </a:t>
+            </a:r>
+            <a:r>
+              <a:rPr lang="ru-RU" sz="3200" dirty="0" smtClean="0">
+                <a:latin typeface="Times New Roman" panose="02020603050405020304" pitchFamily="18" charset="0"/>
+                <a:cs typeface="Times New Roman" panose="02020603050405020304" pitchFamily="18" charset="0"/>
+              </a:rPr>
+              <a:t>алгоритм деления задачи на подзадачи</a:t>
+            </a:r>
+            <a:r>
+              <a:rPr lang="en-US" sz="3200" dirty="0" smtClean="0">
+                <a:latin typeface="Times New Roman" panose="02020603050405020304" pitchFamily="18" charset="0"/>
+                <a:cs typeface="Times New Roman" panose="02020603050405020304" pitchFamily="18" charset="0"/>
+              </a:rPr>
+              <a:t> */</a:t>
+            </a:r>
+          </a:p>
+          <a:p>
+            <a:r>
+              <a:rPr lang="en-US" sz="3200" dirty="0">
+                <a:latin typeface="Times New Roman" panose="02020603050405020304" pitchFamily="18" charset="0"/>
+                <a:cs typeface="Times New Roman" panose="02020603050405020304" pitchFamily="18" charset="0"/>
+              </a:rPr>
+              <a:t>	</a:t>
+            </a:r>
+            <a:r>
+              <a:rPr lang="en-US" sz="3200" dirty="0" smtClean="0">
+                <a:latin typeface="Times New Roman" panose="02020603050405020304" pitchFamily="18" charset="0"/>
+                <a:cs typeface="Times New Roman" panose="02020603050405020304" pitchFamily="18" charset="0"/>
+              </a:rPr>
+              <a:t>	}</a:t>
+            </a:r>
+          </a:p>
+          <a:p>
+            <a:r>
+              <a:rPr lang="en-US" sz="3200" dirty="0" smtClean="0">
+                <a:latin typeface="Times New Roman" panose="02020603050405020304" pitchFamily="18" charset="0"/>
+                <a:cs typeface="Times New Roman" panose="02020603050405020304" pitchFamily="18" charset="0"/>
+              </a:rPr>
+              <a:t>	}</a:t>
+            </a:r>
+            <a:endParaRPr lang="ru-RU" sz="3200" dirty="0" smtClean="0">
+              <a:latin typeface="Times New Roman" panose="02020603050405020304" pitchFamily="18" charset="0"/>
+              <a:cs typeface="Times New Roman" panose="02020603050405020304" pitchFamily="18" charset="0"/>
+            </a:endParaRPr>
+          </a:p>
+          <a:p>
+            <a:endParaRPr lang="ru-RU" sz="3200" b="1" dirty="0" smtClean="0">
+              <a:latin typeface="Times New Roman" panose="02020603050405020304" pitchFamily="18" charset="0"/>
+              <a:cs typeface="Times New Roman" panose="02020603050405020304" pitchFamily="18" charset="0"/>
+            </a:endParaRPr>
+          </a:p>
+        </p:txBody>
+      </p:sp>
+    </p:spTree>
+    <p:extLst>
+      <p:ext uri="{BB962C8B-B14F-4D97-AF65-F5344CB8AC3E}">
+        <p14:creationId xmlns:p14="http://schemas.microsoft.com/office/powerpoint/2010/main" val="1222231830"/>
       </p:ext>
     </p:extLst>
   </p:cSld>
